--- a/Bootcamp.pptx
+++ b/Bootcamp.pptx
@@ -26,6 +26,17 @@
     <p:sldId id="274" r:id="rId20"/>
     <p:sldId id="275" r:id="rId21"/>
     <p:sldId id="276" r:id="rId22"/>
+    <p:sldId id="277" r:id="rId23"/>
+    <p:sldId id="278" r:id="rId24"/>
+    <p:sldId id="283" r:id="rId25"/>
+    <p:sldId id="284" r:id="rId26"/>
+    <p:sldId id="281" r:id="rId27"/>
+    <p:sldId id="285" r:id="rId28"/>
+    <p:sldId id="286" r:id="rId29"/>
+    <p:sldId id="287" r:id="rId30"/>
+    <p:sldId id="288" r:id="rId31"/>
+    <p:sldId id="289" r:id="rId32"/>
+    <p:sldId id="290" r:id="rId33"/>
   </p:sldIdLst>
   <p:sldSz cx="12192000" cy="6858000"/>
   <p:notesSz cx="6858000" cy="9144000"/>
@@ -124,6 +135,11 @@
       </a:defRPr>
     </a:lvl9pPr>
   </p:defaultTextStyle>
+  <p:extLst>
+    <p:ext uri="{EFAFB233-063F-42B5-8137-9DF3F51BA10A}">
+      <p15:sldGuideLst xmlns:p15="http://schemas.microsoft.com/office/powerpoint/2012/main"/>
+    </p:ext>
+  </p:extLst>
 </p:presentation>
 </file>
 
@@ -373,7 +389,7 @@
             <a:fld id="{B61BEF0D-F0BB-DE4B-95CE-6DB70DBA9567}" type="datetimeFigureOut">
               <a:rPr lang="en-US" dirty="0"/>
               <a:pPr/>
-              <a:t>3/2/24</a:t>
+              <a:t>3/22/24</a:t>
             </a:fld>
             <a:endParaRPr lang="en-US" dirty="0"/>
           </a:p>
@@ -632,7 +648,7 @@
             <a:fld id="{B61BEF0D-F0BB-DE4B-95CE-6DB70DBA9567}" type="datetimeFigureOut">
               <a:rPr lang="en-US" dirty="0"/>
               <a:pPr/>
-              <a:t>3/2/24</a:t>
+              <a:t>3/22/24</a:t>
             </a:fld>
             <a:endParaRPr lang="en-US" dirty="0"/>
           </a:p>
@@ -864,7 +880,7 @@
             <a:fld id="{B61BEF0D-F0BB-DE4B-95CE-6DB70DBA9567}" type="datetimeFigureOut">
               <a:rPr lang="en-US" dirty="0"/>
               <a:pPr/>
-              <a:t>3/2/24</a:t>
+              <a:t>3/22/24</a:t>
             </a:fld>
             <a:endParaRPr lang="en-US" dirty="0"/>
           </a:p>
@@ -1101,7 +1117,7 @@
             <a:fld id="{B61BEF0D-F0BB-DE4B-95CE-6DB70DBA9567}" type="datetimeFigureOut">
               <a:rPr lang="en-US" dirty="0"/>
               <a:pPr/>
-              <a:t>3/2/24</a:t>
+              <a:t>3/22/24</a:t>
             </a:fld>
             <a:endParaRPr lang="en-US" dirty="0"/>
           </a:p>
@@ -1405,7 +1421,7 @@
             <a:fld id="{B61BEF0D-F0BB-DE4B-95CE-6DB70DBA9567}" type="datetimeFigureOut">
               <a:rPr lang="en-US" dirty="0"/>
               <a:pPr/>
-              <a:t>3/2/24</a:t>
+              <a:t>3/22/24</a:t>
             </a:fld>
             <a:endParaRPr lang="en-US" dirty="0"/>
           </a:p>
@@ -1704,7 +1720,7 @@
             <a:fld id="{B61BEF0D-F0BB-DE4B-95CE-6DB70DBA9567}" type="datetimeFigureOut">
               <a:rPr lang="en-US" dirty="0"/>
               <a:pPr/>
-              <a:t>3/2/24</a:t>
+              <a:t>3/22/24</a:t>
             </a:fld>
             <a:endParaRPr lang="en-US" dirty="0"/>
           </a:p>
@@ -2123,7 +2139,7 @@
             <a:fld id="{B61BEF0D-F0BB-DE4B-95CE-6DB70DBA9567}" type="datetimeFigureOut">
               <a:rPr lang="en-US" dirty="0"/>
               <a:pPr/>
-              <a:t>3/2/24</a:t>
+              <a:t>3/22/24</a:t>
             </a:fld>
             <a:endParaRPr lang="en-US" dirty="0"/>
           </a:p>
@@ -2282,7 +2298,7 @@
             <a:fld id="{B61BEF0D-F0BB-DE4B-95CE-6DB70DBA9567}" type="datetimeFigureOut">
               <a:rPr lang="en-US" dirty="0"/>
               <a:pPr/>
-              <a:t>3/2/24</a:t>
+              <a:t>3/22/24</a:t>
             </a:fld>
             <a:endParaRPr lang="en-US" dirty="0"/>
           </a:p>
@@ -2374,7 +2390,7 @@
             <a:fld id="{B61BEF0D-F0BB-DE4B-95CE-6DB70DBA9567}" type="datetimeFigureOut">
               <a:rPr lang="en-US" dirty="0"/>
               <a:pPr/>
-              <a:t>3/2/24</a:t>
+              <a:t>3/22/24</a:t>
             </a:fld>
             <a:endParaRPr lang="en-US" dirty="0"/>
           </a:p>
@@ -2749,7 +2765,7 @@
             <a:fld id="{B61BEF0D-F0BB-DE4B-95CE-6DB70DBA9567}" type="datetimeFigureOut">
               <a:rPr lang="en-US" dirty="0"/>
               <a:pPr/>
-              <a:t>3/2/24</a:t>
+              <a:t>3/22/24</a:t>
             </a:fld>
             <a:endParaRPr lang="en-US" dirty="0"/>
           </a:p>
@@ -3035,7 +3051,7 @@
             <a:fld id="{B61BEF0D-F0BB-DE4B-95CE-6DB70DBA9567}" type="datetimeFigureOut">
               <a:rPr lang="en-US" dirty="0"/>
               <a:pPr/>
-              <a:t>3/2/24</a:t>
+              <a:t>3/22/24</a:t>
             </a:fld>
             <a:endParaRPr lang="en-US" dirty="0"/>
           </a:p>
@@ -3243,7 +3259,7 @@
             <a:fld id="{B61BEF0D-F0BB-DE4B-95CE-6DB70DBA9567}" type="datetimeFigureOut">
               <a:rPr lang="en-US" dirty="0"/>
               <a:pPr/>
-              <a:t>3/2/24</a:t>
+              <a:t>3/22/24</a:t>
             </a:fld>
             <a:endParaRPr lang="en-US" dirty="0"/>
           </a:p>
@@ -13118,6 +13134,2186 @@
 </p:sld>
 </file>
 
+<file path=ppt/slides/slide22.xml><?xml version="1.0" encoding="utf-8"?>
+<p:sld xmlns:a="http://schemas.openxmlformats.org/drawingml/2006/main" xmlns:r="http://schemas.openxmlformats.org/officeDocument/2006/relationships" xmlns:p="http://schemas.openxmlformats.org/presentationml/2006/main">
+  <p:cSld>
+    <p:spTree>
+      <p:nvGrpSpPr>
+        <p:cNvPr id="1" name=""/>
+        <p:cNvGrpSpPr/>
+        <p:nvPr/>
+      </p:nvGrpSpPr>
+      <p:grpSpPr>
+        <a:xfrm>
+          <a:off x="0" y="0"/>
+          <a:ext cx="0" cy="0"/>
+          <a:chOff x="0" y="0"/>
+          <a:chExt cx="0" cy="0"/>
+        </a:xfrm>
+      </p:grpSpPr>
+      <p:sp>
+        <p:nvSpPr>
+          <p:cNvPr id="2" name="Title 1">
+            <a:extLst>
+              <a:ext uri="{FF2B5EF4-FFF2-40B4-BE49-F238E27FC236}">
+                <a16:creationId xmlns:a16="http://schemas.microsoft.com/office/drawing/2014/main" id="{1A0099B7-6260-72BA-19D2-747AC679F3EE}"/>
+              </a:ext>
+            </a:extLst>
+          </p:cNvPr>
+          <p:cNvSpPr>
+            <a:spLocks noGrp="1"/>
+          </p:cNvSpPr>
+          <p:nvPr>
+            <p:ph type="title"/>
+          </p:nvPr>
+        </p:nvSpPr>
+        <p:spPr/>
+        <p:txBody>
+          <a:bodyPr>
+            <a:normAutofit/>
+          </a:bodyPr>
+          <a:lstStyle/>
+          <a:p>
+            <a:r>
+              <a:rPr lang="en-ID" dirty="0"/>
+              <a:t>Navigating the Jungle </a:t>
+            </a:r>
+            <a:br>
+              <a:rPr lang="en-ID" dirty="0"/>
+            </a:br>
+            <a:r>
+              <a:rPr lang="en-ID" dirty="0"/>
+              <a:t>(FLOW CONTROL) 🧭</a:t>
+            </a:r>
+            <a:endParaRPr lang="en-US" dirty="0"/>
+          </a:p>
+        </p:txBody>
+      </p:sp>
+      <p:sp>
+        <p:nvSpPr>
+          <p:cNvPr id="3" name="Text Placeholder 2">
+            <a:extLst>
+              <a:ext uri="{FF2B5EF4-FFF2-40B4-BE49-F238E27FC236}">
+                <a16:creationId xmlns:a16="http://schemas.microsoft.com/office/drawing/2014/main" id="{95745BCB-E962-53E8-FA7A-B0031A54759F}"/>
+              </a:ext>
+            </a:extLst>
+          </p:cNvPr>
+          <p:cNvSpPr>
+            <a:spLocks noGrp="1"/>
+          </p:cNvSpPr>
+          <p:nvPr>
+            <p:ph type="body" idx="1"/>
+          </p:nvPr>
+        </p:nvSpPr>
+        <p:spPr/>
+        <p:txBody>
+          <a:bodyPr/>
+          <a:lstStyle/>
+          <a:p>
+            <a:r>
+              <a:rPr lang="en-ID" dirty="0"/>
+              <a:t>Choosing Your Path</a:t>
+            </a:r>
+          </a:p>
+        </p:txBody>
+      </p:sp>
+    </p:spTree>
+    <p:extLst>
+      <p:ext uri="{BB962C8B-B14F-4D97-AF65-F5344CB8AC3E}">
+        <p14:creationId xmlns:p14="http://schemas.microsoft.com/office/powerpoint/2010/main" val="1359477703"/>
+      </p:ext>
+    </p:extLst>
+  </p:cSld>
+  <p:clrMapOvr>
+    <a:masterClrMapping/>
+  </p:clrMapOvr>
+</p:sld>
+</file>
+
+<file path=ppt/slides/slide23.xml><?xml version="1.0" encoding="utf-8"?>
+<p:sld xmlns:a="http://schemas.openxmlformats.org/drawingml/2006/main" xmlns:r="http://schemas.openxmlformats.org/officeDocument/2006/relationships" xmlns:p="http://schemas.openxmlformats.org/presentationml/2006/main">
+  <p:cSld>
+    <p:spTree>
+      <p:nvGrpSpPr>
+        <p:cNvPr id="1" name=""/>
+        <p:cNvGrpSpPr/>
+        <p:nvPr/>
+      </p:nvGrpSpPr>
+      <p:grpSpPr>
+        <a:xfrm>
+          <a:off x="0" y="0"/>
+          <a:ext cx="0" cy="0"/>
+          <a:chOff x="0" y="0"/>
+          <a:chExt cx="0" cy="0"/>
+        </a:xfrm>
+      </p:grpSpPr>
+      <p:sp>
+        <p:nvSpPr>
+          <p:cNvPr id="2" name="Title 1">
+            <a:extLst>
+              <a:ext uri="{FF2B5EF4-FFF2-40B4-BE49-F238E27FC236}">
+                <a16:creationId xmlns:a16="http://schemas.microsoft.com/office/drawing/2014/main" id="{1FD35F55-4006-3051-F497-836CEBF2D945}"/>
+              </a:ext>
+            </a:extLst>
+          </p:cNvPr>
+          <p:cNvSpPr>
+            <a:spLocks noGrp="1"/>
+          </p:cNvSpPr>
+          <p:nvPr>
+            <p:ph type="title"/>
+          </p:nvPr>
+        </p:nvSpPr>
+        <p:spPr/>
+        <p:txBody>
+          <a:bodyPr/>
+          <a:lstStyle/>
+          <a:p>
+            <a:r>
+              <a:rPr lang="en-ID" dirty="0"/>
+              <a:t>Statement if</a:t>
+            </a:r>
+            <a:endParaRPr lang="en-US" dirty="0"/>
+          </a:p>
+        </p:txBody>
+      </p:sp>
+      <p:sp>
+        <p:nvSpPr>
+          <p:cNvPr id="3" name="Content Placeholder 2">
+            <a:extLst>
+              <a:ext uri="{FF2B5EF4-FFF2-40B4-BE49-F238E27FC236}">
+                <a16:creationId xmlns:a16="http://schemas.microsoft.com/office/drawing/2014/main" id="{88C4D32F-A594-0F21-987B-B568F339C92C}"/>
+              </a:ext>
+            </a:extLst>
+          </p:cNvPr>
+          <p:cNvSpPr>
+            <a:spLocks noGrp="1"/>
+          </p:cNvSpPr>
+          <p:nvPr>
+            <p:ph idx="1"/>
+          </p:nvPr>
+        </p:nvSpPr>
+        <p:spPr>
+          <a:xfrm>
+            <a:off x="581192" y="2180496"/>
+            <a:ext cx="5299655" cy="3678303"/>
+          </a:xfrm>
+        </p:spPr>
+        <p:txBody>
+          <a:bodyPr/>
+          <a:lstStyle/>
+          <a:p>
+            <a:r>
+              <a:rPr lang="en-ID" dirty="0" err="1"/>
+              <a:t>Pernyataan</a:t>
+            </a:r>
+            <a:r>
+              <a:rPr lang="en-ID" dirty="0"/>
+              <a:t> if </a:t>
+            </a:r>
+            <a:r>
+              <a:rPr lang="en-ID" dirty="0" err="1"/>
+              <a:t>akan</a:t>
+            </a:r>
+            <a:r>
+              <a:rPr lang="en-ID" dirty="0"/>
+              <a:t> </a:t>
+            </a:r>
+            <a:r>
+              <a:rPr lang="en-ID" dirty="0" err="1"/>
+              <a:t>menentukan</a:t>
+            </a:r>
+            <a:r>
+              <a:rPr lang="en-ID" dirty="0"/>
+              <a:t> </a:t>
+            </a:r>
+            <a:r>
+              <a:rPr lang="en-ID" dirty="0" err="1"/>
+              <a:t>sebuah</a:t>
+            </a:r>
+            <a:r>
+              <a:rPr lang="en-ID" dirty="0"/>
+              <a:t> </a:t>
+            </a:r>
+            <a:r>
+              <a:rPr lang="en-ID" dirty="0" err="1"/>
+              <a:t>pernyataan</a:t>
+            </a:r>
+            <a:r>
+              <a:rPr lang="en-ID" dirty="0"/>
+              <a:t> (</a:t>
+            </a:r>
+            <a:r>
+              <a:rPr lang="en-ID" dirty="0" err="1"/>
+              <a:t>atau</a:t>
+            </a:r>
+            <a:r>
+              <a:rPr lang="en-ID" dirty="0"/>
+              <a:t> </a:t>
+            </a:r>
+            <a:r>
+              <a:rPr lang="en-ID" dirty="0" err="1"/>
+              <a:t>blok</a:t>
+            </a:r>
+            <a:r>
+              <a:rPr lang="en-ID" dirty="0"/>
+              <a:t> </a:t>
+            </a:r>
+            <a:r>
+              <a:rPr lang="en-ID" dirty="0" err="1"/>
+              <a:t>kode</a:t>
+            </a:r>
+            <a:r>
+              <a:rPr lang="en-ID" dirty="0"/>
+              <a:t>) yang </a:t>
+            </a:r>
+            <a:r>
+              <a:rPr lang="en-ID" dirty="0" err="1"/>
+              <a:t>akan</a:t>
+            </a:r>
+            <a:r>
+              <a:rPr lang="en-ID" dirty="0"/>
+              <a:t> </a:t>
+            </a:r>
+            <a:r>
+              <a:rPr lang="en-ID" dirty="0" err="1"/>
+              <a:t>eksekusi</a:t>
+            </a:r>
+            <a:r>
+              <a:rPr lang="en-ID" dirty="0"/>
+              <a:t> </a:t>
+            </a:r>
+            <a:r>
+              <a:rPr lang="en-ID" dirty="0" err="1"/>
+              <a:t>jika</a:t>
+            </a:r>
+            <a:r>
+              <a:rPr lang="en-ID" dirty="0"/>
+              <a:t> </a:t>
+            </a:r>
+            <a:r>
+              <a:rPr lang="en-ID" dirty="0" err="1"/>
+              <a:t>danhanyajika</a:t>
+            </a:r>
+            <a:r>
+              <a:rPr lang="en-ID" dirty="0"/>
+              <a:t> </a:t>
+            </a:r>
+            <a:r>
+              <a:rPr lang="en-ID" dirty="0" err="1"/>
+              <a:t>persyaratan</a:t>
+            </a:r>
+            <a:r>
+              <a:rPr lang="en-ID" dirty="0"/>
+              <a:t> </a:t>
+            </a:r>
+            <a:r>
+              <a:rPr lang="en-ID" dirty="0" err="1"/>
+              <a:t>bernilai</a:t>
+            </a:r>
+            <a:r>
+              <a:rPr lang="en-ID" dirty="0"/>
+              <a:t> </a:t>
+            </a:r>
+            <a:r>
+              <a:rPr lang="en-ID" dirty="0" err="1"/>
+              <a:t>benar</a:t>
+            </a:r>
+            <a:r>
+              <a:rPr lang="en-ID" dirty="0"/>
+              <a:t>(true).</a:t>
+            </a:r>
+            <a:endParaRPr lang="en-US" dirty="0"/>
+          </a:p>
+        </p:txBody>
+      </p:sp>
+      <p:pic>
+        <p:nvPicPr>
+          <p:cNvPr id="4" name="Picture 3">
+            <a:extLst>
+              <a:ext uri="{FF2B5EF4-FFF2-40B4-BE49-F238E27FC236}">
+                <a16:creationId xmlns:a16="http://schemas.microsoft.com/office/drawing/2014/main" id="{6D9D23EC-E041-7026-D072-ACA0A7583385}"/>
+              </a:ext>
+            </a:extLst>
+          </p:cNvPr>
+          <p:cNvPicPr>
+            <a:picLocks noChangeAspect="1"/>
+          </p:cNvPicPr>
+          <p:nvPr/>
+        </p:nvPicPr>
+        <p:blipFill>
+          <a:blip r:embed="rId2"/>
+          <a:stretch>
+            <a:fillRect/>
+          </a:stretch>
+        </p:blipFill>
+        <p:spPr>
+          <a:xfrm>
+            <a:off x="6311155" y="2456329"/>
+            <a:ext cx="3250382" cy="2757433"/>
+          </a:xfrm>
+          <a:prstGeom prst="rect">
+            <a:avLst/>
+          </a:prstGeom>
+        </p:spPr>
+      </p:pic>
+    </p:spTree>
+    <p:extLst>
+      <p:ext uri="{BB962C8B-B14F-4D97-AF65-F5344CB8AC3E}">
+        <p14:creationId xmlns:p14="http://schemas.microsoft.com/office/powerpoint/2010/main" val="2444602228"/>
+      </p:ext>
+    </p:extLst>
+  </p:cSld>
+  <p:clrMapOvr>
+    <a:masterClrMapping/>
+  </p:clrMapOvr>
+</p:sld>
+</file>
+
+<file path=ppt/slides/slide24.xml><?xml version="1.0" encoding="utf-8"?>
+<p:sld xmlns:a="http://schemas.openxmlformats.org/drawingml/2006/main" xmlns:r="http://schemas.openxmlformats.org/officeDocument/2006/relationships" xmlns:p="http://schemas.openxmlformats.org/presentationml/2006/main">
+  <p:cSld>
+    <p:spTree>
+      <p:nvGrpSpPr>
+        <p:cNvPr id="1" name=""/>
+        <p:cNvGrpSpPr/>
+        <p:nvPr/>
+      </p:nvGrpSpPr>
+      <p:grpSpPr>
+        <a:xfrm>
+          <a:off x="0" y="0"/>
+          <a:ext cx="0" cy="0"/>
+          <a:chOff x="0" y="0"/>
+          <a:chExt cx="0" cy="0"/>
+        </a:xfrm>
+      </p:grpSpPr>
+      <p:sp>
+        <p:nvSpPr>
+          <p:cNvPr id="2" name="Title 1">
+            <a:extLst>
+              <a:ext uri="{FF2B5EF4-FFF2-40B4-BE49-F238E27FC236}">
+                <a16:creationId xmlns:a16="http://schemas.microsoft.com/office/drawing/2014/main" id="{2F7DEB39-D5B6-4F5C-1FC6-A8B3784617C9}"/>
+              </a:ext>
+            </a:extLst>
+          </p:cNvPr>
+          <p:cNvSpPr>
+            <a:spLocks noGrp="1"/>
+          </p:cNvSpPr>
+          <p:nvPr>
+            <p:ph type="title"/>
+          </p:nvPr>
+        </p:nvSpPr>
+        <p:spPr/>
+        <p:txBody>
+          <a:bodyPr/>
+          <a:lstStyle/>
+          <a:p>
+            <a:r>
+              <a:rPr lang="en-ID" dirty="0"/>
+              <a:t>Statement if-else</a:t>
+            </a:r>
+            <a:endParaRPr lang="en-US" dirty="0"/>
+          </a:p>
+        </p:txBody>
+      </p:sp>
+      <p:sp>
+        <p:nvSpPr>
+          <p:cNvPr id="3" name="Content Placeholder 2">
+            <a:extLst>
+              <a:ext uri="{FF2B5EF4-FFF2-40B4-BE49-F238E27FC236}">
+                <a16:creationId xmlns:a16="http://schemas.microsoft.com/office/drawing/2014/main" id="{9B6C6364-75E4-D83E-6BFE-1F57448BB475}"/>
+              </a:ext>
+            </a:extLst>
+          </p:cNvPr>
+          <p:cNvSpPr>
+            <a:spLocks noGrp="1"/>
+          </p:cNvSpPr>
+          <p:nvPr>
+            <p:ph idx="1"/>
+          </p:nvPr>
+        </p:nvSpPr>
+        <p:spPr>
+          <a:xfrm>
+            <a:off x="581193" y="2180496"/>
+            <a:ext cx="5514808" cy="3678303"/>
+          </a:xfrm>
+        </p:spPr>
+        <p:txBody>
+          <a:bodyPr/>
+          <a:lstStyle/>
+          <a:p>
+            <a:r>
+              <a:rPr lang="en-ID" dirty="0" err="1"/>
+              <a:t>Pernyataan</a:t>
+            </a:r>
+            <a:r>
+              <a:rPr lang="en-ID" dirty="0"/>
+              <a:t> if-else </a:t>
+            </a:r>
+            <a:r>
+              <a:rPr lang="en-ID" dirty="0" err="1"/>
+              <a:t>digunakan</a:t>
+            </a:r>
+            <a:r>
+              <a:rPr lang="en-ID" dirty="0"/>
+              <a:t> </a:t>
+            </a:r>
+            <a:r>
+              <a:rPr lang="en-ID" dirty="0" err="1"/>
+              <a:t>apabila</a:t>
+            </a:r>
+            <a:r>
+              <a:rPr lang="en-ID" dirty="0"/>
+              <a:t> </a:t>
+            </a:r>
+            <a:r>
+              <a:rPr lang="en-ID" dirty="0" err="1"/>
+              <a:t>kita</a:t>
+            </a:r>
+            <a:r>
+              <a:rPr lang="en-ID" dirty="0"/>
+              <a:t> </a:t>
+            </a:r>
+            <a:r>
+              <a:rPr lang="en-ID" dirty="0" err="1"/>
+              <a:t>ingin</a:t>
+            </a:r>
+            <a:r>
+              <a:rPr lang="en-ID" dirty="0"/>
+              <a:t> </a:t>
+            </a:r>
+            <a:r>
+              <a:rPr lang="en-ID" dirty="0" err="1"/>
+              <a:t>mengeksekusi</a:t>
+            </a:r>
+            <a:r>
+              <a:rPr lang="en-ID" dirty="0"/>
+              <a:t> </a:t>
+            </a:r>
+            <a:r>
+              <a:rPr lang="en-ID" dirty="0" err="1"/>
+              <a:t>beberapa</a:t>
+            </a:r>
+            <a:r>
+              <a:rPr lang="en-ID" dirty="0"/>
+              <a:t> </a:t>
+            </a:r>
+            <a:r>
+              <a:rPr lang="en-ID" dirty="0" err="1"/>
+              <a:t>pernyataan</a:t>
+            </a:r>
+            <a:r>
+              <a:rPr lang="en-ID" dirty="0"/>
+              <a:t> </a:t>
+            </a:r>
+            <a:r>
+              <a:rPr lang="en-ID" dirty="0" err="1"/>
+              <a:t>dengan</a:t>
+            </a:r>
+            <a:r>
+              <a:rPr lang="en-ID" dirty="0"/>
+              <a:t> </a:t>
+            </a:r>
+            <a:r>
+              <a:rPr lang="en-ID" dirty="0" err="1"/>
+              <a:t>kondisitrue</a:t>
+            </a:r>
+            <a:r>
+              <a:rPr lang="en-ID" dirty="0"/>
+              <a:t> dan </a:t>
+            </a:r>
+            <a:r>
+              <a:rPr lang="en-ID" dirty="0" err="1"/>
+              <a:t>pernyataan</a:t>
+            </a:r>
+            <a:r>
+              <a:rPr lang="en-ID" dirty="0"/>
+              <a:t> yang lain </a:t>
+            </a:r>
+            <a:r>
+              <a:rPr lang="en-ID" dirty="0" err="1"/>
+              <a:t>dengan</a:t>
+            </a:r>
+            <a:r>
+              <a:rPr lang="en-ID" dirty="0"/>
+              <a:t> </a:t>
+            </a:r>
+            <a:r>
+              <a:rPr lang="en-ID" dirty="0" err="1"/>
+              <a:t>kondisi</a:t>
+            </a:r>
+            <a:r>
+              <a:rPr lang="en-ID" dirty="0"/>
+              <a:t> false</a:t>
+            </a:r>
+            <a:endParaRPr lang="en-US" dirty="0"/>
+          </a:p>
+        </p:txBody>
+      </p:sp>
+      <p:pic>
+        <p:nvPicPr>
+          <p:cNvPr id="5" name="Picture 4">
+            <a:extLst>
+              <a:ext uri="{FF2B5EF4-FFF2-40B4-BE49-F238E27FC236}">
+                <a16:creationId xmlns:a16="http://schemas.microsoft.com/office/drawing/2014/main" id="{AEBB6FE6-0925-417B-58FE-FF628DDEBDA7}"/>
+              </a:ext>
+            </a:extLst>
+          </p:cNvPr>
+          <p:cNvPicPr>
+            <a:picLocks noChangeAspect="1"/>
+          </p:cNvPicPr>
+          <p:nvPr/>
+        </p:nvPicPr>
+        <p:blipFill>
+          <a:blip r:embed="rId2"/>
+          <a:stretch>
+            <a:fillRect/>
+          </a:stretch>
+        </p:blipFill>
+        <p:spPr>
+          <a:xfrm>
+            <a:off x="6736144" y="2235670"/>
+            <a:ext cx="4315524" cy="3567953"/>
+          </a:xfrm>
+          <a:prstGeom prst="rect">
+            <a:avLst/>
+          </a:prstGeom>
+        </p:spPr>
+      </p:pic>
+    </p:spTree>
+    <p:extLst>
+      <p:ext uri="{BB962C8B-B14F-4D97-AF65-F5344CB8AC3E}">
+        <p14:creationId xmlns:p14="http://schemas.microsoft.com/office/powerpoint/2010/main" val="4103951978"/>
+      </p:ext>
+    </p:extLst>
+  </p:cSld>
+  <p:clrMapOvr>
+    <a:masterClrMapping/>
+  </p:clrMapOvr>
+</p:sld>
+</file>
+
+<file path=ppt/slides/slide25.xml><?xml version="1.0" encoding="utf-8"?>
+<p:sld xmlns:a="http://schemas.openxmlformats.org/drawingml/2006/main" xmlns:r="http://schemas.openxmlformats.org/officeDocument/2006/relationships" xmlns:p="http://schemas.openxmlformats.org/presentationml/2006/main">
+  <p:cSld>
+    <p:spTree>
+      <p:nvGrpSpPr>
+        <p:cNvPr id="1" name=""/>
+        <p:cNvGrpSpPr/>
+        <p:nvPr/>
+      </p:nvGrpSpPr>
+      <p:grpSpPr>
+        <a:xfrm>
+          <a:off x="0" y="0"/>
+          <a:ext cx="0" cy="0"/>
+          <a:chOff x="0" y="0"/>
+          <a:chExt cx="0" cy="0"/>
+        </a:xfrm>
+      </p:grpSpPr>
+      <p:sp>
+        <p:nvSpPr>
+          <p:cNvPr id="2" name="Title 1">
+            <a:extLst>
+              <a:ext uri="{FF2B5EF4-FFF2-40B4-BE49-F238E27FC236}">
+                <a16:creationId xmlns:a16="http://schemas.microsoft.com/office/drawing/2014/main" id="{A6E144B4-9D5C-DA92-A73C-BCE0F7D1A8C6}"/>
+              </a:ext>
+            </a:extLst>
+          </p:cNvPr>
+          <p:cNvSpPr>
+            <a:spLocks noGrp="1"/>
+          </p:cNvSpPr>
+          <p:nvPr>
+            <p:ph type="title"/>
+          </p:nvPr>
+        </p:nvSpPr>
+        <p:spPr/>
+        <p:txBody>
+          <a:bodyPr/>
+          <a:lstStyle/>
+          <a:p>
+            <a:r>
+              <a:rPr lang="en-ID" dirty="0"/>
+              <a:t>Statement if-else-if</a:t>
+            </a:r>
+            <a:endParaRPr lang="en-US" dirty="0"/>
+          </a:p>
+        </p:txBody>
+      </p:sp>
+      <p:sp>
+        <p:nvSpPr>
+          <p:cNvPr id="3" name="Content Placeholder 2">
+            <a:extLst>
+              <a:ext uri="{FF2B5EF4-FFF2-40B4-BE49-F238E27FC236}">
+                <a16:creationId xmlns:a16="http://schemas.microsoft.com/office/drawing/2014/main" id="{806BFE17-C630-5A89-410C-CC99CBBB9F8C}"/>
+              </a:ext>
+            </a:extLst>
+          </p:cNvPr>
+          <p:cNvSpPr>
+            <a:spLocks noGrp="1"/>
+          </p:cNvSpPr>
+          <p:nvPr>
+            <p:ph idx="1"/>
+          </p:nvPr>
+        </p:nvSpPr>
+        <p:spPr>
+          <a:xfrm>
+            <a:off x="581193" y="2180496"/>
+            <a:ext cx="5514808" cy="3678303"/>
+          </a:xfrm>
+        </p:spPr>
+        <p:txBody>
+          <a:bodyPr/>
+          <a:lstStyle/>
+          <a:p>
+            <a:r>
+              <a:rPr lang="en-ID" dirty="0" err="1"/>
+              <a:t>Pernyataan</a:t>
+            </a:r>
+            <a:r>
+              <a:rPr lang="en-ID" dirty="0"/>
+              <a:t> pada </a:t>
+            </a:r>
+            <a:r>
+              <a:rPr lang="en-ID" dirty="0" err="1"/>
+              <a:t>bagian</a:t>
+            </a:r>
+            <a:r>
+              <a:rPr lang="en-ID" dirty="0"/>
+              <a:t> </a:t>
+            </a:r>
+            <a:r>
+              <a:rPr lang="en-ID" dirty="0" err="1"/>
+              <a:t>kondisi</a:t>
+            </a:r>
+            <a:r>
+              <a:rPr lang="en-ID" dirty="0"/>
+              <a:t> else </a:t>
+            </a:r>
+            <a:r>
+              <a:rPr lang="en-ID" dirty="0" err="1"/>
+              <a:t>dari</a:t>
+            </a:r>
+            <a:r>
+              <a:rPr lang="en-ID" dirty="0"/>
+              <a:t> </a:t>
+            </a:r>
+            <a:r>
+              <a:rPr lang="en-ID" dirty="0" err="1"/>
+              <a:t>blok</a:t>
+            </a:r>
+            <a:r>
+              <a:rPr lang="en-ID" dirty="0"/>
+              <a:t> if-else </a:t>
+            </a:r>
+            <a:r>
+              <a:rPr lang="en-ID" dirty="0" err="1"/>
+              <a:t>dapat</a:t>
+            </a:r>
+            <a:r>
+              <a:rPr lang="en-ID" dirty="0"/>
+              <a:t> </a:t>
+            </a:r>
+            <a:r>
+              <a:rPr lang="en-ID" dirty="0" err="1"/>
+              <a:t>menjadi</a:t>
+            </a:r>
+            <a:r>
+              <a:rPr lang="en-ID" dirty="0"/>
+              <a:t> </a:t>
+            </a:r>
+            <a:r>
+              <a:rPr lang="en-ID" dirty="0" err="1"/>
+              <a:t>struktur</a:t>
+            </a:r>
+            <a:r>
+              <a:rPr lang="en-ID" dirty="0"/>
+              <a:t> if-else yang lain. </a:t>
+            </a:r>
+            <a:r>
+              <a:rPr lang="en-ID" dirty="0" err="1"/>
+              <a:t>Kondisi</a:t>
+            </a:r>
+            <a:r>
+              <a:rPr lang="en-ID" dirty="0"/>
+              <a:t> </a:t>
+            </a:r>
+            <a:r>
+              <a:rPr lang="en-ID" dirty="0" err="1"/>
+              <a:t>struktur</a:t>
+            </a:r>
+            <a:r>
+              <a:rPr lang="en-ID" dirty="0"/>
+              <a:t> </a:t>
+            </a:r>
+            <a:r>
+              <a:rPr lang="en-ID" dirty="0" err="1"/>
+              <a:t>seperti</a:t>
+            </a:r>
+            <a:r>
+              <a:rPr lang="en-ID" dirty="0"/>
+              <a:t> </a:t>
+            </a:r>
+            <a:r>
+              <a:rPr lang="en-ID" dirty="0" err="1"/>
+              <a:t>ini</a:t>
+            </a:r>
+            <a:r>
+              <a:rPr lang="en-ID" dirty="0"/>
+              <a:t> </a:t>
+            </a:r>
+            <a:r>
+              <a:rPr lang="en-ID" dirty="0" err="1"/>
+              <a:t>mengijinkan</a:t>
+            </a:r>
+            <a:r>
+              <a:rPr lang="en-ID" dirty="0"/>
+              <a:t> </a:t>
+            </a:r>
+            <a:r>
+              <a:rPr lang="en-ID" dirty="0" err="1"/>
+              <a:t>kita</a:t>
+            </a:r>
+            <a:r>
+              <a:rPr lang="en-ID" dirty="0"/>
+              <a:t> </a:t>
+            </a:r>
+            <a:r>
+              <a:rPr lang="en-ID" dirty="0" err="1"/>
+              <a:t>untuk</a:t>
+            </a:r>
+            <a:r>
+              <a:rPr lang="en-ID" dirty="0"/>
+              <a:t> </a:t>
+            </a:r>
+            <a:r>
+              <a:rPr lang="en-ID" dirty="0" err="1"/>
+              <a:t>membuat</a:t>
+            </a:r>
+            <a:r>
+              <a:rPr lang="en-ID" dirty="0"/>
+              <a:t> </a:t>
+            </a:r>
+            <a:r>
+              <a:rPr lang="en-ID" dirty="0" err="1"/>
+              <a:t>seleksi</a:t>
+            </a:r>
+            <a:r>
+              <a:rPr lang="en-ID" dirty="0"/>
+              <a:t> </a:t>
+            </a:r>
+            <a:r>
+              <a:rPr lang="en-ID" dirty="0" err="1"/>
+              <a:t>persyaratan</a:t>
+            </a:r>
+            <a:r>
+              <a:rPr lang="en-ID" dirty="0"/>
+              <a:t> yang </a:t>
+            </a:r>
+            <a:r>
+              <a:rPr lang="en-ID" dirty="0" err="1"/>
+              <a:t>lebih</a:t>
+            </a:r>
+            <a:r>
+              <a:rPr lang="en-ID" dirty="0"/>
+              <a:t> </a:t>
+            </a:r>
+            <a:r>
+              <a:rPr lang="en-ID" dirty="0" err="1"/>
+              <a:t>kompleks</a:t>
+            </a:r>
+            <a:r>
+              <a:rPr lang="en-ID" dirty="0"/>
+              <a:t>.</a:t>
+            </a:r>
+            <a:endParaRPr lang="en-US" dirty="0"/>
+          </a:p>
+        </p:txBody>
+      </p:sp>
+      <p:pic>
+        <p:nvPicPr>
+          <p:cNvPr id="5" name="Picture 4">
+            <a:extLst>
+              <a:ext uri="{FF2B5EF4-FFF2-40B4-BE49-F238E27FC236}">
+                <a16:creationId xmlns:a16="http://schemas.microsoft.com/office/drawing/2014/main" id="{EDC786FD-C60B-06A6-125C-70F07E9E5A1C}"/>
+              </a:ext>
+            </a:extLst>
+          </p:cNvPr>
+          <p:cNvPicPr>
+            <a:picLocks noChangeAspect="1"/>
+          </p:cNvPicPr>
+          <p:nvPr/>
+        </p:nvPicPr>
+        <p:blipFill>
+          <a:blip r:embed="rId2"/>
+          <a:stretch>
+            <a:fillRect/>
+          </a:stretch>
+        </p:blipFill>
+        <p:spPr>
+          <a:xfrm>
+            <a:off x="6921661" y="2110385"/>
+            <a:ext cx="4226528" cy="3748414"/>
+          </a:xfrm>
+          <a:prstGeom prst="rect">
+            <a:avLst/>
+          </a:prstGeom>
+        </p:spPr>
+      </p:pic>
+    </p:spTree>
+    <p:extLst>
+      <p:ext uri="{BB962C8B-B14F-4D97-AF65-F5344CB8AC3E}">
+        <p14:creationId xmlns:p14="http://schemas.microsoft.com/office/powerpoint/2010/main" val="3709702382"/>
+      </p:ext>
+    </p:extLst>
+  </p:cSld>
+  <p:clrMapOvr>
+    <a:masterClrMapping/>
+  </p:clrMapOvr>
+</p:sld>
+</file>
+
+<file path=ppt/slides/slide26.xml><?xml version="1.0" encoding="utf-8"?>
+<p:sld xmlns:a="http://schemas.openxmlformats.org/drawingml/2006/main" xmlns:r="http://schemas.openxmlformats.org/officeDocument/2006/relationships" xmlns:p="http://schemas.openxmlformats.org/presentationml/2006/main">
+  <p:cSld>
+    <p:spTree>
+      <p:nvGrpSpPr>
+        <p:cNvPr id="1" name=""/>
+        <p:cNvGrpSpPr/>
+        <p:nvPr/>
+      </p:nvGrpSpPr>
+      <p:grpSpPr>
+        <a:xfrm>
+          <a:off x="0" y="0"/>
+          <a:ext cx="0" cy="0"/>
+          <a:chOff x="0" y="0"/>
+          <a:chExt cx="0" cy="0"/>
+        </a:xfrm>
+      </p:grpSpPr>
+      <p:sp>
+        <p:nvSpPr>
+          <p:cNvPr id="2" name="Title 1">
+            <a:extLst>
+              <a:ext uri="{FF2B5EF4-FFF2-40B4-BE49-F238E27FC236}">
+                <a16:creationId xmlns:a16="http://schemas.microsoft.com/office/drawing/2014/main" id="{B16F3B61-FB32-2983-F77C-1835EAC8F302}"/>
+              </a:ext>
+            </a:extLst>
+          </p:cNvPr>
+          <p:cNvSpPr>
+            <a:spLocks noGrp="1"/>
+          </p:cNvSpPr>
+          <p:nvPr>
+            <p:ph type="title"/>
+          </p:nvPr>
+        </p:nvSpPr>
+        <p:spPr/>
+        <p:txBody>
+          <a:bodyPr/>
+          <a:lstStyle/>
+          <a:p>
+            <a:r>
+              <a:rPr lang="en-ID" dirty="0"/>
+              <a:t>Statement switch</a:t>
+            </a:r>
+            <a:endParaRPr lang="en-US" dirty="0"/>
+          </a:p>
+        </p:txBody>
+      </p:sp>
+      <p:sp>
+        <p:nvSpPr>
+          <p:cNvPr id="3" name="Content Placeholder 2">
+            <a:extLst>
+              <a:ext uri="{FF2B5EF4-FFF2-40B4-BE49-F238E27FC236}">
+                <a16:creationId xmlns:a16="http://schemas.microsoft.com/office/drawing/2014/main" id="{25CF843B-AECB-DADA-7151-80DAD703D484}"/>
+              </a:ext>
+            </a:extLst>
+          </p:cNvPr>
+          <p:cNvSpPr>
+            <a:spLocks noGrp="1"/>
+          </p:cNvSpPr>
+          <p:nvPr>
+            <p:ph sz="half" idx="1"/>
+          </p:nvPr>
+        </p:nvSpPr>
+        <p:spPr>
+          <a:xfrm>
+            <a:off x="581193" y="2228002"/>
+            <a:ext cx="3430368" cy="2884547"/>
+          </a:xfrm>
+        </p:spPr>
+        <p:txBody>
+          <a:bodyPr>
+            <a:noAutofit/>
+          </a:bodyPr>
+          <a:lstStyle/>
+          <a:p>
+            <a:r>
+              <a:rPr lang="en-ID" sz="1400" dirty="0"/>
+              <a:t>Cara lain </a:t>
+            </a:r>
+            <a:r>
+              <a:rPr lang="en-ID" sz="1400" dirty="0" err="1"/>
+              <a:t>untuk</a:t>
+            </a:r>
+            <a:r>
+              <a:rPr lang="en-ID" sz="1400" dirty="0"/>
+              <a:t> </a:t>
+            </a:r>
+            <a:r>
+              <a:rPr lang="en-ID" sz="1400" dirty="0" err="1"/>
+              <a:t>membuat</a:t>
+            </a:r>
+            <a:r>
+              <a:rPr lang="en-ID" sz="1400" dirty="0"/>
+              <a:t> </a:t>
+            </a:r>
+            <a:r>
+              <a:rPr lang="en-ID" sz="1400" dirty="0" err="1"/>
+              <a:t>cabang</a:t>
+            </a:r>
+            <a:r>
+              <a:rPr lang="en-ID" sz="1400" dirty="0"/>
+              <a:t> </a:t>
+            </a:r>
+            <a:r>
+              <a:rPr lang="en-ID" sz="1400" dirty="0" err="1"/>
+              <a:t>adalah</a:t>
+            </a:r>
+            <a:r>
+              <a:rPr lang="en-ID" sz="1400" dirty="0"/>
+              <a:t> </a:t>
+            </a:r>
+            <a:r>
+              <a:rPr lang="en-ID" sz="1400" dirty="0" err="1"/>
+              <a:t>dengan</a:t>
+            </a:r>
+            <a:r>
+              <a:rPr lang="en-ID" sz="1400" dirty="0"/>
+              <a:t> </a:t>
+            </a:r>
+            <a:r>
+              <a:rPr lang="en-ID" sz="1400" dirty="0" err="1"/>
+              <a:t>menggunakan</a:t>
+            </a:r>
+            <a:r>
+              <a:rPr lang="en-ID" sz="1400" dirty="0"/>
+              <a:t> kata </a:t>
+            </a:r>
+            <a:r>
+              <a:rPr lang="en-ID" sz="1400" dirty="0" err="1"/>
+              <a:t>kunci</a:t>
+            </a:r>
+            <a:r>
+              <a:rPr lang="en-ID" sz="1400" dirty="0"/>
+              <a:t> switch. </a:t>
+            </a:r>
+          </a:p>
+          <a:p>
+            <a:r>
+              <a:rPr lang="en-ID" sz="1400" dirty="0"/>
+              <a:t>Switch </a:t>
+            </a:r>
+            <a:r>
+              <a:rPr lang="en-ID" sz="1400" dirty="0" err="1"/>
+              <a:t>mengkonstruksikan</a:t>
+            </a:r>
+            <a:r>
+              <a:rPr lang="en-ID" sz="1400" dirty="0"/>
+              <a:t> </a:t>
+            </a:r>
+            <a:r>
+              <a:rPr lang="en-ID" sz="1400" dirty="0" err="1"/>
+              <a:t>cabang</a:t>
+            </a:r>
+            <a:r>
+              <a:rPr lang="en-ID" sz="1400" dirty="0"/>
+              <a:t> </a:t>
+            </a:r>
+            <a:r>
+              <a:rPr lang="en-ID" sz="1400" dirty="0" err="1"/>
+              <a:t>untuk</a:t>
+            </a:r>
+            <a:r>
+              <a:rPr lang="en-ID" sz="1400" dirty="0"/>
+              <a:t> </a:t>
+            </a:r>
+            <a:r>
+              <a:rPr lang="en-ID" sz="1400" dirty="0" err="1"/>
+              <a:t>beberapa</a:t>
+            </a:r>
+            <a:r>
+              <a:rPr lang="en-ID" sz="1400" dirty="0"/>
+              <a:t> </a:t>
+            </a:r>
+            <a:r>
+              <a:rPr lang="en-ID" sz="1400" dirty="0" err="1"/>
+              <a:t>kondisi</a:t>
+            </a:r>
+            <a:r>
+              <a:rPr lang="en-ID" sz="1400" dirty="0"/>
+              <a:t> </a:t>
+            </a:r>
+            <a:r>
+              <a:rPr lang="en-ID" sz="1400" dirty="0" err="1"/>
+              <a:t>dari</a:t>
+            </a:r>
+            <a:r>
+              <a:rPr lang="en-ID" sz="1400" dirty="0"/>
+              <a:t> </a:t>
+            </a:r>
+            <a:r>
+              <a:rPr lang="en-ID" sz="1400" dirty="0" err="1"/>
+              <a:t>nilai</a:t>
+            </a:r>
+            <a:r>
+              <a:rPr lang="en-ID" sz="1400" dirty="0"/>
+              <a:t>.</a:t>
+            </a:r>
+          </a:p>
+          <a:p>
+            <a:r>
+              <a:rPr lang="en-ID" sz="1400" b="0" dirty="0">
+                <a:solidFill>
+                  <a:srgbClr val="00B050"/>
+                </a:solidFill>
+                <a:effectLst/>
+                <a:latin typeface="Source Code Pro for Powerline" panose="020B0509030403020204" pitchFamily="49" charset="0"/>
+              </a:rPr>
+              <a:t>expression</a:t>
+            </a:r>
+            <a:r>
+              <a:rPr lang="en-ID" sz="1400" dirty="0"/>
+              <a:t> </a:t>
+            </a:r>
+            <a:r>
+              <a:rPr lang="en-ID" sz="1400" dirty="0" err="1"/>
+              <a:t>adalah</a:t>
+            </a:r>
+            <a:r>
+              <a:rPr lang="en-ID" sz="1400" dirty="0"/>
+              <a:t> </a:t>
+            </a:r>
+            <a:r>
+              <a:rPr lang="en-ID" sz="1400" dirty="0" err="1"/>
+              <a:t>ekspresi</a:t>
+            </a:r>
+            <a:r>
+              <a:rPr lang="en-ID" sz="1400" dirty="0"/>
+              <a:t> integer </a:t>
+            </a:r>
+            <a:r>
+              <a:rPr lang="en-ID" sz="1400" dirty="0" err="1"/>
+              <a:t>atau</a:t>
+            </a:r>
+            <a:r>
+              <a:rPr lang="en-ID" sz="1400" dirty="0"/>
+              <a:t> </a:t>
+            </a:r>
+            <a:r>
+              <a:rPr lang="en-ID" sz="1400" dirty="0" err="1"/>
+              <a:t>karakter</a:t>
+            </a:r>
+            <a:r>
+              <a:rPr lang="en-ID" sz="1400" dirty="0"/>
+              <a:t> dan </a:t>
+            </a:r>
+            <a:r>
+              <a:rPr lang="en-ID" sz="1400" b="0" dirty="0">
+                <a:solidFill>
+                  <a:srgbClr val="00B050"/>
+                </a:solidFill>
+                <a:effectLst/>
+                <a:latin typeface="Source Code Pro for Powerline" panose="020B0509030403020204" pitchFamily="49" charset="0"/>
+              </a:rPr>
+              <a:t>case_selector1</a:t>
+            </a:r>
+            <a:r>
+              <a:rPr lang="en-ID" sz="1400" dirty="0"/>
+              <a:t>, </a:t>
+            </a:r>
+            <a:r>
+              <a:rPr lang="en-ID" sz="1400" b="0" dirty="0">
+                <a:solidFill>
+                  <a:srgbClr val="00B050"/>
+                </a:solidFill>
+                <a:effectLst/>
+                <a:latin typeface="Source Code Pro for Powerline" panose="020B0509030403020204" pitchFamily="49" charset="0"/>
+              </a:rPr>
+              <a:t>case_selector2 </a:t>
+            </a:r>
+            <a:r>
+              <a:rPr lang="en-ID" sz="1400" dirty="0"/>
+              <a:t>dan </a:t>
+            </a:r>
+            <a:r>
+              <a:rPr lang="en-ID" sz="1400" dirty="0" err="1"/>
+              <a:t>seterusnya</a:t>
+            </a:r>
+            <a:r>
+              <a:rPr lang="en-ID" sz="1400" dirty="0"/>
+              <a:t> </a:t>
+            </a:r>
+            <a:r>
+              <a:rPr lang="en-ID" sz="1400" dirty="0" err="1"/>
+              <a:t>adalah</a:t>
+            </a:r>
+            <a:r>
+              <a:rPr lang="en-ID" sz="1400" dirty="0"/>
+              <a:t> </a:t>
+            </a:r>
+            <a:r>
+              <a:rPr lang="en-ID" sz="1400" dirty="0" err="1"/>
+              <a:t>konstanta</a:t>
+            </a:r>
+            <a:r>
+              <a:rPr lang="en-ID" sz="1400" dirty="0"/>
+              <a:t> </a:t>
+            </a:r>
+            <a:r>
+              <a:rPr lang="en-ID" sz="1400" dirty="0" err="1"/>
+              <a:t>unik</a:t>
+            </a:r>
+            <a:r>
+              <a:rPr lang="en-ID" sz="1400" dirty="0"/>
+              <a:t> </a:t>
+            </a:r>
+            <a:r>
+              <a:rPr lang="en-ID" sz="1400" dirty="0" err="1"/>
+              <a:t>dari</a:t>
+            </a:r>
+            <a:r>
+              <a:rPr lang="en-ID" sz="1400" dirty="0"/>
+              <a:t> </a:t>
+            </a:r>
+            <a:r>
+              <a:rPr lang="en-ID" sz="1400" dirty="0" err="1"/>
+              <a:t>nilai</a:t>
+            </a:r>
+            <a:r>
+              <a:rPr lang="en-ID" sz="1400" dirty="0"/>
+              <a:t> </a:t>
+            </a:r>
+            <a:r>
+              <a:rPr lang="en-ID" sz="1400" b="1" dirty="0"/>
+              <a:t>Integer</a:t>
+            </a:r>
+            <a:r>
+              <a:rPr lang="en-ID" sz="1400" dirty="0"/>
+              <a:t> </a:t>
+            </a:r>
+            <a:r>
+              <a:rPr lang="en-ID" sz="1400" dirty="0" err="1"/>
+              <a:t>atau</a:t>
+            </a:r>
+            <a:r>
+              <a:rPr lang="en-ID" sz="1400" dirty="0"/>
+              <a:t> </a:t>
+            </a:r>
+            <a:r>
+              <a:rPr lang="en-ID" sz="1400" b="1" dirty="0"/>
+              <a:t>Char</a:t>
+            </a:r>
+            <a:endParaRPr lang="en-US" sz="1400" b="1" dirty="0"/>
+          </a:p>
+        </p:txBody>
+      </p:sp>
+      <p:sp>
+        <p:nvSpPr>
+          <p:cNvPr id="4" name="Content Placeholder 3">
+            <a:extLst>
+              <a:ext uri="{FF2B5EF4-FFF2-40B4-BE49-F238E27FC236}">
+                <a16:creationId xmlns:a16="http://schemas.microsoft.com/office/drawing/2014/main" id="{6C700664-27AE-E507-956D-8AE10D21F419}"/>
+              </a:ext>
+            </a:extLst>
+          </p:cNvPr>
+          <p:cNvSpPr>
+            <a:spLocks noGrp="1"/>
+          </p:cNvSpPr>
+          <p:nvPr>
+            <p:ph sz="half" idx="2"/>
+          </p:nvPr>
+        </p:nvSpPr>
+        <p:spPr>
+          <a:xfrm>
+            <a:off x="4589987" y="2200542"/>
+            <a:ext cx="3430368" cy="2912008"/>
+          </a:xfrm>
+        </p:spPr>
+        <p:txBody>
+          <a:bodyPr>
+            <a:normAutofit fontScale="55000" lnSpcReduction="20000"/>
+          </a:bodyPr>
+          <a:lstStyle/>
+          <a:p>
+            <a:pPr marL="0" indent="0">
+              <a:buNone/>
+            </a:pPr>
+            <a:r>
+              <a:rPr lang="en-ID" b="0" dirty="0">
+                <a:solidFill>
+                  <a:srgbClr val="00B050"/>
+                </a:solidFill>
+                <a:effectLst/>
+                <a:latin typeface="Source Code Pro for Powerline" panose="020B0509030403020204" pitchFamily="49" charset="0"/>
+              </a:rPr>
+              <a:t>switch( expression )</a:t>
+            </a:r>
+          </a:p>
+          <a:p>
+            <a:pPr marL="0" indent="0">
+              <a:buNone/>
+            </a:pPr>
+            <a:r>
+              <a:rPr lang="en-ID" b="0" dirty="0">
+                <a:solidFill>
+                  <a:srgbClr val="00B050"/>
+                </a:solidFill>
+                <a:effectLst/>
+                <a:latin typeface="Source Code Pro for Powerline" panose="020B0509030403020204" pitchFamily="49" charset="0"/>
+              </a:rPr>
+              <a:t>{ </a:t>
+            </a:r>
+          </a:p>
+          <a:p>
+            <a:pPr marL="0" indent="0">
+              <a:buNone/>
+            </a:pPr>
+            <a:r>
+              <a:rPr lang="en-ID" b="0" dirty="0">
+                <a:solidFill>
+                  <a:srgbClr val="00B050"/>
+                </a:solidFill>
+                <a:effectLst/>
+                <a:latin typeface="Source Code Pro for Powerline" panose="020B0509030403020204" pitchFamily="49" charset="0"/>
+              </a:rPr>
+              <a:t>	case case_selector1: </a:t>
+            </a:r>
+          </a:p>
+          <a:p>
+            <a:pPr marL="0" indent="0">
+              <a:buNone/>
+            </a:pPr>
+            <a:r>
+              <a:rPr lang="en-ID" b="0" dirty="0">
+                <a:solidFill>
+                  <a:srgbClr val="00B050"/>
+                </a:solidFill>
+                <a:effectLst/>
+                <a:latin typeface="Source Code Pro for Powerline" panose="020B0509030403020204" pitchFamily="49" charset="0"/>
+              </a:rPr>
+              <a:t>		statement1;</a:t>
+            </a:r>
+          </a:p>
+          <a:p>
+            <a:pPr marL="0" indent="0">
+              <a:buNone/>
+            </a:pPr>
+            <a:r>
+              <a:rPr lang="en-ID" b="0" dirty="0">
+                <a:solidFill>
+                  <a:srgbClr val="00B050"/>
+                </a:solidFill>
+                <a:effectLst/>
+                <a:latin typeface="Source Code Pro for Powerline" panose="020B0509030403020204" pitchFamily="49" charset="0"/>
+              </a:rPr>
+              <a:t>		break;</a:t>
+            </a:r>
+          </a:p>
+          <a:p>
+            <a:pPr marL="0" indent="0">
+              <a:buNone/>
+            </a:pPr>
+            <a:r>
+              <a:rPr lang="en-ID" b="0" dirty="0">
+                <a:solidFill>
+                  <a:srgbClr val="00B050"/>
+                </a:solidFill>
+                <a:effectLst/>
+                <a:latin typeface="Source Code Pro for Powerline" panose="020B0509030403020204" pitchFamily="49" charset="0"/>
+              </a:rPr>
+              <a:t>	case case_selector2: </a:t>
+            </a:r>
+          </a:p>
+          <a:p>
+            <a:pPr marL="0" indent="0">
+              <a:buNone/>
+            </a:pPr>
+            <a:r>
+              <a:rPr lang="en-ID" b="0" dirty="0">
+                <a:solidFill>
+                  <a:srgbClr val="00B050"/>
+                </a:solidFill>
+                <a:effectLst/>
+                <a:latin typeface="Source Code Pro for Powerline" panose="020B0509030403020204" pitchFamily="49" charset="0"/>
+              </a:rPr>
+              <a:t>		statement2;</a:t>
+            </a:r>
+          </a:p>
+          <a:p>
+            <a:pPr marL="0" indent="0">
+              <a:buNone/>
+            </a:pPr>
+            <a:r>
+              <a:rPr lang="en-ID" b="0" dirty="0">
+                <a:solidFill>
+                  <a:srgbClr val="00B050"/>
+                </a:solidFill>
+                <a:effectLst/>
+                <a:latin typeface="Source Code Pro for Powerline" panose="020B0509030403020204" pitchFamily="49" charset="0"/>
+              </a:rPr>
+              <a:t>		break; </a:t>
+            </a:r>
+          </a:p>
+          <a:p>
+            <a:pPr marL="0" indent="0">
+              <a:buNone/>
+            </a:pPr>
+            <a:r>
+              <a:rPr lang="en-ID" b="0" dirty="0">
+                <a:solidFill>
+                  <a:srgbClr val="00B050"/>
+                </a:solidFill>
+                <a:effectLst/>
+                <a:latin typeface="Source Code Pro for Powerline" panose="020B0509030403020204" pitchFamily="49" charset="0"/>
+              </a:rPr>
+              <a:t>	default: </a:t>
+            </a:r>
+          </a:p>
+          <a:p>
+            <a:pPr marL="0" indent="0">
+              <a:buNone/>
+            </a:pPr>
+            <a:r>
+              <a:rPr lang="en-ID" b="0" dirty="0">
+                <a:solidFill>
+                  <a:srgbClr val="00B050"/>
+                </a:solidFill>
+                <a:effectLst/>
+                <a:latin typeface="Source Code Pro for Powerline" panose="020B0509030403020204" pitchFamily="49" charset="0"/>
+              </a:rPr>
+              <a:t>		statement3;</a:t>
+            </a:r>
+          </a:p>
+          <a:p>
+            <a:pPr marL="0" indent="0">
+              <a:buNone/>
+            </a:pPr>
+            <a:r>
+              <a:rPr lang="en-ID" b="0" dirty="0">
+                <a:solidFill>
+                  <a:srgbClr val="00B050"/>
+                </a:solidFill>
+                <a:effectLst/>
+                <a:latin typeface="Source Code Pro for Powerline" panose="020B0509030403020204" pitchFamily="49" charset="0"/>
+              </a:rPr>
+              <a:t>		break;</a:t>
+            </a:r>
+          </a:p>
+          <a:p>
+            <a:pPr marL="0" indent="0">
+              <a:buNone/>
+            </a:pPr>
+            <a:r>
+              <a:rPr lang="en-ID" b="0" dirty="0">
+                <a:solidFill>
+                  <a:srgbClr val="00B050"/>
+                </a:solidFill>
+                <a:effectLst/>
+                <a:latin typeface="Source Code Pro for Powerline" panose="020B0509030403020204" pitchFamily="49" charset="0"/>
+              </a:rPr>
+              <a:t>} </a:t>
+            </a:r>
+          </a:p>
+          <a:p>
+            <a:pPr marL="0" indent="0">
+              <a:buNone/>
+            </a:pPr>
+            <a:endParaRPr lang="en-US" dirty="0">
+              <a:solidFill>
+                <a:srgbClr val="00B050"/>
+              </a:solidFill>
+            </a:endParaRPr>
+          </a:p>
+        </p:txBody>
+      </p:sp>
+      <p:pic>
+        <p:nvPicPr>
+          <p:cNvPr id="6" name="Picture 5">
+            <a:extLst>
+              <a:ext uri="{FF2B5EF4-FFF2-40B4-BE49-F238E27FC236}">
+                <a16:creationId xmlns:a16="http://schemas.microsoft.com/office/drawing/2014/main" id="{AE80082C-5A62-F1EA-649D-AD1F98CD7FEB}"/>
+              </a:ext>
+            </a:extLst>
+          </p:cNvPr>
+          <p:cNvPicPr>
+            <a:picLocks noChangeAspect="1"/>
+          </p:cNvPicPr>
+          <p:nvPr/>
+        </p:nvPicPr>
+        <p:blipFill>
+          <a:blip r:embed="rId2"/>
+          <a:stretch>
+            <a:fillRect/>
+          </a:stretch>
+        </p:blipFill>
+        <p:spPr>
+          <a:xfrm>
+            <a:off x="7698078" y="1972996"/>
+            <a:ext cx="3912729" cy="3367100"/>
+          </a:xfrm>
+          <a:prstGeom prst="rect">
+            <a:avLst/>
+          </a:prstGeom>
+        </p:spPr>
+      </p:pic>
+    </p:spTree>
+    <p:extLst>
+      <p:ext uri="{BB962C8B-B14F-4D97-AF65-F5344CB8AC3E}">
+        <p14:creationId xmlns:p14="http://schemas.microsoft.com/office/powerpoint/2010/main" val="474212145"/>
+      </p:ext>
+    </p:extLst>
+  </p:cSld>
+  <p:clrMapOvr>
+    <a:masterClrMapping/>
+  </p:clrMapOvr>
+</p:sld>
+</file>
+
+<file path=ppt/slides/slide27.xml><?xml version="1.0" encoding="utf-8"?>
+<p:sld xmlns:a="http://schemas.openxmlformats.org/drawingml/2006/main" xmlns:r="http://schemas.openxmlformats.org/officeDocument/2006/relationships" xmlns:p="http://schemas.openxmlformats.org/presentationml/2006/main">
+  <p:cSld>
+    <p:spTree>
+      <p:nvGrpSpPr>
+        <p:cNvPr id="1" name=""/>
+        <p:cNvGrpSpPr/>
+        <p:nvPr/>
+      </p:nvGrpSpPr>
+      <p:grpSpPr>
+        <a:xfrm>
+          <a:off x="0" y="0"/>
+          <a:ext cx="0" cy="0"/>
+          <a:chOff x="0" y="0"/>
+          <a:chExt cx="0" cy="0"/>
+        </a:xfrm>
+      </p:grpSpPr>
+      <p:sp>
+        <p:nvSpPr>
+          <p:cNvPr id="5" name="Title 4">
+            <a:extLst>
+              <a:ext uri="{FF2B5EF4-FFF2-40B4-BE49-F238E27FC236}">
+                <a16:creationId xmlns:a16="http://schemas.microsoft.com/office/drawing/2014/main" id="{52A0C798-D649-CE9C-9128-85924F22DEB7}"/>
+              </a:ext>
+            </a:extLst>
+          </p:cNvPr>
+          <p:cNvSpPr>
+            <a:spLocks noGrp="1"/>
+          </p:cNvSpPr>
+          <p:nvPr>
+            <p:ph type="title"/>
+          </p:nvPr>
+        </p:nvSpPr>
+        <p:spPr/>
+        <p:txBody>
+          <a:bodyPr/>
+          <a:lstStyle/>
+          <a:p>
+            <a:r>
+              <a:rPr lang="en-ID" dirty="0"/>
+              <a:t>PERULANGAN / LOOPING</a:t>
+            </a:r>
+            <a:endParaRPr lang="en-US" dirty="0"/>
+          </a:p>
+        </p:txBody>
+      </p:sp>
+      <p:sp>
+        <p:nvSpPr>
+          <p:cNvPr id="6" name="Content Placeholder 5">
+            <a:extLst>
+              <a:ext uri="{FF2B5EF4-FFF2-40B4-BE49-F238E27FC236}">
+                <a16:creationId xmlns:a16="http://schemas.microsoft.com/office/drawing/2014/main" id="{87BBA480-4DCA-1D67-C946-5C504FF134FD}"/>
+              </a:ext>
+            </a:extLst>
+          </p:cNvPr>
+          <p:cNvSpPr>
+            <a:spLocks noGrp="1"/>
+          </p:cNvSpPr>
+          <p:nvPr>
+            <p:ph idx="1"/>
+          </p:nvPr>
+        </p:nvSpPr>
+        <p:spPr/>
+        <p:txBody>
+          <a:bodyPr/>
+          <a:lstStyle/>
+          <a:p>
+            <a:r>
+              <a:rPr lang="en-ID" dirty="0"/>
+              <a:t>While Loop</a:t>
+            </a:r>
+          </a:p>
+          <a:p>
+            <a:r>
+              <a:rPr lang="en-ID" dirty="0"/>
+              <a:t>Do-While Loop</a:t>
+            </a:r>
+            <a:endParaRPr lang="en-US" dirty="0"/>
+          </a:p>
+        </p:txBody>
+      </p:sp>
+    </p:spTree>
+    <p:extLst>
+      <p:ext uri="{BB962C8B-B14F-4D97-AF65-F5344CB8AC3E}">
+        <p14:creationId xmlns:p14="http://schemas.microsoft.com/office/powerpoint/2010/main" val="3101005227"/>
+      </p:ext>
+    </p:extLst>
+  </p:cSld>
+  <p:clrMapOvr>
+    <a:masterClrMapping/>
+  </p:clrMapOvr>
+</p:sld>
+</file>
+
+<file path=ppt/slides/slide28.xml><?xml version="1.0" encoding="utf-8"?>
+<p:sld xmlns:a="http://schemas.openxmlformats.org/drawingml/2006/main" xmlns:r="http://schemas.openxmlformats.org/officeDocument/2006/relationships" xmlns:p="http://schemas.openxmlformats.org/presentationml/2006/main">
+  <p:cSld>
+    <p:spTree>
+      <p:nvGrpSpPr>
+        <p:cNvPr id="1" name=""/>
+        <p:cNvGrpSpPr/>
+        <p:nvPr/>
+      </p:nvGrpSpPr>
+      <p:grpSpPr>
+        <a:xfrm>
+          <a:off x="0" y="0"/>
+          <a:ext cx="0" cy="0"/>
+          <a:chOff x="0" y="0"/>
+          <a:chExt cx="0" cy="0"/>
+        </a:xfrm>
+      </p:grpSpPr>
+      <p:sp>
+        <p:nvSpPr>
+          <p:cNvPr id="2" name="Title 1">
+            <a:extLst>
+              <a:ext uri="{FF2B5EF4-FFF2-40B4-BE49-F238E27FC236}">
+                <a16:creationId xmlns:a16="http://schemas.microsoft.com/office/drawing/2014/main" id="{E928E822-990A-F0B9-9A32-49655DFDCBBA}"/>
+              </a:ext>
+            </a:extLst>
+          </p:cNvPr>
+          <p:cNvSpPr>
+            <a:spLocks noGrp="1"/>
+          </p:cNvSpPr>
+          <p:nvPr>
+            <p:ph type="title"/>
+          </p:nvPr>
+        </p:nvSpPr>
+        <p:spPr/>
+        <p:txBody>
+          <a:bodyPr/>
+          <a:lstStyle/>
+          <a:p>
+            <a:r>
+              <a:rPr lang="en-US" dirty="0"/>
+              <a:t>While loop</a:t>
+            </a:r>
+          </a:p>
+        </p:txBody>
+      </p:sp>
+      <p:sp>
+        <p:nvSpPr>
+          <p:cNvPr id="3" name="Content Placeholder 2">
+            <a:extLst>
+              <a:ext uri="{FF2B5EF4-FFF2-40B4-BE49-F238E27FC236}">
+                <a16:creationId xmlns:a16="http://schemas.microsoft.com/office/drawing/2014/main" id="{44237CE3-581E-A9C2-87DC-F386E0BAD230}"/>
+              </a:ext>
+            </a:extLst>
+          </p:cNvPr>
+          <p:cNvSpPr>
+            <a:spLocks noGrp="1"/>
+          </p:cNvSpPr>
+          <p:nvPr>
+            <p:ph idx="1"/>
+          </p:nvPr>
+        </p:nvSpPr>
+        <p:spPr>
+          <a:xfrm>
+            <a:off x="581192" y="2180496"/>
+            <a:ext cx="5514807" cy="3678303"/>
+          </a:xfrm>
+        </p:spPr>
+        <p:txBody>
+          <a:bodyPr/>
+          <a:lstStyle/>
+          <a:p>
+            <a:r>
+              <a:rPr lang="en-ID" dirty="0" err="1"/>
+              <a:t>Pernyataan</a:t>
+            </a:r>
+            <a:r>
+              <a:rPr lang="en-ID" dirty="0"/>
+              <a:t> while loop </a:t>
+            </a:r>
+            <a:r>
+              <a:rPr lang="en-ID" dirty="0" err="1"/>
+              <a:t>adalah</a:t>
+            </a:r>
+            <a:r>
+              <a:rPr lang="en-ID" dirty="0"/>
+              <a:t> </a:t>
+            </a:r>
+            <a:r>
+              <a:rPr lang="en-ID" dirty="0" err="1"/>
+              <a:t>pernyataan</a:t>
+            </a:r>
+            <a:r>
+              <a:rPr lang="en-ID" dirty="0"/>
+              <a:t> </a:t>
+            </a:r>
+            <a:r>
+              <a:rPr lang="en-ID" dirty="0" err="1"/>
+              <a:t>atau</a:t>
+            </a:r>
+            <a:r>
+              <a:rPr lang="en-ID" dirty="0"/>
+              <a:t> </a:t>
+            </a:r>
+            <a:r>
+              <a:rPr lang="en-ID" dirty="0" err="1"/>
+              <a:t>blok</a:t>
+            </a:r>
+            <a:r>
+              <a:rPr lang="en-ID" dirty="0"/>
+              <a:t> </a:t>
+            </a:r>
+            <a:r>
+              <a:rPr lang="en-ID" dirty="0" err="1"/>
+              <a:t>pernyataan</a:t>
+            </a:r>
+            <a:r>
+              <a:rPr lang="en-ID" dirty="0"/>
+              <a:t> yang </a:t>
+            </a:r>
+            <a:r>
+              <a:rPr lang="en-ID" dirty="0" err="1"/>
+              <a:t>diulang-ulang</a:t>
+            </a:r>
+            <a:r>
+              <a:rPr lang="en-ID" dirty="0"/>
+              <a:t> </a:t>
+            </a:r>
+            <a:r>
+              <a:rPr lang="en-ID" dirty="0" err="1"/>
+              <a:t>sampai</a:t>
+            </a:r>
+            <a:r>
+              <a:rPr lang="en-ID" dirty="0"/>
+              <a:t> </a:t>
+            </a:r>
+            <a:r>
+              <a:rPr lang="en-ID" dirty="0" err="1"/>
+              <a:t>mencapai</a:t>
+            </a:r>
+            <a:r>
+              <a:rPr lang="en-ID" dirty="0"/>
+              <a:t> </a:t>
+            </a:r>
+            <a:r>
+              <a:rPr lang="en-ID" dirty="0" err="1"/>
+              <a:t>kondisi</a:t>
+            </a:r>
+            <a:r>
+              <a:rPr lang="en-ID" dirty="0"/>
+              <a:t> yang </a:t>
+            </a:r>
+            <a:r>
+              <a:rPr lang="en-ID" dirty="0" err="1"/>
+              <a:t>cocok</a:t>
+            </a:r>
+            <a:r>
+              <a:rPr lang="en-ID" dirty="0"/>
+              <a:t>.</a:t>
+            </a:r>
+          </a:p>
+          <a:p>
+            <a:r>
+              <a:rPr lang="en-ID" dirty="0" err="1"/>
+              <a:t>Pernyataan</a:t>
+            </a:r>
+            <a:r>
+              <a:rPr lang="en-ID" dirty="0"/>
+              <a:t> </a:t>
+            </a:r>
+            <a:r>
+              <a:rPr lang="en-ID" dirty="0" err="1"/>
+              <a:t>didalam</a:t>
+            </a:r>
+            <a:r>
+              <a:rPr lang="en-ID" dirty="0"/>
+              <a:t> while loop pada </a:t>
+            </a:r>
+            <a:r>
+              <a:rPr lang="en-ID" dirty="0" err="1"/>
+              <a:t>contoh</a:t>
+            </a:r>
+            <a:r>
+              <a:rPr lang="en-ID" dirty="0"/>
+              <a:t> </a:t>
+            </a:r>
+            <a:r>
+              <a:rPr lang="en-ID" dirty="0" err="1"/>
+              <a:t>disamping</a:t>
+            </a:r>
+            <a:r>
+              <a:rPr lang="en-ID" dirty="0"/>
+              <a:t> </a:t>
+            </a:r>
+            <a:r>
+              <a:rPr lang="en-ID" dirty="0" err="1"/>
+              <a:t>akan</a:t>
+            </a:r>
+            <a:r>
+              <a:rPr lang="en-ID" dirty="0"/>
+              <a:t> </a:t>
+            </a:r>
+            <a:r>
+              <a:rPr lang="en-ID" dirty="0" err="1"/>
+              <a:t>dieksekusi</a:t>
+            </a:r>
+            <a:r>
+              <a:rPr lang="en-ID" dirty="0"/>
+              <a:t> </a:t>
+            </a:r>
+            <a:r>
+              <a:rPr lang="en-ID" dirty="0" err="1"/>
+              <a:t>berulang-ulang</a:t>
+            </a:r>
+            <a:r>
+              <a:rPr lang="en-ID" dirty="0"/>
+              <a:t> </a:t>
+            </a:r>
+            <a:r>
+              <a:rPr lang="en-ID" dirty="0" err="1"/>
+              <a:t>selama</a:t>
+            </a:r>
+            <a:r>
+              <a:rPr lang="en-ID" dirty="0"/>
+              <a:t> </a:t>
+            </a:r>
+            <a:r>
+              <a:rPr lang="en-ID" dirty="0" err="1"/>
+              <a:t>kondisi</a:t>
+            </a:r>
+            <a:r>
+              <a:rPr lang="en-ID" dirty="0"/>
+              <a:t> </a:t>
+            </a:r>
+            <a:r>
+              <a:rPr lang="en-ID" dirty="0" err="1">
+                <a:solidFill>
+                  <a:srgbClr val="00B050"/>
+                </a:solidFill>
+              </a:rPr>
+              <a:t>boolean_expression</a:t>
+            </a:r>
+            <a:r>
+              <a:rPr lang="en-ID" dirty="0">
+                <a:solidFill>
+                  <a:srgbClr val="00B050"/>
+                </a:solidFill>
+              </a:rPr>
+              <a:t> </a:t>
+            </a:r>
+            <a:r>
+              <a:rPr lang="en-ID" dirty="0" err="1"/>
+              <a:t>bernilai</a:t>
+            </a:r>
+            <a:r>
+              <a:rPr lang="en-ID" dirty="0"/>
+              <a:t> </a:t>
+            </a:r>
+            <a:r>
+              <a:rPr lang="en-ID" dirty="0" err="1"/>
+              <a:t>benar</a:t>
+            </a:r>
+            <a:r>
+              <a:rPr lang="en-ID" dirty="0"/>
+              <a:t> (true)</a:t>
+            </a:r>
+            <a:endParaRPr lang="en-US" dirty="0"/>
+          </a:p>
+        </p:txBody>
+      </p:sp>
+      <p:sp>
+        <p:nvSpPr>
+          <p:cNvPr id="4" name="TextBox 3">
+            <a:extLst>
+              <a:ext uri="{FF2B5EF4-FFF2-40B4-BE49-F238E27FC236}">
+                <a16:creationId xmlns:a16="http://schemas.microsoft.com/office/drawing/2014/main" id="{40667D28-7E30-B2E0-FD57-873529784E23}"/>
+              </a:ext>
+            </a:extLst>
+          </p:cNvPr>
+          <p:cNvSpPr txBox="1"/>
+          <p:nvPr/>
+        </p:nvSpPr>
+        <p:spPr>
+          <a:xfrm>
+            <a:off x="6697980" y="3419482"/>
+            <a:ext cx="2978892" cy="1200329"/>
+          </a:xfrm>
+          <a:prstGeom prst="rect">
+            <a:avLst/>
+          </a:prstGeom>
+          <a:noFill/>
+        </p:spPr>
+        <p:txBody>
+          <a:bodyPr wrap="none" rtlCol="0">
+            <a:spAutoFit/>
+          </a:bodyPr>
+          <a:lstStyle/>
+          <a:p>
+            <a:r>
+              <a:rPr lang="en-ID" dirty="0">
+                <a:solidFill>
+                  <a:srgbClr val="00B050"/>
+                </a:solidFill>
+              </a:rPr>
+              <a:t>while( </a:t>
+            </a:r>
+            <a:r>
+              <a:rPr lang="en-ID" dirty="0" err="1">
+                <a:solidFill>
+                  <a:srgbClr val="00B050"/>
+                </a:solidFill>
+              </a:rPr>
+              <a:t>boolean_expression</a:t>
+            </a:r>
+            <a:r>
+              <a:rPr lang="en-ID" dirty="0">
+                <a:solidFill>
+                  <a:srgbClr val="00B050"/>
+                </a:solidFill>
+              </a:rPr>
+              <a:t> ){ </a:t>
+            </a:r>
+          </a:p>
+          <a:p>
+            <a:r>
+              <a:rPr lang="en-ID" dirty="0">
+                <a:solidFill>
+                  <a:srgbClr val="00B050"/>
+                </a:solidFill>
+              </a:rPr>
+              <a:t>	statement1; </a:t>
+            </a:r>
+          </a:p>
+          <a:p>
+            <a:r>
+              <a:rPr lang="en-ID" dirty="0">
+                <a:solidFill>
+                  <a:srgbClr val="00B050"/>
+                </a:solidFill>
+              </a:rPr>
+              <a:t>	statement2; </a:t>
+            </a:r>
+          </a:p>
+          <a:p>
+            <a:r>
+              <a:rPr lang="en-ID" dirty="0">
+                <a:solidFill>
+                  <a:srgbClr val="00B050"/>
+                </a:solidFill>
+              </a:rPr>
+              <a:t>}</a:t>
+            </a:r>
+            <a:endParaRPr lang="en-US" dirty="0">
+              <a:solidFill>
+                <a:srgbClr val="00B050"/>
+              </a:solidFill>
+            </a:endParaRPr>
+          </a:p>
+        </p:txBody>
+      </p:sp>
+    </p:spTree>
+    <p:extLst>
+      <p:ext uri="{BB962C8B-B14F-4D97-AF65-F5344CB8AC3E}">
+        <p14:creationId xmlns:p14="http://schemas.microsoft.com/office/powerpoint/2010/main" val="101405488"/>
+      </p:ext>
+    </p:extLst>
+  </p:cSld>
+  <p:clrMapOvr>
+    <a:masterClrMapping/>
+  </p:clrMapOvr>
+</p:sld>
+</file>
+
+<file path=ppt/slides/slide29.xml><?xml version="1.0" encoding="utf-8"?>
+<p:sld xmlns:a="http://schemas.openxmlformats.org/drawingml/2006/main" xmlns:r="http://schemas.openxmlformats.org/officeDocument/2006/relationships" xmlns:p="http://schemas.openxmlformats.org/presentationml/2006/main">
+  <p:cSld>
+    <p:spTree>
+      <p:nvGrpSpPr>
+        <p:cNvPr id="1" name=""/>
+        <p:cNvGrpSpPr/>
+        <p:nvPr/>
+      </p:nvGrpSpPr>
+      <p:grpSpPr>
+        <a:xfrm>
+          <a:off x="0" y="0"/>
+          <a:ext cx="0" cy="0"/>
+          <a:chOff x="0" y="0"/>
+          <a:chExt cx="0" cy="0"/>
+        </a:xfrm>
+      </p:grpSpPr>
+      <p:sp>
+        <p:nvSpPr>
+          <p:cNvPr id="2" name="Title 1">
+            <a:extLst>
+              <a:ext uri="{FF2B5EF4-FFF2-40B4-BE49-F238E27FC236}">
+                <a16:creationId xmlns:a16="http://schemas.microsoft.com/office/drawing/2014/main" id="{FFC8DA44-A5E8-9DBE-CC5F-4128D57A215B}"/>
+              </a:ext>
+            </a:extLst>
+          </p:cNvPr>
+          <p:cNvSpPr>
+            <a:spLocks noGrp="1"/>
+          </p:cNvSpPr>
+          <p:nvPr>
+            <p:ph type="title"/>
+          </p:nvPr>
+        </p:nvSpPr>
+        <p:spPr/>
+        <p:txBody>
+          <a:bodyPr/>
+          <a:lstStyle/>
+          <a:p>
+            <a:r>
+              <a:rPr lang="en-ID" dirty="0"/>
+              <a:t>Do-While Loop</a:t>
+            </a:r>
+            <a:endParaRPr lang="en-US" dirty="0"/>
+          </a:p>
+        </p:txBody>
+      </p:sp>
+      <p:sp>
+        <p:nvSpPr>
+          <p:cNvPr id="3" name="Content Placeholder 2">
+            <a:extLst>
+              <a:ext uri="{FF2B5EF4-FFF2-40B4-BE49-F238E27FC236}">
+                <a16:creationId xmlns:a16="http://schemas.microsoft.com/office/drawing/2014/main" id="{19EBD553-8791-AB40-5E43-3F75E3CE41CA}"/>
+              </a:ext>
+            </a:extLst>
+          </p:cNvPr>
+          <p:cNvSpPr>
+            <a:spLocks noGrp="1"/>
+          </p:cNvSpPr>
+          <p:nvPr>
+            <p:ph idx="1"/>
+          </p:nvPr>
+        </p:nvSpPr>
+        <p:spPr/>
+        <p:txBody>
+          <a:bodyPr/>
+          <a:lstStyle/>
+          <a:p>
+            <a:r>
+              <a:rPr lang="en-US" dirty="0"/>
+              <a:t> Do/while </a:t>
+            </a:r>
+            <a:r>
+              <a:rPr lang="en-US" dirty="0" err="1"/>
+              <a:t>merupakan</a:t>
+            </a:r>
+            <a:r>
+              <a:rPr lang="en-US" dirty="0"/>
+              <a:t> </a:t>
+            </a:r>
+            <a:r>
+              <a:rPr lang="en-US" dirty="0" err="1"/>
+              <a:t>varian</a:t>
+            </a:r>
+            <a:r>
+              <a:rPr lang="en-US" dirty="0"/>
+              <a:t> </a:t>
+            </a:r>
+            <a:r>
+              <a:rPr lang="en-US" dirty="0" err="1"/>
+              <a:t>dari</a:t>
+            </a:r>
+            <a:r>
+              <a:rPr lang="en-US" dirty="0"/>
+              <a:t> </a:t>
+            </a:r>
+            <a:r>
+              <a:rPr lang="en-US" dirty="0" err="1"/>
+              <a:t>perulangan</a:t>
+            </a:r>
+            <a:r>
+              <a:rPr lang="en-US" dirty="0"/>
+              <a:t> while. </a:t>
+            </a:r>
+            <a:r>
+              <a:rPr lang="en-US" dirty="0" err="1"/>
+              <a:t>Perulangan</a:t>
+            </a:r>
+            <a:r>
+              <a:rPr lang="en-US" dirty="0"/>
+              <a:t> </a:t>
+            </a:r>
+            <a:r>
+              <a:rPr lang="en-US" dirty="0" err="1"/>
+              <a:t>ini</a:t>
+            </a:r>
+            <a:r>
+              <a:rPr lang="en-US" dirty="0"/>
+              <a:t> </a:t>
+            </a:r>
+            <a:r>
+              <a:rPr lang="en-US" dirty="0" err="1"/>
+              <a:t>akan</a:t>
+            </a:r>
+            <a:r>
+              <a:rPr lang="en-US" dirty="0"/>
+              <a:t> </a:t>
+            </a:r>
+            <a:r>
+              <a:rPr lang="en-US" dirty="0" err="1"/>
+              <a:t>mengeksekusi</a:t>
+            </a:r>
+            <a:r>
+              <a:rPr lang="en-US" dirty="0"/>
+              <a:t> </a:t>
+            </a:r>
+            <a:r>
+              <a:rPr lang="en-US" dirty="0" err="1"/>
+              <a:t>blok</a:t>
+            </a:r>
+            <a:r>
+              <a:rPr lang="en-US" dirty="0"/>
+              <a:t> </a:t>
+            </a:r>
+            <a:r>
+              <a:rPr lang="en-US" dirty="0" err="1"/>
+              <a:t>kode</a:t>
+            </a:r>
+            <a:r>
+              <a:rPr lang="en-US" dirty="0"/>
+              <a:t> </a:t>
+            </a:r>
+            <a:r>
+              <a:rPr lang="en-US" dirty="0" err="1"/>
+              <a:t>satu</a:t>
+            </a:r>
+            <a:r>
+              <a:rPr lang="en-US" dirty="0"/>
+              <a:t> kali, </a:t>
+            </a:r>
+            <a:r>
+              <a:rPr lang="en-US" dirty="0" err="1"/>
+              <a:t>sebelum</a:t>
+            </a:r>
+            <a:r>
+              <a:rPr lang="en-US" dirty="0"/>
+              <a:t> </a:t>
+            </a:r>
+            <a:r>
+              <a:rPr lang="en-US" dirty="0" err="1"/>
+              <a:t>memeriksa</a:t>
+            </a:r>
+            <a:r>
+              <a:rPr lang="en-US" dirty="0"/>
+              <a:t> </a:t>
+            </a:r>
+            <a:r>
+              <a:rPr lang="en-US" dirty="0" err="1"/>
+              <a:t>apakah</a:t>
+            </a:r>
+            <a:r>
+              <a:rPr lang="en-US" dirty="0"/>
+              <a:t> </a:t>
+            </a:r>
+            <a:r>
+              <a:rPr lang="en-US" dirty="0" err="1"/>
+              <a:t>kondisinya</a:t>
+            </a:r>
+            <a:r>
+              <a:rPr lang="en-US" dirty="0"/>
+              <a:t> </a:t>
+            </a:r>
+            <a:r>
+              <a:rPr lang="en-US" dirty="0" err="1"/>
+              <a:t>benar</a:t>
+            </a:r>
+            <a:r>
+              <a:rPr lang="en-US" dirty="0"/>
+              <a:t>, </a:t>
+            </a:r>
+            <a:r>
+              <a:rPr lang="en-US" dirty="0" err="1"/>
+              <a:t>kemudian</a:t>
+            </a:r>
+            <a:r>
+              <a:rPr lang="en-US" dirty="0"/>
+              <a:t> </a:t>
+            </a:r>
+            <a:r>
+              <a:rPr lang="en-US" dirty="0" err="1"/>
+              <a:t>akan</a:t>
+            </a:r>
+            <a:r>
+              <a:rPr lang="en-US" dirty="0"/>
+              <a:t> </a:t>
+            </a:r>
+            <a:r>
+              <a:rPr lang="en-US" dirty="0" err="1"/>
+              <a:t>mengulangi</a:t>
+            </a:r>
+            <a:r>
+              <a:rPr lang="en-US" dirty="0"/>
+              <a:t> </a:t>
+            </a:r>
+            <a:r>
+              <a:rPr lang="en-US" dirty="0" err="1"/>
+              <a:t>perulangan</a:t>
+            </a:r>
+            <a:r>
+              <a:rPr lang="en-US" dirty="0"/>
+              <a:t> </a:t>
+            </a:r>
+            <a:r>
+              <a:rPr lang="en-US" dirty="0" err="1"/>
+              <a:t>selama</a:t>
+            </a:r>
+            <a:r>
+              <a:rPr lang="en-US" dirty="0"/>
+              <a:t> </a:t>
+            </a:r>
+            <a:r>
+              <a:rPr lang="en-US" dirty="0" err="1"/>
+              <a:t>kondisinya</a:t>
+            </a:r>
+            <a:r>
+              <a:rPr lang="en-US" dirty="0"/>
+              <a:t> </a:t>
+            </a:r>
+            <a:r>
+              <a:rPr lang="en-US" dirty="0" err="1"/>
+              <a:t>benar</a:t>
+            </a:r>
+            <a:r>
+              <a:rPr lang="en-US" dirty="0"/>
+              <a:t>.</a:t>
+            </a:r>
+          </a:p>
+        </p:txBody>
+      </p:sp>
+    </p:spTree>
+    <p:extLst>
+      <p:ext uri="{BB962C8B-B14F-4D97-AF65-F5344CB8AC3E}">
+        <p14:creationId xmlns:p14="http://schemas.microsoft.com/office/powerpoint/2010/main" val="521726592"/>
+      </p:ext>
+    </p:extLst>
+  </p:cSld>
+  <p:clrMapOvr>
+    <a:masterClrMapping/>
+  </p:clrMapOvr>
+</p:sld>
+</file>
+
 <file path=ppt/slides/slide3.xml><?xml version="1.0" encoding="utf-8"?>
 <p:sld xmlns:a="http://schemas.openxmlformats.org/drawingml/2006/main" xmlns:r="http://schemas.openxmlformats.org/officeDocument/2006/relationships" xmlns:p="http://schemas.openxmlformats.org/presentationml/2006/main">
   <p:cSld>
@@ -13614,6 +15810,2121 @@
     <p:extLst>
       <p:ext uri="{BB962C8B-B14F-4D97-AF65-F5344CB8AC3E}">
         <p14:creationId xmlns:p14="http://schemas.microsoft.com/office/powerpoint/2010/main" val="3129362764"/>
+      </p:ext>
+    </p:extLst>
+  </p:cSld>
+  <p:clrMapOvr>
+    <a:masterClrMapping/>
+  </p:clrMapOvr>
+</p:sld>
+</file>
+
+<file path=ppt/slides/slide30.xml><?xml version="1.0" encoding="utf-8"?>
+<p:sld xmlns:a="http://schemas.openxmlformats.org/drawingml/2006/main" xmlns:r="http://schemas.openxmlformats.org/officeDocument/2006/relationships" xmlns:p="http://schemas.openxmlformats.org/presentationml/2006/main">
+  <p:cSld>
+    <p:spTree>
+      <p:nvGrpSpPr>
+        <p:cNvPr id="1" name=""/>
+        <p:cNvGrpSpPr/>
+        <p:nvPr/>
+      </p:nvGrpSpPr>
+      <p:grpSpPr>
+        <a:xfrm>
+          <a:off x="0" y="0"/>
+          <a:ext cx="0" cy="0"/>
+          <a:chOff x="0" y="0"/>
+          <a:chExt cx="0" cy="0"/>
+        </a:xfrm>
+      </p:grpSpPr>
+      <p:sp>
+        <p:nvSpPr>
+          <p:cNvPr id="2" name="Title 1">
+            <a:extLst>
+              <a:ext uri="{FF2B5EF4-FFF2-40B4-BE49-F238E27FC236}">
+                <a16:creationId xmlns:a16="http://schemas.microsoft.com/office/drawing/2014/main" id="{4AE06092-A887-ACA3-E9E4-CA6EFA3C687C}"/>
+              </a:ext>
+            </a:extLst>
+          </p:cNvPr>
+          <p:cNvSpPr>
+            <a:spLocks noGrp="1"/>
+          </p:cNvSpPr>
+          <p:nvPr>
+            <p:ph type="title"/>
+          </p:nvPr>
+        </p:nvSpPr>
+        <p:spPr/>
+        <p:txBody>
+          <a:bodyPr/>
+          <a:lstStyle/>
+          <a:p>
+            <a:r>
+              <a:rPr lang="en-US" dirty="0"/>
+              <a:t>Java Array</a:t>
+            </a:r>
+          </a:p>
+        </p:txBody>
+      </p:sp>
+      <p:sp>
+        <p:nvSpPr>
+          <p:cNvPr id="3" name="Content Placeholder 2">
+            <a:extLst>
+              <a:ext uri="{FF2B5EF4-FFF2-40B4-BE49-F238E27FC236}">
+                <a16:creationId xmlns:a16="http://schemas.microsoft.com/office/drawing/2014/main" id="{A0987219-DD9E-127F-70BF-514BE9413955}"/>
+              </a:ext>
+            </a:extLst>
+          </p:cNvPr>
+          <p:cNvSpPr>
+            <a:spLocks noGrp="1"/>
+          </p:cNvSpPr>
+          <p:nvPr>
+            <p:ph idx="1"/>
+          </p:nvPr>
+        </p:nvSpPr>
+        <p:spPr>
+          <a:xfrm>
+            <a:off x="581193" y="2180496"/>
+            <a:ext cx="5097712" cy="4172178"/>
+          </a:xfrm>
+        </p:spPr>
+        <p:txBody>
+          <a:bodyPr>
+            <a:normAutofit fontScale="85000" lnSpcReduction="20000"/>
+          </a:bodyPr>
+          <a:lstStyle/>
+          <a:p>
+            <a:r>
+              <a:rPr lang="en-US" dirty="0"/>
+              <a:t>Array </a:t>
+            </a:r>
+            <a:r>
+              <a:rPr lang="en-US" dirty="0" err="1"/>
+              <a:t>adalah</a:t>
+            </a:r>
+            <a:r>
+              <a:rPr lang="en-US" dirty="0"/>
+              <a:t> </a:t>
+            </a:r>
+            <a:r>
+              <a:rPr lang="en-US" dirty="0" err="1"/>
+              <a:t>himpunan</a:t>
+            </a:r>
+            <a:r>
+              <a:rPr lang="en-US" dirty="0"/>
+              <a:t> </a:t>
+            </a:r>
+            <a:r>
+              <a:rPr lang="en-US" dirty="0" err="1"/>
+              <a:t>tipe</a:t>
+            </a:r>
+            <a:r>
+              <a:rPr lang="en-US" dirty="0"/>
+              <a:t> data yang </a:t>
+            </a:r>
+            <a:r>
+              <a:rPr lang="en-US" dirty="0" err="1"/>
+              <a:t>serupa</a:t>
+            </a:r>
+            <a:r>
+              <a:rPr lang="en-US" dirty="0"/>
+              <a:t>.</a:t>
+            </a:r>
+          </a:p>
+          <a:p>
+            <a:r>
+              <a:rPr lang="en-ID" dirty="0"/>
+              <a:t>Array </a:t>
+            </a:r>
+            <a:r>
+              <a:rPr lang="en-ID" dirty="0" err="1"/>
+              <a:t>harus</a:t>
+            </a:r>
+            <a:r>
+              <a:rPr lang="en-ID" dirty="0"/>
+              <a:t> </a:t>
+            </a:r>
+            <a:r>
+              <a:rPr lang="en-ID" dirty="0" err="1"/>
+              <a:t>dideklarasikan</a:t>
+            </a:r>
+            <a:r>
+              <a:rPr lang="en-ID" dirty="0"/>
+              <a:t> </a:t>
+            </a:r>
+            <a:r>
+              <a:rPr lang="en-ID" dirty="0" err="1"/>
+              <a:t>seperti</a:t>
+            </a:r>
+            <a:r>
+              <a:rPr lang="en-ID" dirty="0"/>
+              <a:t> </a:t>
+            </a:r>
+            <a:r>
+              <a:rPr lang="en-ID" dirty="0" err="1"/>
+              <a:t>layaknya</a:t>
+            </a:r>
+            <a:r>
+              <a:rPr lang="en-ID" dirty="0"/>
+              <a:t> </a:t>
+            </a:r>
+            <a:r>
+              <a:rPr lang="en-ID" dirty="0" err="1"/>
+              <a:t>sebuah</a:t>
+            </a:r>
+            <a:r>
+              <a:rPr lang="en-ID" dirty="0"/>
+              <a:t> </a:t>
+            </a:r>
+            <a:r>
+              <a:rPr lang="en-ID" dirty="0" err="1"/>
+              <a:t>variabel</a:t>
+            </a:r>
+            <a:r>
+              <a:rPr lang="en-ID" dirty="0"/>
+              <a:t>. Pada </a:t>
+            </a:r>
+            <a:r>
+              <a:rPr lang="en-ID" dirty="0" err="1"/>
+              <a:t>saat</a:t>
+            </a:r>
+            <a:r>
+              <a:rPr lang="en-ID" dirty="0"/>
+              <a:t> </a:t>
+            </a:r>
+            <a:r>
+              <a:rPr lang="en-ID" dirty="0" err="1"/>
+              <a:t>mendeklarasikan</a:t>
+            </a:r>
+            <a:r>
+              <a:rPr lang="en-ID" dirty="0"/>
+              <a:t> array, </a:t>
+            </a:r>
+            <a:r>
+              <a:rPr lang="en-ID" dirty="0" err="1"/>
+              <a:t>kamu</a:t>
+            </a:r>
+            <a:r>
+              <a:rPr lang="en-ID" dirty="0"/>
+              <a:t> </a:t>
+            </a:r>
+            <a:r>
+              <a:rPr lang="en-ID" dirty="0" err="1"/>
+              <a:t>harus</a:t>
+            </a:r>
+            <a:r>
+              <a:rPr lang="en-ID" dirty="0"/>
+              <a:t> </a:t>
+            </a:r>
+            <a:r>
+              <a:rPr lang="en-ID" dirty="0" err="1"/>
+              <a:t>membuat</a:t>
+            </a:r>
+            <a:r>
+              <a:rPr lang="en-ID" dirty="0"/>
+              <a:t> </a:t>
+            </a:r>
+            <a:r>
+              <a:rPr lang="en-ID" dirty="0" err="1"/>
+              <a:t>sebuah</a:t>
+            </a:r>
+            <a:r>
+              <a:rPr lang="en-ID" dirty="0"/>
+              <a:t> daftar </a:t>
+            </a:r>
+            <a:r>
+              <a:rPr lang="en-ID" dirty="0" err="1"/>
+              <a:t>dari</a:t>
+            </a:r>
+            <a:r>
+              <a:rPr lang="en-ID" dirty="0"/>
+              <a:t> </a:t>
+            </a:r>
+            <a:r>
+              <a:rPr lang="en-ID" dirty="0" err="1"/>
+              <a:t>tipe</a:t>
+            </a:r>
+            <a:r>
+              <a:rPr lang="en-ID" dirty="0"/>
+              <a:t> data, yang </a:t>
+            </a:r>
+            <a:r>
+              <a:rPr lang="en-ID" dirty="0" err="1"/>
+              <a:t>diikuti</a:t>
+            </a:r>
+            <a:r>
+              <a:rPr lang="en-ID" dirty="0"/>
+              <a:t> oleh </a:t>
+            </a:r>
+            <a:r>
+              <a:rPr lang="en-ID" dirty="0" err="1"/>
+              <a:t>sepasang</a:t>
+            </a:r>
+            <a:r>
+              <a:rPr lang="en-ID" dirty="0"/>
+              <a:t> </a:t>
+            </a:r>
+            <a:r>
+              <a:rPr lang="en-ID" dirty="0" err="1"/>
+              <a:t>tanda</a:t>
+            </a:r>
+            <a:r>
+              <a:rPr lang="en-ID" dirty="0"/>
+              <a:t> </a:t>
+            </a:r>
+            <a:r>
+              <a:rPr lang="en-ID" dirty="0" err="1"/>
+              <a:t>kurung</a:t>
+            </a:r>
+            <a:r>
+              <a:rPr lang="en-ID" dirty="0"/>
+              <a:t> [], </a:t>
+            </a:r>
+            <a:r>
+              <a:rPr lang="en-ID" dirty="0" err="1"/>
+              <a:t>lalu</a:t>
+            </a:r>
+            <a:r>
+              <a:rPr lang="en-ID" dirty="0"/>
+              <a:t> </a:t>
+            </a:r>
+            <a:r>
+              <a:rPr lang="en-ID" dirty="0" err="1"/>
+              <a:t>diikuti</a:t>
+            </a:r>
+            <a:r>
+              <a:rPr lang="en-ID" dirty="0"/>
+              <a:t> oleh </a:t>
+            </a:r>
+            <a:r>
+              <a:rPr lang="en-ID" dirty="0" err="1"/>
+              <a:t>nama</a:t>
+            </a:r>
+            <a:r>
+              <a:rPr lang="en-ID" dirty="0"/>
+              <a:t> identifier-</a:t>
+            </a:r>
+            <a:r>
+              <a:rPr lang="en-ID" dirty="0" err="1"/>
+              <a:t>nya</a:t>
+            </a:r>
+            <a:r>
+              <a:rPr lang="en-ID" dirty="0"/>
+              <a:t>.</a:t>
+            </a:r>
+            <a:r>
+              <a:rPr lang="en-US" dirty="0"/>
+              <a:t> </a:t>
+            </a:r>
+            <a:r>
+              <a:rPr lang="en-US" dirty="0" err="1"/>
+              <a:t>Contoh</a:t>
+            </a:r>
+            <a:r>
+              <a:rPr lang="en-US" dirty="0"/>
+              <a:t>: </a:t>
+            </a:r>
+            <a:r>
+              <a:rPr lang="en-ID" dirty="0">
+                <a:solidFill>
+                  <a:srgbClr val="00B050"/>
+                </a:solidFill>
+                <a:latin typeface="Space Mono for Powerline" panose="02000509040000020004" pitchFamily="49" charset="77"/>
+              </a:rPr>
+              <a:t>int []</a:t>
+            </a:r>
+            <a:r>
+              <a:rPr lang="en-ID" dirty="0" err="1">
+                <a:solidFill>
+                  <a:srgbClr val="00B050"/>
+                </a:solidFill>
+                <a:latin typeface="Space Mono for Powerline" panose="02000509040000020004" pitchFamily="49" charset="77"/>
+              </a:rPr>
+              <a:t>bilanganGanjil</a:t>
+            </a:r>
+            <a:r>
+              <a:rPr lang="en-ID" dirty="0">
+                <a:solidFill>
+                  <a:srgbClr val="00B050"/>
+                </a:solidFill>
+                <a:latin typeface="Space Mono for Powerline" panose="02000509040000020004" pitchFamily="49" charset="77"/>
+              </a:rPr>
+              <a:t>;</a:t>
+            </a:r>
+          </a:p>
+          <a:p>
+            <a:r>
+              <a:rPr lang="en-ID" dirty="0" err="1"/>
+              <a:t>Kamu</a:t>
+            </a:r>
+            <a:r>
+              <a:rPr lang="en-ID" dirty="0"/>
+              <a:t> juga </a:t>
+            </a:r>
+            <a:r>
+              <a:rPr lang="en-ID" dirty="0" err="1"/>
+              <a:t>dapat</a:t>
+            </a:r>
+            <a:r>
+              <a:rPr lang="en-ID" dirty="0"/>
+              <a:t> </a:t>
+            </a:r>
+            <a:r>
+              <a:rPr lang="en-ID" dirty="0" err="1"/>
+              <a:t>menempatkan</a:t>
+            </a:r>
+            <a:r>
+              <a:rPr lang="en-ID" dirty="0"/>
+              <a:t> </a:t>
+            </a:r>
+            <a:r>
+              <a:rPr lang="en-ID" dirty="0" err="1"/>
+              <a:t>sepasang</a:t>
+            </a:r>
+            <a:r>
+              <a:rPr lang="en-ID" dirty="0"/>
+              <a:t> </a:t>
+            </a:r>
+            <a:r>
+              <a:rPr lang="en-ID" dirty="0" err="1"/>
+              <a:t>tanda</a:t>
+            </a:r>
+            <a:r>
+              <a:rPr lang="en-ID" dirty="0"/>
+              <a:t> </a:t>
+            </a:r>
+            <a:r>
+              <a:rPr lang="en-ID" dirty="0" err="1"/>
+              <a:t>kurung</a:t>
+            </a:r>
+            <a:r>
+              <a:rPr lang="en-ID" dirty="0"/>
+              <a:t> [] </a:t>
+            </a:r>
+            <a:r>
+              <a:rPr lang="en-ID" dirty="0" err="1"/>
+              <a:t>sesudah</a:t>
+            </a:r>
+            <a:r>
+              <a:rPr lang="en-ID" dirty="0"/>
+              <a:t> </a:t>
+            </a:r>
+            <a:r>
+              <a:rPr lang="en-ID" dirty="0" err="1"/>
+              <a:t>nama</a:t>
+            </a:r>
+            <a:r>
+              <a:rPr lang="en-ID" dirty="0"/>
+              <a:t> identifier. </a:t>
+            </a:r>
+            <a:r>
+              <a:rPr lang="en-ID" dirty="0" err="1"/>
+              <a:t>Sebagai</a:t>
+            </a:r>
+            <a:r>
+              <a:rPr lang="en-ID" dirty="0"/>
+              <a:t> </a:t>
+            </a:r>
+            <a:r>
+              <a:rPr lang="en-ID" dirty="0" err="1"/>
+              <a:t>contoh</a:t>
+            </a:r>
+            <a:r>
+              <a:rPr lang="en-ID" dirty="0"/>
+              <a:t>: </a:t>
+            </a:r>
+            <a:r>
+              <a:rPr lang="en-ID" dirty="0">
+                <a:solidFill>
+                  <a:srgbClr val="00B050"/>
+                </a:solidFill>
+                <a:latin typeface="Space Mono for Powerline" panose="02000509040000020004" pitchFamily="49" charset="77"/>
+              </a:rPr>
+              <a:t>int </a:t>
+            </a:r>
+            <a:r>
+              <a:rPr lang="en-ID" dirty="0" err="1">
+                <a:solidFill>
+                  <a:srgbClr val="00B050"/>
+                </a:solidFill>
+                <a:latin typeface="Space Mono for Powerline" panose="02000509040000020004" pitchFamily="49" charset="77"/>
+              </a:rPr>
+              <a:t>bilanganGanjil</a:t>
+            </a:r>
+            <a:r>
+              <a:rPr lang="en-ID" dirty="0">
+                <a:solidFill>
+                  <a:srgbClr val="00B050"/>
+                </a:solidFill>
+                <a:latin typeface="Space Mono for Powerline" panose="02000509040000020004" pitchFamily="49" charset="77"/>
+              </a:rPr>
+              <a:t>[];</a:t>
+            </a:r>
+          </a:p>
+          <a:p>
+            <a:r>
+              <a:rPr lang="en-ID" dirty="0" err="1">
+                <a:solidFill>
+                  <a:schemeClr val="tx1"/>
+                </a:solidFill>
+              </a:rPr>
+              <a:t>Setelah</a:t>
+            </a:r>
+            <a:r>
+              <a:rPr lang="en-ID" dirty="0">
+                <a:solidFill>
+                  <a:schemeClr val="tx1"/>
+                </a:solidFill>
+              </a:rPr>
+              <a:t> </a:t>
+            </a:r>
+            <a:r>
+              <a:rPr lang="en-ID" dirty="0" err="1">
+                <a:solidFill>
+                  <a:schemeClr val="tx1"/>
+                </a:solidFill>
+              </a:rPr>
+              <a:t>itu</a:t>
+            </a:r>
+            <a:r>
+              <a:rPr lang="en-ID" dirty="0">
+                <a:solidFill>
+                  <a:schemeClr val="tx1"/>
+                </a:solidFill>
+              </a:rPr>
+              <a:t> </a:t>
+            </a:r>
+            <a:r>
+              <a:rPr lang="en-ID" dirty="0" err="1">
+                <a:solidFill>
+                  <a:schemeClr val="tx1"/>
+                </a:solidFill>
+              </a:rPr>
+              <a:t>anda</a:t>
+            </a:r>
+            <a:r>
+              <a:rPr lang="en-ID" dirty="0">
+                <a:solidFill>
+                  <a:schemeClr val="tx1"/>
+                </a:solidFill>
+              </a:rPr>
+              <a:t> </a:t>
+            </a:r>
+            <a:r>
+              <a:rPr lang="en-ID" dirty="0" err="1">
+                <a:solidFill>
+                  <a:schemeClr val="tx1"/>
+                </a:solidFill>
+              </a:rPr>
+              <a:t>bisa</a:t>
+            </a:r>
+            <a:r>
+              <a:rPr lang="en-ID" dirty="0">
+                <a:solidFill>
+                  <a:schemeClr val="tx1"/>
+                </a:solidFill>
+              </a:rPr>
+              <a:t> </a:t>
+            </a:r>
+            <a:r>
+              <a:rPr lang="en-ID" dirty="0" err="1">
+                <a:solidFill>
+                  <a:schemeClr val="tx1"/>
+                </a:solidFill>
+              </a:rPr>
+              <a:t>melakukan</a:t>
+            </a:r>
+            <a:r>
+              <a:rPr lang="en-ID" dirty="0">
+                <a:solidFill>
+                  <a:schemeClr val="tx1"/>
+                </a:solidFill>
+              </a:rPr>
+              <a:t> </a:t>
+            </a:r>
+            <a:r>
+              <a:rPr lang="en-ID" dirty="0"/>
+              <a:t>instantiate </a:t>
+            </a:r>
+            <a:r>
+              <a:rPr lang="en-ID" dirty="0" err="1"/>
+              <a:t>obyek</a:t>
+            </a:r>
+            <a:r>
+              <a:rPr lang="en-ID" dirty="0"/>
+              <a:t>:  </a:t>
+            </a:r>
+            <a:r>
+              <a:rPr lang="en-ID" dirty="0" err="1">
+                <a:solidFill>
+                  <a:srgbClr val="00B050"/>
+                </a:solidFill>
+                <a:latin typeface="Space Mono for Powerline" panose="02000509040000020004" pitchFamily="49" charset="77"/>
+              </a:rPr>
+              <a:t>bilanganGanjil</a:t>
+            </a:r>
+            <a:r>
+              <a:rPr lang="en-ID" dirty="0">
+                <a:solidFill>
+                  <a:srgbClr val="00B050"/>
+                </a:solidFill>
+                <a:latin typeface="Space Mono for Powerline" panose="02000509040000020004" pitchFamily="49" charset="77"/>
+              </a:rPr>
+              <a:t> = new int[100];</a:t>
+            </a:r>
+          </a:p>
+          <a:p>
+            <a:r>
+              <a:rPr lang="en-ID" dirty="0">
+                <a:solidFill>
+                  <a:schemeClr val="tx1"/>
+                </a:solidFill>
+              </a:rPr>
+              <a:t>Jika </a:t>
+            </a:r>
+            <a:r>
+              <a:rPr lang="en-ID" dirty="0" err="1">
+                <a:solidFill>
+                  <a:schemeClr val="tx1"/>
+                </a:solidFill>
+              </a:rPr>
+              <a:t>ingin</a:t>
+            </a:r>
+            <a:r>
+              <a:rPr lang="en-ID" dirty="0">
+                <a:solidFill>
+                  <a:schemeClr val="tx1"/>
+                </a:solidFill>
+              </a:rPr>
+              <a:t> </a:t>
+            </a:r>
+            <a:r>
+              <a:rPr lang="en-ID" dirty="0" err="1">
+                <a:solidFill>
+                  <a:schemeClr val="tx1"/>
+                </a:solidFill>
+              </a:rPr>
+              <a:t>kamu</a:t>
+            </a:r>
+            <a:r>
+              <a:rPr lang="en-ID" dirty="0">
+                <a:solidFill>
+                  <a:schemeClr val="tx1"/>
+                </a:solidFill>
+              </a:rPr>
+              <a:t> </a:t>
+            </a:r>
+            <a:r>
+              <a:rPr lang="en-ID" dirty="0" err="1">
+                <a:solidFill>
+                  <a:schemeClr val="tx1"/>
+                </a:solidFill>
+              </a:rPr>
+              <a:t>bisa</a:t>
+            </a:r>
+            <a:r>
+              <a:rPr lang="en-ID" dirty="0">
+                <a:solidFill>
+                  <a:schemeClr val="tx1"/>
+                </a:solidFill>
+              </a:rPr>
+              <a:t> </a:t>
+            </a:r>
+            <a:r>
+              <a:rPr lang="en-ID" dirty="0" err="1">
+                <a:solidFill>
+                  <a:schemeClr val="tx1"/>
+                </a:solidFill>
+              </a:rPr>
+              <a:t>melakukannya</a:t>
+            </a:r>
+            <a:r>
+              <a:rPr lang="en-ID" dirty="0">
+                <a:solidFill>
+                  <a:schemeClr val="tx1"/>
+                </a:solidFill>
+              </a:rPr>
+              <a:t> </a:t>
+            </a:r>
+            <a:r>
+              <a:rPr lang="en-ID" dirty="0" err="1">
+                <a:solidFill>
+                  <a:schemeClr val="tx1"/>
+                </a:solidFill>
+              </a:rPr>
+              <a:t>secara</a:t>
+            </a:r>
+            <a:r>
+              <a:rPr lang="en-ID" dirty="0">
+                <a:solidFill>
+                  <a:schemeClr val="tx1"/>
+                </a:solidFill>
+              </a:rPr>
+              <a:t> </a:t>
+            </a:r>
+            <a:r>
+              <a:rPr lang="en-ID" dirty="0" err="1">
+                <a:solidFill>
+                  <a:schemeClr val="tx1"/>
+                </a:solidFill>
+              </a:rPr>
+              <a:t>langsung</a:t>
+            </a:r>
+            <a:r>
+              <a:rPr lang="en-ID" dirty="0">
+                <a:solidFill>
+                  <a:schemeClr val="tx1"/>
+                </a:solidFill>
+              </a:rPr>
+              <a:t> </a:t>
+            </a:r>
+            <a:r>
+              <a:rPr lang="en-ID" dirty="0" err="1">
+                <a:solidFill>
+                  <a:schemeClr val="tx1"/>
+                </a:solidFill>
+              </a:rPr>
+              <a:t>menjadi</a:t>
+            </a:r>
+            <a:r>
+              <a:rPr lang="en-ID" dirty="0">
+                <a:solidFill>
+                  <a:schemeClr val="tx1"/>
+                </a:solidFill>
+              </a:rPr>
+              <a:t> </a:t>
+            </a:r>
+            <a:r>
+              <a:rPr lang="en-ID" dirty="0"/>
+              <a:t>:  </a:t>
+            </a:r>
+            <a:r>
+              <a:rPr lang="en-ID" dirty="0">
+                <a:solidFill>
+                  <a:srgbClr val="00B050"/>
+                </a:solidFill>
+                <a:latin typeface="Space Mono for Powerline" panose="02000509040000020004" pitchFamily="49" charset="77"/>
+              </a:rPr>
+              <a:t>int </a:t>
+            </a:r>
+            <a:r>
+              <a:rPr lang="en-ID" dirty="0" err="1">
+                <a:solidFill>
+                  <a:srgbClr val="00B050"/>
+                </a:solidFill>
+                <a:latin typeface="Space Mono for Powerline" panose="02000509040000020004" pitchFamily="49" charset="77"/>
+              </a:rPr>
+              <a:t>bilanganGanjil</a:t>
+            </a:r>
+            <a:r>
+              <a:rPr lang="en-ID" dirty="0">
+                <a:solidFill>
+                  <a:srgbClr val="00B050"/>
+                </a:solidFill>
+                <a:latin typeface="Space Mono for Powerline" panose="02000509040000020004" pitchFamily="49" charset="77"/>
+              </a:rPr>
+              <a:t>[] = new int[100];</a:t>
+            </a:r>
+          </a:p>
+          <a:p>
+            <a:r>
+              <a:rPr lang="en-ID" dirty="0"/>
+              <a:t>Pada </a:t>
+            </a:r>
+            <a:r>
+              <a:rPr lang="en-ID" dirty="0" err="1"/>
+              <a:t>contoh</a:t>
+            </a:r>
+            <a:r>
+              <a:rPr lang="en-ID" dirty="0"/>
+              <a:t> </a:t>
+            </a:r>
+            <a:r>
+              <a:rPr lang="en-ID" dirty="0" err="1"/>
+              <a:t>tersebut</a:t>
+            </a:r>
+            <a:r>
+              <a:rPr lang="en-ID" dirty="0"/>
+              <a:t>, </a:t>
+            </a:r>
+            <a:r>
+              <a:rPr lang="en-ID" dirty="0" err="1"/>
+              <a:t>pendeklarasian</a:t>
+            </a:r>
+            <a:r>
+              <a:rPr lang="en-ID" dirty="0"/>
+              <a:t> </a:t>
+            </a:r>
+            <a:r>
+              <a:rPr lang="en-ID" dirty="0" err="1"/>
+              <a:t>akan</a:t>
+            </a:r>
+            <a:r>
+              <a:rPr lang="en-ID" dirty="0"/>
+              <a:t> </a:t>
+            </a:r>
+            <a:r>
+              <a:rPr lang="en-ID" dirty="0" err="1"/>
+              <a:t>memberitahukan</a:t>
+            </a:r>
+            <a:r>
+              <a:rPr lang="en-ID" dirty="0"/>
+              <a:t> </a:t>
+            </a:r>
+            <a:r>
+              <a:rPr lang="en-ID" dirty="0" err="1"/>
+              <a:t>kepada</a:t>
+            </a:r>
+            <a:r>
+              <a:rPr lang="en-ID" dirty="0"/>
+              <a:t> compiler Java, </a:t>
+            </a:r>
+            <a:r>
+              <a:rPr lang="en-ID" dirty="0" err="1"/>
+              <a:t>bahwa</a:t>
+            </a:r>
+            <a:r>
+              <a:rPr lang="en-ID" dirty="0"/>
+              <a:t> identifier </a:t>
+            </a:r>
+            <a:r>
+              <a:rPr lang="en-ID" b="1" dirty="0" err="1"/>
+              <a:t>bilanganGanjil</a:t>
+            </a:r>
+            <a:r>
+              <a:rPr lang="en-ID" dirty="0"/>
+              <a:t> </a:t>
+            </a:r>
+            <a:r>
+              <a:rPr lang="en-ID" dirty="0" err="1"/>
+              <a:t>akan</a:t>
+            </a:r>
+            <a:r>
+              <a:rPr lang="en-ID" dirty="0"/>
+              <a:t> </a:t>
+            </a:r>
+            <a:r>
+              <a:rPr lang="en-ID" dirty="0" err="1"/>
+              <a:t>digunakan</a:t>
+            </a:r>
+            <a:r>
+              <a:rPr lang="en-ID" dirty="0"/>
+              <a:t> </a:t>
+            </a:r>
+            <a:r>
+              <a:rPr lang="en-ID" dirty="0" err="1"/>
+              <a:t>sebagai</a:t>
+            </a:r>
+            <a:r>
+              <a:rPr lang="en-ID" dirty="0"/>
+              <a:t> </a:t>
+            </a:r>
+            <a:r>
+              <a:rPr lang="en-ID" dirty="0" err="1"/>
+              <a:t>nama</a:t>
+            </a:r>
+            <a:r>
+              <a:rPr lang="en-ID" dirty="0"/>
+              <a:t> array yang </a:t>
+            </a:r>
+            <a:r>
+              <a:rPr lang="en-ID" dirty="0" err="1"/>
+              <a:t>berisi</a:t>
+            </a:r>
+            <a:r>
+              <a:rPr lang="en-ID" dirty="0"/>
+              <a:t> data </a:t>
+            </a:r>
+            <a:r>
+              <a:rPr lang="en-ID" dirty="0" err="1"/>
+              <a:t>bertipe</a:t>
+            </a:r>
+            <a:r>
+              <a:rPr lang="en-ID" dirty="0"/>
+              <a:t> integer, dan </a:t>
+            </a:r>
+            <a:r>
+              <a:rPr lang="en-ID" dirty="0" err="1"/>
+              <a:t>dilanjutkan</a:t>
+            </a:r>
+            <a:r>
+              <a:rPr lang="en-ID" dirty="0"/>
+              <a:t> </a:t>
+            </a:r>
+            <a:r>
+              <a:rPr lang="en-ID" dirty="0" err="1"/>
+              <a:t>dengan</a:t>
+            </a:r>
+            <a:r>
+              <a:rPr lang="en-ID" dirty="0"/>
+              <a:t> </a:t>
+            </a:r>
+            <a:r>
+              <a:rPr lang="en-ID" dirty="0" err="1"/>
+              <a:t>membuat</a:t>
+            </a:r>
+            <a:r>
+              <a:rPr lang="en-ID" dirty="0"/>
+              <a:t> </a:t>
+            </a:r>
+            <a:r>
+              <a:rPr lang="en-ID" dirty="0" err="1"/>
+              <a:t>atau</a:t>
+            </a:r>
+            <a:r>
+              <a:rPr lang="en-ID" dirty="0"/>
+              <a:t> meng-instantiate </a:t>
+            </a:r>
+            <a:r>
+              <a:rPr lang="en-ID" dirty="0" err="1"/>
+              <a:t>sebuah</a:t>
+            </a:r>
+            <a:r>
+              <a:rPr lang="en-ID" dirty="0"/>
+              <a:t> array </a:t>
+            </a:r>
+            <a:r>
+              <a:rPr lang="en-ID" dirty="0" err="1"/>
+              <a:t>baru</a:t>
+            </a:r>
+            <a:r>
+              <a:rPr lang="en-ID" dirty="0"/>
+              <a:t> yang </a:t>
+            </a:r>
+            <a:r>
+              <a:rPr lang="en-ID" dirty="0" err="1"/>
+              <a:t>terdiri</a:t>
+            </a:r>
+            <a:r>
+              <a:rPr lang="en-ID" dirty="0"/>
+              <a:t> </a:t>
+            </a:r>
+            <a:r>
+              <a:rPr lang="en-ID" dirty="0" err="1"/>
+              <a:t>dari</a:t>
+            </a:r>
+            <a:r>
+              <a:rPr lang="en-ID" dirty="0"/>
+              <a:t> </a:t>
+            </a:r>
+            <a:r>
+              <a:rPr lang="en-ID" b="1" dirty="0"/>
+              <a:t>100</a:t>
+            </a:r>
+            <a:r>
+              <a:rPr lang="en-ID" dirty="0"/>
+              <a:t> </a:t>
+            </a:r>
+            <a:r>
+              <a:rPr lang="en-ID" dirty="0" err="1"/>
+              <a:t>elemen</a:t>
+            </a:r>
+            <a:r>
+              <a:rPr lang="en-ID" dirty="0"/>
+              <a:t>.</a:t>
+            </a:r>
+            <a:endParaRPr lang="en-ID" dirty="0">
+              <a:solidFill>
+                <a:srgbClr val="00B050"/>
+              </a:solidFill>
+              <a:latin typeface="Space Mono for Powerline" panose="02000509040000020004" pitchFamily="49" charset="77"/>
+            </a:endParaRPr>
+          </a:p>
+        </p:txBody>
+      </p:sp>
+      <p:sp>
+        <p:nvSpPr>
+          <p:cNvPr id="4" name="TextBox 3">
+            <a:extLst>
+              <a:ext uri="{FF2B5EF4-FFF2-40B4-BE49-F238E27FC236}">
+                <a16:creationId xmlns:a16="http://schemas.microsoft.com/office/drawing/2014/main" id="{328BD1A7-F433-D5B9-33B2-6DE86E804264}"/>
+              </a:ext>
+            </a:extLst>
+          </p:cNvPr>
+          <p:cNvSpPr txBox="1"/>
+          <p:nvPr/>
+        </p:nvSpPr>
+        <p:spPr>
+          <a:xfrm>
+            <a:off x="6671976" y="2505670"/>
+            <a:ext cx="4416594" cy="923330"/>
+          </a:xfrm>
+          <a:prstGeom prst="rect">
+            <a:avLst/>
+          </a:prstGeom>
+          <a:noFill/>
+        </p:spPr>
+        <p:txBody>
+          <a:bodyPr wrap="none" rtlCol="0">
+            <a:spAutoFit/>
+          </a:bodyPr>
+          <a:lstStyle/>
+          <a:p>
+            <a:r>
+              <a:rPr lang="en-ID" dirty="0">
+                <a:solidFill>
+                  <a:srgbClr val="00B050"/>
+                </a:solidFill>
+                <a:latin typeface="Space Mono for Powerline" panose="02000509040000020004" pitchFamily="49" charset="77"/>
+              </a:rPr>
+              <a:t>int </a:t>
+            </a:r>
+            <a:r>
+              <a:rPr lang="en-ID" dirty="0" err="1">
+                <a:solidFill>
+                  <a:srgbClr val="00B050"/>
+                </a:solidFill>
+                <a:latin typeface="Space Mono for Powerline" panose="02000509040000020004" pitchFamily="49" charset="77"/>
+              </a:rPr>
+              <a:t>bilanganGanjil</a:t>
+            </a:r>
+            <a:r>
+              <a:rPr lang="en-ID" dirty="0">
+                <a:solidFill>
+                  <a:srgbClr val="00B050"/>
+                </a:solidFill>
+                <a:latin typeface="Space Mono for Powerline" panose="02000509040000020004" pitchFamily="49" charset="77"/>
+              </a:rPr>
+              <a:t>[];</a:t>
+            </a:r>
+          </a:p>
+          <a:p>
+            <a:r>
+              <a:rPr lang="en-ID" dirty="0" err="1">
+                <a:solidFill>
+                  <a:srgbClr val="00B050"/>
+                </a:solidFill>
+                <a:latin typeface="Space Mono for Powerline" panose="02000509040000020004" pitchFamily="49" charset="77"/>
+              </a:rPr>
+              <a:t>bilanganGanjil</a:t>
+            </a:r>
+            <a:r>
+              <a:rPr lang="en-ID" dirty="0">
+                <a:solidFill>
+                  <a:srgbClr val="00B050"/>
+                </a:solidFill>
+                <a:latin typeface="Space Mono for Powerline" panose="02000509040000020004" pitchFamily="49" charset="77"/>
+              </a:rPr>
+              <a:t> = new int[100];</a:t>
+            </a:r>
+          </a:p>
+          <a:p>
+            <a:endParaRPr lang="en-US" dirty="0"/>
+          </a:p>
+        </p:txBody>
+      </p:sp>
+      <p:sp>
+        <p:nvSpPr>
+          <p:cNvPr id="5" name="TextBox 4">
+            <a:extLst>
+              <a:ext uri="{FF2B5EF4-FFF2-40B4-BE49-F238E27FC236}">
+                <a16:creationId xmlns:a16="http://schemas.microsoft.com/office/drawing/2014/main" id="{EBB025E3-3D90-4664-78FF-F3A0D4CFB1AB}"/>
+              </a:ext>
+            </a:extLst>
+          </p:cNvPr>
+          <p:cNvSpPr txBox="1"/>
+          <p:nvPr/>
+        </p:nvSpPr>
+        <p:spPr>
+          <a:xfrm>
+            <a:off x="6671976" y="3997954"/>
+            <a:ext cx="5262979" cy="369332"/>
+          </a:xfrm>
+          <a:prstGeom prst="rect">
+            <a:avLst/>
+          </a:prstGeom>
+          <a:noFill/>
+        </p:spPr>
+        <p:txBody>
+          <a:bodyPr wrap="none" rtlCol="0">
+            <a:spAutoFit/>
+          </a:bodyPr>
+          <a:lstStyle/>
+          <a:p>
+            <a:r>
+              <a:rPr lang="en-ID" dirty="0">
+                <a:solidFill>
+                  <a:srgbClr val="00B050"/>
+                </a:solidFill>
+                <a:latin typeface="Space Mono for Powerline" panose="02000509040000020004" pitchFamily="49" charset="77"/>
+              </a:rPr>
+              <a:t>int </a:t>
+            </a:r>
+            <a:r>
+              <a:rPr lang="en-ID" dirty="0" err="1">
+                <a:solidFill>
+                  <a:srgbClr val="00B050"/>
+                </a:solidFill>
+                <a:latin typeface="Space Mono for Powerline" panose="02000509040000020004" pitchFamily="49" charset="77"/>
+              </a:rPr>
+              <a:t>bilanganGanjil</a:t>
+            </a:r>
+            <a:r>
+              <a:rPr lang="en-ID" dirty="0">
+                <a:solidFill>
+                  <a:srgbClr val="00B050"/>
+                </a:solidFill>
+                <a:latin typeface="Space Mono for Powerline" panose="02000509040000020004" pitchFamily="49" charset="77"/>
+              </a:rPr>
+              <a:t>[] = new int[100];</a:t>
+            </a:r>
+            <a:endParaRPr lang="en-US" dirty="0"/>
+          </a:p>
+        </p:txBody>
+      </p:sp>
+      <p:sp>
+        <p:nvSpPr>
+          <p:cNvPr id="6" name="TextBox 5">
+            <a:extLst>
+              <a:ext uri="{FF2B5EF4-FFF2-40B4-BE49-F238E27FC236}">
+                <a16:creationId xmlns:a16="http://schemas.microsoft.com/office/drawing/2014/main" id="{1D2E193A-5C2B-BFE8-E48E-36D23457086B}"/>
+              </a:ext>
+            </a:extLst>
+          </p:cNvPr>
+          <p:cNvSpPr txBox="1"/>
+          <p:nvPr/>
+        </p:nvSpPr>
+        <p:spPr>
+          <a:xfrm>
+            <a:off x="8061157" y="3344145"/>
+            <a:ext cx="2173993" cy="369332"/>
+          </a:xfrm>
+          <a:prstGeom prst="rect">
+            <a:avLst/>
+          </a:prstGeom>
+          <a:noFill/>
+        </p:spPr>
+        <p:txBody>
+          <a:bodyPr wrap="none" rtlCol="0">
+            <a:spAutoFit/>
+          </a:bodyPr>
+          <a:lstStyle/>
+          <a:p>
+            <a:r>
+              <a:rPr lang="en-US" dirty="0" err="1"/>
+              <a:t>Atau</a:t>
+            </a:r>
+            <a:r>
+              <a:rPr lang="en-US" dirty="0"/>
+              <a:t> </a:t>
+            </a:r>
+            <a:r>
+              <a:rPr lang="en-US" dirty="0" err="1"/>
+              <a:t>secara</a:t>
+            </a:r>
+            <a:r>
+              <a:rPr lang="en-US" dirty="0"/>
+              <a:t> </a:t>
+            </a:r>
+            <a:r>
+              <a:rPr lang="en-US" dirty="0" err="1"/>
+              <a:t>langsung</a:t>
+            </a:r>
+            <a:r>
+              <a:rPr lang="en-US" dirty="0"/>
+              <a:t>:</a:t>
+            </a:r>
+          </a:p>
+        </p:txBody>
+      </p:sp>
+      <p:sp>
+        <p:nvSpPr>
+          <p:cNvPr id="7" name="TextBox 6">
+            <a:extLst>
+              <a:ext uri="{FF2B5EF4-FFF2-40B4-BE49-F238E27FC236}">
+                <a16:creationId xmlns:a16="http://schemas.microsoft.com/office/drawing/2014/main" id="{B8C6F0A8-7940-74C6-89A0-D3657C798141}"/>
+              </a:ext>
+            </a:extLst>
+          </p:cNvPr>
+          <p:cNvSpPr txBox="1"/>
+          <p:nvPr/>
+        </p:nvSpPr>
+        <p:spPr>
+          <a:xfrm>
+            <a:off x="6671976" y="5051901"/>
+            <a:ext cx="3843288" cy="1200329"/>
+          </a:xfrm>
+          <a:prstGeom prst="rect">
+            <a:avLst/>
+          </a:prstGeom>
+          <a:noFill/>
+        </p:spPr>
+        <p:txBody>
+          <a:bodyPr wrap="square" rtlCol="0">
+            <a:spAutoFit/>
+          </a:bodyPr>
+          <a:lstStyle/>
+          <a:p>
+            <a:r>
+              <a:rPr lang="en-ID" b="0" dirty="0">
+                <a:solidFill>
+                  <a:srgbClr val="00B050"/>
+                </a:solidFill>
+                <a:effectLst/>
+                <a:latin typeface="Space Mono for Powerline" panose="02000509040000020004" pitchFamily="49" charset="77"/>
+              </a:rPr>
+              <a:t>int[] </a:t>
+            </a:r>
+            <a:r>
+              <a:rPr lang="en-ID" b="0" dirty="0" err="1">
+                <a:solidFill>
+                  <a:srgbClr val="00B050"/>
+                </a:solidFill>
+                <a:effectLst/>
+                <a:latin typeface="Space Mono for Powerline" panose="02000509040000020004" pitchFamily="49" charset="77"/>
+              </a:rPr>
+              <a:t>bilanganGanjil</a:t>
+            </a:r>
+            <a:r>
+              <a:rPr lang="en-ID" b="0" dirty="0">
+                <a:solidFill>
+                  <a:srgbClr val="00B050"/>
+                </a:solidFill>
+                <a:effectLst/>
+                <a:latin typeface="Space Mono for Powerline" panose="02000509040000020004" pitchFamily="49" charset="77"/>
+              </a:rPr>
+              <a:t> = {</a:t>
+            </a:r>
+          </a:p>
+          <a:p>
+            <a:r>
+              <a:rPr lang="en-ID" b="0" dirty="0">
+                <a:solidFill>
+                  <a:srgbClr val="00B050"/>
+                </a:solidFill>
+                <a:effectLst/>
+                <a:latin typeface="Space Mono for Powerline" panose="02000509040000020004" pitchFamily="49" charset="77"/>
+              </a:rPr>
+              <a:t>	1, 3, 5, 7, 9, 11, 13</a:t>
+            </a:r>
+          </a:p>
+          <a:p>
+            <a:r>
+              <a:rPr lang="en-ID" b="0" dirty="0">
+                <a:solidFill>
+                  <a:srgbClr val="00B050"/>
+                </a:solidFill>
+                <a:effectLst/>
+                <a:latin typeface="Space Mono for Powerline" panose="02000509040000020004" pitchFamily="49" charset="77"/>
+              </a:rPr>
+              <a:t>};</a:t>
+            </a:r>
+          </a:p>
+          <a:p>
+            <a:endParaRPr lang="en-US" dirty="0">
+              <a:solidFill>
+                <a:srgbClr val="00B050"/>
+              </a:solidFill>
+              <a:latin typeface="Space Mono for Powerline" panose="02000509040000020004" pitchFamily="49" charset="77"/>
+            </a:endParaRPr>
+          </a:p>
+        </p:txBody>
+      </p:sp>
+      <p:sp>
+        <p:nvSpPr>
+          <p:cNvPr id="8" name="TextBox 7">
+            <a:extLst>
+              <a:ext uri="{FF2B5EF4-FFF2-40B4-BE49-F238E27FC236}">
+                <a16:creationId xmlns:a16="http://schemas.microsoft.com/office/drawing/2014/main" id="{45C9BD8F-C6FB-E931-DA7C-CD35CDA09BC8}"/>
+              </a:ext>
+            </a:extLst>
+          </p:cNvPr>
+          <p:cNvSpPr txBox="1"/>
+          <p:nvPr/>
+        </p:nvSpPr>
+        <p:spPr>
+          <a:xfrm>
+            <a:off x="7194884" y="4550418"/>
+            <a:ext cx="3724289" cy="369332"/>
+          </a:xfrm>
+          <a:prstGeom prst="rect">
+            <a:avLst/>
+          </a:prstGeom>
+          <a:noFill/>
+        </p:spPr>
+        <p:txBody>
+          <a:bodyPr wrap="none" rtlCol="0">
+            <a:spAutoFit/>
+          </a:bodyPr>
+          <a:lstStyle/>
+          <a:p>
+            <a:r>
+              <a:rPr lang="en-US" dirty="0" err="1"/>
+              <a:t>Atau</a:t>
+            </a:r>
+            <a:r>
+              <a:rPr lang="en-US" dirty="0"/>
+              <a:t> </a:t>
+            </a:r>
+            <a:r>
+              <a:rPr lang="en-US" dirty="0" err="1"/>
+              <a:t>langsung</a:t>
+            </a:r>
+            <a:r>
+              <a:rPr lang="en-US" dirty="0"/>
+              <a:t> </a:t>
+            </a:r>
+            <a:r>
+              <a:rPr lang="en-US" dirty="0" err="1"/>
+              <a:t>diisi</a:t>
+            </a:r>
+            <a:r>
+              <a:rPr lang="en-US" dirty="0"/>
+              <a:t> </a:t>
+            </a:r>
+            <a:r>
+              <a:rPr lang="en-US" dirty="0" err="1"/>
+              <a:t>himpunan</a:t>
+            </a:r>
+            <a:r>
+              <a:rPr lang="en-US" dirty="0"/>
+              <a:t> </a:t>
+            </a:r>
+            <a:r>
+              <a:rPr lang="en-US" dirty="0" err="1"/>
+              <a:t>datanya</a:t>
+            </a:r>
+            <a:r>
+              <a:rPr lang="en-US" dirty="0"/>
+              <a:t>:</a:t>
+            </a:r>
+          </a:p>
+        </p:txBody>
+      </p:sp>
+    </p:spTree>
+    <p:extLst>
+      <p:ext uri="{BB962C8B-B14F-4D97-AF65-F5344CB8AC3E}">
+        <p14:creationId xmlns:p14="http://schemas.microsoft.com/office/powerpoint/2010/main" val="3123215942"/>
+      </p:ext>
+    </p:extLst>
+  </p:cSld>
+  <p:clrMapOvr>
+    <a:masterClrMapping/>
+  </p:clrMapOvr>
+</p:sld>
+</file>
+
+<file path=ppt/slides/slide31.xml><?xml version="1.0" encoding="utf-8"?>
+<p:sld xmlns:a="http://schemas.openxmlformats.org/drawingml/2006/main" xmlns:r="http://schemas.openxmlformats.org/officeDocument/2006/relationships" xmlns:p="http://schemas.openxmlformats.org/presentationml/2006/main">
+  <p:cSld>
+    <p:spTree>
+      <p:nvGrpSpPr>
+        <p:cNvPr id="1" name=""/>
+        <p:cNvGrpSpPr/>
+        <p:nvPr/>
+      </p:nvGrpSpPr>
+      <p:grpSpPr>
+        <a:xfrm>
+          <a:off x="0" y="0"/>
+          <a:ext cx="0" cy="0"/>
+          <a:chOff x="0" y="0"/>
+          <a:chExt cx="0" cy="0"/>
+        </a:xfrm>
+      </p:grpSpPr>
+      <p:sp>
+        <p:nvSpPr>
+          <p:cNvPr id="2" name="Title 1">
+            <a:extLst>
+              <a:ext uri="{FF2B5EF4-FFF2-40B4-BE49-F238E27FC236}">
+                <a16:creationId xmlns:a16="http://schemas.microsoft.com/office/drawing/2014/main" id="{A6CD3991-4079-74C8-B48C-40979378AAE8}"/>
+              </a:ext>
+            </a:extLst>
+          </p:cNvPr>
+          <p:cNvSpPr>
+            <a:spLocks noGrp="1"/>
+          </p:cNvSpPr>
+          <p:nvPr>
+            <p:ph type="title"/>
+          </p:nvPr>
+        </p:nvSpPr>
+        <p:spPr/>
+        <p:txBody>
+          <a:bodyPr/>
+          <a:lstStyle/>
+          <a:p>
+            <a:r>
+              <a:rPr lang="en-ID" dirty="0" err="1"/>
+              <a:t>Pengaksesan</a:t>
+            </a:r>
+            <a:r>
+              <a:rPr lang="en-ID" dirty="0"/>
+              <a:t> </a:t>
+            </a:r>
+            <a:r>
+              <a:rPr lang="en-ID" dirty="0" err="1"/>
+              <a:t>sebuah</a:t>
+            </a:r>
+            <a:r>
+              <a:rPr lang="en-ID" dirty="0"/>
+              <a:t> </a:t>
+            </a:r>
+            <a:r>
+              <a:rPr lang="en-ID" dirty="0" err="1"/>
+              <a:t>elemen</a:t>
+            </a:r>
+            <a:r>
+              <a:rPr lang="en-ID" dirty="0"/>
+              <a:t> array</a:t>
+            </a:r>
+            <a:endParaRPr lang="en-US" dirty="0"/>
+          </a:p>
+        </p:txBody>
+      </p:sp>
+      <p:sp>
+        <p:nvSpPr>
+          <p:cNvPr id="3" name="Content Placeholder 2">
+            <a:extLst>
+              <a:ext uri="{FF2B5EF4-FFF2-40B4-BE49-F238E27FC236}">
+                <a16:creationId xmlns:a16="http://schemas.microsoft.com/office/drawing/2014/main" id="{14F7B4C5-CF10-D606-7A39-A7BECAA30D1B}"/>
+              </a:ext>
+            </a:extLst>
+          </p:cNvPr>
+          <p:cNvSpPr>
+            <a:spLocks noGrp="1"/>
+          </p:cNvSpPr>
+          <p:nvPr>
+            <p:ph idx="1"/>
+          </p:nvPr>
+        </p:nvSpPr>
+        <p:spPr/>
+        <p:txBody>
+          <a:bodyPr>
+            <a:normAutofit/>
+          </a:bodyPr>
+          <a:lstStyle/>
+          <a:p>
+            <a:r>
+              <a:rPr lang="en-ID" dirty="0" err="1"/>
+              <a:t>Untuk</a:t>
+            </a:r>
+            <a:r>
+              <a:rPr lang="en-ID" dirty="0"/>
+              <a:t> </a:t>
+            </a:r>
+            <a:r>
+              <a:rPr lang="en-ID" dirty="0" err="1"/>
+              <a:t>mengakses</a:t>
+            </a:r>
+            <a:r>
+              <a:rPr lang="en-ID" dirty="0"/>
+              <a:t> </a:t>
+            </a:r>
+            <a:r>
+              <a:rPr lang="en-ID" dirty="0" err="1"/>
+              <a:t>sebuah</a:t>
+            </a:r>
+            <a:r>
+              <a:rPr lang="en-ID" dirty="0"/>
+              <a:t> </a:t>
+            </a:r>
+            <a:r>
+              <a:rPr lang="en-ID" dirty="0" err="1"/>
+              <a:t>elemen</a:t>
+            </a:r>
+            <a:r>
+              <a:rPr lang="en-ID" dirty="0"/>
+              <a:t> </a:t>
+            </a:r>
+            <a:r>
+              <a:rPr lang="en-ID" dirty="0" err="1"/>
+              <a:t>dalam</a:t>
+            </a:r>
+            <a:r>
+              <a:rPr lang="en-ID" dirty="0"/>
+              <a:t> array, </a:t>
+            </a:r>
+            <a:r>
+              <a:rPr lang="en-ID" dirty="0" err="1"/>
+              <a:t>atau</a:t>
+            </a:r>
+            <a:r>
+              <a:rPr lang="en-ID" dirty="0"/>
+              <a:t> </a:t>
+            </a:r>
+            <a:r>
+              <a:rPr lang="en-ID" dirty="0" err="1"/>
+              <a:t>mengakses</a:t>
+            </a:r>
+            <a:r>
+              <a:rPr lang="en-ID" dirty="0"/>
+              <a:t> </a:t>
+            </a:r>
+            <a:r>
+              <a:rPr lang="en-ID" dirty="0" err="1"/>
+              <a:t>sebagian</a:t>
+            </a:r>
+            <a:r>
+              <a:rPr lang="en-ID" dirty="0"/>
+              <a:t> </a:t>
+            </a:r>
+            <a:r>
+              <a:rPr lang="en-ID" dirty="0" err="1"/>
+              <a:t>dari</a:t>
+            </a:r>
+            <a:r>
+              <a:rPr lang="en-ID" dirty="0"/>
+              <a:t> array, </a:t>
+            </a:r>
+            <a:r>
+              <a:rPr lang="en-ID" dirty="0" err="1"/>
+              <a:t>Kamu</a:t>
+            </a:r>
+            <a:r>
+              <a:rPr lang="en-ID" dirty="0"/>
+              <a:t> </a:t>
+            </a:r>
+            <a:r>
+              <a:rPr lang="en-ID" dirty="0" err="1"/>
+              <a:t>harus</a:t>
+            </a:r>
+            <a:r>
+              <a:rPr lang="en-ID" dirty="0"/>
+              <a:t> </a:t>
+            </a:r>
+            <a:r>
+              <a:rPr lang="en-ID" dirty="0" err="1"/>
+              <a:t>menggunakan</a:t>
+            </a:r>
+            <a:r>
+              <a:rPr lang="en-ID" dirty="0"/>
+              <a:t> </a:t>
+            </a:r>
+            <a:r>
+              <a:rPr lang="en-ID" dirty="0" err="1"/>
+              <a:t>sebuah</a:t>
+            </a:r>
+            <a:r>
+              <a:rPr lang="en-ID" dirty="0"/>
+              <a:t> </a:t>
+            </a:r>
+            <a:r>
+              <a:rPr lang="en-ID" dirty="0" err="1"/>
+              <a:t>angka</a:t>
+            </a:r>
+            <a:r>
+              <a:rPr lang="en-ID" dirty="0"/>
+              <a:t> </a:t>
+            </a:r>
+            <a:r>
+              <a:rPr lang="en-ID" dirty="0" err="1"/>
+              <a:t>atau</a:t>
+            </a:r>
+            <a:r>
+              <a:rPr lang="en-ID" dirty="0"/>
+              <a:t> yang </a:t>
+            </a:r>
+            <a:r>
+              <a:rPr lang="en-ID" dirty="0" err="1"/>
+              <a:t>disebut</a:t>
+            </a:r>
+            <a:r>
+              <a:rPr lang="en-ID" dirty="0"/>
+              <a:t> </a:t>
+            </a:r>
+            <a:r>
+              <a:rPr lang="en-ID" dirty="0" err="1"/>
+              <a:t>sebagai</a:t>
+            </a:r>
+            <a:r>
+              <a:rPr lang="en-ID" dirty="0"/>
+              <a:t> </a:t>
+            </a:r>
+            <a:r>
+              <a:rPr lang="en-ID" dirty="0" err="1"/>
+              <a:t>indeks</a:t>
+            </a:r>
+            <a:r>
+              <a:rPr lang="en-ID" dirty="0"/>
+              <a:t> </a:t>
+            </a:r>
+            <a:r>
+              <a:rPr lang="en-ID" dirty="0" err="1"/>
+              <a:t>atau</a:t>
+            </a:r>
+            <a:r>
+              <a:rPr lang="en-ID" dirty="0"/>
+              <a:t> subscript yang </a:t>
+            </a:r>
+            <a:r>
+              <a:rPr lang="en-ID" dirty="0" err="1"/>
+              <a:t>urutannya</a:t>
+            </a:r>
+            <a:r>
+              <a:rPr lang="en-ID" dirty="0"/>
+              <a:t> </a:t>
+            </a:r>
+            <a:r>
+              <a:rPr lang="en-ID" dirty="0" err="1"/>
+              <a:t>dimulai</a:t>
+            </a:r>
+            <a:r>
+              <a:rPr lang="en-ID" dirty="0"/>
+              <a:t> </a:t>
+            </a:r>
+            <a:r>
+              <a:rPr lang="en-ID" dirty="0" err="1"/>
+              <a:t>dari</a:t>
+            </a:r>
+            <a:r>
+              <a:rPr lang="en-ID" dirty="0"/>
+              <a:t> </a:t>
+            </a:r>
+            <a:r>
+              <a:rPr lang="en-ID" dirty="0" err="1"/>
+              <a:t>angka</a:t>
+            </a:r>
+            <a:r>
+              <a:rPr lang="en-ID" dirty="0"/>
+              <a:t> 0.</a:t>
+            </a:r>
+          </a:p>
+          <a:p>
+            <a:pPr marL="0" indent="0">
+              <a:buNone/>
+            </a:pPr>
+            <a:endParaRPr lang="en-ID" b="0" dirty="0">
+              <a:solidFill>
+                <a:srgbClr val="00B050"/>
+              </a:solidFill>
+              <a:effectLst/>
+              <a:latin typeface="Space Mono for Powerline" panose="02000509040000020004" pitchFamily="49" charset="77"/>
+            </a:endParaRPr>
+          </a:p>
+          <a:p>
+            <a:pPr marL="0" indent="0">
+              <a:buNone/>
+            </a:pPr>
+            <a:r>
+              <a:rPr lang="en-ID" b="0" dirty="0">
+                <a:solidFill>
+                  <a:srgbClr val="00B050"/>
+                </a:solidFill>
+                <a:effectLst/>
+                <a:latin typeface="Space Mono for Powerline" panose="02000509040000020004" pitchFamily="49" charset="77"/>
+              </a:rPr>
+              <a:t>int[] </a:t>
+            </a:r>
+            <a:r>
+              <a:rPr lang="en-ID" b="0" dirty="0" err="1">
+                <a:solidFill>
+                  <a:srgbClr val="00B050"/>
+                </a:solidFill>
+                <a:effectLst/>
+                <a:latin typeface="Space Mono for Powerline" panose="02000509040000020004" pitchFamily="49" charset="77"/>
+              </a:rPr>
+              <a:t>bilanganGanjil</a:t>
+            </a:r>
+            <a:r>
+              <a:rPr lang="en-ID" b="0" dirty="0">
+                <a:solidFill>
+                  <a:srgbClr val="00B050"/>
+                </a:solidFill>
+                <a:effectLst/>
+                <a:latin typeface="Space Mono for Powerline" panose="02000509040000020004" pitchFamily="49" charset="77"/>
+              </a:rPr>
+              <a:t> = {</a:t>
+            </a:r>
+          </a:p>
+          <a:p>
+            <a:pPr marL="0" indent="0">
+              <a:buNone/>
+            </a:pPr>
+            <a:r>
+              <a:rPr lang="en-ID" b="0" dirty="0">
+                <a:solidFill>
+                  <a:srgbClr val="00B050"/>
+                </a:solidFill>
+                <a:effectLst/>
+                <a:latin typeface="Space Mono for Powerline" panose="02000509040000020004" pitchFamily="49" charset="77"/>
+              </a:rPr>
+              <a:t>	1, 3, 5, 7, 9, 11, 13</a:t>
+            </a:r>
+          </a:p>
+          <a:p>
+            <a:pPr marL="0" indent="0">
+              <a:buNone/>
+            </a:pPr>
+            <a:r>
+              <a:rPr lang="en-ID" b="0" dirty="0">
+                <a:solidFill>
+                  <a:srgbClr val="00B050"/>
+                </a:solidFill>
+                <a:effectLst/>
+                <a:latin typeface="Space Mono for Powerline" panose="02000509040000020004" pitchFamily="49" charset="77"/>
+              </a:rPr>
+              <a:t>};</a:t>
+            </a:r>
+          </a:p>
+          <a:p>
+            <a:pPr marL="0" indent="0">
+              <a:buNone/>
+            </a:pPr>
+            <a:r>
+              <a:rPr lang="en-ID" dirty="0" err="1">
+                <a:solidFill>
+                  <a:srgbClr val="00B050"/>
+                </a:solidFill>
+                <a:latin typeface="Space Mono for Powerline" panose="02000509040000020004" pitchFamily="49" charset="77"/>
+              </a:rPr>
+              <a:t>System.out.print</a:t>
+            </a:r>
+            <a:r>
+              <a:rPr lang="en-ID" dirty="0">
+                <a:solidFill>
+                  <a:srgbClr val="00B050"/>
+                </a:solidFill>
+                <a:latin typeface="Space Mono for Powerline" panose="02000509040000020004" pitchFamily="49" charset="77"/>
+              </a:rPr>
+              <a:t>(</a:t>
+            </a:r>
+            <a:r>
+              <a:rPr lang="en-ID" b="0" dirty="0" err="1">
+                <a:solidFill>
+                  <a:srgbClr val="00B050"/>
+                </a:solidFill>
+                <a:effectLst/>
+                <a:latin typeface="Space Mono for Powerline" panose="02000509040000020004" pitchFamily="49" charset="77"/>
+              </a:rPr>
+              <a:t>bilanganGanjil</a:t>
+            </a:r>
+            <a:r>
+              <a:rPr lang="en-ID" dirty="0">
+                <a:solidFill>
+                  <a:srgbClr val="00B050"/>
+                </a:solidFill>
+                <a:latin typeface="Space Mono for Powerline" panose="02000509040000020004" pitchFamily="49" charset="77"/>
+              </a:rPr>
+              <a:t>[0]); // </a:t>
+            </a:r>
+            <a:r>
+              <a:rPr lang="en-ID" dirty="0">
+                <a:solidFill>
+                  <a:schemeClr val="tx1"/>
+                </a:solidFill>
+                <a:latin typeface="Space Mono for Powerline" panose="02000509040000020004" pitchFamily="49" charset="77"/>
+              </a:rPr>
+              <a:t>Output </a:t>
+            </a:r>
+            <a:r>
+              <a:rPr lang="en-ID" dirty="0" err="1">
+                <a:solidFill>
+                  <a:schemeClr val="tx1"/>
+                </a:solidFill>
+                <a:latin typeface="Space Mono for Powerline" panose="02000509040000020004" pitchFamily="49" charset="77"/>
+              </a:rPr>
+              <a:t>angka</a:t>
+            </a:r>
+            <a:r>
+              <a:rPr lang="en-ID" dirty="0">
+                <a:solidFill>
+                  <a:schemeClr val="tx1"/>
+                </a:solidFill>
+                <a:latin typeface="Space Mono for Powerline" panose="02000509040000020004" pitchFamily="49" charset="77"/>
+              </a:rPr>
+              <a:t> 1</a:t>
+            </a:r>
+            <a:endParaRPr lang="en-ID" b="0" dirty="0">
+              <a:solidFill>
+                <a:schemeClr val="tx1"/>
+              </a:solidFill>
+              <a:effectLst/>
+              <a:latin typeface="Space Mono for Powerline" panose="02000509040000020004" pitchFamily="49" charset="77"/>
+            </a:endParaRPr>
+          </a:p>
+          <a:p>
+            <a:pPr marL="0" indent="0">
+              <a:buNone/>
+            </a:pPr>
+            <a:r>
+              <a:rPr lang="en-ID" dirty="0" err="1">
+                <a:solidFill>
+                  <a:srgbClr val="00B050"/>
+                </a:solidFill>
+                <a:latin typeface="Space Mono for Powerline" panose="02000509040000020004" pitchFamily="49" charset="77"/>
+              </a:rPr>
+              <a:t>System.out.print</a:t>
+            </a:r>
+            <a:r>
+              <a:rPr lang="en-ID" dirty="0">
+                <a:solidFill>
+                  <a:srgbClr val="00B050"/>
+                </a:solidFill>
+                <a:latin typeface="Space Mono for Powerline" panose="02000509040000020004" pitchFamily="49" charset="77"/>
+              </a:rPr>
+              <a:t>(</a:t>
+            </a:r>
+            <a:r>
+              <a:rPr lang="en-ID" b="0" dirty="0" err="1">
+                <a:solidFill>
+                  <a:srgbClr val="00B050"/>
+                </a:solidFill>
+                <a:effectLst/>
+                <a:latin typeface="Space Mono for Powerline" panose="02000509040000020004" pitchFamily="49" charset="77"/>
+              </a:rPr>
+              <a:t>bilanganGanjil</a:t>
+            </a:r>
+            <a:r>
+              <a:rPr lang="en-ID" dirty="0">
+                <a:solidFill>
+                  <a:srgbClr val="00B050"/>
+                </a:solidFill>
+                <a:latin typeface="Space Mono for Powerline" panose="02000509040000020004" pitchFamily="49" charset="77"/>
+              </a:rPr>
+              <a:t>[1]); // </a:t>
+            </a:r>
+            <a:r>
+              <a:rPr lang="en-ID" dirty="0">
+                <a:solidFill>
+                  <a:schemeClr val="tx1"/>
+                </a:solidFill>
+                <a:latin typeface="Space Mono for Powerline" panose="02000509040000020004" pitchFamily="49" charset="77"/>
+              </a:rPr>
+              <a:t>Output </a:t>
+            </a:r>
+            <a:r>
+              <a:rPr lang="en-ID" dirty="0" err="1">
+                <a:solidFill>
+                  <a:schemeClr val="tx1"/>
+                </a:solidFill>
+                <a:latin typeface="Space Mono for Powerline" panose="02000509040000020004" pitchFamily="49" charset="77"/>
+              </a:rPr>
+              <a:t>angka</a:t>
+            </a:r>
+            <a:r>
+              <a:rPr lang="en-ID" dirty="0">
+                <a:solidFill>
+                  <a:schemeClr val="tx1"/>
+                </a:solidFill>
+                <a:latin typeface="Space Mono for Powerline" panose="02000509040000020004" pitchFamily="49" charset="77"/>
+              </a:rPr>
+              <a:t> 3</a:t>
+            </a:r>
+            <a:endParaRPr lang="en-ID" dirty="0">
+              <a:solidFill>
+                <a:srgbClr val="00B050"/>
+              </a:solidFill>
+              <a:latin typeface="Space Mono for Powerline" panose="02000509040000020004" pitchFamily="49" charset="77"/>
+            </a:endParaRPr>
+          </a:p>
+          <a:p>
+            <a:pPr marL="0" indent="0">
+              <a:buNone/>
+            </a:pPr>
+            <a:r>
+              <a:rPr lang="en-ID" dirty="0" err="1">
+                <a:solidFill>
+                  <a:srgbClr val="00B050"/>
+                </a:solidFill>
+                <a:latin typeface="Space Mono for Powerline" panose="02000509040000020004" pitchFamily="49" charset="77"/>
+              </a:rPr>
+              <a:t>System.out.print</a:t>
+            </a:r>
+            <a:r>
+              <a:rPr lang="en-ID" dirty="0">
+                <a:solidFill>
+                  <a:srgbClr val="00B050"/>
+                </a:solidFill>
+                <a:latin typeface="Space Mono for Powerline" panose="02000509040000020004" pitchFamily="49" charset="77"/>
+              </a:rPr>
+              <a:t>(</a:t>
+            </a:r>
+            <a:r>
+              <a:rPr lang="en-ID" b="0" dirty="0" err="1">
+                <a:solidFill>
+                  <a:srgbClr val="00B050"/>
+                </a:solidFill>
+                <a:effectLst/>
+                <a:latin typeface="Space Mono for Powerline" panose="02000509040000020004" pitchFamily="49" charset="77"/>
+              </a:rPr>
+              <a:t>bilanganGanjil</a:t>
+            </a:r>
+            <a:r>
+              <a:rPr lang="en-ID" dirty="0">
+                <a:solidFill>
+                  <a:srgbClr val="00B050"/>
+                </a:solidFill>
+                <a:latin typeface="Space Mono for Powerline" panose="02000509040000020004" pitchFamily="49" charset="77"/>
+              </a:rPr>
+              <a:t>[2]); // </a:t>
+            </a:r>
+            <a:r>
+              <a:rPr lang="en-ID" dirty="0">
+                <a:solidFill>
+                  <a:schemeClr val="tx1"/>
+                </a:solidFill>
+                <a:latin typeface="Space Mono for Powerline" panose="02000509040000020004" pitchFamily="49" charset="77"/>
+              </a:rPr>
+              <a:t>Output </a:t>
+            </a:r>
+            <a:r>
+              <a:rPr lang="en-ID" dirty="0" err="1">
+                <a:solidFill>
+                  <a:schemeClr val="tx1"/>
+                </a:solidFill>
+                <a:latin typeface="Space Mono for Powerline" panose="02000509040000020004" pitchFamily="49" charset="77"/>
+              </a:rPr>
+              <a:t>angka</a:t>
+            </a:r>
+            <a:r>
+              <a:rPr lang="en-ID" dirty="0">
+                <a:solidFill>
+                  <a:schemeClr val="tx1"/>
+                </a:solidFill>
+                <a:latin typeface="Space Mono for Powerline" panose="02000509040000020004" pitchFamily="49" charset="77"/>
+              </a:rPr>
+              <a:t> 5</a:t>
+            </a:r>
+            <a:endParaRPr lang="en-ID" b="0" dirty="0">
+              <a:solidFill>
+                <a:schemeClr val="tx1"/>
+              </a:solidFill>
+              <a:effectLst/>
+              <a:latin typeface="Space Mono for Powerline" panose="02000509040000020004" pitchFamily="49" charset="77"/>
+            </a:endParaRPr>
+          </a:p>
+          <a:p>
+            <a:endParaRPr lang="en-ID" dirty="0"/>
+          </a:p>
+          <a:p>
+            <a:endParaRPr lang="en-US" dirty="0"/>
+          </a:p>
+        </p:txBody>
+      </p:sp>
+    </p:spTree>
+    <p:extLst>
+      <p:ext uri="{BB962C8B-B14F-4D97-AF65-F5344CB8AC3E}">
+        <p14:creationId xmlns:p14="http://schemas.microsoft.com/office/powerpoint/2010/main" val="2662088203"/>
+      </p:ext>
+    </p:extLst>
+  </p:cSld>
+  <p:clrMapOvr>
+    <a:masterClrMapping/>
+  </p:clrMapOvr>
+</p:sld>
+</file>
+
+<file path=ppt/slides/slide32.xml><?xml version="1.0" encoding="utf-8"?>
+<p:sld xmlns:a="http://schemas.openxmlformats.org/drawingml/2006/main" xmlns:r="http://schemas.openxmlformats.org/officeDocument/2006/relationships" xmlns:p="http://schemas.openxmlformats.org/presentationml/2006/main">
+  <p:cSld>
+    <p:spTree>
+      <p:nvGrpSpPr>
+        <p:cNvPr id="1" name=""/>
+        <p:cNvGrpSpPr/>
+        <p:nvPr/>
+      </p:nvGrpSpPr>
+      <p:grpSpPr>
+        <a:xfrm>
+          <a:off x="0" y="0"/>
+          <a:ext cx="0" cy="0"/>
+          <a:chOff x="0" y="0"/>
+          <a:chExt cx="0" cy="0"/>
+        </a:xfrm>
+      </p:grpSpPr>
+      <p:sp>
+        <p:nvSpPr>
+          <p:cNvPr id="2" name="Title 1">
+            <a:extLst>
+              <a:ext uri="{FF2B5EF4-FFF2-40B4-BE49-F238E27FC236}">
+                <a16:creationId xmlns:a16="http://schemas.microsoft.com/office/drawing/2014/main" id="{2821271A-4436-F303-3D31-457250680EE3}"/>
+              </a:ext>
+            </a:extLst>
+          </p:cNvPr>
+          <p:cNvSpPr>
+            <a:spLocks noGrp="1"/>
+          </p:cNvSpPr>
+          <p:nvPr>
+            <p:ph type="title"/>
+          </p:nvPr>
+        </p:nvSpPr>
+        <p:spPr/>
+        <p:txBody>
+          <a:bodyPr/>
+          <a:lstStyle/>
+          <a:p>
+            <a:r>
+              <a:rPr lang="en-US" dirty="0"/>
+              <a:t>Array </a:t>
+            </a:r>
+            <a:r>
+              <a:rPr lang="en-US" dirty="0" err="1"/>
+              <a:t>multidimensi</a:t>
+            </a:r>
+            <a:endParaRPr lang="en-US" dirty="0"/>
+          </a:p>
+        </p:txBody>
+      </p:sp>
+      <p:sp>
+        <p:nvSpPr>
+          <p:cNvPr id="3" name="Content Placeholder 2">
+            <a:extLst>
+              <a:ext uri="{FF2B5EF4-FFF2-40B4-BE49-F238E27FC236}">
+                <a16:creationId xmlns:a16="http://schemas.microsoft.com/office/drawing/2014/main" id="{103DC6EE-EB95-F31A-1A1C-7B5CD489B4D5}"/>
+              </a:ext>
+            </a:extLst>
+          </p:cNvPr>
+          <p:cNvSpPr>
+            <a:spLocks noGrp="1"/>
+          </p:cNvSpPr>
+          <p:nvPr>
+            <p:ph idx="1"/>
+          </p:nvPr>
+        </p:nvSpPr>
+        <p:spPr/>
+        <p:txBody>
+          <a:bodyPr/>
+          <a:lstStyle/>
+          <a:p>
+            <a:r>
+              <a:rPr lang="en-ID" dirty="0"/>
+              <a:t>Array </a:t>
+            </a:r>
+            <a:r>
+              <a:rPr lang="en-ID" dirty="0" err="1"/>
+              <a:t>multidimensi</a:t>
+            </a:r>
+            <a:r>
+              <a:rPr lang="en-ID" dirty="0"/>
+              <a:t> </a:t>
+            </a:r>
+            <a:r>
+              <a:rPr lang="en-ID" dirty="0" err="1"/>
+              <a:t>diimplementasikan</a:t>
+            </a:r>
+            <a:r>
+              <a:rPr lang="en-ID" dirty="0"/>
+              <a:t> </a:t>
+            </a:r>
+            <a:r>
+              <a:rPr lang="en-ID" dirty="0" err="1"/>
+              <a:t>sebagai</a:t>
+            </a:r>
+            <a:r>
+              <a:rPr lang="en-ID" dirty="0"/>
+              <a:t> array yang </a:t>
+            </a:r>
+            <a:r>
+              <a:rPr lang="en-ID" dirty="0" err="1"/>
+              <a:t>terl</a:t>
+            </a:r>
+            <a:r>
+              <a:rPr lang="en-ID" dirty="0"/>
+              <a:t> </a:t>
+            </a:r>
+            <a:r>
+              <a:rPr lang="en-ID" dirty="0" err="1"/>
+              <a:t>etak</a:t>
+            </a:r>
+            <a:r>
+              <a:rPr lang="en-ID" dirty="0"/>
+              <a:t> di </a:t>
+            </a:r>
+            <a:r>
+              <a:rPr lang="en-ID" dirty="0" err="1"/>
+              <a:t>dalam</a:t>
+            </a:r>
+            <a:r>
+              <a:rPr lang="en-ID" dirty="0"/>
+              <a:t> array. Array </a:t>
+            </a:r>
+            <a:r>
+              <a:rPr lang="en-ID" dirty="0" err="1"/>
+              <a:t>multidimensi</a:t>
+            </a:r>
+            <a:r>
+              <a:rPr lang="en-ID" dirty="0"/>
+              <a:t> </a:t>
+            </a:r>
+            <a:r>
+              <a:rPr lang="en-ID" dirty="0" err="1"/>
+              <a:t>dideklarasikan</a:t>
+            </a:r>
+            <a:r>
+              <a:rPr lang="en-ID" dirty="0"/>
+              <a:t> </a:t>
+            </a:r>
+            <a:r>
+              <a:rPr lang="en-ID" dirty="0" err="1"/>
+              <a:t>dengan</a:t>
+            </a:r>
+            <a:r>
+              <a:rPr lang="en-ID" dirty="0"/>
+              <a:t> </a:t>
+            </a:r>
+            <a:r>
+              <a:rPr lang="en-ID" dirty="0" err="1"/>
+              <a:t>menambahkan</a:t>
+            </a:r>
+            <a:r>
+              <a:rPr lang="en-ID" dirty="0"/>
+              <a:t> </a:t>
+            </a:r>
+            <a:r>
+              <a:rPr lang="en-ID" dirty="0" err="1"/>
+              <a:t>jumlah</a:t>
+            </a:r>
+            <a:r>
+              <a:rPr lang="en-ID" dirty="0"/>
+              <a:t> </a:t>
+            </a:r>
+            <a:r>
+              <a:rPr lang="en-ID" dirty="0" err="1"/>
+              <a:t>tanda</a:t>
+            </a:r>
+            <a:r>
+              <a:rPr lang="en-ID" dirty="0"/>
+              <a:t> </a:t>
+            </a:r>
+            <a:r>
+              <a:rPr lang="en-ID" dirty="0" err="1"/>
+              <a:t>kurung</a:t>
+            </a:r>
+            <a:r>
+              <a:rPr lang="en-ID" dirty="0"/>
+              <a:t> </a:t>
+            </a:r>
+            <a:r>
+              <a:rPr lang="en-ID" dirty="0" err="1"/>
+              <a:t>setelah</a:t>
+            </a:r>
+            <a:r>
+              <a:rPr lang="en-ID" dirty="0"/>
+              <a:t> </a:t>
+            </a:r>
+            <a:r>
+              <a:rPr lang="en-ID" dirty="0" err="1"/>
+              <a:t>nama</a:t>
+            </a:r>
+            <a:r>
+              <a:rPr lang="en-ID" dirty="0"/>
+              <a:t> array.</a:t>
+            </a:r>
+          </a:p>
+          <a:p>
+            <a:pPr marL="0" indent="0">
+              <a:buNone/>
+            </a:pPr>
+            <a:r>
+              <a:rPr lang="en-ID" dirty="0"/>
+              <a:t>int[][] </a:t>
+            </a:r>
+            <a:r>
+              <a:rPr lang="en-ID" dirty="0" err="1"/>
+              <a:t>bilangan</a:t>
+            </a:r>
+            <a:r>
+              <a:rPr lang="en-ID" dirty="0"/>
+              <a:t> = new int[10][</a:t>
+            </a:r>
+            <a:r>
+              <a:rPr lang="en-ID"/>
+              <a:t>10];</a:t>
+            </a:r>
+            <a:endParaRPr lang="en-US" dirty="0"/>
+          </a:p>
+        </p:txBody>
+      </p:sp>
+    </p:spTree>
+    <p:extLst>
+      <p:ext uri="{BB962C8B-B14F-4D97-AF65-F5344CB8AC3E}">
+        <p14:creationId xmlns:p14="http://schemas.microsoft.com/office/powerpoint/2010/main" val="1015294622"/>
       </p:ext>
     </p:extLst>
   </p:cSld>

--- a/Bootcamp.pptx
+++ b/Bootcamp.pptx
@@ -37,6 +37,10 @@
     <p:sldId id="288" r:id="rId31"/>
     <p:sldId id="289" r:id="rId32"/>
     <p:sldId id="290" r:id="rId33"/>
+    <p:sldId id="291" r:id="rId34"/>
+    <p:sldId id="292" r:id="rId35"/>
+    <p:sldId id="293" r:id="rId36"/>
+    <p:sldId id="294" r:id="rId37"/>
   </p:sldIdLst>
   <p:sldSz cx="12192000" cy="6858000"/>
   <p:notesSz cx="6858000" cy="9144000"/>
@@ -389,7 +393,7 @@
             <a:fld id="{B61BEF0D-F0BB-DE4B-95CE-6DB70DBA9567}" type="datetimeFigureOut">
               <a:rPr lang="en-US" dirty="0"/>
               <a:pPr/>
-              <a:t>3/22/24</a:t>
+              <a:t>3/23/24</a:t>
             </a:fld>
             <a:endParaRPr lang="en-US" dirty="0"/>
           </a:p>
@@ -648,7 +652,7 @@
             <a:fld id="{B61BEF0D-F0BB-DE4B-95CE-6DB70DBA9567}" type="datetimeFigureOut">
               <a:rPr lang="en-US" dirty="0"/>
               <a:pPr/>
-              <a:t>3/22/24</a:t>
+              <a:t>3/23/24</a:t>
             </a:fld>
             <a:endParaRPr lang="en-US" dirty="0"/>
           </a:p>
@@ -880,7 +884,7 @@
             <a:fld id="{B61BEF0D-F0BB-DE4B-95CE-6DB70DBA9567}" type="datetimeFigureOut">
               <a:rPr lang="en-US" dirty="0"/>
               <a:pPr/>
-              <a:t>3/22/24</a:t>
+              <a:t>3/23/24</a:t>
             </a:fld>
             <a:endParaRPr lang="en-US" dirty="0"/>
           </a:p>
@@ -1117,7 +1121,7 @@
             <a:fld id="{B61BEF0D-F0BB-DE4B-95CE-6DB70DBA9567}" type="datetimeFigureOut">
               <a:rPr lang="en-US" dirty="0"/>
               <a:pPr/>
-              <a:t>3/22/24</a:t>
+              <a:t>3/23/24</a:t>
             </a:fld>
             <a:endParaRPr lang="en-US" dirty="0"/>
           </a:p>
@@ -1421,7 +1425,7 @@
             <a:fld id="{B61BEF0D-F0BB-DE4B-95CE-6DB70DBA9567}" type="datetimeFigureOut">
               <a:rPr lang="en-US" dirty="0"/>
               <a:pPr/>
-              <a:t>3/22/24</a:t>
+              <a:t>3/23/24</a:t>
             </a:fld>
             <a:endParaRPr lang="en-US" dirty="0"/>
           </a:p>
@@ -1720,7 +1724,7 @@
             <a:fld id="{B61BEF0D-F0BB-DE4B-95CE-6DB70DBA9567}" type="datetimeFigureOut">
               <a:rPr lang="en-US" dirty="0"/>
               <a:pPr/>
-              <a:t>3/22/24</a:t>
+              <a:t>3/23/24</a:t>
             </a:fld>
             <a:endParaRPr lang="en-US" dirty="0"/>
           </a:p>
@@ -2139,7 +2143,7 @@
             <a:fld id="{B61BEF0D-F0BB-DE4B-95CE-6DB70DBA9567}" type="datetimeFigureOut">
               <a:rPr lang="en-US" dirty="0"/>
               <a:pPr/>
-              <a:t>3/22/24</a:t>
+              <a:t>3/23/24</a:t>
             </a:fld>
             <a:endParaRPr lang="en-US" dirty="0"/>
           </a:p>
@@ -2298,7 +2302,7 @@
             <a:fld id="{B61BEF0D-F0BB-DE4B-95CE-6DB70DBA9567}" type="datetimeFigureOut">
               <a:rPr lang="en-US" dirty="0"/>
               <a:pPr/>
-              <a:t>3/22/24</a:t>
+              <a:t>3/23/24</a:t>
             </a:fld>
             <a:endParaRPr lang="en-US" dirty="0"/>
           </a:p>
@@ -2390,7 +2394,7 @@
             <a:fld id="{B61BEF0D-F0BB-DE4B-95CE-6DB70DBA9567}" type="datetimeFigureOut">
               <a:rPr lang="en-US" dirty="0"/>
               <a:pPr/>
-              <a:t>3/22/24</a:t>
+              <a:t>3/23/24</a:t>
             </a:fld>
             <a:endParaRPr lang="en-US" dirty="0"/>
           </a:p>
@@ -2765,7 +2769,7 @@
             <a:fld id="{B61BEF0D-F0BB-DE4B-95CE-6DB70DBA9567}" type="datetimeFigureOut">
               <a:rPr lang="en-US" dirty="0"/>
               <a:pPr/>
-              <a:t>3/22/24</a:t>
+              <a:t>3/23/24</a:t>
             </a:fld>
             <a:endParaRPr lang="en-US" dirty="0"/>
           </a:p>
@@ -3051,7 +3055,7 @@
             <a:fld id="{B61BEF0D-F0BB-DE4B-95CE-6DB70DBA9567}" type="datetimeFigureOut">
               <a:rPr lang="en-US" dirty="0"/>
               <a:pPr/>
-              <a:t>3/22/24</a:t>
+              <a:t>3/23/24</a:t>
             </a:fld>
             <a:endParaRPr lang="en-US" dirty="0"/>
           </a:p>
@@ -3259,7 +3263,7 @@
             <a:fld id="{B61BEF0D-F0BB-DE4B-95CE-6DB70DBA9567}" type="datetimeFigureOut">
               <a:rPr lang="en-US" dirty="0"/>
               <a:pPr/>
-              <a:t>3/22/24</a:t>
+              <a:t>3/23/24</a:t>
             </a:fld>
             <a:endParaRPr lang="en-US" dirty="0"/>
           </a:p>
@@ -17934,6 +17938,1551 @@
 </p:sld>
 </file>
 
+<file path=ppt/slides/slide33.xml><?xml version="1.0" encoding="utf-8"?>
+<p:sld xmlns:a="http://schemas.openxmlformats.org/drawingml/2006/main" xmlns:r="http://schemas.openxmlformats.org/officeDocument/2006/relationships" xmlns:p="http://schemas.openxmlformats.org/presentationml/2006/main">
+  <p:cSld>
+    <p:spTree>
+      <p:nvGrpSpPr>
+        <p:cNvPr id="1" name=""/>
+        <p:cNvGrpSpPr/>
+        <p:nvPr/>
+      </p:nvGrpSpPr>
+      <p:grpSpPr>
+        <a:xfrm>
+          <a:off x="0" y="0"/>
+          <a:ext cx="0" cy="0"/>
+          <a:chOff x="0" y="0"/>
+          <a:chExt cx="0" cy="0"/>
+        </a:xfrm>
+      </p:grpSpPr>
+      <p:sp>
+        <p:nvSpPr>
+          <p:cNvPr id="2" name="Title 1">
+            <a:extLst>
+              <a:ext uri="{FF2B5EF4-FFF2-40B4-BE49-F238E27FC236}">
+                <a16:creationId xmlns:a16="http://schemas.microsoft.com/office/drawing/2014/main" id="{3A1A16BD-FEB3-8B33-2DDD-DBB669E496E3}"/>
+              </a:ext>
+            </a:extLst>
+          </p:cNvPr>
+          <p:cNvSpPr>
+            <a:spLocks noGrp="1"/>
+          </p:cNvSpPr>
+          <p:nvPr>
+            <p:ph type="title"/>
+          </p:nvPr>
+        </p:nvSpPr>
+        <p:spPr/>
+        <p:txBody>
+          <a:bodyPr/>
+          <a:lstStyle/>
+          <a:p>
+            <a:r>
+              <a:rPr lang="en-US" dirty="0"/>
+              <a:t>OOP (Object Oriented Programming</a:t>
+            </a:r>
+          </a:p>
+        </p:txBody>
+      </p:sp>
+      <p:sp>
+        <p:nvSpPr>
+          <p:cNvPr id="3" name="Text Placeholder 2">
+            <a:extLst>
+              <a:ext uri="{FF2B5EF4-FFF2-40B4-BE49-F238E27FC236}">
+                <a16:creationId xmlns:a16="http://schemas.microsoft.com/office/drawing/2014/main" id="{1501C5DF-4376-19AF-328A-5813ABF53D3D}"/>
+              </a:ext>
+            </a:extLst>
+          </p:cNvPr>
+          <p:cNvSpPr>
+            <a:spLocks noGrp="1"/>
+          </p:cNvSpPr>
+          <p:nvPr>
+            <p:ph type="body" idx="1"/>
+          </p:nvPr>
+        </p:nvSpPr>
+        <p:spPr/>
+        <p:txBody>
+          <a:bodyPr/>
+          <a:lstStyle/>
+          <a:p>
+            <a:endParaRPr lang="en-US"/>
+          </a:p>
+        </p:txBody>
+      </p:sp>
+    </p:spTree>
+    <p:extLst>
+      <p:ext uri="{BB962C8B-B14F-4D97-AF65-F5344CB8AC3E}">
+        <p14:creationId xmlns:p14="http://schemas.microsoft.com/office/powerpoint/2010/main" val="2260045849"/>
+      </p:ext>
+    </p:extLst>
+  </p:cSld>
+  <p:clrMapOvr>
+    <a:masterClrMapping/>
+  </p:clrMapOvr>
+</p:sld>
+</file>
+
+<file path=ppt/slides/slide34.xml><?xml version="1.0" encoding="utf-8"?>
+<p:sld xmlns:a="http://schemas.openxmlformats.org/drawingml/2006/main" xmlns:r="http://schemas.openxmlformats.org/officeDocument/2006/relationships" xmlns:p="http://schemas.openxmlformats.org/presentationml/2006/main">
+  <p:cSld>
+    <p:spTree>
+      <p:nvGrpSpPr>
+        <p:cNvPr id="1" name=""/>
+        <p:cNvGrpSpPr/>
+        <p:nvPr/>
+      </p:nvGrpSpPr>
+      <p:grpSpPr>
+        <a:xfrm>
+          <a:off x="0" y="0"/>
+          <a:ext cx="0" cy="0"/>
+          <a:chOff x="0" y="0"/>
+          <a:chExt cx="0" cy="0"/>
+        </a:xfrm>
+      </p:grpSpPr>
+      <p:sp>
+        <p:nvSpPr>
+          <p:cNvPr id="2" name="Title 1">
+            <a:extLst>
+              <a:ext uri="{FF2B5EF4-FFF2-40B4-BE49-F238E27FC236}">
+                <a16:creationId xmlns:a16="http://schemas.microsoft.com/office/drawing/2014/main" id="{F71C043F-79BC-7650-9C70-4B82D74E643F}"/>
+              </a:ext>
+            </a:extLst>
+          </p:cNvPr>
+          <p:cNvSpPr>
+            <a:spLocks noGrp="1"/>
+          </p:cNvSpPr>
+          <p:nvPr>
+            <p:ph type="title"/>
+          </p:nvPr>
+        </p:nvSpPr>
+        <p:spPr/>
+        <p:txBody>
+          <a:bodyPr/>
+          <a:lstStyle/>
+          <a:p>
+            <a:pPr algn="l"/>
+            <a:r>
+              <a:rPr lang="en-ID" b="1" i="0" dirty="0">
+                <a:effectLst/>
+              </a:rPr>
+              <a:t>Java Class and Objects</a:t>
+            </a:r>
+          </a:p>
+        </p:txBody>
+      </p:sp>
+      <p:sp>
+        <p:nvSpPr>
+          <p:cNvPr id="3" name="Content Placeholder 2">
+            <a:extLst>
+              <a:ext uri="{FF2B5EF4-FFF2-40B4-BE49-F238E27FC236}">
+                <a16:creationId xmlns:a16="http://schemas.microsoft.com/office/drawing/2014/main" id="{B8DB5E7A-082A-9AE7-C50A-626ECC16C013}"/>
+              </a:ext>
+            </a:extLst>
+          </p:cNvPr>
+          <p:cNvSpPr>
+            <a:spLocks noGrp="1"/>
+          </p:cNvSpPr>
+          <p:nvPr>
+            <p:ph idx="1"/>
+          </p:nvPr>
+        </p:nvSpPr>
+        <p:spPr/>
+        <p:txBody>
+          <a:bodyPr/>
+          <a:lstStyle/>
+          <a:p>
+            <a:r>
+              <a:rPr lang="en-US" dirty="0"/>
+              <a:t>Java </a:t>
+            </a:r>
+            <a:r>
+              <a:rPr lang="en-US" dirty="0" err="1"/>
+              <a:t>adalah</a:t>
+            </a:r>
+            <a:r>
+              <a:rPr lang="en-US" dirty="0"/>
+              <a:t> </a:t>
+            </a:r>
+            <a:r>
+              <a:rPr lang="en-US" dirty="0" err="1"/>
+              <a:t>bahasa</a:t>
+            </a:r>
+            <a:r>
+              <a:rPr lang="en-US" dirty="0"/>
+              <a:t> </a:t>
+            </a:r>
+            <a:r>
+              <a:rPr lang="en-US" dirty="0" err="1"/>
+              <a:t>pemrograman</a:t>
+            </a:r>
+            <a:r>
+              <a:rPr lang="en-US" dirty="0"/>
+              <a:t> </a:t>
+            </a:r>
+            <a:r>
+              <a:rPr lang="en-US" dirty="0" err="1"/>
+              <a:t>berorientasi</a:t>
+            </a:r>
+            <a:r>
+              <a:rPr lang="en-US" dirty="0"/>
+              <a:t> </a:t>
+            </a:r>
+            <a:r>
+              <a:rPr lang="en-US" dirty="0" err="1"/>
+              <a:t>objek</a:t>
+            </a:r>
+            <a:r>
+              <a:rPr lang="en-US" dirty="0"/>
+              <a:t> (Object Oriented Programming). </a:t>
+            </a:r>
+            <a:r>
+              <a:rPr lang="en-US" dirty="0" err="1"/>
+              <a:t>Konsep</a:t>
+            </a:r>
+            <a:r>
+              <a:rPr lang="en-US" dirty="0"/>
+              <a:t> inti </a:t>
+            </a:r>
+            <a:r>
+              <a:rPr lang="en-US" dirty="0" err="1"/>
+              <a:t>dari</a:t>
+            </a:r>
+            <a:r>
+              <a:rPr lang="en-US" dirty="0"/>
+              <a:t> </a:t>
+            </a:r>
+            <a:r>
+              <a:rPr lang="en-US" dirty="0" err="1"/>
+              <a:t>pendekatan</a:t>
+            </a:r>
+            <a:r>
+              <a:rPr lang="en-US" dirty="0"/>
+              <a:t> </a:t>
+            </a:r>
+            <a:r>
+              <a:rPr lang="en-US" dirty="0" err="1"/>
+              <a:t>berorientasi</a:t>
+            </a:r>
+            <a:r>
+              <a:rPr lang="en-US" dirty="0"/>
+              <a:t> </a:t>
+            </a:r>
+            <a:r>
+              <a:rPr lang="en-US" dirty="0" err="1"/>
+              <a:t>objek</a:t>
+            </a:r>
+            <a:r>
+              <a:rPr lang="en-US" dirty="0"/>
+              <a:t> </a:t>
+            </a:r>
+            <a:r>
+              <a:rPr lang="en-US" dirty="0" err="1"/>
+              <a:t>adalah</a:t>
+            </a:r>
+            <a:r>
+              <a:rPr lang="en-US" dirty="0"/>
+              <a:t> </a:t>
+            </a:r>
+            <a:r>
+              <a:rPr lang="en-US" dirty="0" err="1"/>
+              <a:t>memecah</a:t>
+            </a:r>
+            <a:r>
+              <a:rPr lang="en-US" dirty="0"/>
+              <a:t> </a:t>
+            </a:r>
+            <a:r>
+              <a:rPr lang="en-US" dirty="0" err="1"/>
+              <a:t>permasalahan</a:t>
+            </a:r>
+            <a:r>
+              <a:rPr lang="en-US" dirty="0"/>
+              <a:t> </a:t>
+            </a:r>
+            <a:r>
+              <a:rPr lang="en-US" dirty="0" err="1"/>
+              <a:t>kompleks</a:t>
+            </a:r>
+            <a:r>
+              <a:rPr lang="en-US" dirty="0"/>
+              <a:t> </a:t>
+            </a:r>
+            <a:r>
+              <a:rPr lang="en-US" dirty="0" err="1"/>
+              <a:t>menjadi</a:t>
+            </a:r>
+            <a:r>
+              <a:rPr lang="en-US" dirty="0"/>
+              <a:t> </a:t>
+            </a:r>
+            <a:r>
+              <a:rPr lang="en-US" dirty="0" err="1"/>
+              <a:t>objek-objek</a:t>
+            </a:r>
+            <a:r>
+              <a:rPr lang="en-US" dirty="0"/>
+              <a:t> yang </a:t>
+            </a:r>
+            <a:r>
+              <a:rPr lang="en-US" dirty="0" err="1"/>
+              <a:t>lebih</a:t>
+            </a:r>
+            <a:r>
+              <a:rPr lang="en-US" dirty="0"/>
+              <a:t> </a:t>
+            </a:r>
+            <a:r>
+              <a:rPr lang="en-US" dirty="0" err="1"/>
+              <a:t>kecil</a:t>
+            </a:r>
+            <a:r>
+              <a:rPr lang="en-US" dirty="0"/>
+              <a:t>.</a:t>
+            </a:r>
+          </a:p>
+          <a:p>
+            <a:r>
+              <a:rPr lang="en-US" dirty="0" err="1"/>
+              <a:t>Objek</a:t>
+            </a:r>
+            <a:r>
+              <a:rPr lang="en-US" dirty="0"/>
+              <a:t> </a:t>
+            </a:r>
+            <a:r>
+              <a:rPr lang="en-US" dirty="0" err="1"/>
+              <a:t>adalah</a:t>
+            </a:r>
+            <a:r>
+              <a:rPr lang="en-US" dirty="0"/>
+              <a:t> </a:t>
+            </a:r>
+            <a:r>
+              <a:rPr lang="en-US" dirty="0" err="1"/>
+              <a:t>entitas</a:t>
+            </a:r>
+            <a:r>
+              <a:rPr lang="en-US" dirty="0"/>
+              <a:t> </a:t>
+            </a:r>
+            <a:r>
+              <a:rPr lang="en-US" dirty="0" err="1"/>
+              <a:t>apa</a:t>
+            </a:r>
+            <a:r>
+              <a:rPr lang="en-US" dirty="0"/>
+              <a:t> pun yang </a:t>
+            </a:r>
+            <a:r>
+              <a:rPr lang="en-US" dirty="0" err="1"/>
+              <a:t>memiliki</a:t>
+            </a:r>
+            <a:r>
+              <a:rPr lang="en-US" dirty="0"/>
+              <a:t> </a:t>
+            </a:r>
+            <a:r>
+              <a:rPr lang="en-US" dirty="0" err="1"/>
+              <a:t>keadaan</a:t>
+            </a:r>
+            <a:r>
+              <a:rPr lang="en-US" dirty="0"/>
+              <a:t> dan </a:t>
+            </a:r>
+            <a:r>
+              <a:rPr lang="en-US" dirty="0" err="1"/>
+              <a:t>perilaku</a:t>
+            </a:r>
+            <a:r>
+              <a:rPr lang="en-US" dirty="0"/>
+              <a:t>. </a:t>
+            </a:r>
+            <a:r>
+              <a:rPr lang="en-US" dirty="0" err="1"/>
+              <a:t>Misalnya</a:t>
+            </a:r>
+            <a:r>
+              <a:rPr lang="en-US" dirty="0"/>
+              <a:t> motor </a:t>
+            </a:r>
+            <a:r>
+              <a:rPr lang="en-US" dirty="0" err="1"/>
+              <a:t>adalah</a:t>
+            </a:r>
+            <a:r>
+              <a:rPr lang="en-US" dirty="0"/>
+              <a:t> </a:t>
+            </a:r>
+            <a:r>
+              <a:rPr lang="en-US" dirty="0" err="1"/>
+              <a:t>sebuah</a:t>
+            </a:r>
+            <a:r>
+              <a:rPr lang="en-US" dirty="0"/>
+              <a:t> </a:t>
+            </a:r>
+            <a:r>
+              <a:rPr lang="en-US" dirty="0" err="1"/>
+              <a:t>benda</a:t>
+            </a:r>
+            <a:r>
+              <a:rPr lang="en-US" dirty="0"/>
+              <a:t>. </a:t>
+            </a:r>
+            <a:r>
+              <a:rPr lang="en-US" dirty="0" err="1"/>
+              <a:t>Memiliki</a:t>
+            </a:r>
+            <a:endParaRPr lang="en-US" dirty="0"/>
+          </a:p>
+          <a:p>
+            <a:endParaRPr lang="en-US" dirty="0"/>
+          </a:p>
+          <a:p>
+            <a:pPr marL="0" indent="0">
+              <a:buNone/>
+            </a:pPr>
+            <a:r>
+              <a:rPr lang="en-US" dirty="0"/>
+              <a:t>	States: idle, </a:t>
+            </a:r>
+            <a:r>
+              <a:rPr lang="en-US" dirty="0" err="1"/>
+              <a:t>gigi</a:t>
+            </a:r>
+            <a:r>
+              <a:rPr lang="en-US" dirty="0"/>
+              <a:t> </a:t>
+            </a:r>
+            <a:r>
+              <a:rPr lang="en-US" dirty="0" err="1"/>
+              <a:t>satu</a:t>
+            </a:r>
+            <a:r>
+              <a:rPr lang="en-US" dirty="0"/>
+              <a:t>, </a:t>
+            </a:r>
+            <a:r>
+              <a:rPr lang="en-US" dirty="0" err="1"/>
+              <a:t>dll</a:t>
+            </a:r>
+            <a:endParaRPr lang="en-US" dirty="0"/>
+          </a:p>
+          <a:p>
+            <a:pPr marL="324000" lvl="1" indent="0">
+              <a:buNone/>
+            </a:pPr>
+            <a:r>
+              <a:rPr lang="en-US" dirty="0"/>
+              <a:t>	</a:t>
+            </a:r>
+            <a:r>
+              <a:rPr lang="en-US" dirty="0" err="1"/>
+              <a:t>Behaviour</a:t>
+            </a:r>
+            <a:r>
+              <a:rPr lang="en-US" dirty="0"/>
+              <a:t>: </a:t>
+            </a:r>
+            <a:r>
+              <a:rPr lang="en-US" dirty="0" err="1"/>
+              <a:t>mengerem</a:t>
+            </a:r>
+            <a:r>
+              <a:rPr lang="en-US" dirty="0"/>
+              <a:t>, </a:t>
+            </a:r>
+            <a:r>
+              <a:rPr lang="en-US" dirty="0" err="1"/>
+              <a:t>ganti</a:t>
+            </a:r>
+            <a:r>
+              <a:rPr lang="en-US" dirty="0"/>
+              <a:t> </a:t>
+            </a:r>
+            <a:r>
+              <a:rPr lang="en-US" dirty="0" err="1"/>
+              <a:t>gigi</a:t>
+            </a:r>
+            <a:r>
+              <a:rPr lang="en-US" dirty="0"/>
+              <a:t>, </a:t>
+            </a:r>
+            <a:r>
+              <a:rPr lang="en-US" dirty="0" err="1"/>
+              <a:t>dll</a:t>
+            </a:r>
+            <a:r>
+              <a:rPr lang="en-US" dirty="0"/>
+              <a:t>.</a:t>
+            </a:r>
+          </a:p>
+          <a:p>
+            <a:endParaRPr lang="en-US" dirty="0"/>
+          </a:p>
+        </p:txBody>
+      </p:sp>
+    </p:spTree>
+    <p:extLst>
+      <p:ext uri="{BB962C8B-B14F-4D97-AF65-F5344CB8AC3E}">
+        <p14:creationId xmlns:p14="http://schemas.microsoft.com/office/powerpoint/2010/main" val="458981664"/>
+      </p:ext>
+    </p:extLst>
+  </p:cSld>
+  <p:clrMapOvr>
+    <a:masterClrMapping/>
+  </p:clrMapOvr>
+</p:sld>
+</file>
+
+<file path=ppt/slides/slide35.xml><?xml version="1.0" encoding="utf-8"?>
+<p:sld xmlns:a="http://schemas.openxmlformats.org/drawingml/2006/main" xmlns:r="http://schemas.openxmlformats.org/officeDocument/2006/relationships" xmlns:p="http://schemas.openxmlformats.org/presentationml/2006/main">
+  <p:cSld>
+    <p:spTree>
+      <p:nvGrpSpPr>
+        <p:cNvPr id="1" name=""/>
+        <p:cNvGrpSpPr/>
+        <p:nvPr/>
+      </p:nvGrpSpPr>
+      <p:grpSpPr>
+        <a:xfrm>
+          <a:off x="0" y="0"/>
+          <a:ext cx="0" cy="0"/>
+          <a:chOff x="0" y="0"/>
+          <a:chExt cx="0" cy="0"/>
+        </a:xfrm>
+      </p:grpSpPr>
+      <p:sp>
+        <p:nvSpPr>
+          <p:cNvPr id="2" name="Title 1">
+            <a:extLst>
+              <a:ext uri="{FF2B5EF4-FFF2-40B4-BE49-F238E27FC236}">
+                <a16:creationId xmlns:a16="http://schemas.microsoft.com/office/drawing/2014/main" id="{33D57F31-2776-590A-ABDA-DDAB6ECDD1DB}"/>
+              </a:ext>
+            </a:extLst>
+          </p:cNvPr>
+          <p:cNvSpPr>
+            <a:spLocks noGrp="1"/>
+          </p:cNvSpPr>
+          <p:nvPr>
+            <p:ph type="title"/>
+          </p:nvPr>
+        </p:nvSpPr>
+        <p:spPr/>
+        <p:txBody>
+          <a:bodyPr/>
+          <a:lstStyle/>
+          <a:p>
+            <a:r>
+              <a:rPr lang="en-US" dirty="0"/>
+              <a:t>Java Methods</a:t>
+            </a:r>
+            <a:br>
+              <a:rPr lang="en-US" dirty="0"/>
+            </a:br>
+            <a:endParaRPr lang="en-US" dirty="0"/>
+          </a:p>
+        </p:txBody>
+      </p:sp>
+      <p:sp>
+        <p:nvSpPr>
+          <p:cNvPr id="3" name="Content Placeholder 2">
+            <a:extLst>
+              <a:ext uri="{FF2B5EF4-FFF2-40B4-BE49-F238E27FC236}">
+                <a16:creationId xmlns:a16="http://schemas.microsoft.com/office/drawing/2014/main" id="{C203F034-73B0-8F42-C64C-DA8B0E21DEE1}"/>
+              </a:ext>
+            </a:extLst>
+          </p:cNvPr>
+          <p:cNvSpPr>
+            <a:spLocks noGrp="1"/>
+          </p:cNvSpPr>
+          <p:nvPr>
+            <p:ph idx="1"/>
+          </p:nvPr>
+        </p:nvSpPr>
+        <p:spPr/>
+        <p:txBody>
+          <a:bodyPr/>
+          <a:lstStyle/>
+          <a:p>
+            <a:r>
+              <a:rPr lang="en-US" dirty="0" err="1"/>
+              <a:t>Methode</a:t>
+            </a:r>
+            <a:r>
+              <a:rPr lang="en-US" dirty="0"/>
+              <a:t> </a:t>
+            </a:r>
+            <a:r>
+              <a:rPr lang="en-US" dirty="0" err="1"/>
+              <a:t>adalah</a:t>
+            </a:r>
+            <a:r>
+              <a:rPr lang="en-US" dirty="0"/>
+              <a:t> </a:t>
+            </a:r>
+            <a:r>
+              <a:rPr lang="en-US" dirty="0" err="1"/>
+              <a:t>blok</a:t>
+            </a:r>
+            <a:r>
+              <a:rPr lang="en-US" dirty="0"/>
+              <a:t> </a:t>
+            </a:r>
+            <a:r>
+              <a:rPr lang="en-US" dirty="0" err="1"/>
+              <a:t>kode</a:t>
+            </a:r>
+            <a:r>
+              <a:rPr lang="en-US" dirty="0"/>
+              <a:t> yang </a:t>
+            </a:r>
+            <a:r>
+              <a:rPr lang="en-US" dirty="0" err="1"/>
+              <a:t>melakukan</a:t>
+            </a:r>
+            <a:r>
+              <a:rPr lang="en-US" dirty="0"/>
+              <a:t> </a:t>
+            </a:r>
+            <a:r>
+              <a:rPr lang="en-US" dirty="0" err="1"/>
+              <a:t>tugas</a:t>
+            </a:r>
+            <a:r>
+              <a:rPr lang="en-US" dirty="0"/>
+              <a:t> </a:t>
+            </a:r>
+            <a:r>
+              <a:rPr lang="en-US" dirty="0" err="1"/>
+              <a:t>tertentu</a:t>
+            </a:r>
+            <a:r>
+              <a:rPr lang="en-US" dirty="0"/>
+              <a:t>.</a:t>
+            </a:r>
+          </a:p>
+          <a:p>
+            <a:endParaRPr lang="en-US" dirty="0"/>
+          </a:p>
+          <a:p>
+            <a:r>
+              <a:rPr lang="en-US" dirty="0" err="1"/>
+              <a:t>Misalkan</a:t>
+            </a:r>
+            <a:r>
+              <a:rPr lang="en-US" dirty="0"/>
+              <a:t> </a:t>
+            </a:r>
+            <a:r>
+              <a:rPr lang="en-US" dirty="0" err="1"/>
+              <a:t>kamu</a:t>
+            </a:r>
+            <a:r>
+              <a:rPr lang="en-US" dirty="0"/>
+              <a:t> </a:t>
+            </a:r>
+            <a:r>
+              <a:rPr lang="en-US" dirty="0" err="1"/>
+              <a:t>perlu</a:t>
+            </a:r>
+            <a:r>
+              <a:rPr lang="en-US" dirty="0"/>
+              <a:t> </a:t>
+            </a:r>
+            <a:r>
+              <a:rPr lang="en-US" dirty="0" err="1"/>
+              <a:t>membuat</a:t>
+            </a:r>
+            <a:r>
+              <a:rPr lang="en-US" dirty="0"/>
+              <a:t> program </a:t>
+            </a:r>
+            <a:r>
+              <a:rPr lang="en-US" dirty="0" err="1"/>
+              <a:t>untuk</a:t>
+            </a:r>
+            <a:r>
+              <a:rPr lang="en-US" dirty="0"/>
+              <a:t> </a:t>
+            </a:r>
+            <a:r>
+              <a:rPr lang="en-US" dirty="0" err="1"/>
+              <a:t>membuat</a:t>
+            </a:r>
+            <a:r>
+              <a:rPr lang="en-US" dirty="0"/>
+              <a:t> </a:t>
+            </a:r>
+            <a:r>
+              <a:rPr lang="en-US" dirty="0" err="1"/>
+              <a:t>lingkaran</a:t>
+            </a:r>
+            <a:r>
+              <a:rPr lang="en-US" dirty="0"/>
+              <a:t> dan </a:t>
+            </a:r>
+            <a:r>
+              <a:rPr lang="en-US" dirty="0" err="1"/>
+              <a:t>mewarnainya</a:t>
+            </a:r>
+            <a:r>
+              <a:rPr lang="en-US" dirty="0"/>
+              <a:t>.  </a:t>
+            </a:r>
+            <a:r>
+              <a:rPr lang="en-US" dirty="0" err="1"/>
+              <a:t>kamu</a:t>
+            </a:r>
+            <a:r>
+              <a:rPr lang="en-US" dirty="0"/>
+              <a:t> </a:t>
+            </a:r>
+            <a:r>
+              <a:rPr lang="en-US" dirty="0" err="1"/>
+              <a:t>dapat</a:t>
+            </a:r>
+            <a:r>
+              <a:rPr lang="en-US" dirty="0"/>
+              <a:t> </a:t>
+            </a:r>
+            <a:r>
+              <a:rPr lang="en-US" dirty="0" err="1"/>
+              <a:t>membuat</a:t>
+            </a:r>
+            <a:r>
+              <a:rPr lang="en-US" dirty="0"/>
+              <a:t> </a:t>
+            </a:r>
+            <a:r>
+              <a:rPr lang="en-US" dirty="0" err="1"/>
+              <a:t>dua</a:t>
+            </a:r>
+            <a:r>
+              <a:rPr lang="en-US" dirty="0"/>
+              <a:t> </a:t>
+            </a:r>
+            <a:r>
+              <a:rPr lang="en-US" dirty="0" err="1"/>
+              <a:t>methode</a:t>
+            </a:r>
+            <a:r>
+              <a:rPr lang="en-US" dirty="0"/>
+              <a:t> </a:t>
+            </a:r>
+            <a:r>
+              <a:rPr lang="en-US" dirty="0" err="1"/>
+              <a:t>untuk</a:t>
+            </a:r>
+            <a:r>
+              <a:rPr lang="en-US" dirty="0"/>
+              <a:t> </a:t>
+            </a:r>
+            <a:r>
+              <a:rPr lang="en-US" dirty="0" err="1"/>
+              <a:t>mengatasi</a:t>
+            </a:r>
+            <a:r>
+              <a:rPr lang="en-US" dirty="0"/>
+              <a:t> </a:t>
+            </a:r>
+            <a:r>
+              <a:rPr lang="en-US" dirty="0" err="1"/>
+              <a:t>masalah</a:t>
+            </a:r>
+            <a:r>
+              <a:rPr lang="en-US" dirty="0"/>
+              <a:t> </a:t>
+            </a:r>
+            <a:r>
+              <a:rPr lang="en-US" dirty="0" err="1"/>
+              <a:t>ini</a:t>
+            </a:r>
+            <a:r>
+              <a:rPr lang="en-US" dirty="0"/>
+              <a:t>:</a:t>
+            </a:r>
+          </a:p>
+          <a:p>
+            <a:pPr marL="0" indent="0">
+              <a:buNone/>
+            </a:pPr>
+            <a:r>
+              <a:rPr lang="en-US" dirty="0"/>
+              <a:t>	1. </a:t>
+            </a:r>
+            <a:r>
+              <a:rPr lang="en-US" dirty="0" err="1"/>
+              <a:t>methode</a:t>
+            </a:r>
+            <a:r>
+              <a:rPr lang="en-US" dirty="0"/>
+              <a:t> </a:t>
+            </a:r>
+            <a:r>
+              <a:rPr lang="en-US" dirty="0" err="1"/>
+              <a:t>menggambar</a:t>
+            </a:r>
+            <a:r>
+              <a:rPr lang="en-US" dirty="0"/>
+              <a:t> </a:t>
+            </a:r>
+            <a:r>
+              <a:rPr lang="en-US" dirty="0" err="1"/>
+              <a:t>lingkaran</a:t>
+            </a:r>
+            <a:endParaRPr lang="en-US" dirty="0"/>
+          </a:p>
+          <a:p>
+            <a:pPr marL="0" indent="0">
+              <a:buNone/>
+            </a:pPr>
+            <a:r>
+              <a:rPr lang="en-US" dirty="0"/>
+              <a:t>	2. </a:t>
+            </a:r>
+            <a:r>
+              <a:rPr lang="en-US" dirty="0" err="1"/>
+              <a:t>methode</a:t>
+            </a:r>
+            <a:r>
+              <a:rPr lang="en-US" dirty="0"/>
+              <a:t> </a:t>
+            </a:r>
+            <a:r>
+              <a:rPr lang="en-US" dirty="0" err="1"/>
+              <a:t>mewarnai</a:t>
+            </a:r>
+            <a:r>
+              <a:rPr lang="en-US" dirty="0"/>
+              <a:t> </a:t>
+            </a:r>
+            <a:r>
+              <a:rPr lang="en-US" dirty="0" err="1"/>
+              <a:t>lingkaran</a:t>
+            </a:r>
+            <a:endParaRPr lang="en-US" dirty="0"/>
+          </a:p>
+        </p:txBody>
+      </p:sp>
+    </p:spTree>
+    <p:extLst>
+      <p:ext uri="{BB962C8B-B14F-4D97-AF65-F5344CB8AC3E}">
+        <p14:creationId xmlns:p14="http://schemas.microsoft.com/office/powerpoint/2010/main" val="922732271"/>
+      </p:ext>
+    </p:extLst>
+  </p:cSld>
+  <p:clrMapOvr>
+    <a:masterClrMapping/>
+  </p:clrMapOvr>
+</p:sld>
+</file>
+
+<file path=ppt/slides/slide36.xml><?xml version="1.0" encoding="utf-8"?>
+<p:sld xmlns:a="http://schemas.openxmlformats.org/drawingml/2006/main" xmlns:r="http://schemas.openxmlformats.org/officeDocument/2006/relationships" xmlns:p="http://schemas.openxmlformats.org/presentationml/2006/main">
+  <p:cSld>
+    <p:spTree>
+      <p:nvGrpSpPr>
+        <p:cNvPr id="1" name=""/>
+        <p:cNvGrpSpPr/>
+        <p:nvPr/>
+      </p:nvGrpSpPr>
+      <p:grpSpPr>
+        <a:xfrm>
+          <a:off x="0" y="0"/>
+          <a:ext cx="0" cy="0"/>
+          <a:chOff x="0" y="0"/>
+          <a:chExt cx="0" cy="0"/>
+        </a:xfrm>
+      </p:grpSpPr>
+      <p:sp>
+        <p:nvSpPr>
+          <p:cNvPr id="2" name="Title 1">
+            <a:extLst>
+              <a:ext uri="{FF2B5EF4-FFF2-40B4-BE49-F238E27FC236}">
+                <a16:creationId xmlns:a16="http://schemas.microsoft.com/office/drawing/2014/main" id="{33D57F31-2776-590A-ABDA-DDAB6ECDD1DB}"/>
+              </a:ext>
+            </a:extLst>
+          </p:cNvPr>
+          <p:cNvSpPr>
+            <a:spLocks noGrp="1"/>
+          </p:cNvSpPr>
+          <p:nvPr>
+            <p:ph type="title"/>
+          </p:nvPr>
+        </p:nvSpPr>
+        <p:spPr/>
+        <p:txBody>
+          <a:bodyPr/>
+          <a:lstStyle/>
+          <a:p>
+            <a:r>
+              <a:rPr lang="en-US" dirty="0"/>
+              <a:t>Java Methods</a:t>
+            </a:r>
+            <a:br>
+              <a:rPr lang="en-US" dirty="0"/>
+            </a:br>
+            <a:endParaRPr lang="en-US" dirty="0"/>
+          </a:p>
+        </p:txBody>
+      </p:sp>
+      <p:sp>
+        <p:nvSpPr>
+          <p:cNvPr id="3" name="Content Placeholder 2">
+            <a:extLst>
+              <a:ext uri="{FF2B5EF4-FFF2-40B4-BE49-F238E27FC236}">
+                <a16:creationId xmlns:a16="http://schemas.microsoft.com/office/drawing/2014/main" id="{C203F034-73B0-8F42-C64C-DA8B0E21DEE1}"/>
+              </a:ext>
+            </a:extLst>
+          </p:cNvPr>
+          <p:cNvSpPr>
+            <a:spLocks noGrp="1"/>
+          </p:cNvSpPr>
+          <p:nvPr>
+            <p:ph idx="1"/>
+          </p:nvPr>
+        </p:nvSpPr>
+        <p:spPr>
+          <a:xfrm>
+            <a:off x="581193" y="2180496"/>
+            <a:ext cx="5686044" cy="3678303"/>
+          </a:xfrm>
+        </p:spPr>
+        <p:txBody>
+          <a:bodyPr>
+            <a:normAutofit lnSpcReduction="10000"/>
+          </a:bodyPr>
+          <a:lstStyle/>
+          <a:p>
+            <a:r>
+              <a:rPr lang="en-US" b="1" dirty="0" err="1"/>
+              <a:t>returnType</a:t>
+            </a:r>
+            <a:r>
+              <a:rPr lang="en-US" dirty="0"/>
+              <a:t> - </a:t>
+            </a:r>
+            <a:r>
+              <a:rPr lang="en-US" dirty="0" err="1"/>
+              <a:t>Ini</a:t>
+            </a:r>
+            <a:r>
+              <a:rPr lang="en-US" dirty="0"/>
+              <a:t> </a:t>
+            </a:r>
+            <a:r>
+              <a:rPr lang="en-US" dirty="0" err="1"/>
+              <a:t>menentukan</a:t>
+            </a:r>
+            <a:r>
+              <a:rPr lang="en-US" dirty="0"/>
+              <a:t> </a:t>
+            </a:r>
+            <a:r>
+              <a:rPr lang="en-US" dirty="0" err="1"/>
+              <a:t>tipe</a:t>
+            </a:r>
+            <a:r>
+              <a:rPr lang="en-US" dirty="0"/>
+              <a:t> </a:t>
+            </a:r>
+            <a:r>
+              <a:rPr lang="en-US" dirty="0" err="1"/>
+              <a:t>nilai</a:t>
+            </a:r>
+            <a:r>
+              <a:rPr lang="en-US" dirty="0"/>
+              <a:t> </a:t>
+            </a:r>
+            <a:r>
+              <a:rPr lang="en-US" dirty="0" err="1"/>
+              <a:t>apa</a:t>
+            </a:r>
+            <a:r>
+              <a:rPr lang="en-US" dirty="0"/>
+              <a:t> yang </a:t>
+            </a:r>
+            <a:r>
+              <a:rPr lang="en-US" dirty="0" err="1"/>
+              <a:t>dikembalikan</a:t>
+            </a:r>
+            <a:r>
+              <a:rPr lang="en-US" dirty="0"/>
+              <a:t> </a:t>
+            </a:r>
+            <a:r>
+              <a:rPr lang="en-US" dirty="0" err="1"/>
+              <a:t>suatu</a:t>
+            </a:r>
+            <a:r>
+              <a:rPr lang="en-US" dirty="0"/>
+              <a:t> </a:t>
+            </a:r>
+            <a:r>
+              <a:rPr lang="en-US" dirty="0" err="1"/>
+              <a:t>methode</a:t>
+            </a:r>
+            <a:r>
+              <a:rPr lang="en-US" dirty="0"/>
+              <a:t>. </a:t>
+            </a:r>
+            <a:r>
+              <a:rPr lang="en-US" dirty="0" err="1"/>
+              <a:t>Misalnya</a:t>
+            </a:r>
+            <a:r>
+              <a:rPr lang="en-US" dirty="0"/>
+              <a:t> </a:t>
+            </a:r>
+            <a:r>
+              <a:rPr lang="en-US" dirty="0" err="1"/>
+              <a:t>jika</a:t>
+            </a:r>
+            <a:r>
+              <a:rPr lang="en-US" dirty="0"/>
+              <a:t> </a:t>
+            </a:r>
+            <a:r>
+              <a:rPr lang="en-US" dirty="0" err="1"/>
+              <a:t>suatu</a:t>
+            </a:r>
+            <a:r>
+              <a:rPr lang="en-US" dirty="0"/>
+              <a:t> </a:t>
+            </a:r>
+            <a:r>
+              <a:rPr lang="en-US" dirty="0" err="1"/>
+              <a:t>methode</a:t>
+            </a:r>
+            <a:r>
+              <a:rPr lang="en-US" dirty="0"/>
+              <a:t> </a:t>
+            </a:r>
+            <a:r>
+              <a:rPr lang="en-US" dirty="0" err="1"/>
+              <a:t>memiliki</a:t>
+            </a:r>
+            <a:r>
+              <a:rPr lang="en-US" dirty="0"/>
+              <a:t> </a:t>
+            </a:r>
+            <a:r>
+              <a:rPr lang="en-US" dirty="0" err="1"/>
+              <a:t>tipe</a:t>
+            </a:r>
+            <a:r>
+              <a:rPr lang="en-US" dirty="0"/>
+              <a:t> </a:t>
+            </a:r>
+            <a:r>
+              <a:rPr lang="en-US" dirty="0" err="1"/>
+              <a:t>pengembalian</a:t>
+            </a:r>
+            <a:r>
+              <a:rPr lang="en-US" dirty="0"/>
+              <a:t> int </a:t>
+            </a:r>
+            <a:r>
+              <a:rPr lang="en-US" dirty="0" err="1"/>
+              <a:t>maka</a:t>
+            </a:r>
+            <a:r>
+              <a:rPr lang="en-US" dirty="0"/>
+              <a:t> </a:t>
+            </a:r>
+            <a:r>
+              <a:rPr lang="en-US" dirty="0" err="1"/>
+              <a:t>ia</a:t>
+            </a:r>
+            <a:r>
+              <a:rPr lang="en-US" dirty="0"/>
+              <a:t> </a:t>
+            </a:r>
+            <a:r>
+              <a:rPr lang="en-US" dirty="0" err="1"/>
+              <a:t>mengembalikan</a:t>
+            </a:r>
+            <a:r>
+              <a:rPr lang="en-US" dirty="0"/>
+              <a:t> </a:t>
+            </a:r>
+            <a:r>
+              <a:rPr lang="en-US" dirty="0" err="1"/>
+              <a:t>nilai</a:t>
+            </a:r>
+            <a:r>
+              <a:rPr lang="en-US" dirty="0"/>
+              <a:t> integer. Jika </a:t>
+            </a:r>
+            <a:r>
+              <a:rPr lang="en-US" dirty="0" err="1"/>
+              <a:t>methode</a:t>
+            </a:r>
+            <a:r>
+              <a:rPr lang="en-US" dirty="0"/>
+              <a:t> </a:t>
+            </a:r>
+            <a:r>
+              <a:rPr lang="en-US" dirty="0" err="1"/>
+              <a:t>tidak</a:t>
+            </a:r>
+            <a:r>
+              <a:rPr lang="en-US" dirty="0"/>
+              <a:t> </a:t>
+            </a:r>
+            <a:r>
+              <a:rPr lang="en-US" dirty="0" err="1"/>
+              <a:t>mengembalikan</a:t>
+            </a:r>
+            <a:r>
+              <a:rPr lang="en-US" dirty="0"/>
+              <a:t> </a:t>
+            </a:r>
+            <a:r>
+              <a:rPr lang="en-US" dirty="0" err="1"/>
+              <a:t>nilai</a:t>
+            </a:r>
+            <a:r>
+              <a:rPr lang="en-US" dirty="0"/>
+              <a:t>, </a:t>
+            </a:r>
+            <a:r>
+              <a:rPr lang="en-US" dirty="0" err="1"/>
+              <a:t>tipe</a:t>
+            </a:r>
+            <a:r>
+              <a:rPr lang="en-US" dirty="0"/>
+              <a:t> </a:t>
+            </a:r>
+            <a:r>
+              <a:rPr lang="en-US" dirty="0" err="1"/>
+              <a:t>pengembaliannya</a:t>
+            </a:r>
+            <a:r>
+              <a:rPr lang="en-US" dirty="0"/>
+              <a:t> </a:t>
+            </a:r>
+            <a:r>
+              <a:rPr lang="en-US" dirty="0" err="1"/>
+              <a:t>tidak</a:t>
+            </a:r>
+            <a:r>
+              <a:rPr lang="en-US" dirty="0"/>
+              <a:t> </a:t>
+            </a:r>
+            <a:r>
+              <a:rPr lang="en-US" dirty="0" err="1"/>
+              <a:t>berlaku</a:t>
+            </a:r>
+            <a:r>
+              <a:rPr lang="en-US" dirty="0"/>
+              <a:t>.</a:t>
+            </a:r>
+          </a:p>
+          <a:p>
+            <a:r>
+              <a:rPr lang="en-US" b="1" dirty="0" err="1"/>
+              <a:t>methodName</a:t>
+            </a:r>
+            <a:r>
+              <a:rPr lang="en-US" dirty="0"/>
+              <a:t> - </a:t>
+            </a:r>
+            <a:r>
+              <a:rPr lang="en-US" dirty="0" err="1"/>
+              <a:t>Ini</a:t>
+            </a:r>
+            <a:r>
+              <a:rPr lang="en-US" dirty="0"/>
+              <a:t> </a:t>
+            </a:r>
+            <a:r>
+              <a:rPr lang="en-US" dirty="0" err="1"/>
+              <a:t>adalah</a:t>
+            </a:r>
+            <a:r>
+              <a:rPr lang="en-US" dirty="0"/>
+              <a:t> </a:t>
+            </a:r>
+            <a:r>
+              <a:rPr lang="en-US" dirty="0" err="1"/>
+              <a:t>pengidentifikasi</a:t>
+            </a:r>
+            <a:r>
+              <a:rPr lang="en-US" dirty="0"/>
+              <a:t> yang </a:t>
+            </a:r>
+            <a:r>
+              <a:rPr lang="en-US" dirty="0" err="1"/>
+              <a:t>digunakan</a:t>
+            </a:r>
+            <a:r>
+              <a:rPr lang="en-US" dirty="0"/>
+              <a:t> </a:t>
+            </a:r>
+            <a:r>
+              <a:rPr lang="en-US" dirty="0" err="1"/>
+              <a:t>untuk</a:t>
+            </a:r>
+            <a:r>
+              <a:rPr lang="en-US" dirty="0"/>
+              <a:t> </a:t>
+            </a:r>
+            <a:r>
+              <a:rPr lang="en-US" dirty="0" err="1"/>
+              <a:t>merujuk</a:t>
+            </a:r>
+            <a:r>
+              <a:rPr lang="en-US" dirty="0"/>
+              <a:t> pada </a:t>
+            </a:r>
+            <a:r>
+              <a:rPr lang="en-US" dirty="0" err="1"/>
+              <a:t>methode</a:t>
+            </a:r>
+            <a:r>
+              <a:rPr lang="en-US" dirty="0"/>
+              <a:t> </a:t>
+            </a:r>
+            <a:r>
+              <a:rPr lang="en-US" dirty="0" err="1"/>
+              <a:t>tertentu</a:t>
+            </a:r>
+            <a:r>
+              <a:rPr lang="en-US" dirty="0"/>
+              <a:t> </a:t>
+            </a:r>
+            <a:r>
+              <a:rPr lang="en-US" dirty="0" err="1"/>
+              <a:t>dalam</a:t>
+            </a:r>
+            <a:r>
+              <a:rPr lang="en-US" dirty="0"/>
+              <a:t> </a:t>
+            </a:r>
+            <a:r>
+              <a:rPr lang="en-US" dirty="0" err="1"/>
+              <a:t>suatu</a:t>
+            </a:r>
+            <a:r>
+              <a:rPr lang="en-US" dirty="0"/>
+              <a:t> program.</a:t>
+            </a:r>
+          </a:p>
+          <a:p>
+            <a:r>
+              <a:rPr lang="en-US" b="1" dirty="0" err="1"/>
+              <a:t>Metode</a:t>
+            </a:r>
+            <a:r>
+              <a:rPr lang="en-US" b="1" dirty="0"/>
+              <a:t> Body</a:t>
+            </a:r>
+            <a:r>
+              <a:rPr lang="en-US" dirty="0"/>
+              <a:t> - </a:t>
+            </a:r>
+            <a:r>
+              <a:rPr lang="en-US" dirty="0" err="1"/>
+              <a:t>Ini</a:t>
+            </a:r>
+            <a:r>
+              <a:rPr lang="en-US" dirty="0"/>
+              <a:t> </a:t>
+            </a:r>
+            <a:r>
+              <a:rPr lang="en-US" dirty="0" err="1"/>
+              <a:t>mencakup</a:t>
+            </a:r>
+            <a:r>
+              <a:rPr lang="en-US" dirty="0"/>
+              <a:t> statements </a:t>
+            </a:r>
+            <a:r>
+              <a:rPr lang="en-US" dirty="0" err="1"/>
+              <a:t>pemrograman</a:t>
+            </a:r>
+            <a:r>
+              <a:rPr lang="en-US" dirty="0"/>
+              <a:t> yang </a:t>
+            </a:r>
+            <a:r>
+              <a:rPr lang="en-US" dirty="0" err="1"/>
+              <a:t>digunakan</a:t>
+            </a:r>
+            <a:r>
+              <a:rPr lang="en-US" dirty="0"/>
+              <a:t> </a:t>
+            </a:r>
+            <a:r>
+              <a:rPr lang="en-US" dirty="0" err="1"/>
+              <a:t>untuk</a:t>
+            </a:r>
+            <a:r>
+              <a:rPr lang="en-US" dirty="0"/>
+              <a:t> </a:t>
+            </a:r>
+            <a:r>
+              <a:rPr lang="en-US" dirty="0" err="1"/>
+              <a:t>melakukan</a:t>
+            </a:r>
+            <a:r>
+              <a:rPr lang="en-US" dirty="0"/>
+              <a:t> </a:t>
+            </a:r>
+            <a:r>
+              <a:rPr lang="en-US" dirty="0" err="1"/>
+              <a:t>beberapa</a:t>
+            </a:r>
+            <a:r>
+              <a:rPr lang="en-US" dirty="0"/>
+              <a:t> </a:t>
+            </a:r>
+            <a:r>
+              <a:rPr lang="en-US" dirty="0" err="1"/>
+              <a:t>tugas</a:t>
+            </a:r>
+            <a:r>
+              <a:rPr lang="en-US" dirty="0"/>
+              <a:t>. Badan </a:t>
+            </a:r>
+            <a:r>
+              <a:rPr lang="en-US" dirty="0" err="1"/>
+              <a:t>methode</a:t>
+            </a:r>
+            <a:r>
+              <a:rPr lang="en-US" dirty="0"/>
+              <a:t> </a:t>
+            </a:r>
+            <a:r>
+              <a:rPr lang="en-US" dirty="0" err="1"/>
+              <a:t>diapit</a:t>
+            </a:r>
+            <a:r>
+              <a:rPr lang="en-US" dirty="0"/>
+              <a:t> oleh </a:t>
+            </a:r>
+            <a:r>
+              <a:rPr lang="en-US" dirty="0" err="1"/>
+              <a:t>kurung</a:t>
+            </a:r>
+            <a:r>
+              <a:rPr lang="en-US" dirty="0"/>
+              <a:t> </a:t>
+            </a:r>
+            <a:r>
+              <a:rPr lang="en-US" dirty="0" err="1"/>
+              <a:t>kurawal</a:t>
+            </a:r>
+            <a:r>
+              <a:rPr lang="en-US" dirty="0"/>
+              <a:t> {}.</a:t>
+            </a:r>
+          </a:p>
+        </p:txBody>
+      </p:sp>
+      <p:sp>
+        <p:nvSpPr>
+          <p:cNvPr id="4" name="TextBox 3">
+            <a:extLst>
+              <a:ext uri="{FF2B5EF4-FFF2-40B4-BE49-F238E27FC236}">
+                <a16:creationId xmlns:a16="http://schemas.microsoft.com/office/drawing/2014/main" id="{7D3C1054-94D9-4F62-45D3-1EEDE0656130}"/>
+              </a:ext>
+            </a:extLst>
+          </p:cNvPr>
+          <p:cNvSpPr txBox="1"/>
+          <p:nvPr/>
+        </p:nvSpPr>
+        <p:spPr>
+          <a:xfrm>
+            <a:off x="6760395" y="2414427"/>
+            <a:ext cx="2929200" cy="923330"/>
+          </a:xfrm>
+          <a:prstGeom prst="rect">
+            <a:avLst/>
+          </a:prstGeom>
+          <a:noFill/>
+        </p:spPr>
+        <p:txBody>
+          <a:bodyPr wrap="none" rtlCol="0">
+            <a:spAutoFit/>
+          </a:bodyPr>
+          <a:lstStyle/>
+          <a:p>
+            <a:r>
+              <a:rPr lang="en-ID" dirty="0" err="1">
+                <a:effectLst/>
+              </a:rPr>
+              <a:t>returnType</a:t>
+            </a:r>
+            <a:r>
+              <a:rPr lang="en-ID" dirty="0">
+                <a:effectLst/>
+              </a:rPr>
+              <a:t> </a:t>
+            </a:r>
+            <a:r>
+              <a:rPr lang="en-ID" dirty="0" err="1">
+                <a:solidFill>
+                  <a:srgbClr val="61AEEE"/>
+                </a:solidFill>
+                <a:effectLst/>
+              </a:rPr>
+              <a:t>methodName</a:t>
+            </a:r>
+            <a:r>
+              <a:rPr lang="en-ID" dirty="0">
+                <a:effectLst/>
+              </a:rPr>
+              <a:t>() </a:t>
+            </a:r>
+            <a:r>
+              <a:rPr lang="en-ID" dirty="0"/>
+              <a:t>{ </a:t>
+            </a:r>
+          </a:p>
+          <a:p>
+            <a:r>
+              <a:rPr lang="en-ID" dirty="0">
+                <a:solidFill>
+                  <a:srgbClr val="FFDDBE"/>
+                </a:solidFill>
+                <a:effectLst/>
+              </a:rPr>
+              <a:t>	// method body</a:t>
+            </a:r>
+            <a:r>
+              <a:rPr lang="en-ID" dirty="0"/>
+              <a:t> </a:t>
+            </a:r>
+          </a:p>
+          <a:p>
+            <a:r>
+              <a:rPr lang="en-ID" dirty="0"/>
+              <a:t>}</a:t>
+            </a:r>
+            <a:endParaRPr lang="en-US" dirty="0"/>
+          </a:p>
+        </p:txBody>
+      </p:sp>
+      <p:sp>
+        <p:nvSpPr>
+          <p:cNvPr id="5" name="TextBox 4">
+            <a:extLst>
+              <a:ext uri="{FF2B5EF4-FFF2-40B4-BE49-F238E27FC236}">
+                <a16:creationId xmlns:a16="http://schemas.microsoft.com/office/drawing/2014/main" id="{CFE8AE1A-95DF-10F3-BB42-1DD3983CFD12}"/>
+              </a:ext>
+            </a:extLst>
+          </p:cNvPr>
+          <p:cNvSpPr txBox="1"/>
+          <p:nvPr/>
+        </p:nvSpPr>
+        <p:spPr>
+          <a:xfrm>
+            <a:off x="6626834" y="4218715"/>
+            <a:ext cx="5435028" cy="830997"/>
+          </a:xfrm>
+          <a:prstGeom prst="rect">
+            <a:avLst/>
+          </a:prstGeom>
+          <a:noFill/>
+        </p:spPr>
+        <p:txBody>
+          <a:bodyPr wrap="square" rtlCol="0">
+            <a:spAutoFit/>
+          </a:bodyPr>
+          <a:lstStyle/>
+          <a:p>
+            <a:r>
+              <a:rPr lang="en-ID" sz="1600" dirty="0">
+                <a:effectLst/>
+              </a:rPr>
+              <a:t>modifier </a:t>
+            </a:r>
+            <a:r>
+              <a:rPr lang="en-ID" sz="1600" dirty="0">
+                <a:solidFill>
+                  <a:srgbClr val="C678DD"/>
+                </a:solidFill>
+                <a:effectLst/>
+              </a:rPr>
+              <a:t>static</a:t>
+            </a:r>
+            <a:r>
+              <a:rPr lang="en-ID" sz="1600" dirty="0">
+                <a:effectLst/>
+              </a:rPr>
+              <a:t> </a:t>
+            </a:r>
+            <a:r>
+              <a:rPr lang="en-ID" sz="1600" dirty="0" err="1">
+                <a:effectLst/>
+              </a:rPr>
+              <a:t>returnType</a:t>
+            </a:r>
+            <a:r>
+              <a:rPr lang="en-ID" sz="1600" dirty="0">
+                <a:effectLst/>
+              </a:rPr>
+              <a:t> </a:t>
+            </a:r>
+            <a:r>
+              <a:rPr lang="en-ID" sz="1600" dirty="0" err="1">
+                <a:solidFill>
+                  <a:srgbClr val="61AEEE"/>
+                </a:solidFill>
+                <a:effectLst/>
+              </a:rPr>
+              <a:t>nameOfMethod</a:t>
+            </a:r>
+            <a:r>
+              <a:rPr lang="en-ID" sz="1600" dirty="0">
+                <a:effectLst/>
+              </a:rPr>
+              <a:t> (parameter1, ...) </a:t>
+            </a:r>
+            <a:r>
+              <a:rPr lang="en-ID" sz="1600" dirty="0"/>
+              <a:t>{ </a:t>
+            </a:r>
+          </a:p>
+          <a:p>
+            <a:r>
+              <a:rPr lang="en-ID" sz="1600" dirty="0">
+                <a:solidFill>
+                  <a:srgbClr val="FFDDBE"/>
+                </a:solidFill>
+                <a:effectLst/>
+              </a:rPr>
+              <a:t>// method body</a:t>
+            </a:r>
+            <a:r>
+              <a:rPr lang="en-ID" sz="1600" dirty="0"/>
+              <a:t> </a:t>
+            </a:r>
+          </a:p>
+          <a:p>
+            <a:r>
+              <a:rPr lang="en-ID" sz="1600" dirty="0"/>
+              <a:t>}</a:t>
+            </a:r>
+            <a:endParaRPr lang="en-US" sz="1600" dirty="0"/>
+          </a:p>
+        </p:txBody>
+      </p:sp>
+    </p:spTree>
+    <p:extLst>
+      <p:ext uri="{BB962C8B-B14F-4D97-AF65-F5344CB8AC3E}">
+        <p14:creationId xmlns:p14="http://schemas.microsoft.com/office/powerpoint/2010/main" val="1067279635"/>
+      </p:ext>
+    </p:extLst>
+  </p:cSld>
+  <p:clrMapOvr>
+    <a:masterClrMapping/>
+  </p:clrMapOvr>
+</p:sld>
+</file>
+
 <file path=ppt/slides/slide4.xml><?xml version="1.0" encoding="utf-8"?>
 <p:sld xmlns:a="http://schemas.openxmlformats.org/drawingml/2006/main" xmlns:r="http://schemas.openxmlformats.org/officeDocument/2006/relationships" xmlns:p="http://schemas.openxmlformats.org/presentationml/2006/main">
   <p:cSld>

--- a/Bootcamp.pptx
+++ b/Bootcamp.pptx
@@ -41,6 +41,9 @@
     <p:sldId id="292" r:id="rId35"/>
     <p:sldId id="293" r:id="rId36"/>
     <p:sldId id="294" r:id="rId37"/>
+    <p:sldId id="295" r:id="rId38"/>
+    <p:sldId id="296" r:id="rId39"/>
+    <p:sldId id="297" r:id="rId40"/>
   </p:sldIdLst>
   <p:sldSz cx="12192000" cy="6858000"/>
   <p:notesSz cx="6858000" cy="9144000"/>
@@ -19483,6 +19486,3149 @@
 </p:sld>
 </file>
 
+<file path=ppt/slides/slide37.xml><?xml version="1.0" encoding="utf-8"?>
+<p:sld xmlns:a="http://schemas.openxmlformats.org/drawingml/2006/main" xmlns:r="http://schemas.openxmlformats.org/officeDocument/2006/relationships" xmlns:p="http://schemas.openxmlformats.org/presentationml/2006/main">
+  <p:cSld>
+    <p:spTree>
+      <p:nvGrpSpPr>
+        <p:cNvPr id="1" name=""/>
+        <p:cNvGrpSpPr/>
+        <p:nvPr/>
+      </p:nvGrpSpPr>
+      <p:grpSpPr>
+        <a:xfrm>
+          <a:off x="0" y="0"/>
+          <a:ext cx="0" cy="0"/>
+          <a:chOff x="0" y="0"/>
+          <a:chExt cx="0" cy="0"/>
+        </a:xfrm>
+      </p:grpSpPr>
+      <p:sp>
+        <p:nvSpPr>
+          <p:cNvPr id="2" name="Title 1">
+            <a:extLst>
+              <a:ext uri="{FF2B5EF4-FFF2-40B4-BE49-F238E27FC236}">
+                <a16:creationId xmlns:a16="http://schemas.microsoft.com/office/drawing/2014/main" id="{58561092-F150-B63D-E2AD-9AFFC770CF7A}"/>
+              </a:ext>
+            </a:extLst>
+          </p:cNvPr>
+          <p:cNvSpPr>
+            <a:spLocks noGrp="1"/>
+          </p:cNvSpPr>
+          <p:nvPr>
+            <p:ph type="title"/>
+          </p:nvPr>
+        </p:nvSpPr>
+        <p:spPr/>
+        <p:txBody>
+          <a:bodyPr>
+            <a:normAutofit/>
+          </a:bodyPr>
+          <a:lstStyle/>
+          <a:p>
+            <a:r>
+              <a:rPr lang="en-ID" dirty="0"/>
+              <a:t>Java Method Overloading</a:t>
+            </a:r>
+            <a:endParaRPr lang="en-US" dirty="0"/>
+          </a:p>
+        </p:txBody>
+      </p:sp>
+      <p:sp>
+        <p:nvSpPr>
+          <p:cNvPr id="3" name="Content Placeholder 2">
+            <a:extLst>
+              <a:ext uri="{FF2B5EF4-FFF2-40B4-BE49-F238E27FC236}">
+                <a16:creationId xmlns:a16="http://schemas.microsoft.com/office/drawing/2014/main" id="{F8FE611D-F6F3-7165-DE22-EE1422240CF7}"/>
+              </a:ext>
+            </a:extLst>
+          </p:cNvPr>
+          <p:cNvSpPr>
+            <a:spLocks noGrp="1"/>
+          </p:cNvSpPr>
+          <p:nvPr>
+            <p:ph idx="1"/>
+          </p:nvPr>
+        </p:nvSpPr>
+        <p:spPr>
+          <a:xfrm>
+            <a:off x="581193" y="2180496"/>
+            <a:ext cx="3659882" cy="3678303"/>
+          </a:xfrm>
+        </p:spPr>
+        <p:txBody>
+          <a:bodyPr/>
+          <a:lstStyle/>
+          <a:p>
+            <a:r>
+              <a:rPr lang="en-US" dirty="0"/>
+              <a:t>Di Java, </a:t>
+            </a:r>
+            <a:r>
+              <a:rPr lang="en-US" dirty="0" err="1"/>
+              <a:t>dua</a:t>
+            </a:r>
+            <a:r>
+              <a:rPr lang="en-US" dirty="0"/>
+              <a:t> </a:t>
+            </a:r>
+            <a:r>
+              <a:rPr lang="en-US" dirty="0" err="1"/>
+              <a:t>methode</a:t>
+            </a:r>
+            <a:r>
+              <a:rPr lang="en-US" dirty="0"/>
+              <a:t> </a:t>
+            </a:r>
+            <a:r>
+              <a:rPr lang="en-US" dirty="0" err="1"/>
+              <a:t>atau</a:t>
+            </a:r>
+            <a:r>
+              <a:rPr lang="en-US" dirty="0"/>
+              <a:t> </a:t>
+            </a:r>
+            <a:r>
+              <a:rPr lang="en-US" dirty="0" err="1"/>
+              <a:t>lebih</a:t>
+            </a:r>
+            <a:r>
+              <a:rPr lang="en-US" dirty="0"/>
+              <a:t> </a:t>
+            </a:r>
+            <a:r>
+              <a:rPr lang="en-US" dirty="0" err="1"/>
+              <a:t>mungkin</a:t>
+            </a:r>
+            <a:r>
+              <a:rPr lang="en-US" dirty="0"/>
+              <a:t> </a:t>
+            </a:r>
+            <a:r>
+              <a:rPr lang="en-US" dirty="0" err="1"/>
+              <a:t>memiliki</a:t>
+            </a:r>
+            <a:r>
+              <a:rPr lang="en-US" dirty="0"/>
+              <a:t> </a:t>
+            </a:r>
+            <a:r>
+              <a:rPr lang="en-US" dirty="0" err="1"/>
+              <a:t>nama</a:t>
+            </a:r>
+            <a:r>
+              <a:rPr lang="en-US" dirty="0"/>
+              <a:t> yang </a:t>
+            </a:r>
+            <a:r>
+              <a:rPr lang="en-US" dirty="0" err="1"/>
+              <a:t>sama</a:t>
+            </a:r>
+            <a:r>
+              <a:rPr lang="en-US" dirty="0"/>
+              <a:t> </a:t>
+            </a:r>
+            <a:r>
+              <a:rPr lang="en-US" dirty="0" err="1"/>
+              <a:t>jika</a:t>
+            </a:r>
+            <a:r>
+              <a:rPr lang="en-US" dirty="0"/>
+              <a:t> </a:t>
+            </a:r>
+            <a:r>
+              <a:rPr lang="en-US" dirty="0" err="1"/>
+              <a:t>parameternya</a:t>
+            </a:r>
+            <a:r>
+              <a:rPr lang="en-US" dirty="0"/>
+              <a:t> </a:t>
+            </a:r>
+            <a:r>
+              <a:rPr lang="en-US" dirty="0" err="1"/>
+              <a:t>berbeda</a:t>
+            </a:r>
+            <a:r>
+              <a:rPr lang="en-US" dirty="0"/>
+              <a:t> (</a:t>
+            </a:r>
+            <a:r>
+              <a:rPr lang="en-US" dirty="0" err="1"/>
+              <a:t>jumlah</a:t>
+            </a:r>
+            <a:r>
+              <a:rPr lang="en-US" dirty="0"/>
+              <a:t> parameter </a:t>
+            </a:r>
+            <a:r>
+              <a:rPr lang="en-US" dirty="0" err="1"/>
+              <a:t>berbeda</a:t>
+            </a:r>
+            <a:r>
+              <a:rPr lang="en-US" dirty="0"/>
+              <a:t>, </a:t>
+            </a:r>
+            <a:r>
+              <a:rPr lang="en-US" dirty="0" err="1"/>
+              <a:t>tipe</a:t>
+            </a:r>
+            <a:r>
+              <a:rPr lang="en-US" dirty="0"/>
+              <a:t> parameter </a:t>
+            </a:r>
+            <a:r>
+              <a:rPr lang="en-US" dirty="0" err="1"/>
+              <a:t>berbeda</a:t>
+            </a:r>
+            <a:r>
+              <a:rPr lang="en-US" dirty="0"/>
+              <a:t>, </a:t>
+            </a:r>
+            <a:r>
+              <a:rPr lang="en-US" dirty="0" err="1"/>
+              <a:t>atau</a:t>
+            </a:r>
+            <a:r>
+              <a:rPr lang="en-US" dirty="0"/>
+              <a:t> </a:t>
+            </a:r>
+            <a:r>
+              <a:rPr lang="en-US" dirty="0" err="1"/>
+              <a:t>keduanya</a:t>
+            </a:r>
+            <a:r>
+              <a:rPr lang="en-US" dirty="0"/>
+              <a:t>). Fitur </a:t>
+            </a:r>
+            <a:r>
+              <a:rPr lang="en-US" dirty="0" err="1"/>
+              <a:t>ini</a:t>
+            </a:r>
+            <a:r>
+              <a:rPr lang="en-US" dirty="0"/>
+              <a:t> </a:t>
+            </a:r>
+            <a:r>
+              <a:rPr lang="en-US" dirty="0" err="1"/>
+              <a:t>disebut</a:t>
+            </a:r>
+            <a:r>
+              <a:rPr lang="en-US" dirty="0"/>
+              <a:t> </a:t>
+            </a:r>
+            <a:r>
+              <a:rPr lang="en-ID" dirty="0"/>
+              <a:t>Method Overloading</a:t>
+            </a:r>
+            <a:r>
+              <a:rPr lang="en-US" dirty="0"/>
+              <a:t>.</a:t>
+            </a:r>
+          </a:p>
+          <a:p>
+            <a:endParaRPr lang="en-US" dirty="0"/>
+          </a:p>
+        </p:txBody>
+      </p:sp>
+      <p:sp>
+        <p:nvSpPr>
+          <p:cNvPr id="4" name="TextBox 3">
+            <a:extLst>
+              <a:ext uri="{FF2B5EF4-FFF2-40B4-BE49-F238E27FC236}">
+                <a16:creationId xmlns:a16="http://schemas.microsoft.com/office/drawing/2014/main" id="{67F4BF6C-8480-8C47-184B-160AF868E39E}"/>
+              </a:ext>
+            </a:extLst>
+          </p:cNvPr>
+          <p:cNvSpPr txBox="1"/>
+          <p:nvPr/>
+        </p:nvSpPr>
+        <p:spPr>
+          <a:xfrm>
+            <a:off x="4940315" y="2645146"/>
+            <a:ext cx="6670492" cy="2308324"/>
+          </a:xfrm>
+          <a:prstGeom prst="rect">
+            <a:avLst/>
+          </a:prstGeom>
+          <a:noFill/>
+        </p:spPr>
+        <p:txBody>
+          <a:bodyPr wrap="square" rtlCol="0">
+            <a:spAutoFit/>
+          </a:bodyPr>
+          <a:lstStyle/>
+          <a:p>
+            <a:r>
+              <a:rPr lang="en-ID" dirty="0">
+                <a:solidFill>
+                  <a:srgbClr val="00B050"/>
+                </a:solidFill>
+              </a:rPr>
+              <a:t>void </a:t>
+            </a:r>
+            <a:r>
+              <a:rPr lang="en-ID" dirty="0" err="1">
+                <a:solidFill>
+                  <a:srgbClr val="00B050"/>
+                </a:solidFill>
+              </a:rPr>
+              <a:t>func</a:t>
+            </a:r>
+            <a:r>
+              <a:rPr lang="en-ID" dirty="0">
+                <a:solidFill>
+                  <a:srgbClr val="00B050"/>
+                </a:solidFill>
+              </a:rPr>
+              <a:t>() { ... } </a:t>
+            </a:r>
+          </a:p>
+          <a:p>
+            <a:r>
+              <a:rPr lang="en-ID" dirty="0">
+                <a:solidFill>
+                  <a:srgbClr val="00B050"/>
+                </a:solidFill>
+              </a:rPr>
+              <a:t>void </a:t>
+            </a:r>
+            <a:r>
+              <a:rPr lang="en-ID" dirty="0" err="1">
+                <a:solidFill>
+                  <a:srgbClr val="00B050"/>
+                </a:solidFill>
+              </a:rPr>
+              <a:t>func</a:t>
+            </a:r>
+            <a:r>
+              <a:rPr lang="en-ID" dirty="0">
+                <a:solidFill>
+                  <a:srgbClr val="00B050"/>
+                </a:solidFill>
+              </a:rPr>
+              <a:t>(int a) { ... } </a:t>
+            </a:r>
+          </a:p>
+          <a:p>
+            <a:r>
+              <a:rPr lang="en-ID" dirty="0">
+                <a:solidFill>
+                  <a:srgbClr val="00B050"/>
+                </a:solidFill>
+              </a:rPr>
+              <a:t>float </a:t>
+            </a:r>
+            <a:r>
+              <a:rPr lang="en-ID" dirty="0" err="1">
+                <a:solidFill>
+                  <a:srgbClr val="00B050"/>
+                </a:solidFill>
+              </a:rPr>
+              <a:t>func</a:t>
+            </a:r>
+            <a:r>
+              <a:rPr lang="en-ID" dirty="0">
+                <a:solidFill>
+                  <a:srgbClr val="00B050"/>
+                </a:solidFill>
+              </a:rPr>
+              <a:t>(double a) { ... } </a:t>
+            </a:r>
+          </a:p>
+          <a:p>
+            <a:r>
+              <a:rPr lang="en-ID" dirty="0">
+                <a:solidFill>
+                  <a:srgbClr val="00B050"/>
+                </a:solidFill>
+              </a:rPr>
+              <a:t>float </a:t>
+            </a:r>
+            <a:r>
+              <a:rPr lang="en-ID" dirty="0" err="1">
+                <a:solidFill>
+                  <a:srgbClr val="00B050"/>
+                </a:solidFill>
+              </a:rPr>
+              <a:t>func</a:t>
+            </a:r>
+            <a:r>
+              <a:rPr lang="en-ID" dirty="0">
+                <a:solidFill>
+                  <a:srgbClr val="00B050"/>
+                </a:solidFill>
+              </a:rPr>
+              <a:t>(int a, float b) { ... }</a:t>
+            </a:r>
+          </a:p>
+          <a:p>
+            <a:endParaRPr lang="en-US" dirty="0"/>
+          </a:p>
+          <a:p>
+            <a:r>
+              <a:rPr lang="en-US" dirty="0"/>
+              <a:t>Di </a:t>
+            </a:r>
+            <a:r>
+              <a:rPr lang="en-US" dirty="0" err="1"/>
+              <a:t>sini</a:t>
+            </a:r>
+            <a:r>
+              <a:rPr lang="en-US" dirty="0"/>
+              <a:t>, </a:t>
+            </a:r>
+            <a:r>
+              <a:rPr lang="en-US" dirty="0" err="1"/>
+              <a:t>methode</a:t>
+            </a:r>
+            <a:r>
+              <a:rPr lang="en-US" dirty="0"/>
+              <a:t> </a:t>
+            </a:r>
+            <a:r>
+              <a:rPr lang="en-US" dirty="0" err="1"/>
+              <a:t>func</a:t>
+            </a:r>
+            <a:r>
+              <a:rPr lang="en-US" dirty="0"/>
+              <a:t>() </a:t>
+            </a:r>
+            <a:r>
+              <a:rPr lang="en-ID" dirty="0"/>
+              <a:t>Method Overloading</a:t>
+            </a:r>
+            <a:r>
+              <a:rPr lang="en-US" dirty="0"/>
+              <a:t>. </a:t>
+            </a:r>
+            <a:r>
+              <a:rPr lang="en-US" dirty="0" err="1"/>
+              <a:t>Methode</a:t>
+            </a:r>
+            <a:r>
+              <a:rPr lang="en-US" dirty="0"/>
+              <a:t> </a:t>
+            </a:r>
+            <a:r>
+              <a:rPr lang="en-US" dirty="0" err="1"/>
+              <a:t>ini</a:t>
+            </a:r>
+            <a:r>
+              <a:rPr lang="en-US" dirty="0"/>
+              <a:t> </a:t>
+            </a:r>
+            <a:r>
+              <a:rPr lang="en-US" dirty="0" err="1"/>
+              <a:t>memiliki</a:t>
+            </a:r>
+            <a:r>
+              <a:rPr lang="en-US" dirty="0"/>
+              <a:t> </a:t>
+            </a:r>
+            <a:r>
+              <a:rPr lang="en-US" dirty="0" err="1"/>
+              <a:t>nama</a:t>
+            </a:r>
+            <a:r>
+              <a:rPr lang="en-US" dirty="0"/>
+              <a:t> yang </a:t>
+            </a:r>
+            <a:r>
+              <a:rPr lang="en-US" dirty="0" err="1"/>
+              <a:t>sama</a:t>
+            </a:r>
+            <a:r>
+              <a:rPr lang="en-US" dirty="0"/>
+              <a:t> </a:t>
+            </a:r>
+            <a:r>
+              <a:rPr lang="en-US" dirty="0" err="1"/>
+              <a:t>tetapi</a:t>
+            </a:r>
+            <a:r>
+              <a:rPr lang="en-US" dirty="0"/>
+              <a:t> </a:t>
+            </a:r>
+            <a:r>
+              <a:rPr lang="en-US" dirty="0" err="1"/>
+              <a:t>menerima</a:t>
+            </a:r>
+            <a:r>
+              <a:rPr lang="en-US" dirty="0"/>
+              <a:t> </a:t>
+            </a:r>
+            <a:r>
+              <a:rPr lang="en-US" dirty="0" err="1"/>
+              <a:t>argumen</a:t>
+            </a:r>
+            <a:r>
+              <a:rPr lang="en-US" dirty="0"/>
+              <a:t> yang </a:t>
+            </a:r>
+            <a:r>
+              <a:rPr lang="en-US" dirty="0" err="1"/>
+              <a:t>berbeda</a:t>
+            </a:r>
+            <a:r>
+              <a:rPr lang="en-US" dirty="0"/>
+              <a:t>.</a:t>
+            </a:r>
+          </a:p>
+          <a:p>
+            <a:endParaRPr lang="en-US" dirty="0"/>
+          </a:p>
+        </p:txBody>
+      </p:sp>
+    </p:spTree>
+    <p:extLst>
+      <p:ext uri="{BB962C8B-B14F-4D97-AF65-F5344CB8AC3E}">
+        <p14:creationId xmlns:p14="http://schemas.microsoft.com/office/powerpoint/2010/main" val="2666811621"/>
+      </p:ext>
+    </p:extLst>
+  </p:cSld>
+  <p:clrMapOvr>
+    <a:masterClrMapping/>
+  </p:clrMapOvr>
+</p:sld>
+</file>
+
+<file path=ppt/slides/slide38.xml><?xml version="1.0" encoding="utf-8"?>
+<p:sld xmlns:a="http://schemas.openxmlformats.org/drawingml/2006/main" xmlns:r="http://schemas.openxmlformats.org/officeDocument/2006/relationships" xmlns:p="http://schemas.openxmlformats.org/presentationml/2006/main">
+  <p:cSld>
+    <p:spTree>
+      <p:nvGrpSpPr>
+        <p:cNvPr id="1" name=""/>
+        <p:cNvGrpSpPr/>
+        <p:nvPr/>
+      </p:nvGrpSpPr>
+      <p:grpSpPr>
+        <a:xfrm>
+          <a:off x="0" y="0"/>
+          <a:ext cx="0" cy="0"/>
+          <a:chOff x="0" y="0"/>
+          <a:chExt cx="0" cy="0"/>
+        </a:xfrm>
+      </p:grpSpPr>
+      <p:sp>
+        <p:nvSpPr>
+          <p:cNvPr id="2" name="Title 1">
+            <a:extLst>
+              <a:ext uri="{FF2B5EF4-FFF2-40B4-BE49-F238E27FC236}">
+                <a16:creationId xmlns:a16="http://schemas.microsoft.com/office/drawing/2014/main" id="{4E58DC3D-1B5F-8726-92A6-B22690029FCE}"/>
+              </a:ext>
+            </a:extLst>
+          </p:cNvPr>
+          <p:cNvSpPr>
+            <a:spLocks noGrp="1"/>
+          </p:cNvSpPr>
+          <p:nvPr>
+            <p:ph type="title"/>
+          </p:nvPr>
+        </p:nvSpPr>
+        <p:spPr/>
+        <p:txBody>
+          <a:bodyPr/>
+          <a:lstStyle/>
+          <a:p>
+            <a:r>
+              <a:rPr lang="en-US" dirty="0"/>
+              <a:t>Java Strings</a:t>
+            </a:r>
+          </a:p>
+        </p:txBody>
+      </p:sp>
+      <p:sp>
+        <p:nvSpPr>
+          <p:cNvPr id="3" name="Content Placeholder 2">
+            <a:extLst>
+              <a:ext uri="{FF2B5EF4-FFF2-40B4-BE49-F238E27FC236}">
+                <a16:creationId xmlns:a16="http://schemas.microsoft.com/office/drawing/2014/main" id="{630BD0B8-0156-7319-9987-261343BB1B55}"/>
+              </a:ext>
+            </a:extLst>
+          </p:cNvPr>
+          <p:cNvSpPr>
+            <a:spLocks noGrp="1"/>
+          </p:cNvSpPr>
+          <p:nvPr>
+            <p:ph idx="1"/>
+          </p:nvPr>
+        </p:nvSpPr>
+        <p:spPr>
+          <a:xfrm>
+            <a:off x="581193" y="2180496"/>
+            <a:ext cx="3076408" cy="3678303"/>
+          </a:xfrm>
+        </p:spPr>
+        <p:txBody>
+          <a:bodyPr/>
+          <a:lstStyle/>
+          <a:p>
+            <a:r>
+              <a:rPr lang="en-US" dirty="0"/>
+              <a:t>Di Java, string </a:t>
+            </a:r>
+            <a:r>
+              <a:rPr lang="en-US" dirty="0" err="1"/>
+              <a:t>adalah</a:t>
+            </a:r>
+            <a:r>
+              <a:rPr lang="en-US" dirty="0"/>
+              <a:t> </a:t>
+            </a:r>
+            <a:r>
+              <a:rPr lang="en-US" dirty="0" err="1"/>
+              <a:t>rangkaian</a:t>
+            </a:r>
+            <a:r>
+              <a:rPr lang="en-US" dirty="0"/>
+              <a:t> </a:t>
+            </a:r>
+            <a:r>
+              <a:rPr lang="en-US" dirty="0" err="1"/>
+              <a:t>karakter</a:t>
+            </a:r>
+            <a:r>
+              <a:rPr lang="en-US" dirty="0"/>
+              <a:t>. </a:t>
+            </a:r>
+            <a:r>
+              <a:rPr lang="en-US" dirty="0" err="1"/>
+              <a:t>Misalnya</a:t>
+            </a:r>
+            <a:r>
+              <a:rPr lang="en-US" dirty="0"/>
+              <a:t>, "halo" </a:t>
+            </a:r>
+            <a:r>
+              <a:rPr lang="en-US" dirty="0" err="1"/>
+              <a:t>adalah</a:t>
+            </a:r>
+            <a:r>
+              <a:rPr lang="en-US" dirty="0"/>
+              <a:t> string yang </a:t>
+            </a:r>
+            <a:r>
+              <a:rPr lang="en-US" dirty="0" err="1"/>
+              <a:t>berisi</a:t>
+            </a:r>
+            <a:r>
+              <a:rPr lang="en-US" dirty="0"/>
+              <a:t> </a:t>
+            </a:r>
+            <a:r>
+              <a:rPr lang="en-US" dirty="0" err="1"/>
+              <a:t>rangkaian</a:t>
+            </a:r>
+            <a:r>
+              <a:rPr lang="en-US" dirty="0"/>
+              <a:t> </a:t>
+            </a:r>
+            <a:r>
+              <a:rPr lang="en-US" dirty="0" err="1"/>
+              <a:t>karakter</a:t>
+            </a:r>
+            <a:r>
+              <a:rPr lang="en-US" dirty="0"/>
+              <a:t> 'h', ‘a', 'l', dan 'o’.</a:t>
+            </a:r>
+          </a:p>
+          <a:p>
+            <a:r>
+              <a:rPr lang="en-US" dirty="0"/>
+              <a:t>Kita </a:t>
+            </a:r>
+            <a:r>
+              <a:rPr lang="en-US" dirty="0" err="1"/>
+              <a:t>menggunakan</a:t>
+            </a:r>
+            <a:r>
+              <a:rPr lang="en-US" dirty="0"/>
+              <a:t> </a:t>
+            </a:r>
+            <a:r>
+              <a:rPr lang="en-US" dirty="0" err="1"/>
+              <a:t>tanda</a:t>
+            </a:r>
+            <a:r>
+              <a:rPr lang="en-US" dirty="0"/>
+              <a:t> </a:t>
+            </a:r>
+            <a:r>
+              <a:rPr lang="en-US" dirty="0" err="1"/>
+              <a:t>kutip</a:t>
+            </a:r>
+            <a:r>
+              <a:rPr lang="en-US" dirty="0"/>
+              <a:t> </a:t>
+            </a:r>
+            <a:r>
+              <a:rPr lang="en-US" dirty="0" err="1"/>
+              <a:t>ganda</a:t>
+            </a:r>
+            <a:r>
+              <a:rPr lang="en-US" dirty="0"/>
+              <a:t> </a:t>
+            </a:r>
+            <a:r>
+              <a:rPr lang="en-US" dirty="0" err="1"/>
+              <a:t>untuk</a:t>
+            </a:r>
+            <a:r>
+              <a:rPr lang="en-US" dirty="0"/>
+              <a:t> </a:t>
+            </a:r>
+            <a:r>
+              <a:rPr lang="en-US" dirty="0" err="1"/>
+              <a:t>mewakili</a:t>
+            </a:r>
+            <a:r>
+              <a:rPr lang="en-US" dirty="0"/>
+              <a:t> string di Java.</a:t>
+            </a:r>
+          </a:p>
+        </p:txBody>
+      </p:sp>
+      <p:sp>
+        <p:nvSpPr>
+          <p:cNvPr id="4" name="TextBox 3">
+            <a:extLst>
+              <a:ext uri="{FF2B5EF4-FFF2-40B4-BE49-F238E27FC236}">
+                <a16:creationId xmlns:a16="http://schemas.microsoft.com/office/drawing/2014/main" id="{23089B40-F1EB-AAC9-C094-3906B35BC265}"/>
+              </a:ext>
+            </a:extLst>
+          </p:cNvPr>
+          <p:cNvSpPr txBox="1"/>
+          <p:nvPr/>
+        </p:nvSpPr>
+        <p:spPr>
+          <a:xfrm>
+            <a:off x="5111932" y="2856411"/>
+            <a:ext cx="6498876" cy="2308324"/>
+          </a:xfrm>
+          <a:prstGeom prst="rect">
+            <a:avLst/>
+          </a:prstGeom>
+          <a:noFill/>
+        </p:spPr>
+        <p:txBody>
+          <a:bodyPr wrap="square" rtlCol="0">
+            <a:spAutoFit/>
+          </a:bodyPr>
+          <a:lstStyle/>
+          <a:p>
+            <a:pPr algn="l"/>
+            <a:r>
+              <a:rPr lang="en-ID" b="1" i="0" dirty="0">
+                <a:solidFill>
+                  <a:srgbClr val="25265E"/>
+                </a:solidFill>
+                <a:effectLst/>
+                <a:highlight>
+                  <a:srgbClr val="F9FAFC"/>
+                </a:highlight>
+                <a:latin typeface="euclid_circular_a"/>
+              </a:rPr>
+              <a:t>Java String Operations</a:t>
+            </a:r>
+          </a:p>
+          <a:p>
+            <a:pPr marL="285750" indent="-285750">
+              <a:buFont typeface="Arial" panose="020B0604020202020204" pitchFamily="34" charset="0"/>
+              <a:buChar char="•"/>
+            </a:pPr>
+            <a:r>
+              <a:rPr lang="en-ID" dirty="0" err="1"/>
+              <a:t>Untuk</a:t>
+            </a:r>
+            <a:r>
+              <a:rPr lang="en-ID" dirty="0"/>
+              <a:t> </a:t>
+            </a:r>
+            <a:r>
+              <a:rPr lang="en-ID" dirty="0" err="1"/>
+              <a:t>mencari</a:t>
+            </a:r>
+            <a:r>
+              <a:rPr lang="en-ID" dirty="0"/>
+              <a:t> </a:t>
+            </a:r>
+            <a:r>
+              <a:rPr lang="en-ID" dirty="0" err="1"/>
+              <a:t>panjang</a:t>
+            </a:r>
+            <a:r>
+              <a:rPr lang="en-ID" dirty="0"/>
+              <a:t> </a:t>
+            </a:r>
+            <a:r>
+              <a:rPr lang="en-ID" dirty="0" err="1"/>
+              <a:t>suatu</a:t>
+            </a:r>
+            <a:r>
+              <a:rPr lang="en-ID" dirty="0"/>
+              <a:t> string </a:t>
+            </a:r>
+            <a:r>
+              <a:rPr lang="en-ID" dirty="0" err="1"/>
+              <a:t>kita</a:t>
+            </a:r>
+            <a:r>
+              <a:rPr lang="en-ID" dirty="0"/>
+              <a:t> </a:t>
+            </a:r>
+            <a:r>
+              <a:rPr lang="en-ID" dirty="0" err="1"/>
+              <a:t>dapat</a:t>
+            </a:r>
+            <a:r>
+              <a:rPr lang="en-ID" dirty="0"/>
+              <a:t> </a:t>
+            </a:r>
+            <a:r>
+              <a:rPr lang="en-ID" dirty="0" err="1"/>
+              <a:t>menggunakan</a:t>
+            </a:r>
+            <a:r>
+              <a:rPr lang="en-ID" dirty="0"/>
+              <a:t> </a:t>
+            </a:r>
+            <a:r>
+              <a:rPr lang="en-ID" dirty="0" err="1"/>
+              <a:t>fungsi</a:t>
+            </a:r>
+            <a:r>
+              <a:rPr lang="en-ID" dirty="0"/>
+              <a:t> length().</a:t>
+            </a:r>
+          </a:p>
+          <a:p>
+            <a:pPr marL="285750" indent="-285750">
+              <a:buFont typeface="Arial" panose="020B0604020202020204" pitchFamily="34" charset="0"/>
+              <a:buChar char="•"/>
+            </a:pPr>
+            <a:r>
+              <a:rPr lang="en-US" dirty="0"/>
+              <a:t>Kita </a:t>
+            </a:r>
+            <a:r>
+              <a:rPr lang="en-US" dirty="0" err="1"/>
+              <a:t>dapat</a:t>
+            </a:r>
+            <a:r>
+              <a:rPr lang="en-US" dirty="0"/>
+              <a:t> </a:t>
+            </a:r>
+            <a:r>
+              <a:rPr lang="en-US" dirty="0" err="1"/>
+              <a:t>menggabungkan</a:t>
+            </a:r>
+            <a:r>
+              <a:rPr lang="en-US" dirty="0"/>
+              <a:t> </a:t>
+            </a:r>
+            <a:r>
+              <a:rPr lang="en-US" dirty="0" err="1"/>
+              <a:t>dua</a:t>
+            </a:r>
+            <a:r>
+              <a:rPr lang="en-US" dirty="0"/>
+              <a:t> string di Java </a:t>
+            </a:r>
+            <a:r>
+              <a:rPr lang="en-US" dirty="0" err="1"/>
+              <a:t>menggunakan</a:t>
+            </a:r>
+            <a:r>
+              <a:rPr lang="en-US" dirty="0"/>
+              <a:t> </a:t>
+            </a:r>
+            <a:r>
+              <a:rPr lang="en-US" dirty="0" err="1"/>
+              <a:t>metode</a:t>
+            </a:r>
+            <a:r>
+              <a:rPr lang="en-US" dirty="0"/>
+              <a:t> </a:t>
+            </a:r>
+            <a:r>
+              <a:rPr lang="en-US" dirty="0" err="1"/>
+              <a:t>concat</a:t>
+            </a:r>
+            <a:r>
+              <a:rPr lang="en-US" dirty="0"/>
+              <a:t>().</a:t>
+            </a:r>
+            <a:endParaRPr lang="en-ID" dirty="0"/>
+          </a:p>
+          <a:p>
+            <a:pPr marL="285750" indent="-285750">
+              <a:buFont typeface="Arial" panose="020B0604020202020204" pitchFamily="34" charset="0"/>
+              <a:buChar char="•"/>
+            </a:pPr>
+            <a:r>
+              <a:rPr lang="en-US" dirty="0"/>
+              <a:t>Di Java, </a:t>
+            </a:r>
+            <a:r>
+              <a:rPr lang="en-US" dirty="0" err="1"/>
+              <a:t>kita</a:t>
+            </a:r>
+            <a:r>
+              <a:rPr lang="en-US" dirty="0"/>
+              <a:t> </a:t>
+            </a:r>
+            <a:r>
+              <a:rPr lang="en-US" dirty="0" err="1"/>
+              <a:t>bisa</a:t>
+            </a:r>
+            <a:r>
+              <a:rPr lang="en-US" dirty="0"/>
+              <a:t> </a:t>
+            </a:r>
+            <a:r>
+              <a:rPr lang="en-US" dirty="0" err="1"/>
+              <a:t>membuat</a:t>
+            </a:r>
+            <a:r>
+              <a:rPr lang="en-US" dirty="0"/>
+              <a:t> </a:t>
+            </a:r>
+            <a:r>
+              <a:rPr lang="en-US" dirty="0" err="1"/>
+              <a:t>perbandingan</a:t>
+            </a:r>
+            <a:r>
+              <a:rPr lang="en-US" dirty="0"/>
+              <a:t> </a:t>
+            </a:r>
+            <a:r>
+              <a:rPr lang="en-US" dirty="0" err="1"/>
+              <a:t>antara</a:t>
+            </a:r>
+            <a:r>
+              <a:rPr lang="en-US" dirty="0"/>
+              <a:t> </a:t>
+            </a:r>
+            <a:r>
+              <a:rPr lang="en-US" dirty="0" err="1"/>
+              <a:t>dua</a:t>
+            </a:r>
+            <a:r>
+              <a:rPr lang="en-US" dirty="0"/>
+              <a:t> string </a:t>
+            </a:r>
+            <a:r>
+              <a:rPr lang="en-US" dirty="0" err="1"/>
+              <a:t>menggunakan</a:t>
+            </a:r>
+            <a:r>
+              <a:rPr lang="en-US" dirty="0"/>
+              <a:t> </a:t>
+            </a:r>
+            <a:r>
+              <a:rPr lang="en-US" dirty="0" err="1"/>
+              <a:t>fungsi</a:t>
+            </a:r>
+            <a:r>
+              <a:rPr lang="en-US" dirty="0"/>
+              <a:t> equals().</a:t>
+            </a:r>
+          </a:p>
+          <a:p>
+            <a:pPr marL="285750" indent="-285750">
+              <a:buFont typeface="Arial" panose="020B0604020202020204" pitchFamily="34" charset="0"/>
+              <a:buChar char="•"/>
+            </a:pPr>
+            <a:endParaRPr lang="en-US" dirty="0"/>
+          </a:p>
+        </p:txBody>
+      </p:sp>
+    </p:spTree>
+    <p:extLst>
+      <p:ext uri="{BB962C8B-B14F-4D97-AF65-F5344CB8AC3E}">
+        <p14:creationId xmlns:p14="http://schemas.microsoft.com/office/powerpoint/2010/main" val="914692525"/>
+      </p:ext>
+    </p:extLst>
+  </p:cSld>
+  <p:clrMapOvr>
+    <a:masterClrMapping/>
+  </p:clrMapOvr>
+</p:sld>
+</file>
+
+<file path=ppt/slides/slide39.xml><?xml version="1.0" encoding="utf-8"?>
+<p:sld xmlns:a="http://schemas.openxmlformats.org/drawingml/2006/main" xmlns:r="http://schemas.openxmlformats.org/officeDocument/2006/relationships" xmlns:p="http://schemas.openxmlformats.org/presentationml/2006/main">
+  <p:cSld>
+    <p:spTree>
+      <p:nvGrpSpPr>
+        <p:cNvPr id="1" name=""/>
+        <p:cNvGrpSpPr/>
+        <p:nvPr/>
+      </p:nvGrpSpPr>
+      <p:grpSpPr>
+        <a:xfrm>
+          <a:off x="0" y="0"/>
+          <a:ext cx="0" cy="0"/>
+          <a:chOff x="0" y="0"/>
+          <a:chExt cx="0" cy="0"/>
+        </a:xfrm>
+      </p:grpSpPr>
+      <p:sp>
+        <p:nvSpPr>
+          <p:cNvPr id="2" name="Title 1">
+            <a:extLst>
+              <a:ext uri="{FF2B5EF4-FFF2-40B4-BE49-F238E27FC236}">
+                <a16:creationId xmlns:a16="http://schemas.microsoft.com/office/drawing/2014/main" id="{133A2C3C-F0C2-5E00-E37D-2CCEDE7C4591}"/>
+              </a:ext>
+            </a:extLst>
+          </p:cNvPr>
+          <p:cNvSpPr>
+            <a:spLocks noGrp="1"/>
+          </p:cNvSpPr>
+          <p:nvPr>
+            <p:ph type="title"/>
+          </p:nvPr>
+        </p:nvSpPr>
+        <p:spPr/>
+        <p:txBody>
+          <a:bodyPr/>
+          <a:lstStyle/>
+          <a:p>
+            <a:r>
+              <a:rPr lang="en-US" dirty="0"/>
+              <a:t>String cheat sheet</a:t>
+            </a:r>
+            <a:br>
+              <a:rPr lang="en-US" dirty="0"/>
+            </a:br>
+            <a:endParaRPr lang="en-US" dirty="0"/>
+          </a:p>
+        </p:txBody>
+      </p:sp>
+      <p:graphicFrame>
+        <p:nvGraphicFramePr>
+          <p:cNvPr id="4" name="Content Placeholder 3">
+            <a:extLst>
+              <a:ext uri="{FF2B5EF4-FFF2-40B4-BE49-F238E27FC236}">
+                <a16:creationId xmlns:a16="http://schemas.microsoft.com/office/drawing/2014/main" id="{BDB3E931-A0DA-D3C2-15C1-D4546BF8CBCA}"/>
+              </a:ext>
+            </a:extLst>
+          </p:cNvPr>
+          <p:cNvGraphicFramePr>
+            <a:graphicFrameLocks noGrp="1"/>
+          </p:cNvGraphicFramePr>
+          <p:nvPr>
+            <p:ph idx="1"/>
+            <p:extLst>
+              <p:ext uri="{D42A27DB-BD31-4B8C-83A1-F6EECF244321}">
+                <p14:modId xmlns:p14="http://schemas.microsoft.com/office/powerpoint/2010/main" val="2133108923"/>
+              </p:ext>
+            </p:extLst>
+          </p:nvPr>
+        </p:nvGraphicFramePr>
+        <p:xfrm>
+          <a:off x="581192" y="1532823"/>
+          <a:ext cx="10557071" cy="5308127"/>
+        </p:xfrm>
+        <a:graphic>
+          <a:graphicData uri="http://schemas.openxmlformats.org/drawingml/2006/table">
+            <a:tbl>
+              <a:tblPr/>
+              <a:tblGrid>
+                <a:gridCol w="2980614">
+                  <a:extLst>
+                    <a:ext uri="{9D8B030D-6E8A-4147-A177-3AD203B41FA5}">
+                      <a16:colId xmlns:a16="http://schemas.microsoft.com/office/drawing/2014/main" val="620808507"/>
+                    </a:ext>
+                  </a:extLst>
+                </a:gridCol>
+                <a:gridCol w="7576457">
+                  <a:extLst>
+                    <a:ext uri="{9D8B030D-6E8A-4147-A177-3AD203B41FA5}">
+                      <a16:colId xmlns:a16="http://schemas.microsoft.com/office/drawing/2014/main" val="4251267608"/>
+                    </a:ext>
+                  </a:extLst>
+                </a:gridCol>
+              </a:tblGrid>
+              <a:tr h="165634">
+                <a:tc>
+                  <a:txBody>
+                    <a:bodyPr/>
+                    <a:lstStyle/>
+                    <a:p>
+                      <a:pPr algn="l"/>
+                      <a:r>
+                        <a:rPr lang="en-ID" sz="1000" b="0">
+                          <a:effectLst/>
+                        </a:rPr>
+                        <a:t>Methods</a:t>
+                      </a:r>
+                    </a:p>
+                  </a:txBody>
+                  <a:tcPr marL="41703" marR="41703" marT="20852" marB="20852" anchor="ctr">
+                    <a:lnL>
+                      <a:noFill/>
+                    </a:lnL>
+                    <a:lnR>
+                      <a:noFill/>
+                    </a:lnR>
+                    <a:lnT>
+                      <a:noFill/>
+                    </a:lnT>
+                    <a:lnB>
+                      <a:noFill/>
+                    </a:lnB>
+                    <a:solidFill>
+                      <a:srgbClr val="F8FAFF"/>
+                    </a:solidFill>
+                  </a:tcPr>
+                </a:tc>
+                <a:tc>
+                  <a:txBody>
+                    <a:bodyPr/>
+                    <a:lstStyle/>
+                    <a:p>
+                      <a:pPr algn="l"/>
+                      <a:r>
+                        <a:rPr lang="en-ID" sz="1000" b="0">
+                          <a:effectLst/>
+                        </a:rPr>
+                        <a:t>Description</a:t>
+                      </a:r>
+                    </a:p>
+                  </a:txBody>
+                  <a:tcPr marL="41703" marR="41703" marT="20852" marB="20852" anchor="ctr">
+                    <a:lnL>
+                      <a:noFill/>
+                    </a:lnL>
+                    <a:lnR>
+                      <a:noFill/>
+                    </a:lnR>
+                    <a:lnT>
+                      <a:noFill/>
+                    </a:lnT>
+                    <a:lnB>
+                      <a:noFill/>
+                    </a:lnB>
+                    <a:solidFill>
+                      <a:srgbClr val="F8FAFF"/>
+                    </a:solidFill>
+                  </a:tcPr>
+                </a:tc>
+                <a:extLst>
+                  <a:ext uri="{0D108BD9-81ED-4DB2-BD59-A6C34878D82A}">
+                    <a16:rowId xmlns:a16="http://schemas.microsoft.com/office/drawing/2014/main" val="2303034247"/>
+                  </a:ext>
+                </a:extLst>
+              </a:tr>
+              <a:tr h="165634">
+                <a:tc>
+                  <a:txBody>
+                    <a:bodyPr/>
+                    <a:lstStyle/>
+                    <a:p>
+                      <a:r>
+                        <a:rPr lang="en-ID" sz="1000" u="none" strike="noStrike">
+                          <a:solidFill>
+                            <a:srgbClr val="0556F3"/>
+                          </a:solidFill>
+                          <a:effectLst/>
+                          <a:hlinkClick r:id="rId2"/>
+                        </a:rPr>
+                        <a:t>contains()</a:t>
+                      </a:r>
+                      <a:endParaRPr lang="en-ID" sz="1000">
+                        <a:effectLst/>
+                      </a:endParaRPr>
+                    </a:p>
+                  </a:txBody>
+                  <a:tcPr marL="41703" marR="41703" marT="20852" marB="20852" anchor="ctr">
+                    <a:lnL>
+                      <a:noFill/>
+                    </a:lnL>
+                    <a:lnR>
+                      <a:noFill/>
+                    </a:lnR>
+                    <a:lnT>
+                      <a:noFill/>
+                    </a:lnT>
+                    <a:lnB>
+                      <a:noFill/>
+                    </a:lnB>
+                    <a:solidFill>
+                      <a:srgbClr val="F8FAFF"/>
+                    </a:solidFill>
+                  </a:tcPr>
+                </a:tc>
+                <a:tc>
+                  <a:txBody>
+                    <a:bodyPr/>
+                    <a:lstStyle/>
+                    <a:p>
+                      <a:r>
+                        <a:rPr lang="en-ID" sz="1000">
+                          <a:effectLst/>
+                        </a:rPr>
+                        <a:t>Checks whether the string contains a substring.</a:t>
+                      </a:r>
+                    </a:p>
+                  </a:txBody>
+                  <a:tcPr marL="41703" marR="41703" marT="20852" marB="20852" anchor="ctr">
+                    <a:lnL>
+                      <a:noFill/>
+                    </a:lnL>
+                    <a:lnR>
+                      <a:noFill/>
+                    </a:lnR>
+                    <a:lnT>
+                      <a:noFill/>
+                    </a:lnT>
+                    <a:lnB>
+                      <a:noFill/>
+                    </a:lnB>
+                    <a:solidFill>
+                      <a:srgbClr val="F8FAFF"/>
+                    </a:solidFill>
+                  </a:tcPr>
+                </a:tc>
+                <a:extLst>
+                  <a:ext uri="{0D108BD9-81ED-4DB2-BD59-A6C34878D82A}">
+                    <a16:rowId xmlns:a16="http://schemas.microsoft.com/office/drawing/2014/main" val="3633977790"/>
+                  </a:ext>
+                </a:extLst>
+              </a:tr>
+              <a:tr h="165634">
+                <a:tc>
+                  <a:txBody>
+                    <a:bodyPr/>
+                    <a:lstStyle/>
+                    <a:p>
+                      <a:r>
+                        <a:rPr lang="en-ID" sz="1000" u="none" strike="noStrike">
+                          <a:solidFill>
+                            <a:srgbClr val="0556F3"/>
+                          </a:solidFill>
+                          <a:effectLst/>
+                          <a:hlinkClick r:id="rId3"/>
+                        </a:rPr>
+                        <a:t>substring()</a:t>
+                      </a:r>
+                      <a:endParaRPr lang="en-ID" sz="1000">
+                        <a:effectLst/>
+                      </a:endParaRPr>
+                    </a:p>
+                  </a:txBody>
+                  <a:tcPr marL="41703" marR="41703" marT="20852" marB="20852" anchor="ctr">
+                    <a:lnL>
+                      <a:noFill/>
+                    </a:lnL>
+                    <a:lnR>
+                      <a:noFill/>
+                    </a:lnR>
+                    <a:lnT>
+                      <a:noFill/>
+                    </a:lnT>
+                    <a:lnB>
+                      <a:noFill/>
+                    </a:lnB>
+                    <a:solidFill>
+                      <a:srgbClr val="F8FAFF"/>
+                    </a:solidFill>
+                  </a:tcPr>
+                </a:tc>
+                <a:tc>
+                  <a:txBody>
+                    <a:bodyPr/>
+                    <a:lstStyle/>
+                    <a:p>
+                      <a:r>
+                        <a:rPr lang="en-ID" sz="1000">
+                          <a:effectLst/>
+                        </a:rPr>
+                        <a:t>Returns the substring of the string.</a:t>
+                      </a:r>
+                    </a:p>
+                  </a:txBody>
+                  <a:tcPr marL="41703" marR="41703" marT="20852" marB="20852" anchor="ctr">
+                    <a:lnL>
+                      <a:noFill/>
+                    </a:lnL>
+                    <a:lnR>
+                      <a:noFill/>
+                    </a:lnR>
+                    <a:lnT>
+                      <a:noFill/>
+                    </a:lnT>
+                    <a:lnB>
+                      <a:noFill/>
+                    </a:lnB>
+                    <a:solidFill>
+                      <a:srgbClr val="F8FAFF"/>
+                    </a:solidFill>
+                  </a:tcPr>
+                </a:tc>
+                <a:extLst>
+                  <a:ext uri="{0D108BD9-81ED-4DB2-BD59-A6C34878D82A}">
+                    <a16:rowId xmlns:a16="http://schemas.microsoft.com/office/drawing/2014/main" val="541579859"/>
+                  </a:ext>
+                </a:extLst>
+              </a:tr>
+              <a:tr h="165634">
+                <a:tc>
+                  <a:txBody>
+                    <a:bodyPr/>
+                    <a:lstStyle/>
+                    <a:p>
+                      <a:r>
+                        <a:rPr lang="en-ID" sz="1000" u="none" strike="noStrike">
+                          <a:solidFill>
+                            <a:srgbClr val="0556F3"/>
+                          </a:solidFill>
+                          <a:effectLst/>
+                          <a:hlinkClick r:id="rId4"/>
+                        </a:rPr>
+                        <a:t>join()</a:t>
+                      </a:r>
+                      <a:endParaRPr lang="en-ID" sz="1000">
+                        <a:effectLst/>
+                      </a:endParaRPr>
+                    </a:p>
+                  </a:txBody>
+                  <a:tcPr marL="41703" marR="41703" marT="20852" marB="20852" anchor="ctr">
+                    <a:lnL>
+                      <a:noFill/>
+                    </a:lnL>
+                    <a:lnR>
+                      <a:noFill/>
+                    </a:lnR>
+                    <a:lnT>
+                      <a:noFill/>
+                    </a:lnT>
+                    <a:lnB>
+                      <a:noFill/>
+                    </a:lnB>
+                    <a:solidFill>
+                      <a:srgbClr val="F8FAFF"/>
+                    </a:solidFill>
+                  </a:tcPr>
+                </a:tc>
+                <a:tc>
+                  <a:txBody>
+                    <a:bodyPr/>
+                    <a:lstStyle/>
+                    <a:p>
+                      <a:r>
+                        <a:rPr lang="en-ID" sz="1000">
+                          <a:effectLst/>
+                        </a:rPr>
+                        <a:t>Joins the given strings using the delimiter.</a:t>
+                      </a:r>
+                    </a:p>
+                  </a:txBody>
+                  <a:tcPr marL="41703" marR="41703" marT="20852" marB="20852" anchor="ctr">
+                    <a:lnL>
+                      <a:noFill/>
+                    </a:lnL>
+                    <a:lnR>
+                      <a:noFill/>
+                    </a:lnR>
+                    <a:lnT>
+                      <a:noFill/>
+                    </a:lnT>
+                    <a:lnB>
+                      <a:noFill/>
+                    </a:lnB>
+                    <a:solidFill>
+                      <a:srgbClr val="F8FAFF"/>
+                    </a:solidFill>
+                  </a:tcPr>
+                </a:tc>
+                <a:extLst>
+                  <a:ext uri="{0D108BD9-81ED-4DB2-BD59-A6C34878D82A}">
+                    <a16:rowId xmlns:a16="http://schemas.microsoft.com/office/drawing/2014/main" val="331894956"/>
+                  </a:ext>
+                </a:extLst>
+              </a:tr>
+              <a:tr h="165634">
+                <a:tc>
+                  <a:txBody>
+                    <a:bodyPr/>
+                    <a:lstStyle/>
+                    <a:p>
+                      <a:r>
+                        <a:rPr lang="en-ID" sz="1000" u="none" strike="noStrike">
+                          <a:solidFill>
+                            <a:srgbClr val="0556F3"/>
+                          </a:solidFill>
+                          <a:effectLst/>
+                          <a:hlinkClick r:id="rId5"/>
+                        </a:rPr>
+                        <a:t>replace()</a:t>
+                      </a:r>
+                      <a:endParaRPr lang="en-ID" sz="1000">
+                        <a:effectLst/>
+                      </a:endParaRPr>
+                    </a:p>
+                  </a:txBody>
+                  <a:tcPr marL="41703" marR="41703" marT="20852" marB="20852" anchor="ctr">
+                    <a:lnL>
+                      <a:noFill/>
+                    </a:lnL>
+                    <a:lnR>
+                      <a:noFill/>
+                    </a:lnR>
+                    <a:lnT>
+                      <a:noFill/>
+                    </a:lnT>
+                    <a:lnB>
+                      <a:noFill/>
+                    </a:lnB>
+                    <a:solidFill>
+                      <a:srgbClr val="F8FAFF"/>
+                    </a:solidFill>
+                  </a:tcPr>
+                </a:tc>
+                <a:tc>
+                  <a:txBody>
+                    <a:bodyPr/>
+                    <a:lstStyle/>
+                    <a:p>
+                      <a:r>
+                        <a:rPr lang="en-ID" sz="1000" dirty="0">
+                          <a:effectLst/>
+                        </a:rPr>
+                        <a:t>Replaces the specified old character with the specified new character.</a:t>
+                      </a:r>
+                    </a:p>
+                  </a:txBody>
+                  <a:tcPr marL="41703" marR="41703" marT="20852" marB="20852" anchor="ctr">
+                    <a:lnL>
+                      <a:noFill/>
+                    </a:lnL>
+                    <a:lnR>
+                      <a:noFill/>
+                    </a:lnR>
+                    <a:lnT>
+                      <a:noFill/>
+                    </a:lnT>
+                    <a:lnB>
+                      <a:noFill/>
+                    </a:lnB>
+                    <a:solidFill>
+                      <a:srgbClr val="F8FAFF"/>
+                    </a:solidFill>
+                  </a:tcPr>
+                </a:tc>
+                <a:extLst>
+                  <a:ext uri="{0D108BD9-81ED-4DB2-BD59-A6C34878D82A}">
+                    <a16:rowId xmlns:a16="http://schemas.microsoft.com/office/drawing/2014/main" val="1770197434"/>
+                  </a:ext>
+                </a:extLst>
+              </a:tr>
+              <a:tr h="165634">
+                <a:tc>
+                  <a:txBody>
+                    <a:bodyPr/>
+                    <a:lstStyle/>
+                    <a:p>
+                      <a:r>
+                        <a:rPr lang="en-ID" sz="1000" u="none" strike="noStrike">
+                          <a:solidFill>
+                            <a:srgbClr val="0556F3"/>
+                          </a:solidFill>
+                          <a:effectLst/>
+                          <a:hlinkClick r:id="rId6"/>
+                        </a:rPr>
+                        <a:t>replaceAll()</a:t>
+                      </a:r>
+                      <a:endParaRPr lang="en-ID" sz="1000">
+                        <a:effectLst/>
+                      </a:endParaRPr>
+                    </a:p>
+                  </a:txBody>
+                  <a:tcPr marL="41703" marR="41703" marT="20852" marB="20852" anchor="ctr">
+                    <a:lnL>
+                      <a:noFill/>
+                    </a:lnL>
+                    <a:lnR>
+                      <a:noFill/>
+                    </a:lnR>
+                    <a:lnT>
+                      <a:noFill/>
+                    </a:lnT>
+                    <a:lnB>
+                      <a:noFill/>
+                    </a:lnB>
+                    <a:solidFill>
+                      <a:srgbClr val="F8FAFF"/>
+                    </a:solidFill>
+                  </a:tcPr>
+                </a:tc>
+                <a:tc>
+                  <a:txBody>
+                    <a:bodyPr/>
+                    <a:lstStyle/>
+                    <a:p>
+                      <a:r>
+                        <a:rPr lang="en-ID" sz="1000">
+                          <a:effectLst/>
+                        </a:rPr>
+                        <a:t>Replaces all substrings matching the regex pattern.</a:t>
+                      </a:r>
+                    </a:p>
+                  </a:txBody>
+                  <a:tcPr marL="41703" marR="41703" marT="20852" marB="20852" anchor="ctr">
+                    <a:lnL>
+                      <a:noFill/>
+                    </a:lnL>
+                    <a:lnR>
+                      <a:noFill/>
+                    </a:lnR>
+                    <a:lnT>
+                      <a:noFill/>
+                    </a:lnT>
+                    <a:lnB>
+                      <a:noFill/>
+                    </a:lnB>
+                    <a:solidFill>
+                      <a:srgbClr val="F8FAFF"/>
+                    </a:solidFill>
+                  </a:tcPr>
+                </a:tc>
+                <a:extLst>
+                  <a:ext uri="{0D108BD9-81ED-4DB2-BD59-A6C34878D82A}">
+                    <a16:rowId xmlns:a16="http://schemas.microsoft.com/office/drawing/2014/main" val="397999542"/>
+                  </a:ext>
+                </a:extLst>
+              </a:tr>
+              <a:tr h="165634">
+                <a:tc>
+                  <a:txBody>
+                    <a:bodyPr/>
+                    <a:lstStyle/>
+                    <a:p>
+                      <a:r>
+                        <a:rPr lang="en-ID" sz="1000" u="none" strike="noStrike">
+                          <a:solidFill>
+                            <a:srgbClr val="0556F3"/>
+                          </a:solidFill>
+                          <a:effectLst/>
+                          <a:hlinkClick r:id="rId7"/>
+                        </a:rPr>
+                        <a:t>replaceFirst()</a:t>
+                      </a:r>
+                      <a:endParaRPr lang="en-ID" sz="1000">
+                        <a:effectLst/>
+                      </a:endParaRPr>
+                    </a:p>
+                  </a:txBody>
+                  <a:tcPr marL="41703" marR="41703" marT="20852" marB="20852" anchor="ctr">
+                    <a:lnL>
+                      <a:noFill/>
+                    </a:lnL>
+                    <a:lnR>
+                      <a:noFill/>
+                    </a:lnR>
+                    <a:lnT>
+                      <a:noFill/>
+                    </a:lnT>
+                    <a:lnB>
+                      <a:noFill/>
+                    </a:lnB>
+                    <a:solidFill>
+                      <a:srgbClr val="F8FAFF"/>
+                    </a:solidFill>
+                  </a:tcPr>
+                </a:tc>
+                <a:tc>
+                  <a:txBody>
+                    <a:bodyPr/>
+                    <a:lstStyle/>
+                    <a:p>
+                      <a:r>
+                        <a:rPr lang="en-ID" sz="1000" dirty="0">
+                          <a:effectLst/>
+                        </a:rPr>
+                        <a:t>Replaces the first matching substring.</a:t>
+                      </a:r>
+                    </a:p>
+                  </a:txBody>
+                  <a:tcPr marL="41703" marR="41703" marT="20852" marB="20852" anchor="ctr">
+                    <a:lnL>
+                      <a:noFill/>
+                    </a:lnL>
+                    <a:lnR>
+                      <a:noFill/>
+                    </a:lnR>
+                    <a:lnT>
+                      <a:noFill/>
+                    </a:lnT>
+                    <a:lnB>
+                      <a:noFill/>
+                    </a:lnB>
+                    <a:solidFill>
+                      <a:srgbClr val="F8FAFF"/>
+                    </a:solidFill>
+                  </a:tcPr>
+                </a:tc>
+                <a:extLst>
+                  <a:ext uri="{0D108BD9-81ED-4DB2-BD59-A6C34878D82A}">
+                    <a16:rowId xmlns:a16="http://schemas.microsoft.com/office/drawing/2014/main" val="586207049"/>
+                  </a:ext>
+                </a:extLst>
+              </a:tr>
+              <a:tr h="165634">
+                <a:tc>
+                  <a:txBody>
+                    <a:bodyPr/>
+                    <a:lstStyle/>
+                    <a:p>
+                      <a:r>
+                        <a:rPr lang="en-ID" sz="1000" u="none" strike="noStrike">
+                          <a:solidFill>
+                            <a:srgbClr val="0556F3"/>
+                          </a:solidFill>
+                          <a:effectLst/>
+                          <a:hlinkClick r:id="rId8"/>
+                        </a:rPr>
+                        <a:t>charAt()</a:t>
+                      </a:r>
+                      <a:endParaRPr lang="en-ID" sz="1000">
+                        <a:effectLst/>
+                      </a:endParaRPr>
+                    </a:p>
+                  </a:txBody>
+                  <a:tcPr marL="41703" marR="41703" marT="20852" marB="20852" anchor="ctr">
+                    <a:lnL>
+                      <a:noFill/>
+                    </a:lnL>
+                    <a:lnR>
+                      <a:noFill/>
+                    </a:lnR>
+                    <a:lnT>
+                      <a:noFill/>
+                    </a:lnT>
+                    <a:lnB>
+                      <a:noFill/>
+                    </a:lnB>
+                    <a:solidFill>
+                      <a:srgbClr val="F8FAFF"/>
+                    </a:solidFill>
+                  </a:tcPr>
+                </a:tc>
+                <a:tc>
+                  <a:txBody>
+                    <a:bodyPr/>
+                    <a:lstStyle/>
+                    <a:p>
+                      <a:r>
+                        <a:rPr lang="en-ID" sz="1000">
+                          <a:effectLst/>
+                        </a:rPr>
+                        <a:t>Returns the character present in the specified location.</a:t>
+                      </a:r>
+                    </a:p>
+                  </a:txBody>
+                  <a:tcPr marL="41703" marR="41703" marT="20852" marB="20852" anchor="ctr">
+                    <a:lnL>
+                      <a:noFill/>
+                    </a:lnL>
+                    <a:lnR>
+                      <a:noFill/>
+                    </a:lnR>
+                    <a:lnT>
+                      <a:noFill/>
+                    </a:lnT>
+                    <a:lnB>
+                      <a:noFill/>
+                    </a:lnB>
+                    <a:solidFill>
+                      <a:srgbClr val="F8FAFF"/>
+                    </a:solidFill>
+                  </a:tcPr>
+                </a:tc>
+                <a:extLst>
+                  <a:ext uri="{0D108BD9-81ED-4DB2-BD59-A6C34878D82A}">
+                    <a16:rowId xmlns:a16="http://schemas.microsoft.com/office/drawing/2014/main" val="3932080297"/>
+                  </a:ext>
+                </a:extLst>
+              </a:tr>
+              <a:tr h="165634">
+                <a:tc>
+                  <a:txBody>
+                    <a:bodyPr/>
+                    <a:lstStyle/>
+                    <a:p>
+                      <a:r>
+                        <a:rPr lang="en-ID" sz="1000" u="none" strike="noStrike">
+                          <a:solidFill>
+                            <a:srgbClr val="0556F3"/>
+                          </a:solidFill>
+                          <a:effectLst/>
+                          <a:hlinkClick r:id="rId9"/>
+                        </a:rPr>
+                        <a:t>getBytes()</a:t>
+                      </a:r>
+                      <a:endParaRPr lang="en-ID" sz="1000">
+                        <a:effectLst/>
+                      </a:endParaRPr>
+                    </a:p>
+                  </a:txBody>
+                  <a:tcPr marL="41703" marR="41703" marT="20852" marB="20852" anchor="ctr">
+                    <a:lnL>
+                      <a:noFill/>
+                    </a:lnL>
+                    <a:lnR>
+                      <a:noFill/>
+                    </a:lnR>
+                    <a:lnT>
+                      <a:noFill/>
+                    </a:lnT>
+                    <a:lnB>
+                      <a:noFill/>
+                    </a:lnB>
+                    <a:solidFill>
+                      <a:srgbClr val="F8FAFF"/>
+                    </a:solidFill>
+                  </a:tcPr>
+                </a:tc>
+                <a:tc>
+                  <a:txBody>
+                    <a:bodyPr/>
+                    <a:lstStyle/>
+                    <a:p>
+                      <a:r>
+                        <a:rPr lang="en-ID" sz="1000">
+                          <a:effectLst/>
+                        </a:rPr>
+                        <a:t>Converts the string to an array of bytes.</a:t>
+                      </a:r>
+                    </a:p>
+                  </a:txBody>
+                  <a:tcPr marL="41703" marR="41703" marT="20852" marB="20852" anchor="ctr">
+                    <a:lnL>
+                      <a:noFill/>
+                    </a:lnL>
+                    <a:lnR>
+                      <a:noFill/>
+                    </a:lnR>
+                    <a:lnT>
+                      <a:noFill/>
+                    </a:lnT>
+                    <a:lnB>
+                      <a:noFill/>
+                    </a:lnB>
+                    <a:solidFill>
+                      <a:srgbClr val="F8FAFF"/>
+                    </a:solidFill>
+                  </a:tcPr>
+                </a:tc>
+                <a:extLst>
+                  <a:ext uri="{0D108BD9-81ED-4DB2-BD59-A6C34878D82A}">
+                    <a16:rowId xmlns:a16="http://schemas.microsoft.com/office/drawing/2014/main" val="1529022731"/>
+                  </a:ext>
+                </a:extLst>
+              </a:tr>
+              <a:tr h="165634">
+                <a:tc>
+                  <a:txBody>
+                    <a:bodyPr/>
+                    <a:lstStyle/>
+                    <a:p>
+                      <a:r>
+                        <a:rPr lang="en-ID" sz="1000" u="none" strike="noStrike">
+                          <a:solidFill>
+                            <a:srgbClr val="0556F3"/>
+                          </a:solidFill>
+                          <a:effectLst/>
+                          <a:hlinkClick r:id="rId10"/>
+                        </a:rPr>
+                        <a:t>indexOf()</a:t>
+                      </a:r>
+                      <a:endParaRPr lang="en-ID" sz="1000">
+                        <a:effectLst/>
+                      </a:endParaRPr>
+                    </a:p>
+                  </a:txBody>
+                  <a:tcPr marL="41703" marR="41703" marT="20852" marB="20852" anchor="ctr">
+                    <a:lnL>
+                      <a:noFill/>
+                    </a:lnL>
+                    <a:lnR>
+                      <a:noFill/>
+                    </a:lnR>
+                    <a:lnT>
+                      <a:noFill/>
+                    </a:lnT>
+                    <a:lnB>
+                      <a:noFill/>
+                    </a:lnB>
+                    <a:solidFill>
+                      <a:srgbClr val="F8FAFF"/>
+                    </a:solidFill>
+                  </a:tcPr>
+                </a:tc>
+                <a:tc>
+                  <a:txBody>
+                    <a:bodyPr/>
+                    <a:lstStyle/>
+                    <a:p>
+                      <a:r>
+                        <a:rPr lang="en-ID" sz="1000">
+                          <a:effectLst/>
+                        </a:rPr>
+                        <a:t>Returns the position of the specified character in the string.</a:t>
+                      </a:r>
+                    </a:p>
+                  </a:txBody>
+                  <a:tcPr marL="41703" marR="41703" marT="20852" marB="20852" anchor="ctr">
+                    <a:lnL>
+                      <a:noFill/>
+                    </a:lnL>
+                    <a:lnR>
+                      <a:noFill/>
+                    </a:lnR>
+                    <a:lnT>
+                      <a:noFill/>
+                    </a:lnT>
+                    <a:lnB>
+                      <a:noFill/>
+                    </a:lnB>
+                    <a:solidFill>
+                      <a:srgbClr val="F8FAFF"/>
+                    </a:solidFill>
+                  </a:tcPr>
+                </a:tc>
+                <a:extLst>
+                  <a:ext uri="{0D108BD9-81ED-4DB2-BD59-A6C34878D82A}">
+                    <a16:rowId xmlns:a16="http://schemas.microsoft.com/office/drawing/2014/main" val="2104204638"/>
+                  </a:ext>
+                </a:extLst>
+              </a:tr>
+              <a:tr h="165634">
+                <a:tc>
+                  <a:txBody>
+                    <a:bodyPr/>
+                    <a:lstStyle/>
+                    <a:p>
+                      <a:r>
+                        <a:rPr lang="en-ID" sz="1000" u="none" strike="noStrike">
+                          <a:solidFill>
+                            <a:srgbClr val="0556F3"/>
+                          </a:solidFill>
+                          <a:effectLst/>
+                          <a:hlinkClick r:id="rId11"/>
+                        </a:rPr>
+                        <a:t>compareTo()</a:t>
+                      </a:r>
+                      <a:endParaRPr lang="en-ID" sz="1000">
+                        <a:effectLst/>
+                      </a:endParaRPr>
+                    </a:p>
+                  </a:txBody>
+                  <a:tcPr marL="41703" marR="41703" marT="20852" marB="20852" anchor="ctr">
+                    <a:lnL>
+                      <a:noFill/>
+                    </a:lnL>
+                    <a:lnR>
+                      <a:noFill/>
+                    </a:lnR>
+                    <a:lnT>
+                      <a:noFill/>
+                    </a:lnT>
+                    <a:lnB>
+                      <a:noFill/>
+                    </a:lnB>
+                    <a:solidFill>
+                      <a:srgbClr val="F8FAFF"/>
+                    </a:solidFill>
+                  </a:tcPr>
+                </a:tc>
+                <a:tc>
+                  <a:txBody>
+                    <a:bodyPr/>
+                    <a:lstStyle/>
+                    <a:p>
+                      <a:r>
+                        <a:rPr lang="en-ID" sz="1000" dirty="0">
+                          <a:effectLst/>
+                        </a:rPr>
+                        <a:t>Compares two strings in the dictionary order.</a:t>
+                      </a:r>
+                    </a:p>
+                  </a:txBody>
+                  <a:tcPr marL="41703" marR="41703" marT="20852" marB="20852" anchor="ctr">
+                    <a:lnL>
+                      <a:noFill/>
+                    </a:lnL>
+                    <a:lnR>
+                      <a:noFill/>
+                    </a:lnR>
+                    <a:lnT>
+                      <a:noFill/>
+                    </a:lnT>
+                    <a:lnB>
+                      <a:noFill/>
+                    </a:lnB>
+                    <a:solidFill>
+                      <a:srgbClr val="F8FAFF"/>
+                    </a:solidFill>
+                  </a:tcPr>
+                </a:tc>
+                <a:extLst>
+                  <a:ext uri="{0D108BD9-81ED-4DB2-BD59-A6C34878D82A}">
+                    <a16:rowId xmlns:a16="http://schemas.microsoft.com/office/drawing/2014/main" val="1890784659"/>
+                  </a:ext>
+                </a:extLst>
+              </a:tr>
+              <a:tr h="261423">
+                <a:tc>
+                  <a:txBody>
+                    <a:bodyPr/>
+                    <a:lstStyle/>
+                    <a:p>
+                      <a:r>
+                        <a:rPr lang="en-ID" sz="1000" u="none" strike="noStrike">
+                          <a:solidFill>
+                            <a:srgbClr val="0556F3"/>
+                          </a:solidFill>
+                          <a:effectLst/>
+                          <a:hlinkClick r:id="rId12"/>
+                        </a:rPr>
+                        <a:t>compareToIgnoreCase()</a:t>
+                      </a:r>
+                      <a:endParaRPr lang="en-ID" sz="1000">
+                        <a:effectLst/>
+                      </a:endParaRPr>
+                    </a:p>
+                  </a:txBody>
+                  <a:tcPr marL="41703" marR="41703" marT="20852" marB="20852" anchor="ctr">
+                    <a:lnL>
+                      <a:noFill/>
+                    </a:lnL>
+                    <a:lnR>
+                      <a:noFill/>
+                    </a:lnR>
+                    <a:lnT>
+                      <a:noFill/>
+                    </a:lnT>
+                    <a:lnB>
+                      <a:noFill/>
+                    </a:lnB>
+                    <a:solidFill>
+                      <a:srgbClr val="F8FAFF"/>
+                    </a:solidFill>
+                  </a:tcPr>
+                </a:tc>
+                <a:tc>
+                  <a:txBody>
+                    <a:bodyPr/>
+                    <a:lstStyle/>
+                    <a:p>
+                      <a:r>
+                        <a:rPr lang="en-ID" sz="1000">
+                          <a:effectLst/>
+                        </a:rPr>
+                        <a:t>Compares two strings, ignoring case differences.</a:t>
+                      </a:r>
+                    </a:p>
+                  </a:txBody>
+                  <a:tcPr marL="41703" marR="41703" marT="20852" marB="20852" anchor="ctr">
+                    <a:lnL>
+                      <a:noFill/>
+                    </a:lnL>
+                    <a:lnR>
+                      <a:noFill/>
+                    </a:lnR>
+                    <a:lnT>
+                      <a:noFill/>
+                    </a:lnT>
+                    <a:lnB>
+                      <a:noFill/>
+                    </a:lnB>
+                    <a:solidFill>
+                      <a:srgbClr val="F8FAFF"/>
+                    </a:solidFill>
+                  </a:tcPr>
+                </a:tc>
+                <a:extLst>
+                  <a:ext uri="{0D108BD9-81ED-4DB2-BD59-A6C34878D82A}">
+                    <a16:rowId xmlns:a16="http://schemas.microsoft.com/office/drawing/2014/main" val="2500587852"/>
+                  </a:ext>
+                </a:extLst>
+              </a:tr>
+              <a:tr h="165634">
+                <a:tc>
+                  <a:txBody>
+                    <a:bodyPr/>
+                    <a:lstStyle/>
+                    <a:p>
+                      <a:r>
+                        <a:rPr lang="en-ID" sz="1000" u="none" strike="noStrike" dirty="0">
+                          <a:solidFill>
+                            <a:srgbClr val="0556F3"/>
+                          </a:solidFill>
+                          <a:effectLst/>
+                          <a:hlinkClick r:id="rId13"/>
+                        </a:rPr>
+                        <a:t>trim()</a:t>
+                      </a:r>
+                      <a:endParaRPr lang="en-ID" sz="1000" dirty="0">
+                        <a:effectLst/>
+                      </a:endParaRPr>
+                    </a:p>
+                  </a:txBody>
+                  <a:tcPr marL="41703" marR="41703" marT="20852" marB="20852" anchor="ctr">
+                    <a:lnL>
+                      <a:noFill/>
+                    </a:lnL>
+                    <a:lnR>
+                      <a:noFill/>
+                    </a:lnR>
+                    <a:lnT>
+                      <a:noFill/>
+                    </a:lnT>
+                    <a:lnB>
+                      <a:noFill/>
+                    </a:lnB>
+                    <a:solidFill>
+                      <a:srgbClr val="F8FAFF"/>
+                    </a:solidFill>
+                  </a:tcPr>
+                </a:tc>
+                <a:tc>
+                  <a:txBody>
+                    <a:bodyPr/>
+                    <a:lstStyle/>
+                    <a:p>
+                      <a:r>
+                        <a:rPr lang="en-ID" sz="1000">
+                          <a:effectLst/>
+                        </a:rPr>
+                        <a:t>Removes any leading and trailing whitespaces.</a:t>
+                      </a:r>
+                    </a:p>
+                  </a:txBody>
+                  <a:tcPr marL="41703" marR="41703" marT="20852" marB="20852" anchor="ctr">
+                    <a:lnL>
+                      <a:noFill/>
+                    </a:lnL>
+                    <a:lnR>
+                      <a:noFill/>
+                    </a:lnR>
+                    <a:lnT>
+                      <a:noFill/>
+                    </a:lnT>
+                    <a:lnB>
+                      <a:noFill/>
+                    </a:lnB>
+                    <a:solidFill>
+                      <a:srgbClr val="F8FAFF"/>
+                    </a:solidFill>
+                  </a:tcPr>
+                </a:tc>
+                <a:extLst>
+                  <a:ext uri="{0D108BD9-81ED-4DB2-BD59-A6C34878D82A}">
+                    <a16:rowId xmlns:a16="http://schemas.microsoft.com/office/drawing/2014/main" val="746036982"/>
+                  </a:ext>
+                </a:extLst>
+              </a:tr>
+              <a:tr h="165634">
+                <a:tc>
+                  <a:txBody>
+                    <a:bodyPr/>
+                    <a:lstStyle/>
+                    <a:p>
+                      <a:r>
+                        <a:rPr lang="en-ID" sz="1000" u="none" strike="noStrike">
+                          <a:solidFill>
+                            <a:srgbClr val="0556F3"/>
+                          </a:solidFill>
+                          <a:effectLst/>
+                          <a:hlinkClick r:id="rId14"/>
+                        </a:rPr>
+                        <a:t>format()</a:t>
+                      </a:r>
+                      <a:endParaRPr lang="en-ID" sz="1000">
+                        <a:effectLst/>
+                      </a:endParaRPr>
+                    </a:p>
+                  </a:txBody>
+                  <a:tcPr marL="41703" marR="41703" marT="20852" marB="20852" anchor="ctr">
+                    <a:lnL>
+                      <a:noFill/>
+                    </a:lnL>
+                    <a:lnR>
+                      <a:noFill/>
+                    </a:lnR>
+                    <a:lnT>
+                      <a:noFill/>
+                    </a:lnT>
+                    <a:lnB>
+                      <a:noFill/>
+                    </a:lnB>
+                    <a:solidFill>
+                      <a:srgbClr val="F8FAFF"/>
+                    </a:solidFill>
+                  </a:tcPr>
+                </a:tc>
+                <a:tc>
+                  <a:txBody>
+                    <a:bodyPr/>
+                    <a:lstStyle/>
+                    <a:p>
+                      <a:r>
+                        <a:rPr lang="en-ID" sz="1000">
+                          <a:effectLst/>
+                        </a:rPr>
+                        <a:t>Returns a formatted string.</a:t>
+                      </a:r>
+                    </a:p>
+                  </a:txBody>
+                  <a:tcPr marL="41703" marR="41703" marT="20852" marB="20852" anchor="ctr">
+                    <a:lnL>
+                      <a:noFill/>
+                    </a:lnL>
+                    <a:lnR>
+                      <a:noFill/>
+                    </a:lnR>
+                    <a:lnT>
+                      <a:noFill/>
+                    </a:lnT>
+                    <a:lnB>
+                      <a:noFill/>
+                    </a:lnB>
+                    <a:solidFill>
+                      <a:srgbClr val="F8FAFF"/>
+                    </a:solidFill>
+                  </a:tcPr>
+                </a:tc>
+                <a:extLst>
+                  <a:ext uri="{0D108BD9-81ED-4DB2-BD59-A6C34878D82A}">
+                    <a16:rowId xmlns:a16="http://schemas.microsoft.com/office/drawing/2014/main" val="915058959"/>
+                  </a:ext>
+                </a:extLst>
+              </a:tr>
+              <a:tr h="165634">
+                <a:tc>
+                  <a:txBody>
+                    <a:bodyPr/>
+                    <a:lstStyle/>
+                    <a:p>
+                      <a:r>
+                        <a:rPr lang="en-ID" sz="1000" u="none" strike="noStrike">
+                          <a:solidFill>
+                            <a:srgbClr val="0556F3"/>
+                          </a:solidFill>
+                          <a:effectLst/>
+                          <a:hlinkClick r:id="rId15"/>
+                        </a:rPr>
+                        <a:t>split()</a:t>
+                      </a:r>
+                      <a:endParaRPr lang="en-ID" sz="1000">
+                        <a:effectLst/>
+                      </a:endParaRPr>
+                    </a:p>
+                  </a:txBody>
+                  <a:tcPr marL="41703" marR="41703" marT="20852" marB="20852" anchor="ctr">
+                    <a:lnL>
+                      <a:noFill/>
+                    </a:lnL>
+                    <a:lnR>
+                      <a:noFill/>
+                    </a:lnR>
+                    <a:lnT>
+                      <a:noFill/>
+                    </a:lnT>
+                    <a:lnB>
+                      <a:noFill/>
+                    </a:lnB>
+                    <a:solidFill>
+                      <a:srgbClr val="F8FAFF"/>
+                    </a:solidFill>
+                  </a:tcPr>
+                </a:tc>
+                <a:tc>
+                  <a:txBody>
+                    <a:bodyPr/>
+                    <a:lstStyle/>
+                    <a:p>
+                      <a:r>
+                        <a:rPr lang="en-ID" sz="1000">
+                          <a:effectLst/>
+                        </a:rPr>
+                        <a:t>Breaks the string into an array of strings.</a:t>
+                      </a:r>
+                    </a:p>
+                  </a:txBody>
+                  <a:tcPr marL="41703" marR="41703" marT="20852" marB="20852" anchor="ctr">
+                    <a:lnL>
+                      <a:noFill/>
+                    </a:lnL>
+                    <a:lnR>
+                      <a:noFill/>
+                    </a:lnR>
+                    <a:lnT>
+                      <a:noFill/>
+                    </a:lnT>
+                    <a:lnB>
+                      <a:noFill/>
+                    </a:lnB>
+                    <a:solidFill>
+                      <a:srgbClr val="F8FAFF"/>
+                    </a:solidFill>
+                  </a:tcPr>
+                </a:tc>
+                <a:extLst>
+                  <a:ext uri="{0D108BD9-81ED-4DB2-BD59-A6C34878D82A}">
+                    <a16:rowId xmlns:a16="http://schemas.microsoft.com/office/drawing/2014/main" val="20733268"/>
+                  </a:ext>
+                </a:extLst>
+              </a:tr>
+              <a:tr h="165634">
+                <a:tc>
+                  <a:txBody>
+                    <a:bodyPr/>
+                    <a:lstStyle/>
+                    <a:p>
+                      <a:r>
+                        <a:rPr lang="en-ID" sz="1000" u="none" strike="noStrike">
+                          <a:solidFill>
+                            <a:srgbClr val="0556F3"/>
+                          </a:solidFill>
+                          <a:effectLst/>
+                          <a:hlinkClick r:id="rId16"/>
+                        </a:rPr>
+                        <a:t>toLowerCase()</a:t>
+                      </a:r>
+                      <a:endParaRPr lang="en-ID" sz="1000">
+                        <a:effectLst/>
+                      </a:endParaRPr>
+                    </a:p>
+                  </a:txBody>
+                  <a:tcPr marL="41703" marR="41703" marT="20852" marB="20852" anchor="ctr">
+                    <a:lnL>
+                      <a:noFill/>
+                    </a:lnL>
+                    <a:lnR>
+                      <a:noFill/>
+                    </a:lnR>
+                    <a:lnT>
+                      <a:noFill/>
+                    </a:lnT>
+                    <a:lnB>
+                      <a:noFill/>
+                    </a:lnB>
+                    <a:solidFill>
+                      <a:srgbClr val="F8FAFF"/>
+                    </a:solidFill>
+                  </a:tcPr>
+                </a:tc>
+                <a:tc>
+                  <a:txBody>
+                    <a:bodyPr/>
+                    <a:lstStyle/>
+                    <a:p>
+                      <a:r>
+                        <a:rPr lang="en-ID" sz="1000">
+                          <a:effectLst/>
+                        </a:rPr>
+                        <a:t>Converts the string to lowercase.</a:t>
+                      </a:r>
+                    </a:p>
+                  </a:txBody>
+                  <a:tcPr marL="41703" marR="41703" marT="20852" marB="20852" anchor="ctr">
+                    <a:lnL>
+                      <a:noFill/>
+                    </a:lnL>
+                    <a:lnR>
+                      <a:noFill/>
+                    </a:lnR>
+                    <a:lnT>
+                      <a:noFill/>
+                    </a:lnT>
+                    <a:lnB>
+                      <a:noFill/>
+                    </a:lnB>
+                    <a:solidFill>
+                      <a:srgbClr val="F8FAFF"/>
+                    </a:solidFill>
+                  </a:tcPr>
+                </a:tc>
+                <a:extLst>
+                  <a:ext uri="{0D108BD9-81ED-4DB2-BD59-A6C34878D82A}">
+                    <a16:rowId xmlns:a16="http://schemas.microsoft.com/office/drawing/2014/main" val="2500499123"/>
+                  </a:ext>
+                </a:extLst>
+              </a:tr>
+              <a:tr h="165634">
+                <a:tc>
+                  <a:txBody>
+                    <a:bodyPr/>
+                    <a:lstStyle/>
+                    <a:p>
+                      <a:r>
+                        <a:rPr lang="en-ID" sz="1000" u="none" strike="noStrike">
+                          <a:solidFill>
+                            <a:srgbClr val="0556F3"/>
+                          </a:solidFill>
+                          <a:effectLst/>
+                          <a:hlinkClick r:id="rId17"/>
+                        </a:rPr>
+                        <a:t>toUpperCase()</a:t>
+                      </a:r>
+                      <a:endParaRPr lang="en-ID" sz="1000">
+                        <a:effectLst/>
+                      </a:endParaRPr>
+                    </a:p>
+                  </a:txBody>
+                  <a:tcPr marL="41703" marR="41703" marT="20852" marB="20852" anchor="ctr">
+                    <a:lnL>
+                      <a:noFill/>
+                    </a:lnL>
+                    <a:lnR>
+                      <a:noFill/>
+                    </a:lnR>
+                    <a:lnT>
+                      <a:noFill/>
+                    </a:lnT>
+                    <a:lnB>
+                      <a:noFill/>
+                    </a:lnB>
+                    <a:solidFill>
+                      <a:srgbClr val="F8FAFF"/>
+                    </a:solidFill>
+                  </a:tcPr>
+                </a:tc>
+                <a:tc>
+                  <a:txBody>
+                    <a:bodyPr/>
+                    <a:lstStyle/>
+                    <a:p>
+                      <a:r>
+                        <a:rPr lang="en-ID" sz="1000">
+                          <a:effectLst/>
+                        </a:rPr>
+                        <a:t>Converts the string to uppercase.</a:t>
+                      </a:r>
+                    </a:p>
+                  </a:txBody>
+                  <a:tcPr marL="41703" marR="41703" marT="20852" marB="20852" anchor="ctr">
+                    <a:lnL>
+                      <a:noFill/>
+                    </a:lnL>
+                    <a:lnR>
+                      <a:noFill/>
+                    </a:lnR>
+                    <a:lnT>
+                      <a:noFill/>
+                    </a:lnT>
+                    <a:lnB>
+                      <a:noFill/>
+                    </a:lnB>
+                    <a:solidFill>
+                      <a:srgbClr val="F8FAFF"/>
+                    </a:solidFill>
+                  </a:tcPr>
+                </a:tc>
+                <a:extLst>
+                  <a:ext uri="{0D108BD9-81ED-4DB2-BD59-A6C34878D82A}">
+                    <a16:rowId xmlns:a16="http://schemas.microsoft.com/office/drawing/2014/main" val="3448003110"/>
+                  </a:ext>
+                </a:extLst>
+              </a:tr>
+              <a:tr h="165634">
+                <a:tc>
+                  <a:txBody>
+                    <a:bodyPr/>
+                    <a:lstStyle/>
+                    <a:p>
+                      <a:r>
+                        <a:rPr lang="en-ID" sz="1000" u="none" strike="noStrike">
+                          <a:solidFill>
+                            <a:srgbClr val="0556F3"/>
+                          </a:solidFill>
+                          <a:effectLst/>
+                          <a:hlinkClick r:id="rId18"/>
+                        </a:rPr>
+                        <a:t>valueOf()</a:t>
+                      </a:r>
+                      <a:endParaRPr lang="en-ID" sz="1000">
+                        <a:effectLst/>
+                      </a:endParaRPr>
+                    </a:p>
+                  </a:txBody>
+                  <a:tcPr marL="41703" marR="41703" marT="20852" marB="20852" anchor="ctr">
+                    <a:lnL>
+                      <a:noFill/>
+                    </a:lnL>
+                    <a:lnR>
+                      <a:noFill/>
+                    </a:lnR>
+                    <a:lnT>
+                      <a:noFill/>
+                    </a:lnT>
+                    <a:lnB>
+                      <a:noFill/>
+                    </a:lnB>
+                    <a:solidFill>
+                      <a:srgbClr val="F8FAFF"/>
+                    </a:solidFill>
+                  </a:tcPr>
+                </a:tc>
+                <a:tc>
+                  <a:txBody>
+                    <a:bodyPr/>
+                    <a:lstStyle/>
+                    <a:p>
+                      <a:r>
+                        <a:rPr lang="en-ID" sz="1000">
+                          <a:effectLst/>
+                        </a:rPr>
+                        <a:t>Returns the string representation of the specified argument.</a:t>
+                      </a:r>
+                    </a:p>
+                  </a:txBody>
+                  <a:tcPr marL="41703" marR="41703" marT="20852" marB="20852" anchor="ctr">
+                    <a:lnL>
+                      <a:noFill/>
+                    </a:lnL>
+                    <a:lnR>
+                      <a:noFill/>
+                    </a:lnR>
+                    <a:lnT>
+                      <a:noFill/>
+                    </a:lnT>
+                    <a:lnB>
+                      <a:noFill/>
+                    </a:lnB>
+                    <a:solidFill>
+                      <a:srgbClr val="F8FAFF"/>
+                    </a:solidFill>
+                  </a:tcPr>
+                </a:tc>
+                <a:extLst>
+                  <a:ext uri="{0D108BD9-81ED-4DB2-BD59-A6C34878D82A}">
+                    <a16:rowId xmlns:a16="http://schemas.microsoft.com/office/drawing/2014/main" val="2311871089"/>
+                  </a:ext>
+                </a:extLst>
+              </a:tr>
+              <a:tr h="165634">
+                <a:tc>
+                  <a:txBody>
+                    <a:bodyPr/>
+                    <a:lstStyle/>
+                    <a:p>
+                      <a:r>
+                        <a:rPr lang="en-ID" sz="1000" u="none" strike="noStrike">
+                          <a:solidFill>
+                            <a:srgbClr val="0556F3"/>
+                          </a:solidFill>
+                          <a:effectLst/>
+                          <a:hlinkClick r:id="rId19"/>
+                        </a:rPr>
+                        <a:t>toCharArray()</a:t>
+                      </a:r>
+                      <a:endParaRPr lang="en-ID" sz="1000">
+                        <a:effectLst/>
+                      </a:endParaRPr>
+                    </a:p>
+                  </a:txBody>
+                  <a:tcPr marL="41703" marR="41703" marT="20852" marB="20852" anchor="ctr">
+                    <a:lnL>
+                      <a:noFill/>
+                    </a:lnL>
+                    <a:lnR>
+                      <a:noFill/>
+                    </a:lnR>
+                    <a:lnT>
+                      <a:noFill/>
+                    </a:lnT>
+                    <a:lnB>
+                      <a:noFill/>
+                    </a:lnB>
+                    <a:solidFill>
+                      <a:srgbClr val="F8FAFF"/>
+                    </a:solidFill>
+                  </a:tcPr>
+                </a:tc>
+                <a:tc>
+                  <a:txBody>
+                    <a:bodyPr/>
+                    <a:lstStyle/>
+                    <a:p>
+                      <a:r>
+                        <a:rPr lang="en-ID" sz="1000">
+                          <a:effectLst/>
+                        </a:rPr>
+                        <a:t>Converts the string to a char array.</a:t>
+                      </a:r>
+                    </a:p>
+                  </a:txBody>
+                  <a:tcPr marL="41703" marR="41703" marT="20852" marB="20852" anchor="ctr">
+                    <a:lnL>
+                      <a:noFill/>
+                    </a:lnL>
+                    <a:lnR>
+                      <a:noFill/>
+                    </a:lnR>
+                    <a:lnT>
+                      <a:noFill/>
+                    </a:lnT>
+                    <a:lnB>
+                      <a:noFill/>
+                    </a:lnB>
+                    <a:solidFill>
+                      <a:srgbClr val="F8FAFF"/>
+                    </a:solidFill>
+                  </a:tcPr>
+                </a:tc>
+                <a:extLst>
+                  <a:ext uri="{0D108BD9-81ED-4DB2-BD59-A6C34878D82A}">
+                    <a16:rowId xmlns:a16="http://schemas.microsoft.com/office/drawing/2014/main" val="1259179429"/>
+                  </a:ext>
+                </a:extLst>
+              </a:tr>
+              <a:tr h="165634">
+                <a:tc>
+                  <a:txBody>
+                    <a:bodyPr/>
+                    <a:lstStyle/>
+                    <a:p>
+                      <a:r>
+                        <a:rPr lang="en-ID" sz="1000" u="none" strike="noStrike">
+                          <a:solidFill>
+                            <a:srgbClr val="0556F3"/>
+                          </a:solidFill>
+                          <a:effectLst/>
+                          <a:hlinkClick r:id="rId20"/>
+                        </a:rPr>
+                        <a:t>matches()</a:t>
+                      </a:r>
+                      <a:endParaRPr lang="en-ID" sz="1000">
+                        <a:effectLst/>
+                      </a:endParaRPr>
+                    </a:p>
+                  </a:txBody>
+                  <a:tcPr marL="41703" marR="41703" marT="20852" marB="20852" anchor="ctr">
+                    <a:lnL>
+                      <a:noFill/>
+                    </a:lnL>
+                    <a:lnR>
+                      <a:noFill/>
+                    </a:lnR>
+                    <a:lnT>
+                      <a:noFill/>
+                    </a:lnT>
+                    <a:lnB>
+                      <a:noFill/>
+                    </a:lnB>
+                    <a:solidFill>
+                      <a:srgbClr val="F8FAFF"/>
+                    </a:solidFill>
+                  </a:tcPr>
+                </a:tc>
+                <a:tc>
+                  <a:txBody>
+                    <a:bodyPr/>
+                    <a:lstStyle/>
+                    <a:p>
+                      <a:r>
+                        <a:rPr lang="en-ID" sz="1000">
+                          <a:effectLst/>
+                        </a:rPr>
+                        <a:t>Checks whether the string matches the given regex.</a:t>
+                      </a:r>
+                    </a:p>
+                  </a:txBody>
+                  <a:tcPr marL="41703" marR="41703" marT="20852" marB="20852" anchor="ctr">
+                    <a:lnL>
+                      <a:noFill/>
+                    </a:lnL>
+                    <a:lnR>
+                      <a:noFill/>
+                    </a:lnR>
+                    <a:lnT>
+                      <a:noFill/>
+                    </a:lnT>
+                    <a:lnB>
+                      <a:noFill/>
+                    </a:lnB>
+                    <a:solidFill>
+                      <a:srgbClr val="F8FAFF"/>
+                    </a:solidFill>
+                  </a:tcPr>
+                </a:tc>
+                <a:extLst>
+                  <a:ext uri="{0D108BD9-81ED-4DB2-BD59-A6C34878D82A}">
+                    <a16:rowId xmlns:a16="http://schemas.microsoft.com/office/drawing/2014/main" val="21964782"/>
+                  </a:ext>
+                </a:extLst>
+              </a:tr>
+              <a:tr h="165634">
+                <a:tc>
+                  <a:txBody>
+                    <a:bodyPr/>
+                    <a:lstStyle/>
+                    <a:p>
+                      <a:r>
+                        <a:rPr lang="en-ID" sz="1000" u="none" strike="noStrike">
+                          <a:solidFill>
+                            <a:srgbClr val="0556F3"/>
+                          </a:solidFill>
+                          <a:effectLst/>
+                          <a:hlinkClick r:id="rId21"/>
+                        </a:rPr>
+                        <a:t>startsWith()</a:t>
+                      </a:r>
+                      <a:endParaRPr lang="en-ID" sz="1000">
+                        <a:effectLst/>
+                      </a:endParaRPr>
+                    </a:p>
+                  </a:txBody>
+                  <a:tcPr marL="41703" marR="41703" marT="20852" marB="20852" anchor="ctr">
+                    <a:lnL>
+                      <a:noFill/>
+                    </a:lnL>
+                    <a:lnR>
+                      <a:noFill/>
+                    </a:lnR>
+                    <a:lnT>
+                      <a:noFill/>
+                    </a:lnT>
+                    <a:lnB>
+                      <a:noFill/>
+                    </a:lnB>
+                    <a:solidFill>
+                      <a:srgbClr val="F8FAFF"/>
+                    </a:solidFill>
+                  </a:tcPr>
+                </a:tc>
+                <a:tc>
+                  <a:txBody>
+                    <a:bodyPr/>
+                    <a:lstStyle/>
+                    <a:p>
+                      <a:r>
+                        <a:rPr lang="en-ID" sz="1000">
+                          <a:effectLst/>
+                        </a:rPr>
+                        <a:t>Checks if the string begins with the given string.</a:t>
+                      </a:r>
+                    </a:p>
+                  </a:txBody>
+                  <a:tcPr marL="41703" marR="41703" marT="20852" marB="20852" anchor="ctr">
+                    <a:lnL>
+                      <a:noFill/>
+                    </a:lnL>
+                    <a:lnR>
+                      <a:noFill/>
+                    </a:lnR>
+                    <a:lnT>
+                      <a:noFill/>
+                    </a:lnT>
+                    <a:lnB>
+                      <a:noFill/>
+                    </a:lnB>
+                    <a:solidFill>
+                      <a:srgbClr val="F8FAFF"/>
+                    </a:solidFill>
+                  </a:tcPr>
+                </a:tc>
+                <a:extLst>
+                  <a:ext uri="{0D108BD9-81ED-4DB2-BD59-A6C34878D82A}">
+                    <a16:rowId xmlns:a16="http://schemas.microsoft.com/office/drawing/2014/main" val="1350191305"/>
+                  </a:ext>
+                </a:extLst>
+              </a:tr>
+              <a:tr h="165634">
+                <a:tc>
+                  <a:txBody>
+                    <a:bodyPr/>
+                    <a:lstStyle/>
+                    <a:p>
+                      <a:r>
+                        <a:rPr lang="en-ID" sz="1000" u="none" strike="noStrike">
+                          <a:solidFill>
+                            <a:srgbClr val="0556F3"/>
+                          </a:solidFill>
+                          <a:effectLst/>
+                          <a:hlinkClick r:id="rId22"/>
+                        </a:rPr>
+                        <a:t>endsWith()</a:t>
+                      </a:r>
+                      <a:endParaRPr lang="en-ID" sz="1000">
+                        <a:effectLst/>
+                      </a:endParaRPr>
+                    </a:p>
+                  </a:txBody>
+                  <a:tcPr marL="41703" marR="41703" marT="20852" marB="20852" anchor="ctr">
+                    <a:lnL>
+                      <a:noFill/>
+                    </a:lnL>
+                    <a:lnR>
+                      <a:noFill/>
+                    </a:lnR>
+                    <a:lnT>
+                      <a:noFill/>
+                    </a:lnT>
+                    <a:lnB>
+                      <a:noFill/>
+                    </a:lnB>
+                    <a:solidFill>
+                      <a:srgbClr val="F8FAFF"/>
+                    </a:solidFill>
+                  </a:tcPr>
+                </a:tc>
+                <a:tc>
+                  <a:txBody>
+                    <a:bodyPr/>
+                    <a:lstStyle/>
+                    <a:p>
+                      <a:r>
+                        <a:rPr lang="en-ID" sz="1000">
+                          <a:effectLst/>
+                        </a:rPr>
+                        <a:t>Checks if the string ends with the given string.</a:t>
+                      </a:r>
+                    </a:p>
+                  </a:txBody>
+                  <a:tcPr marL="41703" marR="41703" marT="20852" marB="20852" anchor="ctr">
+                    <a:lnL>
+                      <a:noFill/>
+                    </a:lnL>
+                    <a:lnR>
+                      <a:noFill/>
+                    </a:lnR>
+                    <a:lnT>
+                      <a:noFill/>
+                    </a:lnT>
+                    <a:lnB>
+                      <a:noFill/>
+                    </a:lnB>
+                    <a:solidFill>
+                      <a:srgbClr val="F8FAFF"/>
+                    </a:solidFill>
+                  </a:tcPr>
+                </a:tc>
+                <a:extLst>
+                  <a:ext uri="{0D108BD9-81ED-4DB2-BD59-A6C34878D82A}">
+                    <a16:rowId xmlns:a16="http://schemas.microsoft.com/office/drawing/2014/main" val="2221610784"/>
+                  </a:ext>
+                </a:extLst>
+              </a:tr>
+              <a:tr h="165634">
+                <a:tc>
+                  <a:txBody>
+                    <a:bodyPr/>
+                    <a:lstStyle/>
+                    <a:p>
+                      <a:r>
+                        <a:rPr lang="en-ID" sz="1000" u="none" strike="noStrike">
+                          <a:solidFill>
+                            <a:srgbClr val="0556F3"/>
+                          </a:solidFill>
+                          <a:effectLst/>
+                          <a:hlinkClick r:id="rId23"/>
+                        </a:rPr>
+                        <a:t>isEmpty()</a:t>
+                      </a:r>
+                      <a:endParaRPr lang="en-ID" sz="1000">
+                        <a:effectLst/>
+                      </a:endParaRPr>
+                    </a:p>
+                  </a:txBody>
+                  <a:tcPr marL="41703" marR="41703" marT="20852" marB="20852" anchor="ctr">
+                    <a:lnL>
+                      <a:noFill/>
+                    </a:lnL>
+                    <a:lnR>
+                      <a:noFill/>
+                    </a:lnR>
+                    <a:lnT>
+                      <a:noFill/>
+                    </a:lnT>
+                    <a:lnB>
+                      <a:noFill/>
+                    </a:lnB>
+                    <a:solidFill>
+                      <a:srgbClr val="F8FAFF"/>
+                    </a:solidFill>
+                  </a:tcPr>
+                </a:tc>
+                <a:tc>
+                  <a:txBody>
+                    <a:bodyPr/>
+                    <a:lstStyle/>
+                    <a:p>
+                      <a:r>
+                        <a:rPr lang="en-ID" sz="1000">
+                          <a:effectLst/>
+                        </a:rPr>
+                        <a:t>Checks whether a string is empty or not.</a:t>
+                      </a:r>
+                    </a:p>
+                  </a:txBody>
+                  <a:tcPr marL="41703" marR="41703" marT="20852" marB="20852" anchor="ctr">
+                    <a:lnL>
+                      <a:noFill/>
+                    </a:lnL>
+                    <a:lnR>
+                      <a:noFill/>
+                    </a:lnR>
+                    <a:lnT>
+                      <a:noFill/>
+                    </a:lnT>
+                    <a:lnB>
+                      <a:noFill/>
+                    </a:lnB>
+                    <a:solidFill>
+                      <a:srgbClr val="F8FAFF"/>
+                    </a:solidFill>
+                  </a:tcPr>
+                </a:tc>
+                <a:extLst>
+                  <a:ext uri="{0D108BD9-81ED-4DB2-BD59-A6C34878D82A}">
+                    <a16:rowId xmlns:a16="http://schemas.microsoft.com/office/drawing/2014/main" val="3143227349"/>
+                  </a:ext>
+                </a:extLst>
+              </a:tr>
+              <a:tr h="165634">
+                <a:tc>
+                  <a:txBody>
+                    <a:bodyPr/>
+                    <a:lstStyle/>
+                    <a:p>
+                      <a:r>
+                        <a:rPr lang="en-ID" sz="1000" u="none" strike="noStrike">
+                          <a:solidFill>
+                            <a:srgbClr val="0556F3"/>
+                          </a:solidFill>
+                          <a:effectLst/>
+                          <a:hlinkClick r:id="rId24"/>
+                        </a:rPr>
+                        <a:t>intern()</a:t>
+                      </a:r>
+                      <a:r>
+                        <a:rPr lang="en-ID" sz="1000">
+                          <a:effectLst/>
+                        </a:rPr>
+                        <a:t> </a:t>
+                      </a:r>
+                    </a:p>
+                  </a:txBody>
+                  <a:tcPr marL="41703" marR="41703" marT="20852" marB="20852" anchor="ctr">
+                    <a:lnL>
+                      <a:noFill/>
+                    </a:lnL>
+                    <a:lnR>
+                      <a:noFill/>
+                    </a:lnR>
+                    <a:lnT>
+                      <a:noFill/>
+                    </a:lnT>
+                    <a:lnB>
+                      <a:noFill/>
+                    </a:lnB>
+                    <a:solidFill>
+                      <a:srgbClr val="F8FAFF"/>
+                    </a:solidFill>
+                  </a:tcPr>
+                </a:tc>
+                <a:tc>
+                  <a:txBody>
+                    <a:bodyPr/>
+                    <a:lstStyle/>
+                    <a:p>
+                      <a:r>
+                        <a:rPr lang="en-ID" sz="1000">
+                          <a:effectLst/>
+                        </a:rPr>
+                        <a:t>Returns the canonical representation of the string.</a:t>
+                      </a:r>
+                    </a:p>
+                  </a:txBody>
+                  <a:tcPr marL="41703" marR="41703" marT="20852" marB="20852" anchor="ctr">
+                    <a:lnL>
+                      <a:noFill/>
+                    </a:lnL>
+                    <a:lnR>
+                      <a:noFill/>
+                    </a:lnR>
+                    <a:lnT>
+                      <a:noFill/>
+                    </a:lnT>
+                    <a:lnB>
+                      <a:noFill/>
+                    </a:lnB>
+                    <a:solidFill>
+                      <a:srgbClr val="F8FAFF"/>
+                    </a:solidFill>
+                  </a:tcPr>
+                </a:tc>
+                <a:extLst>
+                  <a:ext uri="{0D108BD9-81ED-4DB2-BD59-A6C34878D82A}">
+                    <a16:rowId xmlns:a16="http://schemas.microsoft.com/office/drawing/2014/main" val="975128731"/>
+                  </a:ext>
+                </a:extLst>
+              </a:tr>
+              <a:tr h="165634">
+                <a:tc>
+                  <a:txBody>
+                    <a:bodyPr/>
+                    <a:lstStyle/>
+                    <a:p>
+                      <a:r>
+                        <a:rPr lang="en-ID" sz="1000" u="none" strike="noStrike">
+                          <a:solidFill>
+                            <a:srgbClr val="0556F3"/>
+                          </a:solidFill>
+                          <a:effectLst/>
+                          <a:hlinkClick r:id="rId25"/>
+                        </a:rPr>
+                        <a:t>contentEquals()</a:t>
+                      </a:r>
+                      <a:endParaRPr lang="en-ID" sz="1000">
+                        <a:effectLst/>
+                      </a:endParaRPr>
+                    </a:p>
+                  </a:txBody>
+                  <a:tcPr marL="41703" marR="41703" marT="20852" marB="20852" anchor="ctr">
+                    <a:lnL>
+                      <a:noFill/>
+                    </a:lnL>
+                    <a:lnR>
+                      <a:noFill/>
+                    </a:lnR>
+                    <a:lnT>
+                      <a:noFill/>
+                    </a:lnT>
+                    <a:lnB>
+                      <a:noFill/>
+                    </a:lnB>
+                    <a:solidFill>
+                      <a:srgbClr val="F8FAFF"/>
+                    </a:solidFill>
+                  </a:tcPr>
+                </a:tc>
+                <a:tc>
+                  <a:txBody>
+                    <a:bodyPr/>
+                    <a:lstStyle/>
+                    <a:p>
+                      <a:r>
+                        <a:rPr lang="en-ID" sz="1000" dirty="0">
+                          <a:effectLst/>
+                        </a:rPr>
+                        <a:t>Checks whether the string is equal to </a:t>
+                      </a:r>
+                      <a:r>
+                        <a:rPr lang="en-ID" sz="1000" dirty="0" err="1">
+                          <a:effectLst/>
+                        </a:rPr>
+                        <a:t>charSequence</a:t>
+                      </a:r>
+                      <a:r>
+                        <a:rPr lang="en-ID" sz="1000" dirty="0">
+                          <a:effectLst/>
+                        </a:rPr>
+                        <a:t>.</a:t>
+                      </a:r>
+                    </a:p>
+                  </a:txBody>
+                  <a:tcPr marL="41703" marR="41703" marT="20852" marB="20852" anchor="ctr">
+                    <a:lnL>
+                      <a:noFill/>
+                    </a:lnL>
+                    <a:lnR>
+                      <a:noFill/>
+                    </a:lnR>
+                    <a:lnT>
+                      <a:noFill/>
+                    </a:lnT>
+                    <a:lnB>
+                      <a:noFill/>
+                    </a:lnB>
+                    <a:solidFill>
+                      <a:srgbClr val="F8FAFF"/>
+                    </a:solidFill>
+                  </a:tcPr>
+                </a:tc>
+                <a:extLst>
+                  <a:ext uri="{0D108BD9-81ED-4DB2-BD59-A6C34878D82A}">
+                    <a16:rowId xmlns:a16="http://schemas.microsoft.com/office/drawing/2014/main" val="4030688789"/>
+                  </a:ext>
+                </a:extLst>
+              </a:tr>
+              <a:tr h="165634">
+                <a:tc>
+                  <a:txBody>
+                    <a:bodyPr/>
+                    <a:lstStyle/>
+                    <a:p>
+                      <a:r>
+                        <a:rPr lang="en-ID" sz="1000" u="none" strike="noStrike">
+                          <a:solidFill>
+                            <a:srgbClr val="0556F3"/>
+                          </a:solidFill>
+                          <a:effectLst/>
+                          <a:hlinkClick r:id="rId26"/>
+                        </a:rPr>
+                        <a:t>hashCode()</a:t>
+                      </a:r>
+                      <a:endParaRPr lang="en-ID" sz="1000">
+                        <a:effectLst/>
+                      </a:endParaRPr>
+                    </a:p>
+                  </a:txBody>
+                  <a:tcPr marL="41703" marR="41703" marT="20852" marB="20852" anchor="ctr">
+                    <a:lnL>
+                      <a:noFill/>
+                    </a:lnL>
+                    <a:lnR>
+                      <a:noFill/>
+                    </a:lnR>
+                    <a:lnT>
+                      <a:noFill/>
+                    </a:lnT>
+                    <a:lnB>
+                      <a:noFill/>
+                    </a:lnB>
+                    <a:solidFill>
+                      <a:srgbClr val="F8FAFF"/>
+                    </a:solidFill>
+                  </a:tcPr>
+                </a:tc>
+                <a:tc>
+                  <a:txBody>
+                    <a:bodyPr/>
+                    <a:lstStyle/>
+                    <a:p>
+                      <a:r>
+                        <a:rPr lang="en-ID" sz="1000">
+                          <a:effectLst/>
+                        </a:rPr>
+                        <a:t>Returns a hash code for the string.</a:t>
+                      </a:r>
+                    </a:p>
+                  </a:txBody>
+                  <a:tcPr marL="41703" marR="41703" marT="20852" marB="20852" anchor="ctr">
+                    <a:lnL>
+                      <a:noFill/>
+                    </a:lnL>
+                    <a:lnR>
+                      <a:noFill/>
+                    </a:lnR>
+                    <a:lnT>
+                      <a:noFill/>
+                    </a:lnT>
+                    <a:lnB>
+                      <a:noFill/>
+                    </a:lnB>
+                    <a:solidFill>
+                      <a:srgbClr val="F8FAFF"/>
+                    </a:solidFill>
+                  </a:tcPr>
+                </a:tc>
+                <a:extLst>
+                  <a:ext uri="{0D108BD9-81ED-4DB2-BD59-A6C34878D82A}">
+                    <a16:rowId xmlns:a16="http://schemas.microsoft.com/office/drawing/2014/main" val="72347160"/>
+                  </a:ext>
+                </a:extLst>
+              </a:tr>
+              <a:tr h="165634">
+                <a:tc>
+                  <a:txBody>
+                    <a:bodyPr/>
+                    <a:lstStyle/>
+                    <a:p>
+                      <a:r>
+                        <a:rPr lang="en-ID" sz="1000" u="none" strike="noStrike">
+                          <a:solidFill>
+                            <a:srgbClr val="0556F3"/>
+                          </a:solidFill>
+                          <a:effectLst/>
+                          <a:hlinkClick r:id="rId27"/>
+                        </a:rPr>
+                        <a:t>subSequence()</a:t>
+                      </a:r>
+                      <a:endParaRPr lang="en-ID" sz="1000">
+                        <a:effectLst/>
+                      </a:endParaRPr>
+                    </a:p>
+                  </a:txBody>
+                  <a:tcPr marL="41703" marR="41703" marT="20852" marB="20852" anchor="ctr">
+                    <a:lnL>
+                      <a:noFill/>
+                    </a:lnL>
+                    <a:lnR>
+                      <a:noFill/>
+                    </a:lnR>
+                    <a:lnT>
+                      <a:noFill/>
+                    </a:lnT>
+                    <a:lnB>
+                      <a:noFill/>
+                    </a:lnB>
+                    <a:solidFill>
+                      <a:srgbClr val="F8FAFF"/>
+                    </a:solidFill>
+                  </a:tcPr>
+                </a:tc>
+                <a:tc>
+                  <a:txBody>
+                    <a:bodyPr/>
+                    <a:lstStyle/>
+                    <a:p>
+                      <a:r>
+                        <a:rPr lang="en-ID" sz="1000" dirty="0">
+                          <a:effectLst/>
+                        </a:rPr>
+                        <a:t>Returns a subsequence from the string.</a:t>
+                      </a:r>
+                    </a:p>
+                  </a:txBody>
+                  <a:tcPr marL="41703" marR="41703" marT="20852" marB="20852" anchor="ctr">
+                    <a:lnL>
+                      <a:noFill/>
+                    </a:lnL>
+                    <a:lnR>
+                      <a:noFill/>
+                    </a:lnR>
+                    <a:lnT>
+                      <a:noFill/>
+                    </a:lnT>
+                    <a:lnB>
+                      <a:noFill/>
+                    </a:lnB>
+                    <a:solidFill>
+                      <a:srgbClr val="F8FAFF"/>
+                    </a:solidFill>
+                  </a:tcPr>
+                </a:tc>
+                <a:extLst>
+                  <a:ext uri="{0D108BD9-81ED-4DB2-BD59-A6C34878D82A}">
+                    <a16:rowId xmlns:a16="http://schemas.microsoft.com/office/drawing/2014/main" val="3090145407"/>
+                  </a:ext>
+                </a:extLst>
+              </a:tr>
+            </a:tbl>
+          </a:graphicData>
+        </a:graphic>
+      </p:graphicFrame>
+    </p:spTree>
+    <p:extLst>
+      <p:ext uri="{BB962C8B-B14F-4D97-AF65-F5344CB8AC3E}">
+        <p14:creationId xmlns:p14="http://schemas.microsoft.com/office/powerpoint/2010/main" val="2439540074"/>
+      </p:ext>
+    </p:extLst>
+  </p:cSld>
+  <p:clrMapOvr>
+    <a:masterClrMapping/>
+  </p:clrMapOvr>
+</p:sld>
+</file>
+
 <file path=ppt/slides/slide4.xml><?xml version="1.0" encoding="utf-8"?>
 <p:sld xmlns:a="http://schemas.openxmlformats.org/drawingml/2006/main" xmlns:r="http://schemas.openxmlformats.org/officeDocument/2006/relationships" xmlns:p="http://schemas.openxmlformats.org/presentationml/2006/main">
   <p:cSld>

--- a/Bootcamp.pptx
+++ b/Bootcamp.pptx
@@ -42,8 +42,14 @@
     <p:sldId id="293" r:id="rId36"/>
     <p:sldId id="294" r:id="rId37"/>
     <p:sldId id="295" r:id="rId38"/>
-    <p:sldId id="296" r:id="rId39"/>
-    <p:sldId id="297" r:id="rId40"/>
+    <p:sldId id="300" r:id="rId39"/>
+    <p:sldId id="296" r:id="rId40"/>
+    <p:sldId id="297" r:id="rId41"/>
+    <p:sldId id="298" r:id="rId42"/>
+    <p:sldId id="299" r:id="rId43"/>
+    <p:sldId id="301" r:id="rId44"/>
+    <p:sldId id="302" r:id="rId45"/>
+    <p:sldId id="303" r:id="rId46"/>
   </p:sldIdLst>
   <p:sldSz cx="12192000" cy="6858000"/>
   <p:notesSz cx="6858000" cy="9144000"/>
@@ -396,7 +402,7 @@
             <a:fld id="{B61BEF0D-F0BB-DE4B-95CE-6DB70DBA9567}" type="datetimeFigureOut">
               <a:rPr lang="en-US" dirty="0"/>
               <a:pPr/>
-              <a:t>3/23/24</a:t>
+              <a:t>3/24/24</a:t>
             </a:fld>
             <a:endParaRPr lang="en-US" dirty="0"/>
           </a:p>
@@ -655,7 +661,7 @@
             <a:fld id="{B61BEF0D-F0BB-DE4B-95CE-6DB70DBA9567}" type="datetimeFigureOut">
               <a:rPr lang="en-US" dirty="0"/>
               <a:pPr/>
-              <a:t>3/23/24</a:t>
+              <a:t>3/24/24</a:t>
             </a:fld>
             <a:endParaRPr lang="en-US" dirty="0"/>
           </a:p>
@@ -887,7 +893,7 @@
             <a:fld id="{B61BEF0D-F0BB-DE4B-95CE-6DB70DBA9567}" type="datetimeFigureOut">
               <a:rPr lang="en-US" dirty="0"/>
               <a:pPr/>
-              <a:t>3/23/24</a:t>
+              <a:t>3/24/24</a:t>
             </a:fld>
             <a:endParaRPr lang="en-US" dirty="0"/>
           </a:p>
@@ -1124,7 +1130,7 @@
             <a:fld id="{B61BEF0D-F0BB-DE4B-95CE-6DB70DBA9567}" type="datetimeFigureOut">
               <a:rPr lang="en-US" dirty="0"/>
               <a:pPr/>
-              <a:t>3/23/24</a:t>
+              <a:t>3/24/24</a:t>
             </a:fld>
             <a:endParaRPr lang="en-US" dirty="0"/>
           </a:p>
@@ -1428,7 +1434,7 @@
             <a:fld id="{B61BEF0D-F0BB-DE4B-95CE-6DB70DBA9567}" type="datetimeFigureOut">
               <a:rPr lang="en-US" dirty="0"/>
               <a:pPr/>
-              <a:t>3/23/24</a:t>
+              <a:t>3/24/24</a:t>
             </a:fld>
             <a:endParaRPr lang="en-US" dirty="0"/>
           </a:p>
@@ -1727,7 +1733,7 @@
             <a:fld id="{B61BEF0D-F0BB-DE4B-95CE-6DB70DBA9567}" type="datetimeFigureOut">
               <a:rPr lang="en-US" dirty="0"/>
               <a:pPr/>
-              <a:t>3/23/24</a:t>
+              <a:t>3/24/24</a:t>
             </a:fld>
             <a:endParaRPr lang="en-US" dirty="0"/>
           </a:p>
@@ -2146,7 +2152,7 @@
             <a:fld id="{B61BEF0D-F0BB-DE4B-95CE-6DB70DBA9567}" type="datetimeFigureOut">
               <a:rPr lang="en-US" dirty="0"/>
               <a:pPr/>
-              <a:t>3/23/24</a:t>
+              <a:t>3/24/24</a:t>
             </a:fld>
             <a:endParaRPr lang="en-US" dirty="0"/>
           </a:p>
@@ -2305,7 +2311,7 @@
             <a:fld id="{B61BEF0D-F0BB-DE4B-95CE-6DB70DBA9567}" type="datetimeFigureOut">
               <a:rPr lang="en-US" dirty="0"/>
               <a:pPr/>
-              <a:t>3/23/24</a:t>
+              <a:t>3/24/24</a:t>
             </a:fld>
             <a:endParaRPr lang="en-US" dirty="0"/>
           </a:p>
@@ -2397,7 +2403,7 @@
             <a:fld id="{B61BEF0D-F0BB-DE4B-95CE-6DB70DBA9567}" type="datetimeFigureOut">
               <a:rPr lang="en-US" dirty="0"/>
               <a:pPr/>
-              <a:t>3/23/24</a:t>
+              <a:t>3/24/24</a:t>
             </a:fld>
             <a:endParaRPr lang="en-US" dirty="0"/>
           </a:p>
@@ -2772,7 +2778,7 @@
             <a:fld id="{B61BEF0D-F0BB-DE4B-95CE-6DB70DBA9567}" type="datetimeFigureOut">
               <a:rPr lang="en-US" dirty="0"/>
               <a:pPr/>
-              <a:t>3/23/24</a:t>
+              <a:t>3/24/24</a:t>
             </a:fld>
             <a:endParaRPr lang="en-US" dirty="0"/>
           </a:p>
@@ -3058,7 +3064,7 @@
             <a:fld id="{B61BEF0D-F0BB-DE4B-95CE-6DB70DBA9567}" type="datetimeFigureOut">
               <a:rPr lang="en-US" dirty="0"/>
               <a:pPr/>
-              <a:t>3/23/24</a:t>
+              <a:t>3/24/24</a:t>
             </a:fld>
             <a:endParaRPr lang="en-US" dirty="0"/>
           </a:p>
@@ -3266,7 +3272,7 @@
             <a:fld id="{B61BEF0D-F0BB-DE4B-95CE-6DB70DBA9567}" type="datetimeFigureOut">
               <a:rPr lang="en-US" dirty="0"/>
               <a:pPr/>
-              <a:t>3/23/24</a:t>
+              <a:t>3/24/24</a:t>
             </a:fld>
             <a:endParaRPr lang="en-US" dirty="0"/>
           </a:p>
@@ -20014,6 +20020,252 @@
           <p:cNvPr id="2" name="Title 1">
             <a:extLst>
               <a:ext uri="{FF2B5EF4-FFF2-40B4-BE49-F238E27FC236}">
+                <a16:creationId xmlns:a16="http://schemas.microsoft.com/office/drawing/2014/main" id="{56052482-F7FC-B4BC-9262-FD4B08930238}"/>
+              </a:ext>
+            </a:extLst>
+          </p:cNvPr>
+          <p:cNvSpPr>
+            <a:spLocks noGrp="1"/>
+          </p:cNvSpPr>
+          <p:nvPr>
+            <p:ph type="title"/>
+          </p:nvPr>
+        </p:nvSpPr>
+        <p:spPr/>
+        <p:txBody>
+          <a:bodyPr>
+            <a:normAutofit/>
+          </a:bodyPr>
+          <a:lstStyle/>
+          <a:p>
+            <a:r>
+              <a:rPr lang="en-US" dirty="0"/>
+              <a:t>Java Constructors</a:t>
+            </a:r>
+          </a:p>
+        </p:txBody>
+      </p:sp>
+      <p:sp>
+        <p:nvSpPr>
+          <p:cNvPr id="3" name="Content Placeholder 2">
+            <a:extLst>
+              <a:ext uri="{FF2B5EF4-FFF2-40B4-BE49-F238E27FC236}">
+                <a16:creationId xmlns:a16="http://schemas.microsoft.com/office/drawing/2014/main" id="{5E340B3B-C6B5-E155-87E8-A4BE44F543CD}"/>
+              </a:ext>
+            </a:extLst>
+          </p:cNvPr>
+          <p:cNvSpPr>
+            <a:spLocks noGrp="1"/>
+          </p:cNvSpPr>
+          <p:nvPr>
+            <p:ph idx="1"/>
+          </p:nvPr>
+        </p:nvSpPr>
+        <p:spPr/>
+        <p:txBody>
+          <a:bodyPr/>
+          <a:lstStyle/>
+          <a:p>
+            <a:r>
+              <a:rPr lang="en-US" dirty="0"/>
+              <a:t>constructors di Java </a:t>
+            </a:r>
+            <a:r>
+              <a:rPr lang="en-US" dirty="0" err="1"/>
+              <a:t>mirip</a:t>
+            </a:r>
+            <a:r>
+              <a:rPr lang="en-US" dirty="0"/>
+              <a:t> </a:t>
+            </a:r>
+            <a:r>
+              <a:rPr lang="en-US" dirty="0" err="1"/>
+              <a:t>dengan</a:t>
+            </a:r>
+            <a:r>
+              <a:rPr lang="en-US" dirty="0"/>
+              <a:t> </a:t>
+            </a:r>
+            <a:r>
+              <a:rPr lang="en-US" dirty="0" err="1"/>
+              <a:t>metode</a:t>
+            </a:r>
+            <a:r>
+              <a:rPr lang="en-US" dirty="0"/>
+              <a:t> yang </a:t>
+            </a:r>
+            <a:r>
+              <a:rPr lang="en-US" dirty="0" err="1"/>
+              <a:t>dipanggil</a:t>
+            </a:r>
+            <a:r>
+              <a:rPr lang="en-US" dirty="0"/>
+              <a:t> </a:t>
+            </a:r>
+            <a:r>
+              <a:rPr lang="en-US" dirty="0" err="1"/>
+              <a:t>saat</a:t>
+            </a:r>
+            <a:r>
+              <a:rPr lang="en-US" dirty="0"/>
+              <a:t> </a:t>
+            </a:r>
+            <a:r>
+              <a:rPr lang="en-US" dirty="0" err="1"/>
+              <a:t>objek</a:t>
+            </a:r>
+            <a:r>
+              <a:rPr lang="en-US" dirty="0"/>
+              <a:t> </a:t>
+            </a:r>
+            <a:r>
+              <a:rPr lang="en-US" dirty="0" err="1"/>
+              <a:t>kelas</a:t>
+            </a:r>
+            <a:r>
+              <a:rPr lang="en-US" dirty="0"/>
+              <a:t> </a:t>
+            </a:r>
+            <a:r>
+              <a:rPr lang="en-US" dirty="0" err="1"/>
+              <a:t>dibuat</a:t>
+            </a:r>
+            <a:r>
+              <a:rPr lang="en-US" dirty="0"/>
+              <a:t>.</a:t>
+            </a:r>
+          </a:p>
+          <a:p>
+            <a:r>
+              <a:rPr lang="en-US" dirty="0" err="1"/>
+              <a:t>Berbeda</a:t>
+            </a:r>
+            <a:r>
+              <a:rPr lang="en-US" dirty="0"/>
+              <a:t> </a:t>
+            </a:r>
+            <a:r>
+              <a:rPr lang="en-US" dirty="0" err="1"/>
+              <a:t>dengan</a:t>
+            </a:r>
+            <a:r>
+              <a:rPr lang="en-US" dirty="0"/>
+              <a:t> method Java, constructors </a:t>
+            </a:r>
+            <a:r>
+              <a:rPr lang="en-US" dirty="0" err="1"/>
+              <a:t>memiliki</a:t>
+            </a:r>
+            <a:r>
+              <a:rPr lang="en-US" dirty="0"/>
+              <a:t> </a:t>
+            </a:r>
+            <a:r>
+              <a:rPr lang="en-US" dirty="0" err="1"/>
+              <a:t>nama</a:t>
+            </a:r>
+            <a:r>
+              <a:rPr lang="en-US" dirty="0"/>
+              <a:t> yang </a:t>
+            </a:r>
+            <a:r>
+              <a:rPr lang="en-US" dirty="0" err="1"/>
+              <a:t>sama</a:t>
+            </a:r>
+            <a:r>
+              <a:rPr lang="en-US" dirty="0"/>
+              <a:t> </a:t>
+            </a:r>
+            <a:r>
+              <a:rPr lang="en-US" dirty="0" err="1"/>
+              <a:t>dengan</a:t>
+            </a:r>
+            <a:r>
+              <a:rPr lang="en-US" dirty="0"/>
+              <a:t> </a:t>
+            </a:r>
+            <a:r>
+              <a:rPr lang="en-US" dirty="0" err="1"/>
+              <a:t>nama</a:t>
+            </a:r>
+            <a:r>
+              <a:rPr lang="en-US" dirty="0"/>
+              <a:t> </a:t>
+            </a:r>
+            <a:r>
+              <a:rPr lang="en-US" dirty="0" err="1"/>
+              <a:t>kelasnya</a:t>
+            </a:r>
+            <a:r>
+              <a:rPr lang="en-US" dirty="0"/>
+              <a:t> dan </a:t>
+            </a:r>
+            <a:r>
+              <a:rPr lang="en-US" dirty="0" err="1"/>
+              <a:t>tidak</a:t>
+            </a:r>
+            <a:r>
+              <a:rPr lang="en-US" dirty="0"/>
+              <a:t> </a:t>
+            </a:r>
+            <a:r>
+              <a:rPr lang="en-US" dirty="0" err="1"/>
+              <a:t>memiliki</a:t>
+            </a:r>
+            <a:r>
+              <a:rPr lang="en-US" dirty="0"/>
+              <a:t> </a:t>
+            </a:r>
+            <a:r>
+              <a:rPr lang="en-US" i="1" dirty="0"/>
+              <a:t>return type </a:t>
+            </a:r>
+            <a:r>
+              <a:rPr lang="en-US" dirty="0" err="1"/>
+              <a:t>apa</a:t>
+            </a:r>
+            <a:r>
+              <a:rPr lang="en-US" dirty="0"/>
+              <a:t> pun.</a:t>
+            </a:r>
+          </a:p>
+        </p:txBody>
+      </p:sp>
+    </p:spTree>
+    <p:extLst>
+      <p:ext uri="{BB962C8B-B14F-4D97-AF65-F5344CB8AC3E}">
+        <p14:creationId xmlns:p14="http://schemas.microsoft.com/office/powerpoint/2010/main" val="379704209"/>
+      </p:ext>
+    </p:extLst>
+  </p:cSld>
+  <p:clrMapOvr>
+    <a:masterClrMapping/>
+  </p:clrMapOvr>
+</p:sld>
+</file>
+
+<file path=ppt/slides/slide39.xml><?xml version="1.0" encoding="utf-8"?>
+<p:sld xmlns:a="http://schemas.openxmlformats.org/drawingml/2006/main" xmlns:r="http://schemas.openxmlformats.org/officeDocument/2006/relationships" xmlns:p="http://schemas.openxmlformats.org/presentationml/2006/main">
+  <p:cSld>
+    <p:spTree>
+      <p:nvGrpSpPr>
+        <p:cNvPr id="1" name=""/>
+        <p:cNvGrpSpPr/>
+        <p:nvPr/>
+      </p:nvGrpSpPr>
+      <p:grpSpPr>
+        <a:xfrm>
+          <a:off x="0" y="0"/>
+          <a:ext cx="0" cy="0"/>
+          <a:chOff x="0" y="0"/>
+          <a:chExt cx="0" cy="0"/>
+        </a:xfrm>
+      </p:grpSpPr>
+      <p:sp>
+        <p:nvSpPr>
+          <p:cNvPr id="2" name="Title 1">
+            <a:extLst>
+              <a:ext uri="{FF2B5EF4-FFF2-40B4-BE49-F238E27FC236}">
                 <a16:creationId xmlns:a16="http://schemas.microsoft.com/office/drawing/2014/main" id="{4E58DC3D-1B5F-8726-92A6-B22690029FCE}"/>
               </a:ext>
             </a:extLst>
@@ -20456,7 +20708,549 @@
 </p:sld>
 </file>
 
-<file path=ppt/slides/slide39.xml><?xml version="1.0" encoding="utf-8"?>
+<file path=ppt/slides/slide4.xml><?xml version="1.0" encoding="utf-8"?>
+<p:sld xmlns:a="http://schemas.openxmlformats.org/drawingml/2006/main" xmlns:r="http://schemas.openxmlformats.org/officeDocument/2006/relationships" xmlns:p="http://schemas.openxmlformats.org/presentationml/2006/main">
+  <p:cSld>
+    <p:spTree>
+      <p:nvGrpSpPr>
+        <p:cNvPr id="1" name=""/>
+        <p:cNvGrpSpPr/>
+        <p:nvPr/>
+      </p:nvGrpSpPr>
+      <p:grpSpPr>
+        <a:xfrm>
+          <a:off x="0" y="0"/>
+          <a:ext cx="0" cy="0"/>
+          <a:chOff x="0" y="0"/>
+          <a:chExt cx="0" cy="0"/>
+        </a:xfrm>
+      </p:grpSpPr>
+      <p:sp>
+        <p:nvSpPr>
+          <p:cNvPr id="2" name="Title 1">
+            <a:extLst>
+              <a:ext uri="{FF2B5EF4-FFF2-40B4-BE49-F238E27FC236}">
+                <a16:creationId xmlns:a16="http://schemas.microsoft.com/office/drawing/2014/main" id="{E8C86992-4CBB-FB5D-0385-B4874B1BD41A}"/>
+              </a:ext>
+            </a:extLst>
+          </p:cNvPr>
+          <p:cNvSpPr>
+            <a:spLocks noGrp="1"/>
+          </p:cNvSpPr>
+          <p:nvPr>
+            <p:ph type="title"/>
+          </p:nvPr>
+        </p:nvSpPr>
+        <p:spPr/>
+        <p:txBody>
+          <a:bodyPr/>
+          <a:lstStyle/>
+          <a:p>
+            <a:r>
+              <a:rPr lang="en-US" dirty="0"/>
+              <a:t>First Encounter</a:t>
+            </a:r>
+          </a:p>
+        </p:txBody>
+      </p:sp>
+      <p:sp>
+        <p:nvSpPr>
+          <p:cNvPr id="3" name="Content Placeholder 2">
+            <a:extLst>
+              <a:ext uri="{FF2B5EF4-FFF2-40B4-BE49-F238E27FC236}">
+                <a16:creationId xmlns:a16="http://schemas.microsoft.com/office/drawing/2014/main" id="{9B4F04D2-D4AB-6F88-89E2-41421B298D33}"/>
+              </a:ext>
+            </a:extLst>
+          </p:cNvPr>
+          <p:cNvSpPr>
+            <a:spLocks noGrp="1"/>
+          </p:cNvSpPr>
+          <p:nvPr>
+            <p:ph idx="1"/>
+          </p:nvPr>
+        </p:nvSpPr>
+        <p:spPr>
+          <a:xfrm>
+            <a:off x="581193" y="2180496"/>
+            <a:ext cx="5240186" cy="3678303"/>
+          </a:xfrm>
+        </p:spPr>
+        <p:txBody>
+          <a:bodyPr/>
+          <a:lstStyle/>
+          <a:p>
+            <a:r>
+              <a:rPr lang="en-US" dirty="0" err="1"/>
+              <a:t>Menulis</a:t>
+            </a:r>
+            <a:r>
+              <a:rPr lang="en-US" dirty="0"/>
+              <a:t> dan </a:t>
+            </a:r>
+            <a:r>
+              <a:rPr lang="en-US" dirty="0" err="1"/>
+              <a:t>menjalankan</a:t>
+            </a:r>
+            <a:r>
+              <a:rPr lang="en-US" dirty="0"/>
+              <a:t> program java </a:t>
+            </a:r>
+            <a:r>
+              <a:rPr lang="en-US" dirty="0" err="1"/>
+              <a:t>pertamamu</a:t>
+            </a:r>
+            <a:r>
+              <a:rPr lang="en-US" dirty="0"/>
+              <a:t>.</a:t>
+            </a:r>
+          </a:p>
+          <a:p>
+            <a:pPr lvl="1"/>
+            <a:r>
+              <a:rPr lang="en-US" dirty="0" err="1"/>
+              <a:t>Untuk</a:t>
+            </a:r>
+            <a:r>
+              <a:rPr lang="en-US" dirty="0"/>
+              <a:t> </a:t>
+            </a:r>
+            <a:r>
+              <a:rPr lang="en-US" dirty="0" err="1"/>
+              <a:t>menulis</a:t>
+            </a:r>
+            <a:r>
+              <a:rPr lang="en-US" dirty="0"/>
+              <a:t> program </a:t>
+            </a:r>
+            <a:r>
+              <a:rPr lang="en-US" dirty="0" err="1"/>
+              <a:t>kita</a:t>
+            </a:r>
+            <a:r>
+              <a:rPr lang="en-US" dirty="0"/>
+              <a:t> </a:t>
+            </a:r>
+            <a:r>
+              <a:rPr lang="en-US" dirty="0" err="1"/>
+              <a:t>akan</a:t>
+            </a:r>
+            <a:r>
+              <a:rPr lang="en-US" dirty="0"/>
+              <a:t> </a:t>
+            </a:r>
+            <a:r>
+              <a:rPr lang="en-US" dirty="0" err="1"/>
+              <a:t>menggunakan</a:t>
+            </a:r>
+            <a:r>
+              <a:rPr lang="en-US" dirty="0"/>
+              <a:t> </a:t>
+            </a:r>
+            <a:r>
+              <a:rPr lang="en-US" dirty="0" err="1"/>
+              <a:t>VSCode</a:t>
+            </a:r>
+            <a:r>
+              <a:rPr lang="en-US" dirty="0"/>
+              <a:t>.</a:t>
+            </a:r>
+          </a:p>
+          <a:p>
+            <a:pPr lvl="1"/>
+            <a:r>
+              <a:rPr lang="en-US" dirty="0" err="1"/>
+              <a:t>Tekan</a:t>
+            </a:r>
+            <a:r>
+              <a:rPr lang="en-US" dirty="0"/>
+              <a:t> </a:t>
+            </a:r>
+            <a:r>
+              <a:rPr lang="en-US" dirty="0" err="1"/>
+              <a:t>Tombol</a:t>
+            </a:r>
+            <a:r>
+              <a:rPr lang="en-US" dirty="0"/>
+              <a:t> “</a:t>
+            </a:r>
+            <a:r>
+              <a:rPr lang="en-US" dirty="0">
+                <a:solidFill>
+                  <a:srgbClr val="00B0F0"/>
+                </a:solidFill>
+              </a:rPr>
+              <a:t>Create Java Project</a:t>
+            </a:r>
+            <a:r>
+              <a:rPr lang="en-US" dirty="0"/>
+              <a:t>” dan </a:t>
+            </a:r>
+            <a:r>
+              <a:rPr lang="en-US" dirty="0" err="1"/>
+              <a:t>lanjutkan</a:t>
+            </a:r>
+            <a:r>
+              <a:rPr lang="en-US" dirty="0"/>
+              <a:t> </a:t>
+            </a:r>
+            <a:r>
+              <a:rPr lang="en-US" dirty="0" err="1"/>
+              <a:t>dengan</a:t>
+            </a:r>
+            <a:r>
+              <a:rPr lang="en-US" dirty="0"/>
+              <a:t> </a:t>
+            </a:r>
+            <a:r>
+              <a:rPr lang="en-US" dirty="0" err="1"/>
+              <a:t>memilih</a:t>
+            </a:r>
+            <a:r>
+              <a:rPr lang="en-US" dirty="0"/>
+              <a:t> project type “</a:t>
+            </a:r>
+            <a:r>
+              <a:rPr lang="en-US" dirty="0">
+                <a:solidFill>
+                  <a:srgbClr val="00B0F0"/>
+                </a:solidFill>
+              </a:rPr>
+              <a:t>No build tools</a:t>
+            </a:r>
+            <a:r>
+              <a:rPr lang="en-US" dirty="0"/>
+              <a:t>” </a:t>
+            </a:r>
+            <a:r>
+              <a:rPr lang="en-US" dirty="0" err="1"/>
+              <a:t>lalu</a:t>
+            </a:r>
+            <a:r>
+              <a:rPr lang="en-US" dirty="0"/>
+              <a:t> </a:t>
+            </a:r>
+            <a:r>
+              <a:rPr lang="en-US" dirty="0" err="1"/>
+              <a:t>setelah</a:t>
+            </a:r>
+            <a:r>
+              <a:rPr lang="en-US" dirty="0"/>
+              <a:t> </a:t>
+            </a:r>
+            <a:r>
+              <a:rPr lang="en-US" dirty="0" err="1"/>
+              <a:t>itu</a:t>
+            </a:r>
+            <a:r>
+              <a:rPr lang="en-US" dirty="0"/>
+              <a:t> </a:t>
+            </a:r>
+            <a:r>
+              <a:rPr lang="en-US" dirty="0" err="1"/>
+              <a:t>pilih</a:t>
+            </a:r>
+            <a:r>
+              <a:rPr lang="en-US" dirty="0"/>
+              <a:t> folder </a:t>
+            </a:r>
+            <a:r>
+              <a:rPr lang="en-US" dirty="0" err="1"/>
+              <a:t>dimana</a:t>
+            </a:r>
+            <a:r>
+              <a:rPr lang="en-US" dirty="0"/>
+              <a:t> project </a:t>
+            </a:r>
+            <a:r>
+              <a:rPr lang="en-US" dirty="0" err="1"/>
+              <a:t>akan</a:t>
+            </a:r>
+            <a:r>
+              <a:rPr lang="en-US" dirty="0"/>
+              <a:t> </a:t>
+            </a:r>
+            <a:r>
+              <a:rPr lang="en-US" dirty="0" err="1"/>
+              <a:t>disimpan</a:t>
+            </a:r>
+            <a:r>
+              <a:rPr lang="en-US" dirty="0"/>
+              <a:t>.</a:t>
+            </a:r>
+          </a:p>
+          <a:p>
+            <a:pPr lvl="1"/>
+            <a:r>
+              <a:rPr lang="en-US" dirty="0" err="1"/>
+              <a:t>VSCode</a:t>
+            </a:r>
+            <a:r>
+              <a:rPr lang="en-US" dirty="0"/>
+              <a:t> </a:t>
+            </a:r>
+            <a:r>
+              <a:rPr lang="en-US" dirty="0" err="1"/>
+              <a:t>akan</a:t>
+            </a:r>
+            <a:r>
+              <a:rPr lang="en-US" dirty="0"/>
+              <a:t> </a:t>
+            </a:r>
+            <a:r>
+              <a:rPr lang="en-US" dirty="0" err="1"/>
+              <a:t>membuatkan</a:t>
+            </a:r>
+            <a:r>
+              <a:rPr lang="en-US" dirty="0"/>
+              <a:t> </a:t>
+            </a:r>
+            <a:r>
+              <a:rPr lang="en-US" dirty="0" err="1"/>
+              <a:t>beberapa</a:t>
+            </a:r>
+            <a:r>
+              <a:rPr lang="en-US" dirty="0"/>
+              <a:t> file dan </a:t>
+            </a:r>
+            <a:r>
+              <a:rPr lang="en-US" dirty="0" err="1"/>
+              <a:t>struktur</a:t>
+            </a:r>
+            <a:r>
+              <a:rPr lang="en-US" dirty="0"/>
+              <a:t> folder. Kita </a:t>
+            </a:r>
+            <a:r>
+              <a:rPr lang="en-US" dirty="0" err="1"/>
+              <a:t>akan</a:t>
+            </a:r>
+            <a:r>
+              <a:rPr lang="en-US" dirty="0"/>
+              <a:t> </a:t>
+            </a:r>
+            <a:r>
+              <a:rPr lang="en-US" dirty="0" err="1"/>
+              <a:t>fokus</a:t>
+            </a:r>
+            <a:r>
+              <a:rPr lang="en-US" dirty="0"/>
+              <a:t> pada folder ”</a:t>
+            </a:r>
+            <a:r>
+              <a:rPr lang="en-US" dirty="0" err="1">
+                <a:solidFill>
+                  <a:srgbClr val="00B0F0"/>
+                </a:solidFill>
+              </a:rPr>
+              <a:t>src</a:t>
+            </a:r>
+            <a:r>
+              <a:rPr lang="en-US" dirty="0"/>
+              <a:t>” </a:t>
+            </a:r>
+            <a:r>
+              <a:rPr lang="en-US" dirty="0" err="1"/>
+              <a:t>dimana</a:t>
+            </a:r>
+            <a:r>
+              <a:rPr lang="en-US" dirty="0"/>
+              <a:t> </a:t>
+            </a:r>
+            <a:r>
+              <a:rPr lang="en-US" dirty="0" err="1"/>
+              <a:t>kode</a:t>
+            </a:r>
+            <a:r>
+              <a:rPr lang="en-US" dirty="0"/>
+              <a:t> </a:t>
+            </a:r>
+            <a:r>
+              <a:rPr lang="en-US" dirty="0" err="1"/>
+              <a:t>akan</a:t>
+            </a:r>
+            <a:r>
+              <a:rPr lang="en-US" dirty="0"/>
+              <a:t> </a:t>
+            </a:r>
+            <a:r>
+              <a:rPr lang="en-US" dirty="0" err="1"/>
+              <a:t>kita</a:t>
+            </a:r>
+            <a:r>
+              <a:rPr lang="en-US" dirty="0"/>
+              <a:t> </a:t>
+            </a:r>
+            <a:r>
+              <a:rPr lang="en-US" dirty="0" err="1"/>
+              <a:t>tulis</a:t>
+            </a:r>
+            <a:r>
+              <a:rPr lang="en-US" dirty="0"/>
+              <a:t>.</a:t>
+            </a:r>
+          </a:p>
+          <a:p>
+            <a:pPr lvl="1"/>
+            <a:r>
+              <a:rPr lang="en-US" dirty="0" err="1"/>
+              <a:t>Untuk</a:t>
+            </a:r>
+            <a:r>
+              <a:rPr lang="en-US" dirty="0"/>
+              <a:t> </a:t>
+            </a:r>
+            <a:r>
+              <a:rPr lang="en-US" dirty="0" err="1"/>
+              <a:t>menjalankan</a:t>
+            </a:r>
+            <a:r>
+              <a:rPr lang="en-US" dirty="0"/>
+              <a:t> program, </a:t>
+            </a:r>
+            <a:r>
+              <a:rPr lang="en-US" dirty="0" err="1"/>
+              <a:t>kita</a:t>
+            </a:r>
+            <a:r>
+              <a:rPr lang="en-US" dirty="0"/>
+              <a:t> </a:t>
+            </a:r>
+            <a:r>
+              <a:rPr lang="en-US" dirty="0" err="1"/>
+              <a:t>bisa</a:t>
+            </a:r>
+            <a:r>
+              <a:rPr lang="en-US" dirty="0"/>
+              <a:t> </a:t>
+            </a:r>
+            <a:r>
+              <a:rPr lang="en-US" dirty="0" err="1"/>
+              <a:t>menekan</a:t>
+            </a:r>
+            <a:r>
+              <a:rPr lang="en-US" dirty="0"/>
+              <a:t> </a:t>
+            </a:r>
+            <a:r>
+              <a:rPr lang="en-US" dirty="0" err="1"/>
+              <a:t>tombol</a:t>
+            </a:r>
+            <a:r>
+              <a:rPr lang="en-US" dirty="0"/>
+              <a:t> </a:t>
+            </a:r>
+            <a:r>
+              <a:rPr lang="en-US" dirty="0">
+                <a:solidFill>
+                  <a:srgbClr val="00B050"/>
+                </a:solidFill>
+              </a:rPr>
+              <a:t>F5</a:t>
+            </a:r>
+            <a:r>
+              <a:rPr lang="en-US" dirty="0"/>
+              <a:t> </a:t>
+            </a:r>
+            <a:r>
+              <a:rPr lang="en-US" dirty="0" err="1"/>
+              <a:t>atau</a:t>
+            </a:r>
+            <a:r>
+              <a:rPr lang="en-US" dirty="0"/>
+              <a:t> </a:t>
+            </a:r>
+            <a:r>
+              <a:rPr lang="en-US" dirty="0" err="1"/>
+              <a:t>pilih</a:t>
+            </a:r>
+            <a:r>
+              <a:rPr lang="en-US" dirty="0"/>
+              <a:t> menu </a:t>
+            </a:r>
+            <a:r>
+              <a:rPr lang="en-US" dirty="0">
+                <a:solidFill>
+                  <a:srgbClr val="00B050"/>
+                </a:solidFill>
+              </a:rPr>
+              <a:t>Run </a:t>
+            </a:r>
+            <a:r>
+              <a:rPr lang="en-US" dirty="0">
+                <a:solidFill>
+                  <a:schemeClr val="tx1"/>
+                </a:solidFill>
+              </a:rPr>
+              <a:t>pada </a:t>
+            </a:r>
+            <a:r>
+              <a:rPr lang="en-US" dirty="0" err="1">
+                <a:solidFill>
+                  <a:schemeClr val="tx1"/>
+                </a:solidFill>
+              </a:rPr>
+              <a:t>VSCode</a:t>
+            </a:r>
+            <a:r>
+              <a:rPr lang="en-US" dirty="0">
+                <a:solidFill>
+                  <a:schemeClr val="tx1"/>
+                </a:solidFill>
+              </a:rPr>
+              <a:t>.</a:t>
+            </a:r>
+            <a:endParaRPr lang="en-US" dirty="0">
+              <a:solidFill>
+                <a:srgbClr val="00B050"/>
+              </a:solidFill>
+            </a:endParaRPr>
+          </a:p>
+        </p:txBody>
+      </p:sp>
+      <p:pic>
+        <p:nvPicPr>
+          <p:cNvPr id="9" name="Picture 8">
+            <a:extLst>
+              <a:ext uri="{FF2B5EF4-FFF2-40B4-BE49-F238E27FC236}">
+                <a16:creationId xmlns:a16="http://schemas.microsoft.com/office/drawing/2014/main" id="{FC7C5CA1-9AF8-79BC-F2A5-5A229A112A60}"/>
+              </a:ext>
+            </a:extLst>
+          </p:cNvPr>
+          <p:cNvPicPr>
+            <a:picLocks noChangeAspect="1"/>
+          </p:cNvPicPr>
+          <p:nvPr/>
+        </p:nvPicPr>
+        <p:blipFill>
+          <a:blip r:embed="rId2"/>
+          <a:stretch>
+            <a:fillRect/>
+          </a:stretch>
+        </p:blipFill>
+        <p:spPr>
+          <a:xfrm>
+            <a:off x="6096000" y="2314178"/>
+            <a:ext cx="5711228" cy="3569518"/>
+          </a:xfrm>
+          <a:prstGeom prst="rect">
+            <a:avLst/>
+          </a:prstGeom>
+        </p:spPr>
+      </p:pic>
+    </p:spTree>
+    <p:extLst>
+      <p:ext uri="{BB962C8B-B14F-4D97-AF65-F5344CB8AC3E}">
+        <p14:creationId xmlns:p14="http://schemas.microsoft.com/office/powerpoint/2010/main" val="3325573651"/>
+      </p:ext>
+    </p:extLst>
+  </p:cSld>
+  <p:clrMapOvr>
+    <a:masterClrMapping/>
+  </p:clrMapOvr>
+</p:sld>
+</file>
+
+<file path=ppt/slides/slide40.xml><?xml version="1.0" encoding="utf-8"?>
 <p:sld xmlns:a="http://schemas.openxmlformats.org/drawingml/2006/main" xmlns:r="http://schemas.openxmlformats.org/officeDocument/2006/relationships" xmlns:p="http://schemas.openxmlformats.org/presentationml/2006/main">
   <p:cSld>
     <p:spTree>
@@ -22629,7 +23423,7 @@
 </p:sld>
 </file>
 
-<file path=ppt/slides/slide4.xml><?xml version="1.0" encoding="utf-8"?>
+<file path=ppt/slides/slide41.xml><?xml version="1.0" encoding="utf-8"?>
 <p:sld xmlns:a="http://schemas.openxmlformats.org/drawingml/2006/main" xmlns:r="http://schemas.openxmlformats.org/officeDocument/2006/relationships" xmlns:p="http://schemas.openxmlformats.org/presentationml/2006/main">
   <p:cSld>
     <p:spTree>
@@ -22651,7 +23445,7 @@
           <p:cNvPr id="2" name="Title 1">
             <a:extLst>
               <a:ext uri="{FF2B5EF4-FFF2-40B4-BE49-F238E27FC236}">
-                <a16:creationId xmlns:a16="http://schemas.microsoft.com/office/drawing/2014/main" id="{E8C86992-4CBB-FB5D-0385-B4874B1BD41A}"/>
+                <a16:creationId xmlns:a16="http://schemas.microsoft.com/office/drawing/2014/main" id="{30877928-BD2F-9D16-AAA8-F60879DD5A10}"/>
               </a:ext>
             </a:extLst>
           </p:cNvPr>
@@ -22669,7 +23463,7 @@
           <a:p>
             <a:r>
               <a:rPr lang="en-US" dirty="0"/>
-              <a:t>First Encounter</a:t>
+              <a:t>Java Access Modifiers</a:t>
             </a:r>
           </a:p>
         </p:txBody>
@@ -22679,7 +23473,7 @@
           <p:cNvPr id="3" name="Content Placeholder 2">
             <a:extLst>
               <a:ext uri="{FF2B5EF4-FFF2-40B4-BE49-F238E27FC236}">
-                <a16:creationId xmlns:a16="http://schemas.microsoft.com/office/drawing/2014/main" id="{9B4F04D2-D4AB-6F88-89E2-41421B298D33}"/>
+                <a16:creationId xmlns:a16="http://schemas.microsoft.com/office/drawing/2014/main" id="{CF49360C-3A20-36FB-BCDB-5B0B142EA51A}"/>
               </a:ext>
             </a:extLst>
           </p:cNvPr>
@@ -22692,8 +23486,8 @@
         </p:nvSpPr>
         <p:spPr>
           <a:xfrm>
-            <a:off x="581193" y="2180496"/>
-            <a:ext cx="5240186" cy="3678303"/>
+            <a:off x="581192" y="2180496"/>
+            <a:ext cx="3729551" cy="3678303"/>
           </a:xfrm>
         </p:spPr>
         <p:txBody>
@@ -22701,336 +23495,85 @@
           <a:lstStyle/>
           <a:p>
             <a:r>
-              <a:rPr lang="en-US" dirty="0" err="1"/>
-              <a:t>Menulis</a:t>
-            </a:r>
-            <a:r>
-              <a:rPr lang="en-US" dirty="0"/>
-              <a:t> dan </a:t>
-            </a:r>
-            <a:r>
-              <a:rPr lang="en-US" dirty="0" err="1"/>
-              <a:t>menjalankan</a:t>
-            </a:r>
-            <a:r>
-              <a:rPr lang="en-US" dirty="0"/>
-              <a:t> program java </a:t>
-            </a:r>
-            <a:r>
-              <a:rPr lang="en-US" dirty="0" err="1"/>
-              <a:t>pertamamu</a:t>
-            </a:r>
-            <a:r>
-              <a:rPr lang="en-US" dirty="0"/>
-              <a:t>.</a:t>
-            </a:r>
-          </a:p>
-          <a:p>
-            <a:pPr lvl="1"/>
-            <a:r>
-              <a:rPr lang="en-US" dirty="0" err="1"/>
-              <a:t>Untuk</a:t>
-            </a:r>
-            <a:r>
-              <a:rPr lang="en-US" dirty="0"/>
-              <a:t> </a:t>
-            </a:r>
-            <a:r>
-              <a:rPr lang="en-US" dirty="0" err="1"/>
-              <a:t>menulis</a:t>
-            </a:r>
-            <a:r>
-              <a:rPr lang="en-US" dirty="0"/>
-              <a:t> program </a:t>
-            </a:r>
-            <a:r>
-              <a:rPr lang="en-US" dirty="0" err="1"/>
-              <a:t>kita</a:t>
-            </a:r>
-            <a:r>
-              <a:rPr lang="en-US" dirty="0"/>
-              <a:t> </a:t>
-            </a:r>
-            <a:r>
-              <a:rPr lang="en-US" dirty="0" err="1"/>
-              <a:t>akan</a:t>
-            </a:r>
-            <a:r>
-              <a:rPr lang="en-US" dirty="0"/>
-              <a:t> </a:t>
-            </a:r>
-            <a:r>
-              <a:rPr lang="en-US" dirty="0" err="1"/>
-              <a:t>menggunakan</a:t>
-            </a:r>
-            <a:r>
-              <a:rPr lang="en-US" dirty="0"/>
-              <a:t> </a:t>
-            </a:r>
-            <a:r>
-              <a:rPr lang="en-US" dirty="0" err="1"/>
-              <a:t>VSCode</a:t>
-            </a:r>
-            <a:r>
-              <a:rPr lang="en-US" dirty="0"/>
-              <a:t>.</a:t>
-            </a:r>
-          </a:p>
-          <a:p>
-            <a:pPr lvl="1"/>
-            <a:r>
-              <a:rPr lang="en-US" dirty="0" err="1"/>
-              <a:t>Tekan</a:t>
-            </a:r>
-            <a:r>
-              <a:rPr lang="en-US" dirty="0"/>
-              <a:t> </a:t>
-            </a:r>
-            <a:r>
-              <a:rPr lang="en-US" dirty="0" err="1"/>
-              <a:t>Tombol</a:t>
-            </a:r>
-            <a:r>
-              <a:rPr lang="en-US" dirty="0"/>
-              <a:t> “</a:t>
-            </a:r>
-            <a:r>
-              <a:rPr lang="en-US" dirty="0">
-                <a:solidFill>
-                  <a:srgbClr val="00B0F0"/>
-                </a:solidFill>
-              </a:rPr>
-              <a:t>Create Java Project</a:t>
-            </a:r>
-            <a:r>
-              <a:rPr lang="en-US" dirty="0"/>
-              <a:t>” dan </a:t>
-            </a:r>
-            <a:r>
-              <a:rPr lang="en-US" dirty="0" err="1"/>
-              <a:t>lanjutkan</a:t>
-            </a:r>
-            <a:r>
-              <a:rPr lang="en-US" dirty="0"/>
-              <a:t> </a:t>
-            </a:r>
-            <a:r>
-              <a:rPr lang="en-US" dirty="0" err="1"/>
-              <a:t>dengan</a:t>
-            </a:r>
-            <a:r>
-              <a:rPr lang="en-US" dirty="0"/>
-              <a:t> </a:t>
-            </a:r>
-            <a:r>
-              <a:rPr lang="en-US" dirty="0" err="1"/>
-              <a:t>memilih</a:t>
-            </a:r>
-            <a:r>
-              <a:rPr lang="en-US" dirty="0"/>
-              <a:t> project type “</a:t>
-            </a:r>
-            <a:r>
-              <a:rPr lang="en-US" dirty="0">
-                <a:solidFill>
-                  <a:srgbClr val="00B0F0"/>
-                </a:solidFill>
-              </a:rPr>
-              <a:t>No build tools</a:t>
-            </a:r>
-            <a:r>
-              <a:rPr lang="en-US" dirty="0"/>
-              <a:t>” </a:t>
-            </a:r>
-            <a:r>
-              <a:rPr lang="en-US" dirty="0" err="1"/>
-              <a:t>lalu</a:t>
-            </a:r>
-            <a:r>
-              <a:rPr lang="en-US" dirty="0"/>
-              <a:t> </a:t>
-            </a:r>
-            <a:r>
-              <a:rPr lang="en-US" dirty="0" err="1"/>
-              <a:t>setelah</a:t>
-            </a:r>
-            <a:r>
-              <a:rPr lang="en-US" dirty="0"/>
-              <a:t> </a:t>
-            </a:r>
-            <a:r>
-              <a:rPr lang="en-US" dirty="0" err="1"/>
-              <a:t>itu</a:t>
-            </a:r>
-            <a:r>
-              <a:rPr lang="en-US" dirty="0"/>
-              <a:t> </a:t>
-            </a:r>
-            <a:r>
-              <a:rPr lang="en-US" dirty="0" err="1"/>
-              <a:t>pilih</a:t>
-            </a:r>
-            <a:r>
-              <a:rPr lang="en-US" dirty="0"/>
-              <a:t> folder </a:t>
-            </a:r>
-            <a:r>
-              <a:rPr lang="en-US" dirty="0" err="1"/>
-              <a:t>dimana</a:t>
-            </a:r>
-            <a:r>
-              <a:rPr lang="en-US" dirty="0"/>
-              <a:t> project </a:t>
-            </a:r>
-            <a:r>
-              <a:rPr lang="en-US" dirty="0" err="1"/>
-              <a:t>akan</a:t>
-            </a:r>
-            <a:r>
-              <a:rPr lang="en-US" dirty="0"/>
-              <a:t> </a:t>
-            </a:r>
-            <a:r>
-              <a:rPr lang="en-US" dirty="0" err="1"/>
-              <a:t>disimpan</a:t>
-            </a:r>
-            <a:r>
-              <a:rPr lang="en-US" dirty="0"/>
-              <a:t>.</a:t>
-            </a:r>
-          </a:p>
-          <a:p>
-            <a:pPr lvl="1"/>
-            <a:r>
-              <a:rPr lang="en-US" dirty="0" err="1"/>
-              <a:t>VSCode</a:t>
-            </a:r>
-            <a:r>
-              <a:rPr lang="en-US" dirty="0"/>
-              <a:t> </a:t>
-            </a:r>
-            <a:r>
-              <a:rPr lang="en-US" dirty="0" err="1"/>
-              <a:t>akan</a:t>
-            </a:r>
-            <a:r>
-              <a:rPr lang="en-US" dirty="0"/>
-              <a:t> </a:t>
-            </a:r>
-            <a:r>
-              <a:rPr lang="en-US" dirty="0" err="1"/>
-              <a:t>membuatkan</a:t>
-            </a:r>
-            <a:r>
-              <a:rPr lang="en-US" dirty="0"/>
-              <a:t> </a:t>
-            </a:r>
-            <a:r>
-              <a:rPr lang="en-US" dirty="0" err="1"/>
-              <a:t>beberapa</a:t>
-            </a:r>
-            <a:r>
-              <a:rPr lang="en-US" dirty="0"/>
-              <a:t> file dan </a:t>
-            </a:r>
-            <a:r>
-              <a:rPr lang="en-US" dirty="0" err="1"/>
-              <a:t>struktur</a:t>
-            </a:r>
-            <a:r>
-              <a:rPr lang="en-US" dirty="0"/>
-              <a:t> folder. Kita </a:t>
-            </a:r>
-            <a:r>
-              <a:rPr lang="en-US" dirty="0" err="1"/>
-              <a:t>akan</a:t>
-            </a:r>
-            <a:r>
-              <a:rPr lang="en-US" dirty="0"/>
-              <a:t> </a:t>
-            </a:r>
-            <a:r>
-              <a:rPr lang="en-US" dirty="0" err="1"/>
-              <a:t>fokus</a:t>
-            </a:r>
-            <a:r>
-              <a:rPr lang="en-US" dirty="0"/>
-              <a:t> pada folder ”</a:t>
-            </a:r>
-            <a:r>
-              <a:rPr lang="en-US" dirty="0" err="1">
-                <a:solidFill>
-                  <a:srgbClr val="00B0F0"/>
-                </a:solidFill>
-              </a:rPr>
-              <a:t>src</a:t>
-            </a:r>
-            <a:r>
-              <a:rPr lang="en-US" dirty="0"/>
-              <a:t>” </a:t>
-            </a:r>
-            <a:r>
-              <a:rPr lang="en-US" dirty="0" err="1"/>
-              <a:t>dimana</a:t>
-            </a:r>
-            <a:r>
-              <a:rPr lang="en-US" dirty="0"/>
-              <a:t> </a:t>
-            </a:r>
-            <a:r>
-              <a:rPr lang="en-US" dirty="0" err="1"/>
-              <a:t>kode</a:t>
-            </a:r>
-            <a:r>
-              <a:rPr lang="en-US" dirty="0"/>
-              <a:t> </a:t>
-            </a:r>
-            <a:r>
-              <a:rPr lang="en-US" dirty="0" err="1"/>
-              <a:t>akan</a:t>
-            </a:r>
-            <a:r>
-              <a:rPr lang="en-US" dirty="0"/>
-              <a:t> </a:t>
-            </a:r>
-            <a:r>
-              <a:rPr lang="en-US" dirty="0" err="1"/>
-              <a:t>kita</a:t>
-            </a:r>
-            <a:r>
-              <a:rPr lang="en-US" dirty="0"/>
-              <a:t> </a:t>
-            </a:r>
-            <a:r>
-              <a:rPr lang="en-US" dirty="0" err="1"/>
-              <a:t>tulis</a:t>
-            </a:r>
-            <a:r>
-              <a:rPr lang="en-US" dirty="0"/>
-              <a:t>.</a:t>
-            </a:r>
-          </a:p>
-          <a:p>
-            <a:pPr lvl="1"/>
-            <a:r>
-              <a:rPr lang="en-US" dirty="0" err="1"/>
-              <a:t>Untuk</a:t>
-            </a:r>
-            <a:r>
-              <a:rPr lang="en-US" dirty="0"/>
-              <a:t> </a:t>
-            </a:r>
-            <a:r>
-              <a:rPr lang="en-US" dirty="0" err="1"/>
-              <a:t>menjalankan</a:t>
-            </a:r>
-            <a:r>
-              <a:rPr lang="en-US" dirty="0"/>
-              <a:t> program, </a:t>
-            </a:r>
-            <a:r>
-              <a:rPr lang="en-US" dirty="0" err="1"/>
-              <a:t>kita</a:t>
+              <a:rPr lang="en-US" dirty="0"/>
+              <a:t>Di Java, access modifiers </a:t>
+            </a:r>
+            <a:r>
+              <a:rPr lang="en-US" dirty="0" err="1"/>
+              <a:t>digunakan</a:t>
+            </a:r>
+            <a:r>
+              <a:rPr lang="en-US" dirty="0"/>
+              <a:t> </a:t>
+            </a:r>
+            <a:r>
+              <a:rPr lang="en-US" dirty="0" err="1"/>
+              <a:t>untuk</a:t>
+            </a:r>
+            <a:r>
+              <a:rPr lang="en-US" dirty="0"/>
+              <a:t> </a:t>
+            </a:r>
+            <a:r>
+              <a:rPr lang="en-US" dirty="0" err="1"/>
+              <a:t>mengatur</a:t>
+            </a:r>
+            <a:r>
+              <a:rPr lang="en-US" dirty="0"/>
+              <a:t> </a:t>
+            </a:r>
+            <a:r>
+              <a:rPr lang="en-US" dirty="0" err="1"/>
+              <a:t>aksesibilitas</a:t>
+            </a:r>
+            <a:r>
+              <a:rPr lang="en-US" dirty="0"/>
+              <a:t> (</a:t>
+            </a:r>
+            <a:r>
+              <a:rPr lang="en-US" dirty="0" err="1"/>
+              <a:t>visibilitas</a:t>
+            </a:r>
+            <a:r>
+              <a:rPr lang="en-US" dirty="0"/>
+              <a:t>) class, interface, </a:t>
+            </a:r>
+            <a:r>
+              <a:rPr lang="en-US" dirty="0" err="1"/>
+              <a:t>variabel</a:t>
+            </a:r>
+            <a:r>
+              <a:rPr lang="en-US" dirty="0"/>
+              <a:t>, method, constructors, data member, dan setter method.</a:t>
+            </a:r>
+          </a:p>
+          <a:p>
+            <a:endParaRPr lang="en-US" dirty="0"/>
+          </a:p>
+          <a:p>
+            <a:r>
+              <a:rPr lang="en-US" dirty="0"/>
+              <a:t>method1 </a:t>
+            </a:r>
+            <a:r>
+              <a:rPr lang="en-US" dirty="0" err="1"/>
+              <a:t>adalah</a:t>
+            </a:r>
+            <a:r>
+              <a:rPr lang="en-US" dirty="0"/>
+              <a:t> public - </a:t>
+            </a:r>
+            <a:r>
+              <a:rPr lang="en-US" dirty="0" err="1"/>
+              <a:t>ini</a:t>
+            </a:r>
+            <a:r>
+              <a:rPr lang="en-US" dirty="0"/>
+              <a:t> </a:t>
+            </a:r>
+            <a:r>
+              <a:rPr lang="en-US" dirty="0" err="1"/>
+              <a:t>berarti</a:t>
             </a:r>
             <a:r>
               <a:rPr lang="en-US" dirty="0"/>
@@ -23046,122 +23589,2125 @@
             </a:r>
             <a:r>
               <a:rPr lang="en-US" dirty="0" err="1"/>
-              <a:t>menekan</a:t>
-            </a:r>
-            <a:r>
-              <a:rPr lang="en-US" dirty="0"/>
-              <a:t> </a:t>
-            </a:r>
-            <a:r>
-              <a:rPr lang="en-US" dirty="0" err="1"/>
-              <a:t>tombol</a:t>
-            </a:r>
-            <a:r>
-              <a:rPr lang="en-US" dirty="0"/>
-              <a:t> </a:t>
-            </a:r>
-            <a:r>
-              <a:rPr lang="en-US" dirty="0">
-                <a:solidFill>
-                  <a:srgbClr val="00B050"/>
-                </a:solidFill>
-              </a:rPr>
-              <a:t>F5</a:t>
-            </a:r>
-            <a:r>
-              <a:rPr lang="en-US" dirty="0"/>
-              <a:t> </a:t>
-            </a:r>
-            <a:r>
-              <a:rPr lang="en-US" dirty="0" err="1"/>
-              <a:t>atau</a:t>
-            </a:r>
-            <a:r>
-              <a:rPr lang="en-US" dirty="0"/>
-              <a:t> </a:t>
-            </a:r>
-            <a:r>
-              <a:rPr lang="en-US" dirty="0" err="1"/>
-              <a:t>pilih</a:t>
-            </a:r>
-            <a:r>
-              <a:rPr lang="en-US" dirty="0"/>
-              <a:t> menu </a:t>
-            </a:r>
-            <a:r>
-              <a:rPr lang="en-US" dirty="0">
-                <a:solidFill>
-                  <a:srgbClr val="00B050"/>
-                </a:solidFill>
-              </a:rPr>
-              <a:t>Run </a:t>
-            </a:r>
-            <a:r>
-              <a:rPr lang="en-US" dirty="0">
-                <a:solidFill>
-                  <a:schemeClr val="tx1"/>
-                </a:solidFill>
-              </a:rPr>
-              <a:t>pada </a:t>
-            </a:r>
-            <a:r>
-              <a:rPr lang="en-US" dirty="0" err="1">
-                <a:solidFill>
-                  <a:schemeClr val="tx1"/>
-                </a:solidFill>
-              </a:rPr>
-              <a:t>VSCode</a:t>
-            </a:r>
-            <a:r>
-              <a:rPr lang="en-US" dirty="0">
-                <a:solidFill>
-                  <a:schemeClr val="tx1"/>
-                </a:solidFill>
-              </a:rPr>
-              <a:t>.</a:t>
-            </a:r>
-            <a:endParaRPr lang="en-US" dirty="0">
-              <a:solidFill>
-                <a:srgbClr val="00B050"/>
-              </a:solidFill>
-            </a:endParaRPr>
+              <a:t>diakses</a:t>
+            </a:r>
+            <a:r>
+              <a:rPr lang="en-US" dirty="0"/>
+              <a:t> oleh class lain.</a:t>
+            </a:r>
+          </a:p>
+          <a:p>
+            <a:r>
+              <a:rPr lang="en-US" dirty="0"/>
+              <a:t>method2 </a:t>
+            </a:r>
+            <a:r>
+              <a:rPr lang="en-US" dirty="0" err="1"/>
+              <a:t>adalah</a:t>
+            </a:r>
+            <a:r>
+              <a:rPr lang="en-US" dirty="0"/>
+              <a:t> private </a:t>
+            </a:r>
+            <a:r>
+              <a:rPr lang="en-US" dirty="0" err="1"/>
+              <a:t>ini</a:t>
+            </a:r>
+            <a:r>
+              <a:rPr lang="en-US" dirty="0"/>
+              <a:t> </a:t>
+            </a:r>
+            <a:r>
+              <a:rPr lang="en-US" dirty="0" err="1"/>
+              <a:t>berarti</a:t>
+            </a:r>
+            <a:r>
+              <a:rPr lang="en-US" dirty="0"/>
+              <a:t> </a:t>
+            </a:r>
+            <a:r>
+              <a:rPr lang="en-US" dirty="0" err="1"/>
+              <a:t>tidak</a:t>
+            </a:r>
+            <a:r>
+              <a:rPr lang="en-US" dirty="0"/>
+              <a:t> </a:t>
+            </a:r>
+            <a:r>
+              <a:rPr lang="en-US" dirty="0" err="1"/>
+              <a:t>bisa</a:t>
+            </a:r>
+            <a:r>
+              <a:rPr lang="en-US" dirty="0"/>
+              <a:t> </a:t>
+            </a:r>
+            <a:r>
+              <a:rPr lang="en-US" dirty="0" err="1"/>
+              <a:t>diakses</a:t>
+            </a:r>
+            <a:r>
+              <a:rPr lang="en-US" dirty="0"/>
+              <a:t> oleh class lain.</a:t>
+            </a:r>
+          </a:p>
+          <a:p>
+            <a:pPr marL="0" indent="0">
+              <a:buNone/>
+            </a:pPr>
+            <a:endParaRPr lang="en-US" dirty="0"/>
           </a:p>
         </p:txBody>
       </p:sp>
-      <p:pic>
-        <p:nvPicPr>
-          <p:cNvPr id="9" name="Picture 8">
+      <p:sp>
+        <p:nvSpPr>
+          <p:cNvPr id="4" name="TextBox 3">
             <a:extLst>
               <a:ext uri="{FF2B5EF4-FFF2-40B4-BE49-F238E27FC236}">
-                <a16:creationId xmlns:a16="http://schemas.microsoft.com/office/drawing/2014/main" id="{FC7C5CA1-9AF8-79BC-F2A5-5A229A112A60}"/>
+                <a16:creationId xmlns:a16="http://schemas.microsoft.com/office/drawing/2014/main" id="{FBD45469-52A2-3454-19F7-E429737060FD}"/>
               </a:ext>
             </a:extLst>
           </p:cNvPr>
-          <p:cNvPicPr>
-            <a:picLocks noChangeAspect="1"/>
-          </p:cNvPicPr>
+          <p:cNvSpPr txBox="1"/>
           <p:nvPr/>
-        </p:nvPicPr>
-        <p:blipFill>
-          <a:blip r:embed="rId2"/>
-          <a:stretch>
-            <a:fillRect/>
-          </a:stretch>
-        </p:blipFill>
+        </p:nvSpPr>
         <p:spPr>
           <a:xfrm>
-            <a:off x="6096000" y="2314178"/>
-            <a:ext cx="5711228" cy="3569518"/>
+            <a:off x="5573486" y="2394858"/>
+            <a:ext cx="3172856" cy="1200329"/>
           </a:xfrm>
           <a:prstGeom prst="rect">
             <a:avLst/>
           </a:prstGeom>
+          <a:noFill/>
         </p:spPr>
-      </p:pic>
+        <p:txBody>
+          <a:bodyPr wrap="none" rtlCol="0">
+            <a:spAutoFit/>
+          </a:bodyPr>
+          <a:lstStyle/>
+          <a:p>
+            <a:r>
+              <a:rPr lang="en-ID" dirty="0">
+                <a:solidFill>
+                  <a:srgbClr val="C678DD"/>
+                </a:solidFill>
+                <a:effectLst/>
+              </a:rPr>
+              <a:t>class</a:t>
+            </a:r>
+            <a:r>
+              <a:rPr lang="en-ID" dirty="0">
+                <a:effectLst/>
+              </a:rPr>
+              <a:t> </a:t>
+            </a:r>
+            <a:r>
+              <a:rPr lang="en-ID" dirty="0">
+                <a:solidFill>
+                  <a:srgbClr val="E6C07B"/>
+                </a:solidFill>
+                <a:effectLst/>
+              </a:rPr>
+              <a:t>Motor</a:t>
+            </a:r>
+            <a:r>
+              <a:rPr lang="en-ID" dirty="0">
+                <a:effectLst/>
+              </a:rPr>
+              <a:t> </a:t>
+            </a:r>
+            <a:r>
+              <a:rPr lang="en-ID" dirty="0"/>
+              <a:t>{ </a:t>
+            </a:r>
+          </a:p>
+          <a:p>
+            <a:r>
+              <a:rPr lang="en-ID" dirty="0">
+                <a:solidFill>
+                  <a:srgbClr val="C678DD"/>
+                </a:solidFill>
+                <a:effectLst/>
+              </a:rPr>
+              <a:t>	public</a:t>
+            </a:r>
+            <a:r>
+              <a:rPr lang="en-ID" dirty="0">
+                <a:effectLst/>
+              </a:rPr>
+              <a:t> </a:t>
+            </a:r>
+            <a:r>
+              <a:rPr lang="en-ID" dirty="0">
+                <a:solidFill>
+                  <a:srgbClr val="C678DD"/>
+                </a:solidFill>
+                <a:effectLst/>
+              </a:rPr>
+              <a:t>void</a:t>
+            </a:r>
+            <a:r>
+              <a:rPr lang="en-ID" dirty="0">
+                <a:effectLst/>
+              </a:rPr>
+              <a:t> </a:t>
+            </a:r>
+            <a:r>
+              <a:rPr lang="en-ID" dirty="0">
+                <a:solidFill>
+                  <a:srgbClr val="61AEEE"/>
+                </a:solidFill>
+                <a:effectLst/>
+              </a:rPr>
+              <a:t>method1</a:t>
+            </a:r>
+            <a:r>
+              <a:rPr lang="en-ID" dirty="0">
+                <a:effectLst/>
+              </a:rPr>
+              <a:t>() </a:t>
+            </a:r>
+            <a:r>
+              <a:rPr lang="en-ID" dirty="0"/>
+              <a:t>{...}</a:t>
+            </a:r>
+          </a:p>
+          <a:p>
+            <a:r>
+              <a:rPr lang="en-ID" dirty="0"/>
+              <a:t>	</a:t>
+            </a:r>
+            <a:r>
+              <a:rPr lang="en-ID" dirty="0">
+                <a:solidFill>
+                  <a:srgbClr val="C678DD"/>
+                </a:solidFill>
+                <a:effectLst/>
+              </a:rPr>
+              <a:t>private</a:t>
+            </a:r>
+            <a:r>
+              <a:rPr lang="en-ID" dirty="0">
+                <a:effectLst/>
+              </a:rPr>
+              <a:t> </a:t>
+            </a:r>
+            <a:r>
+              <a:rPr lang="en-ID" dirty="0">
+                <a:solidFill>
+                  <a:srgbClr val="C678DD"/>
+                </a:solidFill>
+                <a:effectLst/>
+              </a:rPr>
+              <a:t>void</a:t>
+            </a:r>
+            <a:r>
+              <a:rPr lang="en-ID" dirty="0">
+                <a:effectLst/>
+              </a:rPr>
+              <a:t> </a:t>
+            </a:r>
+            <a:r>
+              <a:rPr lang="en-ID" dirty="0">
+                <a:solidFill>
+                  <a:srgbClr val="61AEEE"/>
+                </a:solidFill>
+                <a:effectLst/>
+              </a:rPr>
+              <a:t>method2</a:t>
+            </a:r>
+            <a:r>
+              <a:rPr lang="en-ID" dirty="0">
+                <a:effectLst/>
+              </a:rPr>
+              <a:t>() </a:t>
+            </a:r>
+            <a:r>
+              <a:rPr lang="en-ID" dirty="0"/>
+              <a:t>{...}</a:t>
+            </a:r>
+          </a:p>
+          <a:p>
+            <a:r>
+              <a:rPr lang="en-ID" dirty="0"/>
+              <a:t>}</a:t>
+            </a:r>
+            <a:endParaRPr lang="en-US" dirty="0"/>
+          </a:p>
+        </p:txBody>
+      </p:sp>
+      <p:graphicFrame>
+        <p:nvGraphicFramePr>
+          <p:cNvPr id="6" name="Table 5">
+            <a:extLst>
+              <a:ext uri="{FF2B5EF4-FFF2-40B4-BE49-F238E27FC236}">
+                <a16:creationId xmlns:a16="http://schemas.microsoft.com/office/drawing/2014/main" id="{4BEBFD7E-67DC-9708-DC9A-40AB3B3250A5}"/>
+              </a:ext>
+            </a:extLst>
+          </p:cNvPr>
+          <p:cNvGraphicFramePr>
+            <a:graphicFrameLocks noGrp="1"/>
+          </p:cNvGraphicFramePr>
+          <p:nvPr>
+            <p:extLst>
+              <p:ext uri="{D42A27DB-BD31-4B8C-83A1-F6EECF244321}">
+                <p14:modId xmlns:p14="http://schemas.microsoft.com/office/powerpoint/2010/main" val="3642101175"/>
+              </p:ext>
+            </p:extLst>
+          </p:nvPr>
+        </p:nvGraphicFramePr>
+        <p:xfrm>
+          <a:off x="5103222" y="3804019"/>
+          <a:ext cx="6200504" cy="2382234"/>
+        </p:xfrm>
+        <a:graphic>
+          <a:graphicData uri="http://schemas.openxmlformats.org/drawingml/2006/table">
+            <a:tbl>
+              <a:tblPr/>
+              <a:tblGrid>
+                <a:gridCol w="3100252">
+                  <a:extLst>
+                    <a:ext uri="{9D8B030D-6E8A-4147-A177-3AD203B41FA5}">
+                      <a16:colId xmlns:a16="http://schemas.microsoft.com/office/drawing/2014/main" val="2974134795"/>
+                    </a:ext>
+                  </a:extLst>
+                </a:gridCol>
+                <a:gridCol w="3100252">
+                  <a:extLst>
+                    <a:ext uri="{9D8B030D-6E8A-4147-A177-3AD203B41FA5}">
+                      <a16:colId xmlns:a16="http://schemas.microsoft.com/office/drawing/2014/main" val="2682850521"/>
+                    </a:ext>
+                  </a:extLst>
+                </a:gridCol>
+              </a:tblGrid>
+              <a:tr h="274559">
+                <a:tc>
+                  <a:txBody>
+                    <a:bodyPr/>
+                    <a:lstStyle/>
+                    <a:p>
+                      <a:r>
+                        <a:rPr lang="en-ID" sz="1200" b="1">
+                          <a:effectLst/>
+                        </a:rPr>
+                        <a:t>Modifier</a:t>
+                      </a:r>
+                      <a:endParaRPr lang="en-ID" sz="1200">
+                        <a:effectLst/>
+                      </a:endParaRPr>
+                    </a:p>
+                  </a:txBody>
+                  <a:tcPr marL="207309" marR="207309" marT="103654" marB="103654" anchor="ctr">
+                    <a:lnL>
+                      <a:noFill/>
+                    </a:lnL>
+                    <a:lnR>
+                      <a:noFill/>
+                    </a:lnR>
+                    <a:lnT>
+                      <a:noFill/>
+                    </a:lnT>
+                    <a:lnB>
+                      <a:noFill/>
+                    </a:lnB>
+                    <a:solidFill>
+                      <a:srgbClr val="F8FAFF"/>
+                    </a:solidFill>
+                  </a:tcPr>
+                </a:tc>
+                <a:tc>
+                  <a:txBody>
+                    <a:bodyPr/>
+                    <a:lstStyle/>
+                    <a:p>
+                      <a:r>
+                        <a:rPr lang="en-ID" sz="1200" b="1">
+                          <a:effectLst/>
+                        </a:rPr>
+                        <a:t>Description</a:t>
+                      </a:r>
+                      <a:endParaRPr lang="en-ID" sz="1200">
+                        <a:effectLst/>
+                      </a:endParaRPr>
+                    </a:p>
+                  </a:txBody>
+                  <a:tcPr marL="207309" marR="207309" marT="103654" marB="103654" anchor="ctr">
+                    <a:lnL>
+                      <a:noFill/>
+                    </a:lnL>
+                    <a:lnR>
+                      <a:noFill/>
+                    </a:lnR>
+                    <a:lnT>
+                      <a:noFill/>
+                    </a:lnT>
+                    <a:lnB>
+                      <a:noFill/>
+                    </a:lnB>
+                    <a:solidFill>
+                      <a:srgbClr val="F8FAFF"/>
+                    </a:solidFill>
+                  </a:tcPr>
+                </a:tc>
+                <a:extLst>
+                  <a:ext uri="{0D108BD9-81ED-4DB2-BD59-A6C34878D82A}">
+                    <a16:rowId xmlns:a16="http://schemas.microsoft.com/office/drawing/2014/main" val="1460582443"/>
+                  </a:ext>
+                </a:extLst>
+              </a:tr>
+              <a:tr h="571351">
+                <a:tc>
+                  <a:txBody>
+                    <a:bodyPr/>
+                    <a:lstStyle/>
+                    <a:p>
+                      <a:r>
+                        <a:rPr lang="en-ID" sz="1200" dirty="0">
+                          <a:effectLst/>
+                        </a:rPr>
+                        <a:t>Default</a:t>
+                      </a:r>
+                    </a:p>
+                  </a:txBody>
+                  <a:tcPr marL="207309" marR="207309" marT="103654" marB="103654" anchor="ctr">
+                    <a:lnL>
+                      <a:noFill/>
+                    </a:lnL>
+                    <a:lnR>
+                      <a:noFill/>
+                    </a:lnR>
+                    <a:lnT>
+                      <a:noFill/>
+                    </a:lnT>
+                    <a:lnB>
+                      <a:noFill/>
+                    </a:lnB>
+                    <a:solidFill>
+                      <a:srgbClr val="F8FAFF"/>
+                    </a:solidFill>
+                  </a:tcPr>
+                </a:tc>
+                <a:tc>
+                  <a:txBody>
+                    <a:bodyPr/>
+                    <a:lstStyle/>
+                    <a:p>
+                      <a:r>
+                        <a:rPr lang="en-ID" sz="1200" dirty="0" err="1">
+                          <a:effectLst/>
+                        </a:rPr>
+                        <a:t>deklarasi</a:t>
+                      </a:r>
+                      <a:r>
+                        <a:rPr lang="en-ID" sz="1200" dirty="0">
+                          <a:effectLst/>
+                        </a:rPr>
+                        <a:t> </a:t>
+                      </a:r>
+                      <a:r>
+                        <a:rPr lang="en-ID" sz="1200" dirty="0" err="1">
+                          <a:effectLst/>
+                        </a:rPr>
+                        <a:t>hanya</a:t>
+                      </a:r>
+                      <a:r>
+                        <a:rPr lang="en-ID" sz="1200" dirty="0">
+                          <a:effectLst/>
+                        </a:rPr>
+                        <a:t> </a:t>
+                      </a:r>
+                      <a:r>
+                        <a:rPr lang="en-ID" sz="1200" dirty="0" err="1">
+                          <a:effectLst/>
+                        </a:rPr>
+                        <a:t>terlihat</a:t>
+                      </a:r>
+                      <a:r>
+                        <a:rPr lang="en-ID" sz="1200" dirty="0">
+                          <a:effectLst/>
+                        </a:rPr>
+                        <a:t> di </a:t>
+                      </a:r>
+                      <a:r>
+                        <a:rPr lang="en-ID" sz="1200" dirty="0" err="1">
+                          <a:effectLst/>
+                        </a:rPr>
+                        <a:t>dalam</a:t>
+                      </a:r>
+                      <a:r>
+                        <a:rPr lang="en-ID" sz="1200" dirty="0">
+                          <a:effectLst/>
+                        </a:rPr>
+                        <a:t> package (package private)</a:t>
+                      </a:r>
+                    </a:p>
+                  </a:txBody>
+                  <a:tcPr marL="207309" marR="207309" marT="103654" marB="103654" anchor="ctr">
+                    <a:lnL>
+                      <a:noFill/>
+                    </a:lnL>
+                    <a:lnR>
+                      <a:noFill/>
+                    </a:lnR>
+                    <a:lnT>
+                      <a:noFill/>
+                    </a:lnT>
+                    <a:lnB>
+                      <a:noFill/>
+                    </a:lnB>
+                    <a:solidFill>
+                      <a:srgbClr val="F8FAFF"/>
+                    </a:solidFill>
+                  </a:tcPr>
+                </a:tc>
+                <a:extLst>
+                  <a:ext uri="{0D108BD9-81ED-4DB2-BD59-A6C34878D82A}">
+                    <a16:rowId xmlns:a16="http://schemas.microsoft.com/office/drawing/2014/main" val="3350906731"/>
+                  </a:ext>
+                </a:extLst>
+              </a:tr>
+              <a:tr h="422955">
+                <a:tc>
+                  <a:txBody>
+                    <a:bodyPr/>
+                    <a:lstStyle/>
+                    <a:p>
+                      <a:r>
+                        <a:rPr lang="en-ID" sz="1200" dirty="0">
+                          <a:effectLst/>
+                        </a:rPr>
+                        <a:t>Private</a:t>
+                      </a:r>
+                    </a:p>
+                  </a:txBody>
+                  <a:tcPr marL="207309" marR="207309" marT="103654" marB="103654" anchor="ctr">
+                    <a:lnL>
+                      <a:noFill/>
+                    </a:lnL>
+                    <a:lnR>
+                      <a:noFill/>
+                    </a:lnR>
+                    <a:lnT>
+                      <a:noFill/>
+                    </a:lnT>
+                    <a:lnB>
+                      <a:noFill/>
+                    </a:lnB>
+                    <a:solidFill>
+                      <a:srgbClr val="F8FAFF"/>
+                    </a:solidFill>
+                  </a:tcPr>
+                </a:tc>
+                <a:tc>
+                  <a:txBody>
+                    <a:bodyPr/>
+                    <a:lstStyle/>
+                    <a:p>
+                      <a:r>
+                        <a:rPr lang="en-ID" sz="1200" dirty="0" err="1">
+                          <a:effectLst/>
+                        </a:rPr>
+                        <a:t>deklarasi</a:t>
+                      </a:r>
+                      <a:r>
+                        <a:rPr lang="en-ID" sz="1200" dirty="0">
+                          <a:effectLst/>
+                        </a:rPr>
+                        <a:t> </a:t>
+                      </a:r>
+                      <a:r>
+                        <a:rPr lang="en-ID" sz="1200" dirty="0" err="1">
+                          <a:effectLst/>
+                        </a:rPr>
+                        <a:t>hanya</a:t>
+                      </a:r>
+                      <a:r>
+                        <a:rPr lang="en-ID" sz="1200" dirty="0">
+                          <a:effectLst/>
+                        </a:rPr>
+                        <a:t> </a:t>
+                      </a:r>
+                      <a:r>
+                        <a:rPr lang="en-ID" sz="1200" dirty="0" err="1">
+                          <a:effectLst/>
+                        </a:rPr>
+                        <a:t>terlihat</a:t>
+                      </a:r>
+                      <a:r>
+                        <a:rPr lang="en-ID" sz="1200" dirty="0">
+                          <a:effectLst/>
+                        </a:rPr>
+                        <a:t> di </a:t>
+                      </a:r>
+                      <a:r>
+                        <a:rPr lang="en-ID" sz="1200" dirty="0" err="1">
+                          <a:effectLst/>
+                        </a:rPr>
+                        <a:t>dalam</a:t>
+                      </a:r>
+                      <a:r>
+                        <a:rPr lang="en-ID" sz="1200" dirty="0">
+                          <a:effectLst/>
+                        </a:rPr>
+                        <a:t> class</a:t>
+                      </a:r>
+                    </a:p>
+                  </a:txBody>
+                  <a:tcPr marL="207309" marR="207309" marT="103654" marB="103654" anchor="ctr">
+                    <a:lnL>
+                      <a:noFill/>
+                    </a:lnL>
+                    <a:lnR>
+                      <a:noFill/>
+                    </a:lnR>
+                    <a:lnT>
+                      <a:noFill/>
+                    </a:lnT>
+                    <a:lnB>
+                      <a:noFill/>
+                    </a:lnB>
+                    <a:solidFill>
+                      <a:srgbClr val="F8FAFF"/>
+                    </a:solidFill>
+                  </a:tcPr>
+                </a:tc>
+                <a:extLst>
+                  <a:ext uri="{0D108BD9-81ED-4DB2-BD59-A6C34878D82A}">
+                    <a16:rowId xmlns:a16="http://schemas.microsoft.com/office/drawing/2014/main" val="3861260157"/>
+                  </a:ext>
+                </a:extLst>
+              </a:tr>
+              <a:tr h="422955">
+                <a:tc>
+                  <a:txBody>
+                    <a:bodyPr/>
+                    <a:lstStyle/>
+                    <a:p>
+                      <a:r>
+                        <a:rPr lang="en-ID" sz="1200" dirty="0">
+                          <a:effectLst/>
+                        </a:rPr>
+                        <a:t>Protected</a:t>
+                      </a:r>
+                    </a:p>
+                  </a:txBody>
+                  <a:tcPr marL="207309" marR="207309" marT="103654" marB="103654" anchor="ctr">
+                    <a:lnL>
+                      <a:noFill/>
+                    </a:lnL>
+                    <a:lnR>
+                      <a:noFill/>
+                    </a:lnR>
+                    <a:lnT>
+                      <a:noFill/>
+                    </a:lnT>
+                    <a:lnB>
+                      <a:noFill/>
+                    </a:lnB>
+                    <a:solidFill>
+                      <a:srgbClr val="F8FAFF"/>
+                    </a:solidFill>
+                  </a:tcPr>
+                </a:tc>
+                <a:tc>
+                  <a:txBody>
+                    <a:bodyPr/>
+                    <a:lstStyle/>
+                    <a:p>
+                      <a:r>
+                        <a:rPr lang="en-ID" sz="1200" dirty="0" err="1">
+                          <a:effectLst/>
+                        </a:rPr>
+                        <a:t>deklarasi</a:t>
+                      </a:r>
+                      <a:r>
+                        <a:rPr lang="en-ID" sz="1200" dirty="0">
+                          <a:effectLst/>
+                        </a:rPr>
+                        <a:t> </a:t>
+                      </a:r>
+                      <a:r>
+                        <a:rPr lang="en-ID" sz="1200" dirty="0" err="1">
+                          <a:effectLst/>
+                        </a:rPr>
+                        <a:t>terlihat</a:t>
+                      </a:r>
+                      <a:r>
+                        <a:rPr lang="en-ID" sz="1200" dirty="0">
+                          <a:effectLst/>
+                        </a:rPr>
+                        <a:t> </a:t>
+                      </a:r>
+                      <a:r>
+                        <a:rPr lang="en-ID" sz="1200" dirty="0" err="1">
+                          <a:effectLst/>
+                        </a:rPr>
+                        <a:t>dalam</a:t>
+                      </a:r>
+                      <a:r>
+                        <a:rPr lang="en-ID" sz="1200" dirty="0">
+                          <a:effectLst/>
+                        </a:rPr>
+                        <a:t> package </a:t>
+                      </a:r>
+                      <a:r>
+                        <a:rPr lang="en-ID" sz="1200" dirty="0" err="1">
+                          <a:effectLst/>
+                        </a:rPr>
+                        <a:t>atau</a:t>
+                      </a:r>
+                      <a:r>
+                        <a:rPr lang="en-ID" sz="1200" dirty="0">
+                          <a:effectLst/>
+                        </a:rPr>
+                        <a:t> </a:t>
+                      </a:r>
+                      <a:r>
+                        <a:rPr lang="en-ID" sz="1200" dirty="0" err="1">
+                          <a:effectLst/>
+                        </a:rPr>
+                        <a:t>semua</a:t>
+                      </a:r>
+                      <a:r>
+                        <a:rPr lang="en-ID" sz="1200" dirty="0">
+                          <a:effectLst/>
+                        </a:rPr>
+                        <a:t> subclass</a:t>
+                      </a:r>
+                    </a:p>
+                  </a:txBody>
+                  <a:tcPr marL="207309" marR="207309" marT="103654" marB="103654" anchor="ctr">
+                    <a:lnL>
+                      <a:noFill/>
+                    </a:lnL>
+                    <a:lnR>
+                      <a:noFill/>
+                    </a:lnR>
+                    <a:lnT>
+                      <a:noFill/>
+                    </a:lnT>
+                    <a:lnB>
+                      <a:noFill/>
+                    </a:lnB>
+                    <a:solidFill>
+                      <a:srgbClr val="F8FAFF"/>
+                    </a:solidFill>
+                  </a:tcPr>
+                </a:tc>
+                <a:extLst>
+                  <a:ext uri="{0D108BD9-81ED-4DB2-BD59-A6C34878D82A}">
+                    <a16:rowId xmlns:a16="http://schemas.microsoft.com/office/drawing/2014/main" val="2954770440"/>
+                  </a:ext>
+                </a:extLst>
+              </a:tr>
+              <a:tr h="422955">
+                <a:tc>
+                  <a:txBody>
+                    <a:bodyPr/>
+                    <a:lstStyle/>
+                    <a:p>
+                      <a:r>
+                        <a:rPr lang="en-ID" sz="1200" dirty="0">
+                          <a:effectLst/>
+                        </a:rPr>
+                        <a:t>Public</a:t>
+                      </a:r>
+                    </a:p>
+                  </a:txBody>
+                  <a:tcPr marL="207309" marR="207309" marT="103654" marB="103654" anchor="ctr">
+                    <a:lnL>
+                      <a:noFill/>
+                    </a:lnL>
+                    <a:lnR>
+                      <a:noFill/>
+                    </a:lnR>
+                    <a:lnT>
+                      <a:noFill/>
+                    </a:lnT>
+                    <a:lnB>
+                      <a:noFill/>
+                    </a:lnB>
+                    <a:solidFill>
+                      <a:srgbClr val="F8FAFF"/>
+                    </a:solidFill>
+                  </a:tcPr>
+                </a:tc>
+                <a:tc>
+                  <a:txBody>
+                    <a:bodyPr/>
+                    <a:lstStyle/>
+                    <a:p>
+                      <a:r>
+                        <a:rPr lang="en-ID" sz="1200" dirty="0" err="1">
+                          <a:effectLst/>
+                        </a:rPr>
+                        <a:t>deklarasi</a:t>
+                      </a:r>
+                      <a:r>
+                        <a:rPr lang="en-ID" sz="1200" dirty="0">
+                          <a:effectLst/>
+                        </a:rPr>
+                        <a:t> </a:t>
+                      </a:r>
+                      <a:r>
+                        <a:rPr lang="en-ID" sz="1200" dirty="0" err="1">
+                          <a:effectLst/>
+                        </a:rPr>
+                        <a:t>terlihat</a:t>
+                      </a:r>
+                      <a:r>
+                        <a:rPr lang="en-ID" sz="1200" dirty="0">
+                          <a:effectLst/>
+                        </a:rPr>
+                        <a:t> di </a:t>
+                      </a:r>
+                      <a:r>
+                        <a:rPr lang="en-ID" sz="1200" dirty="0" err="1">
+                          <a:effectLst/>
+                        </a:rPr>
+                        <a:t>manapun</a:t>
+                      </a:r>
+                      <a:endParaRPr lang="en-ID" sz="1200" dirty="0">
+                        <a:effectLst/>
+                      </a:endParaRPr>
+                    </a:p>
+                  </a:txBody>
+                  <a:tcPr marL="207309" marR="207309" marT="103654" marB="103654" anchor="ctr">
+                    <a:lnL>
+                      <a:noFill/>
+                    </a:lnL>
+                    <a:lnR>
+                      <a:noFill/>
+                    </a:lnR>
+                    <a:lnT>
+                      <a:noFill/>
+                    </a:lnT>
+                    <a:lnB>
+                      <a:noFill/>
+                    </a:lnB>
+                    <a:solidFill>
+                      <a:srgbClr val="F8FAFF"/>
+                    </a:solidFill>
+                  </a:tcPr>
+                </a:tc>
+                <a:extLst>
+                  <a:ext uri="{0D108BD9-81ED-4DB2-BD59-A6C34878D82A}">
+                    <a16:rowId xmlns:a16="http://schemas.microsoft.com/office/drawing/2014/main" val="2646508297"/>
+                  </a:ext>
+                </a:extLst>
+              </a:tr>
+            </a:tbl>
+          </a:graphicData>
+        </a:graphic>
+      </p:graphicFrame>
     </p:spTree>
     <p:extLst>
       <p:ext uri="{BB962C8B-B14F-4D97-AF65-F5344CB8AC3E}">
-        <p14:creationId xmlns:p14="http://schemas.microsoft.com/office/powerpoint/2010/main" val="3325573651"/>
+        <p14:creationId xmlns:p14="http://schemas.microsoft.com/office/powerpoint/2010/main" val="2325385268"/>
+      </p:ext>
+    </p:extLst>
+  </p:cSld>
+  <p:clrMapOvr>
+    <a:masterClrMapping/>
+  </p:clrMapOvr>
+</p:sld>
+</file>
+
+<file path=ppt/slides/slide42.xml><?xml version="1.0" encoding="utf-8"?>
+<p:sld xmlns:a="http://schemas.openxmlformats.org/drawingml/2006/main" xmlns:r="http://schemas.openxmlformats.org/officeDocument/2006/relationships" xmlns:p="http://schemas.openxmlformats.org/presentationml/2006/main">
+  <p:cSld>
+    <p:spTree>
+      <p:nvGrpSpPr>
+        <p:cNvPr id="1" name=""/>
+        <p:cNvGrpSpPr/>
+        <p:nvPr/>
+      </p:nvGrpSpPr>
+      <p:grpSpPr>
+        <a:xfrm>
+          <a:off x="0" y="0"/>
+          <a:ext cx="0" cy="0"/>
+          <a:chOff x="0" y="0"/>
+          <a:chExt cx="0" cy="0"/>
+        </a:xfrm>
+      </p:grpSpPr>
+      <p:sp>
+        <p:nvSpPr>
+          <p:cNvPr id="2" name="Title 1">
+            <a:extLst>
+              <a:ext uri="{FF2B5EF4-FFF2-40B4-BE49-F238E27FC236}">
+                <a16:creationId xmlns:a16="http://schemas.microsoft.com/office/drawing/2014/main" id="{356CD1E6-BD88-B91A-0D37-175F215B5552}"/>
+              </a:ext>
+            </a:extLst>
+          </p:cNvPr>
+          <p:cNvSpPr>
+            <a:spLocks noGrp="1"/>
+          </p:cNvSpPr>
+          <p:nvPr>
+            <p:ph type="title"/>
+          </p:nvPr>
+        </p:nvSpPr>
+        <p:spPr/>
+        <p:txBody>
+          <a:bodyPr/>
+          <a:lstStyle/>
+          <a:p>
+            <a:pPr algn="l"/>
+            <a:r>
+              <a:rPr lang="en-ID" b="1" i="0" dirty="0">
+                <a:effectLst/>
+              </a:rPr>
+              <a:t>Java this Keyword</a:t>
+            </a:r>
+          </a:p>
+        </p:txBody>
+      </p:sp>
+      <p:sp>
+        <p:nvSpPr>
+          <p:cNvPr id="3" name="Content Placeholder 2">
+            <a:extLst>
+              <a:ext uri="{FF2B5EF4-FFF2-40B4-BE49-F238E27FC236}">
+                <a16:creationId xmlns:a16="http://schemas.microsoft.com/office/drawing/2014/main" id="{9C9A6303-D065-7670-CB56-9283EF4B730A}"/>
+              </a:ext>
+            </a:extLst>
+          </p:cNvPr>
+          <p:cNvSpPr>
+            <a:spLocks noGrp="1"/>
+          </p:cNvSpPr>
+          <p:nvPr>
+            <p:ph idx="1"/>
+          </p:nvPr>
+        </p:nvSpPr>
+        <p:spPr/>
+        <p:txBody>
+          <a:bodyPr/>
+          <a:lstStyle/>
+          <a:p>
+            <a:r>
+              <a:rPr lang="en-US" dirty="0"/>
+              <a:t>Di Java, kata </a:t>
+            </a:r>
+            <a:r>
+              <a:rPr lang="en-US" dirty="0" err="1"/>
+              <a:t>kunci</a:t>
+            </a:r>
+            <a:r>
+              <a:rPr lang="en-US" dirty="0"/>
+              <a:t> </a:t>
+            </a:r>
+            <a:r>
+              <a:rPr lang="en-US" b="1" dirty="0"/>
+              <a:t>this</a:t>
+            </a:r>
+            <a:r>
+              <a:rPr lang="en-US" dirty="0"/>
+              <a:t> </a:t>
+            </a:r>
+            <a:r>
+              <a:rPr lang="en-US" dirty="0" err="1"/>
+              <a:t>digunakan</a:t>
+            </a:r>
+            <a:r>
+              <a:rPr lang="en-US" dirty="0"/>
+              <a:t> </a:t>
+            </a:r>
+            <a:r>
+              <a:rPr lang="en-US" dirty="0" err="1"/>
+              <a:t>untuk</a:t>
+            </a:r>
+            <a:r>
+              <a:rPr lang="en-US" dirty="0"/>
+              <a:t> </a:t>
+            </a:r>
+            <a:r>
+              <a:rPr lang="en-US" dirty="0" err="1"/>
+              <a:t>merujuk</a:t>
+            </a:r>
+            <a:r>
+              <a:rPr lang="en-US" dirty="0"/>
+              <a:t> </a:t>
+            </a:r>
+            <a:r>
+              <a:rPr lang="en-US" dirty="0" err="1"/>
+              <a:t>ke</a:t>
+            </a:r>
+            <a:r>
+              <a:rPr lang="en-US" dirty="0"/>
+              <a:t> current object di </a:t>
+            </a:r>
+            <a:r>
+              <a:rPr lang="en-US" dirty="0" err="1"/>
+              <a:t>dalam</a:t>
+            </a:r>
+            <a:r>
+              <a:rPr lang="en-US" dirty="0"/>
+              <a:t> </a:t>
+            </a:r>
+            <a:r>
+              <a:rPr lang="en-US" dirty="0" err="1"/>
+              <a:t>suatu</a:t>
+            </a:r>
+            <a:r>
+              <a:rPr lang="en-US" dirty="0"/>
+              <a:t> method </a:t>
+            </a:r>
+            <a:r>
+              <a:rPr lang="en-US" dirty="0" err="1"/>
+              <a:t>atau</a:t>
+            </a:r>
+            <a:r>
+              <a:rPr lang="en-US" dirty="0"/>
+              <a:t> constructor.</a:t>
+            </a:r>
+          </a:p>
+          <a:p>
+            <a:r>
+              <a:rPr lang="en-US" b="1" dirty="0"/>
+              <a:t>This</a:t>
+            </a:r>
+            <a:r>
+              <a:rPr lang="en-US" dirty="0"/>
+              <a:t> </a:t>
+            </a:r>
+            <a:r>
+              <a:rPr lang="en-US" dirty="0" err="1"/>
+              <a:t>digunakan</a:t>
+            </a:r>
+            <a:r>
+              <a:rPr lang="en-US" dirty="0"/>
+              <a:t> </a:t>
+            </a:r>
+            <a:r>
+              <a:rPr lang="en-US" dirty="0" err="1"/>
+              <a:t>untuk</a:t>
+            </a:r>
+            <a:r>
+              <a:rPr lang="en-US" dirty="0"/>
+              <a:t> </a:t>
+            </a:r>
+            <a:r>
+              <a:rPr lang="en-US" dirty="0" err="1"/>
+              <a:t>membedakan</a:t>
+            </a:r>
+            <a:r>
+              <a:rPr lang="en-US" dirty="0"/>
+              <a:t> Variable yang ambiguous.</a:t>
+            </a:r>
+          </a:p>
+          <a:p>
+            <a:r>
+              <a:rPr lang="en-US" b="1" dirty="0"/>
+              <a:t>This</a:t>
+            </a:r>
+            <a:r>
+              <a:rPr lang="en-US" dirty="0"/>
+              <a:t> </a:t>
+            </a:r>
+            <a:r>
+              <a:rPr lang="en-US" dirty="0" err="1"/>
+              <a:t>bisa</a:t>
+            </a:r>
+            <a:r>
+              <a:rPr lang="en-US" dirty="0"/>
+              <a:t> juga </a:t>
+            </a:r>
+            <a:r>
+              <a:rPr lang="en-US" dirty="0" err="1"/>
+              <a:t>digunakan</a:t>
+            </a:r>
+            <a:r>
+              <a:rPr lang="en-US" dirty="0"/>
+              <a:t> </a:t>
+            </a:r>
+            <a:r>
+              <a:rPr lang="en-US" dirty="0" err="1"/>
+              <a:t>untuk</a:t>
+            </a:r>
+            <a:r>
+              <a:rPr lang="en-US" dirty="0"/>
+              <a:t> </a:t>
+            </a:r>
+            <a:r>
+              <a:rPr lang="en-US" dirty="0" err="1"/>
+              <a:t>membuat</a:t>
+            </a:r>
+            <a:r>
+              <a:rPr lang="en-US" dirty="0"/>
+              <a:t> Getters and Setters method </a:t>
+            </a:r>
+            <a:r>
+              <a:rPr lang="en-US" dirty="0" err="1"/>
+              <a:t>dalam</a:t>
+            </a:r>
+            <a:r>
+              <a:rPr lang="en-US" dirty="0"/>
+              <a:t> </a:t>
+            </a:r>
+            <a:r>
+              <a:rPr lang="en-US" dirty="0" err="1"/>
+              <a:t>sebuah</a:t>
+            </a:r>
+            <a:r>
+              <a:rPr lang="en-US" dirty="0"/>
+              <a:t> </a:t>
+            </a:r>
+            <a:r>
+              <a:rPr lang="en-US" dirty="0" err="1"/>
+              <a:t>kelas</a:t>
+            </a:r>
+            <a:r>
+              <a:rPr lang="en-US" dirty="0"/>
+              <a:t>.</a:t>
+            </a:r>
+          </a:p>
+          <a:p>
+            <a:r>
+              <a:rPr lang="en-US" b="1" dirty="0"/>
+              <a:t>This</a:t>
+            </a:r>
+            <a:r>
+              <a:rPr lang="en-US" dirty="0"/>
+              <a:t> </a:t>
+            </a:r>
+            <a:r>
+              <a:rPr lang="en-US" dirty="0" err="1"/>
+              <a:t>digunakan</a:t>
+            </a:r>
+            <a:r>
+              <a:rPr lang="en-US" dirty="0"/>
+              <a:t> juga </a:t>
+            </a:r>
+            <a:r>
+              <a:rPr lang="en-US" dirty="0" err="1"/>
+              <a:t>dalam</a:t>
+            </a:r>
+            <a:r>
+              <a:rPr lang="en-US" dirty="0"/>
+              <a:t> Constructor Overloading.</a:t>
+            </a:r>
+          </a:p>
+          <a:p>
+            <a:endParaRPr lang="en-US" dirty="0"/>
+          </a:p>
+          <a:p>
+            <a:endParaRPr lang="en-US" dirty="0"/>
+          </a:p>
+          <a:p>
+            <a:endParaRPr lang="en-US" dirty="0"/>
+          </a:p>
+        </p:txBody>
+      </p:sp>
+    </p:spTree>
+    <p:extLst>
+      <p:ext uri="{BB962C8B-B14F-4D97-AF65-F5344CB8AC3E}">
+        <p14:creationId xmlns:p14="http://schemas.microsoft.com/office/powerpoint/2010/main" val="3072826215"/>
+      </p:ext>
+    </p:extLst>
+  </p:cSld>
+  <p:clrMapOvr>
+    <a:masterClrMapping/>
+  </p:clrMapOvr>
+</p:sld>
+</file>
+
+<file path=ppt/slides/slide43.xml><?xml version="1.0" encoding="utf-8"?>
+<p:sld xmlns:a="http://schemas.openxmlformats.org/drawingml/2006/main" xmlns:r="http://schemas.openxmlformats.org/officeDocument/2006/relationships" xmlns:p="http://schemas.openxmlformats.org/presentationml/2006/main">
+  <p:cSld>
+    <p:spTree>
+      <p:nvGrpSpPr>
+        <p:cNvPr id="1" name=""/>
+        <p:cNvGrpSpPr/>
+        <p:nvPr/>
+      </p:nvGrpSpPr>
+      <p:grpSpPr>
+        <a:xfrm>
+          <a:off x="0" y="0"/>
+          <a:ext cx="0" cy="0"/>
+          <a:chOff x="0" y="0"/>
+          <a:chExt cx="0" cy="0"/>
+        </a:xfrm>
+      </p:grpSpPr>
+      <p:sp>
+        <p:nvSpPr>
+          <p:cNvPr id="2" name="Title 1">
+            <a:extLst>
+              <a:ext uri="{FF2B5EF4-FFF2-40B4-BE49-F238E27FC236}">
+                <a16:creationId xmlns:a16="http://schemas.microsoft.com/office/drawing/2014/main" id="{290943D4-1502-38C9-5060-73BA15783965}"/>
+              </a:ext>
+            </a:extLst>
+          </p:cNvPr>
+          <p:cNvSpPr>
+            <a:spLocks noGrp="1"/>
+          </p:cNvSpPr>
+          <p:nvPr>
+            <p:ph type="title"/>
+          </p:nvPr>
+        </p:nvSpPr>
+        <p:spPr/>
+        <p:txBody>
+          <a:bodyPr/>
+          <a:lstStyle/>
+          <a:p>
+            <a:r>
+              <a:rPr lang="en-US" dirty="0"/>
+              <a:t>Java final keyword</a:t>
+            </a:r>
+          </a:p>
+        </p:txBody>
+      </p:sp>
+      <p:sp>
+        <p:nvSpPr>
+          <p:cNvPr id="3" name="Content Placeholder 2">
+            <a:extLst>
+              <a:ext uri="{FF2B5EF4-FFF2-40B4-BE49-F238E27FC236}">
+                <a16:creationId xmlns:a16="http://schemas.microsoft.com/office/drawing/2014/main" id="{4A512C91-216B-FAB2-BF90-39C9669C8665}"/>
+              </a:ext>
+            </a:extLst>
+          </p:cNvPr>
+          <p:cNvSpPr>
+            <a:spLocks noGrp="1"/>
+          </p:cNvSpPr>
+          <p:nvPr>
+            <p:ph idx="1"/>
+          </p:nvPr>
+        </p:nvSpPr>
+        <p:spPr/>
+        <p:txBody>
+          <a:bodyPr/>
+          <a:lstStyle/>
+          <a:p>
+            <a:r>
+              <a:rPr lang="en-US" dirty="0"/>
+              <a:t>Di </a:t>
+            </a:r>
+            <a:r>
+              <a:rPr lang="en-US" dirty="0" err="1"/>
+              <a:t>dalam</a:t>
+            </a:r>
+            <a:r>
+              <a:rPr lang="en-US" dirty="0"/>
+              <a:t> Java, keyword </a:t>
+            </a:r>
+            <a:r>
+              <a:rPr lang="en-US" b="1" dirty="0"/>
+              <a:t>final</a:t>
+            </a:r>
+            <a:r>
+              <a:rPr lang="en-US" dirty="0"/>
+              <a:t> </a:t>
+            </a:r>
+            <a:r>
+              <a:rPr lang="en-US" dirty="0" err="1"/>
+              <a:t>digunakan</a:t>
+            </a:r>
+            <a:r>
+              <a:rPr lang="en-US" dirty="0"/>
+              <a:t> </a:t>
+            </a:r>
+            <a:r>
+              <a:rPr lang="en-US" dirty="0" err="1"/>
+              <a:t>untuk</a:t>
+            </a:r>
+            <a:r>
+              <a:rPr lang="en-US" dirty="0"/>
+              <a:t> </a:t>
+            </a:r>
+            <a:r>
+              <a:rPr lang="en-US" dirty="0" err="1"/>
+              <a:t>menunjukkan</a:t>
+            </a:r>
+            <a:r>
+              <a:rPr lang="en-US" dirty="0"/>
+              <a:t> </a:t>
+            </a:r>
+            <a:r>
+              <a:rPr lang="en-US" dirty="0" err="1"/>
+              <a:t>konstanta</a:t>
+            </a:r>
+            <a:r>
+              <a:rPr lang="en-US" dirty="0"/>
+              <a:t>. </a:t>
+            </a:r>
+            <a:r>
+              <a:rPr lang="en-US" dirty="0" err="1"/>
+              <a:t>Ini</a:t>
+            </a:r>
+            <a:r>
+              <a:rPr lang="en-US" dirty="0"/>
+              <a:t> </a:t>
+            </a:r>
+            <a:r>
+              <a:rPr lang="en-US" dirty="0" err="1"/>
+              <a:t>dapat</a:t>
+            </a:r>
+            <a:r>
+              <a:rPr lang="en-US" dirty="0"/>
+              <a:t> </a:t>
+            </a:r>
+            <a:r>
+              <a:rPr lang="en-US" dirty="0" err="1"/>
+              <a:t>digunakan</a:t>
+            </a:r>
+            <a:r>
+              <a:rPr lang="en-US" dirty="0"/>
+              <a:t> </a:t>
+            </a:r>
+            <a:r>
+              <a:rPr lang="en-US" dirty="0" err="1"/>
+              <a:t>dengan</a:t>
+            </a:r>
+            <a:r>
+              <a:rPr lang="en-US" dirty="0"/>
+              <a:t> </a:t>
+            </a:r>
+            <a:r>
+              <a:rPr lang="en-US" dirty="0" err="1"/>
+              <a:t>variabel</a:t>
+            </a:r>
+            <a:r>
+              <a:rPr lang="en-US" dirty="0"/>
+              <a:t>, </a:t>
+            </a:r>
+            <a:r>
+              <a:rPr lang="en-US" dirty="0" err="1"/>
+              <a:t>methode</a:t>
+            </a:r>
+            <a:r>
+              <a:rPr lang="en-US" dirty="0"/>
+              <a:t>, dan class.</a:t>
+            </a:r>
+          </a:p>
+          <a:p>
+            <a:r>
+              <a:rPr lang="en-US" dirty="0"/>
+              <a:t>Ketika </a:t>
+            </a:r>
+            <a:r>
+              <a:rPr lang="en-US" dirty="0" err="1"/>
+              <a:t>suatu</a:t>
+            </a:r>
+            <a:r>
+              <a:rPr lang="en-US" dirty="0"/>
+              <a:t> </a:t>
+            </a:r>
+            <a:r>
+              <a:rPr lang="en-US" dirty="0" err="1"/>
+              <a:t>entitas</a:t>
+            </a:r>
+            <a:r>
+              <a:rPr lang="en-US" dirty="0"/>
+              <a:t> </a:t>
+            </a:r>
+            <a:r>
+              <a:rPr lang="en-US" dirty="0" err="1"/>
+              <a:t>apa</a:t>
+            </a:r>
+            <a:r>
+              <a:rPr lang="en-US" dirty="0"/>
+              <a:t> pun (</a:t>
+            </a:r>
+            <a:r>
+              <a:rPr lang="en-US" dirty="0" err="1"/>
+              <a:t>variabel</a:t>
+            </a:r>
+            <a:r>
+              <a:rPr lang="en-US" dirty="0"/>
+              <a:t>, </a:t>
+            </a:r>
+            <a:r>
+              <a:rPr lang="en-US" dirty="0" err="1"/>
+              <a:t>methode</a:t>
+            </a:r>
+            <a:r>
+              <a:rPr lang="en-US" dirty="0"/>
+              <a:t> </a:t>
+            </a:r>
+            <a:r>
+              <a:rPr lang="en-US" dirty="0" err="1"/>
+              <a:t>atau</a:t>
+            </a:r>
+            <a:r>
+              <a:rPr lang="en-US" dirty="0"/>
+              <a:t> class) </a:t>
+            </a:r>
+            <a:r>
+              <a:rPr lang="en-US" dirty="0" err="1"/>
+              <a:t>dinyatakan</a:t>
+            </a:r>
+            <a:r>
+              <a:rPr lang="en-US" dirty="0"/>
+              <a:t> </a:t>
+            </a:r>
+            <a:r>
+              <a:rPr lang="en-US" b="1" dirty="0"/>
+              <a:t>final</a:t>
+            </a:r>
+            <a:r>
+              <a:rPr lang="en-US" dirty="0"/>
+              <a:t>, </a:t>
+            </a:r>
+            <a:r>
+              <a:rPr lang="en-US" dirty="0" err="1"/>
+              <a:t>entitas</a:t>
+            </a:r>
+            <a:r>
+              <a:rPr lang="en-US" dirty="0"/>
+              <a:t> </a:t>
+            </a:r>
+            <a:r>
+              <a:rPr lang="en-US" dirty="0" err="1"/>
+              <a:t>tersebut</a:t>
+            </a:r>
+            <a:r>
+              <a:rPr lang="en-US" dirty="0"/>
+              <a:t> </a:t>
+            </a:r>
+            <a:r>
+              <a:rPr lang="en-US" dirty="0" err="1"/>
+              <a:t>hanya</a:t>
+            </a:r>
+            <a:r>
+              <a:rPr lang="en-US" dirty="0"/>
+              <a:t> </a:t>
+            </a:r>
+            <a:r>
+              <a:rPr lang="en-US" dirty="0" err="1"/>
+              <a:t>dapat</a:t>
+            </a:r>
+            <a:r>
+              <a:rPr lang="en-US" dirty="0"/>
+              <a:t> </a:t>
+            </a:r>
+            <a:r>
+              <a:rPr lang="en-US" dirty="0" err="1"/>
+              <a:t>ditetapkan</a:t>
+            </a:r>
+            <a:r>
+              <a:rPr lang="en-US" dirty="0"/>
+              <a:t> </a:t>
+            </a:r>
+            <a:r>
+              <a:rPr lang="en-US" dirty="0" err="1"/>
+              <a:t>satu</a:t>
+            </a:r>
+            <a:r>
+              <a:rPr lang="en-US" dirty="0"/>
+              <a:t> kali.</a:t>
+            </a:r>
+          </a:p>
+          <a:p>
+            <a:pPr marL="758825" indent="-336550">
+              <a:buFont typeface="+mj-lt"/>
+              <a:buAutoNum type="arabicPeriod"/>
+            </a:pPr>
+            <a:r>
+              <a:rPr lang="en-US" dirty="0" err="1"/>
+              <a:t>Variabel</a:t>
+            </a:r>
+            <a:r>
+              <a:rPr lang="en-US" dirty="0"/>
+              <a:t> </a:t>
+            </a:r>
+            <a:r>
+              <a:rPr lang="en-US" dirty="0" err="1"/>
+              <a:t>terakhir</a:t>
+            </a:r>
+            <a:r>
+              <a:rPr lang="en-US" dirty="0"/>
+              <a:t> </a:t>
+            </a:r>
+            <a:r>
+              <a:rPr lang="en-US" dirty="0" err="1"/>
+              <a:t>tidak</a:t>
+            </a:r>
+            <a:r>
+              <a:rPr lang="en-US" dirty="0"/>
+              <a:t> </a:t>
+            </a:r>
+            <a:r>
+              <a:rPr lang="en-US" dirty="0" err="1"/>
+              <a:t>dapat</a:t>
+            </a:r>
+            <a:r>
+              <a:rPr lang="en-US" dirty="0"/>
+              <a:t> </a:t>
+            </a:r>
+            <a:r>
+              <a:rPr lang="en-US" dirty="0" err="1"/>
+              <a:t>diinisialisasi</a:t>
+            </a:r>
+            <a:r>
+              <a:rPr lang="en-US" dirty="0"/>
+              <a:t> </a:t>
+            </a:r>
+            <a:r>
+              <a:rPr lang="en-US" dirty="0" err="1"/>
+              <a:t>ulang</a:t>
+            </a:r>
+            <a:r>
+              <a:rPr lang="en-US" dirty="0"/>
+              <a:t> </a:t>
+            </a:r>
+            <a:r>
+              <a:rPr lang="en-US" dirty="0" err="1"/>
+              <a:t>dengan</a:t>
+            </a:r>
+            <a:r>
+              <a:rPr lang="en-US" dirty="0"/>
+              <a:t> </a:t>
+            </a:r>
+            <a:r>
+              <a:rPr lang="en-US" dirty="0" err="1"/>
+              <a:t>nilai</a:t>
+            </a:r>
+            <a:r>
+              <a:rPr lang="en-US" dirty="0"/>
+              <a:t> lain</a:t>
+            </a:r>
+          </a:p>
+          <a:p>
+            <a:pPr marL="758825" indent="-336550">
+              <a:buFont typeface="+mj-lt"/>
+              <a:buAutoNum type="arabicPeriod"/>
+            </a:pPr>
+            <a:r>
+              <a:rPr lang="en-US" dirty="0" err="1"/>
+              <a:t>metode</a:t>
+            </a:r>
+            <a:r>
+              <a:rPr lang="en-US" dirty="0"/>
+              <a:t> </a:t>
+            </a:r>
+            <a:r>
+              <a:rPr lang="en-US" dirty="0" err="1"/>
+              <a:t>terakhir</a:t>
+            </a:r>
+            <a:r>
+              <a:rPr lang="en-US" dirty="0"/>
+              <a:t> </a:t>
+            </a:r>
+            <a:r>
+              <a:rPr lang="en-US" dirty="0" err="1"/>
+              <a:t>tidak</a:t>
+            </a:r>
+            <a:r>
+              <a:rPr lang="en-US" dirty="0"/>
+              <a:t> </a:t>
+            </a:r>
+            <a:r>
+              <a:rPr lang="en-US" dirty="0" err="1"/>
+              <a:t>dapat</a:t>
+            </a:r>
+            <a:r>
+              <a:rPr lang="en-US" dirty="0"/>
+              <a:t> di </a:t>
+            </a:r>
+            <a:r>
+              <a:rPr lang="en-US" i="1" dirty="0"/>
+              <a:t>override</a:t>
+            </a:r>
+            <a:r>
+              <a:rPr lang="en-US" dirty="0"/>
+              <a:t> (</a:t>
+            </a:r>
+            <a:r>
+              <a:rPr lang="en-US" dirty="0" err="1"/>
+              <a:t>ditimpa</a:t>
+            </a:r>
+            <a:r>
+              <a:rPr lang="en-US" dirty="0"/>
+              <a:t>)</a:t>
+            </a:r>
+          </a:p>
+          <a:p>
+            <a:pPr marL="758825" indent="-336550">
+              <a:buFont typeface="+mj-lt"/>
+              <a:buAutoNum type="arabicPeriod"/>
+            </a:pPr>
+            <a:r>
+              <a:rPr lang="en-US" dirty="0"/>
+              <a:t>class </a:t>
+            </a:r>
+            <a:r>
+              <a:rPr lang="en-US" dirty="0" err="1"/>
+              <a:t>terakhir</a:t>
+            </a:r>
+            <a:r>
+              <a:rPr lang="en-US" dirty="0"/>
+              <a:t> </a:t>
+            </a:r>
+            <a:r>
+              <a:rPr lang="en-US" dirty="0" err="1"/>
+              <a:t>tidak</a:t>
+            </a:r>
+            <a:r>
+              <a:rPr lang="en-US" dirty="0"/>
+              <a:t> </a:t>
+            </a:r>
+            <a:r>
+              <a:rPr lang="en-US" dirty="0" err="1"/>
+              <a:t>dapat</a:t>
+            </a:r>
+            <a:r>
+              <a:rPr lang="en-US" dirty="0"/>
+              <a:t> di </a:t>
+            </a:r>
+            <a:r>
+              <a:rPr lang="en-ID" b="0" i="0" dirty="0">
+                <a:effectLst/>
+                <a:highlight>
+                  <a:srgbClr val="F9FAFC"/>
+                </a:highlight>
+                <a:latin typeface="euclid_circular_a"/>
+              </a:rPr>
+              <a:t>extend (</a:t>
+            </a:r>
+            <a:r>
+              <a:rPr lang="en-ID" b="0" i="0" dirty="0" err="1">
+                <a:effectLst/>
+                <a:highlight>
+                  <a:srgbClr val="F9FAFC"/>
+                </a:highlight>
+                <a:latin typeface="euclid_circular_a"/>
+              </a:rPr>
+              <a:t>diperpanjang</a:t>
+            </a:r>
+            <a:r>
+              <a:rPr lang="en-ID" b="0" i="0" dirty="0">
+                <a:effectLst/>
+                <a:highlight>
+                  <a:srgbClr val="F9FAFC"/>
+                </a:highlight>
+                <a:latin typeface="euclid_circular_a"/>
+              </a:rPr>
+              <a:t>)</a:t>
+            </a:r>
+            <a:endParaRPr lang="en-US" dirty="0"/>
+          </a:p>
+        </p:txBody>
+      </p:sp>
+    </p:spTree>
+    <p:extLst>
+      <p:ext uri="{BB962C8B-B14F-4D97-AF65-F5344CB8AC3E}">
+        <p14:creationId xmlns:p14="http://schemas.microsoft.com/office/powerpoint/2010/main" val="540880148"/>
+      </p:ext>
+    </p:extLst>
+  </p:cSld>
+  <p:clrMapOvr>
+    <a:masterClrMapping/>
+  </p:clrMapOvr>
+</p:sld>
+</file>
+
+<file path=ppt/slides/slide44.xml><?xml version="1.0" encoding="utf-8"?>
+<p:sld xmlns:a="http://schemas.openxmlformats.org/drawingml/2006/main" xmlns:r="http://schemas.openxmlformats.org/officeDocument/2006/relationships" xmlns:p="http://schemas.openxmlformats.org/presentationml/2006/main">
+  <p:cSld>
+    <p:spTree>
+      <p:nvGrpSpPr>
+        <p:cNvPr id="1" name=""/>
+        <p:cNvGrpSpPr/>
+        <p:nvPr/>
+      </p:nvGrpSpPr>
+      <p:grpSpPr>
+        <a:xfrm>
+          <a:off x="0" y="0"/>
+          <a:ext cx="0" cy="0"/>
+          <a:chOff x="0" y="0"/>
+          <a:chExt cx="0" cy="0"/>
+        </a:xfrm>
+      </p:grpSpPr>
+      <p:sp>
+        <p:nvSpPr>
+          <p:cNvPr id="2" name="Title 1">
+            <a:extLst>
+              <a:ext uri="{FF2B5EF4-FFF2-40B4-BE49-F238E27FC236}">
+                <a16:creationId xmlns:a16="http://schemas.microsoft.com/office/drawing/2014/main" id="{128DC612-CA95-4CE1-0A52-A21A3A04FD99}"/>
+              </a:ext>
+            </a:extLst>
+          </p:cNvPr>
+          <p:cNvSpPr>
+            <a:spLocks noGrp="1"/>
+          </p:cNvSpPr>
+          <p:nvPr>
+            <p:ph type="title"/>
+          </p:nvPr>
+        </p:nvSpPr>
+        <p:spPr/>
+        <p:txBody>
+          <a:bodyPr/>
+          <a:lstStyle/>
+          <a:p>
+            <a:r>
+              <a:rPr lang="en-US" dirty="0"/>
+              <a:t>Java Recursion</a:t>
+            </a:r>
+          </a:p>
+        </p:txBody>
+      </p:sp>
+      <p:sp>
+        <p:nvSpPr>
+          <p:cNvPr id="3" name="Content Placeholder 2">
+            <a:extLst>
+              <a:ext uri="{FF2B5EF4-FFF2-40B4-BE49-F238E27FC236}">
+                <a16:creationId xmlns:a16="http://schemas.microsoft.com/office/drawing/2014/main" id="{CFC3AAFF-2AEC-0BAB-99B5-59E0F6FFDEA1}"/>
+              </a:ext>
+            </a:extLst>
+          </p:cNvPr>
+          <p:cNvSpPr>
+            <a:spLocks noGrp="1"/>
+          </p:cNvSpPr>
+          <p:nvPr>
+            <p:ph idx="1"/>
+          </p:nvPr>
+        </p:nvSpPr>
+        <p:spPr/>
+        <p:txBody>
+          <a:bodyPr/>
+          <a:lstStyle/>
+          <a:p>
+            <a:r>
+              <a:rPr lang="en-US" dirty="0"/>
+              <a:t>Di Java, </a:t>
+            </a:r>
+            <a:r>
+              <a:rPr lang="en-US" dirty="0" err="1"/>
+              <a:t>methode</a:t>
+            </a:r>
+            <a:r>
+              <a:rPr lang="en-US" dirty="0"/>
+              <a:t> yang </a:t>
+            </a:r>
+            <a:r>
+              <a:rPr lang="en-US" dirty="0" err="1"/>
+              <a:t>memanggil</a:t>
+            </a:r>
+            <a:r>
+              <a:rPr lang="en-US" dirty="0"/>
+              <a:t> </a:t>
+            </a:r>
+            <a:r>
+              <a:rPr lang="en-US" dirty="0" err="1"/>
+              <a:t>dirinya</a:t>
+            </a:r>
+            <a:r>
+              <a:rPr lang="en-US" dirty="0"/>
+              <a:t> </a:t>
+            </a:r>
+            <a:r>
+              <a:rPr lang="en-US" dirty="0" err="1"/>
+              <a:t>sendiri</a:t>
+            </a:r>
+            <a:r>
+              <a:rPr lang="en-US" dirty="0"/>
+              <a:t> </a:t>
+            </a:r>
+            <a:r>
+              <a:rPr lang="en-US" dirty="0" err="1"/>
+              <a:t>disebut</a:t>
+            </a:r>
+            <a:r>
+              <a:rPr lang="en-US" dirty="0"/>
+              <a:t> </a:t>
+            </a:r>
+            <a:r>
+              <a:rPr lang="en-US" i="1" dirty="0"/>
+              <a:t>recursive </a:t>
+            </a:r>
+            <a:r>
+              <a:rPr lang="en-US" i="1" dirty="0" err="1"/>
+              <a:t>methode</a:t>
+            </a:r>
+            <a:r>
+              <a:rPr lang="en-US" dirty="0"/>
+              <a:t>. Dan, proses </a:t>
+            </a:r>
+            <a:r>
+              <a:rPr lang="en-US" dirty="0" err="1"/>
+              <a:t>ini</a:t>
+            </a:r>
+            <a:r>
+              <a:rPr lang="en-US" dirty="0"/>
+              <a:t> </a:t>
+            </a:r>
+            <a:r>
+              <a:rPr lang="en-US" dirty="0" err="1"/>
+              <a:t>dikenal</a:t>
+            </a:r>
+            <a:r>
+              <a:rPr lang="en-US" dirty="0"/>
+              <a:t> </a:t>
+            </a:r>
+            <a:r>
+              <a:rPr lang="en-US" dirty="0" err="1"/>
+              <a:t>sebagai</a:t>
+            </a:r>
+            <a:r>
+              <a:rPr lang="en-US" dirty="0"/>
+              <a:t> </a:t>
+            </a:r>
+            <a:r>
+              <a:rPr lang="en-US" i="1" dirty="0"/>
+              <a:t>recursion</a:t>
+            </a:r>
+            <a:r>
+              <a:rPr lang="en-US" dirty="0"/>
+              <a:t>.</a:t>
+            </a:r>
+          </a:p>
+          <a:p>
+            <a:endParaRPr lang="en-US" dirty="0"/>
+          </a:p>
+          <a:p>
+            <a:r>
+              <a:rPr lang="en-US" dirty="0" err="1"/>
+              <a:t>Contoh</a:t>
+            </a:r>
+            <a:r>
+              <a:rPr lang="en-US" dirty="0"/>
+              <a:t> di dunia </a:t>
+            </a:r>
+            <a:r>
+              <a:rPr lang="en-US" dirty="0" err="1"/>
+              <a:t>nyata</a:t>
+            </a:r>
+            <a:r>
+              <a:rPr lang="en-US" dirty="0"/>
+              <a:t> </a:t>
+            </a:r>
+            <a:r>
+              <a:rPr lang="en-US" dirty="0" err="1"/>
+              <a:t>adalah</a:t>
+            </a:r>
+            <a:r>
+              <a:rPr lang="en-US" dirty="0"/>
+              <a:t> </a:t>
+            </a:r>
+            <a:r>
+              <a:rPr lang="en-US" dirty="0" err="1"/>
+              <a:t>menempatkan</a:t>
+            </a:r>
+            <a:r>
+              <a:rPr lang="en-US" dirty="0"/>
+              <a:t> </a:t>
+            </a:r>
+            <a:r>
+              <a:rPr lang="en-US" dirty="0" err="1"/>
+              <a:t>dua</a:t>
+            </a:r>
+            <a:r>
+              <a:rPr lang="en-US" dirty="0"/>
+              <a:t> </a:t>
+            </a:r>
+            <a:r>
+              <a:rPr lang="en-US" dirty="0" err="1"/>
+              <a:t>cermin</a:t>
+            </a:r>
+            <a:r>
+              <a:rPr lang="en-US" dirty="0"/>
+              <a:t> </a:t>
+            </a:r>
+            <a:r>
+              <a:rPr lang="en-US" dirty="0" err="1"/>
+              <a:t>sejajar</a:t>
+            </a:r>
+            <a:r>
+              <a:rPr lang="en-US" dirty="0"/>
+              <a:t> yang </a:t>
+            </a:r>
+            <a:r>
+              <a:rPr lang="en-US" dirty="0" err="1"/>
+              <a:t>saling</a:t>
+            </a:r>
+            <a:r>
+              <a:rPr lang="en-US" dirty="0"/>
+              <a:t> </a:t>
+            </a:r>
+            <a:r>
+              <a:rPr lang="en-US" dirty="0" err="1"/>
+              <a:t>berhadapan</a:t>
+            </a:r>
+            <a:r>
+              <a:rPr lang="en-US" dirty="0"/>
+              <a:t>. </a:t>
+            </a:r>
+            <a:r>
+              <a:rPr lang="en-US" dirty="0" err="1"/>
+              <a:t>Objek</a:t>
+            </a:r>
+            <a:r>
+              <a:rPr lang="en-US" dirty="0"/>
+              <a:t> </a:t>
+            </a:r>
+            <a:r>
+              <a:rPr lang="en-US" dirty="0" err="1"/>
+              <a:t>apa</a:t>
+            </a:r>
+            <a:r>
+              <a:rPr lang="en-US" dirty="0"/>
+              <a:t> pun di </a:t>
+            </a:r>
+            <a:r>
+              <a:rPr lang="en-US" dirty="0" err="1"/>
+              <a:t>antara</a:t>
+            </a:r>
+            <a:r>
+              <a:rPr lang="en-US" dirty="0"/>
+              <a:t> </a:t>
+            </a:r>
+            <a:r>
+              <a:rPr lang="en-US" dirty="0" err="1"/>
+              <a:t>keduanya</a:t>
+            </a:r>
+            <a:r>
+              <a:rPr lang="en-US" dirty="0"/>
+              <a:t> </a:t>
+            </a:r>
+            <a:r>
+              <a:rPr lang="en-US" dirty="0" err="1"/>
+              <a:t>akan</a:t>
+            </a:r>
+            <a:r>
+              <a:rPr lang="en-US" dirty="0"/>
+              <a:t> </a:t>
+            </a:r>
+            <a:r>
+              <a:rPr lang="en-US" dirty="0" err="1"/>
+              <a:t>direfleksikan</a:t>
+            </a:r>
+            <a:r>
+              <a:rPr lang="en-US" dirty="0"/>
+              <a:t> </a:t>
+            </a:r>
+            <a:r>
+              <a:rPr lang="en-US" dirty="0" err="1"/>
+              <a:t>secara</a:t>
+            </a:r>
+            <a:r>
+              <a:rPr lang="en-US" dirty="0"/>
+              <a:t> </a:t>
+            </a:r>
+            <a:r>
+              <a:rPr lang="en-US" dirty="0" err="1"/>
+              <a:t>rekursif</a:t>
+            </a:r>
+            <a:r>
+              <a:rPr lang="en-US" dirty="0"/>
+              <a:t>.</a:t>
+            </a:r>
+          </a:p>
+        </p:txBody>
+      </p:sp>
+    </p:spTree>
+    <p:extLst>
+      <p:ext uri="{BB962C8B-B14F-4D97-AF65-F5344CB8AC3E}">
+        <p14:creationId xmlns:p14="http://schemas.microsoft.com/office/powerpoint/2010/main" val="1473242079"/>
+      </p:ext>
+    </p:extLst>
+  </p:cSld>
+  <p:clrMapOvr>
+    <a:masterClrMapping/>
+  </p:clrMapOvr>
+</p:sld>
+</file>
+
+<file path=ppt/slides/slide45.xml><?xml version="1.0" encoding="utf-8"?>
+<p:sld xmlns:a="http://schemas.openxmlformats.org/drawingml/2006/main" xmlns:r="http://schemas.openxmlformats.org/officeDocument/2006/relationships" xmlns:p="http://schemas.openxmlformats.org/presentationml/2006/main">
+  <p:cSld>
+    <p:spTree>
+      <p:nvGrpSpPr>
+        <p:cNvPr id="1" name=""/>
+        <p:cNvGrpSpPr/>
+        <p:nvPr/>
+      </p:nvGrpSpPr>
+      <p:grpSpPr>
+        <a:xfrm>
+          <a:off x="0" y="0"/>
+          <a:ext cx="0" cy="0"/>
+          <a:chOff x="0" y="0"/>
+          <a:chExt cx="0" cy="0"/>
+        </a:xfrm>
+      </p:grpSpPr>
+      <p:sp>
+        <p:nvSpPr>
+          <p:cNvPr id="2" name="Title 1">
+            <a:extLst>
+              <a:ext uri="{FF2B5EF4-FFF2-40B4-BE49-F238E27FC236}">
+                <a16:creationId xmlns:a16="http://schemas.microsoft.com/office/drawing/2014/main" id="{2A86C320-5716-A406-684F-61CA494FB8E9}"/>
+              </a:ext>
+            </a:extLst>
+          </p:cNvPr>
+          <p:cNvSpPr>
+            <a:spLocks noGrp="1"/>
+          </p:cNvSpPr>
+          <p:nvPr>
+            <p:ph type="title"/>
+          </p:nvPr>
+        </p:nvSpPr>
+        <p:spPr/>
+        <p:txBody>
+          <a:bodyPr>
+            <a:normAutofit/>
+          </a:bodyPr>
+          <a:lstStyle/>
+          <a:p>
+            <a:r>
+              <a:rPr lang="en-US" dirty="0"/>
+              <a:t>Java </a:t>
+            </a:r>
+            <a:r>
+              <a:rPr lang="en-US" dirty="0" err="1"/>
+              <a:t>instanceof</a:t>
+            </a:r>
+            <a:r>
+              <a:rPr lang="en-US" dirty="0"/>
+              <a:t> Operator</a:t>
+            </a:r>
+          </a:p>
+        </p:txBody>
+      </p:sp>
+      <p:sp>
+        <p:nvSpPr>
+          <p:cNvPr id="3" name="Content Placeholder 2">
+            <a:extLst>
+              <a:ext uri="{FF2B5EF4-FFF2-40B4-BE49-F238E27FC236}">
+                <a16:creationId xmlns:a16="http://schemas.microsoft.com/office/drawing/2014/main" id="{4CB96DE2-6832-3A88-A6F6-8B7E68DA3EE6}"/>
+              </a:ext>
+            </a:extLst>
+          </p:cNvPr>
+          <p:cNvSpPr>
+            <a:spLocks noGrp="1"/>
+          </p:cNvSpPr>
+          <p:nvPr>
+            <p:ph idx="1"/>
+          </p:nvPr>
+        </p:nvSpPr>
+        <p:spPr/>
+        <p:txBody>
+          <a:bodyPr/>
+          <a:lstStyle/>
+          <a:p>
+            <a:r>
+              <a:rPr lang="en-US" dirty="0"/>
+              <a:t>Operator </a:t>
+            </a:r>
+            <a:r>
+              <a:rPr lang="en-US" b="1" dirty="0" err="1"/>
+              <a:t>instanceOf</a:t>
+            </a:r>
+            <a:r>
+              <a:rPr lang="en-US" dirty="0"/>
+              <a:t> di Java </a:t>
+            </a:r>
+            <a:r>
+              <a:rPr lang="en-US" dirty="0" err="1"/>
+              <a:t>digunakan</a:t>
+            </a:r>
+            <a:r>
+              <a:rPr lang="en-US" dirty="0"/>
+              <a:t> </a:t>
+            </a:r>
+            <a:r>
+              <a:rPr lang="en-US" dirty="0" err="1"/>
+              <a:t>untuk</a:t>
+            </a:r>
+            <a:r>
+              <a:rPr lang="en-US" dirty="0"/>
+              <a:t> </a:t>
+            </a:r>
+            <a:r>
+              <a:rPr lang="en-US" dirty="0" err="1"/>
+              <a:t>memeriksa</a:t>
+            </a:r>
+            <a:r>
+              <a:rPr lang="en-US" dirty="0"/>
+              <a:t> </a:t>
+            </a:r>
+            <a:r>
+              <a:rPr lang="en-US" dirty="0" err="1"/>
+              <a:t>apakah</a:t>
+            </a:r>
+            <a:r>
+              <a:rPr lang="en-US" dirty="0"/>
+              <a:t> </a:t>
+            </a:r>
+            <a:r>
+              <a:rPr lang="en-US" dirty="0" err="1"/>
+              <a:t>suatu</a:t>
+            </a:r>
+            <a:r>
+              <a:rPr lang="en-US" dirty="0"/>
+              <a:t> </a:t>
+            </a:r>
+            <a:r>
+              <a:rPr lang="en-US" dirty="0" err="1"/>
+              <a:t>objek</a:t>
+            </a:r>
+            <a:r>
+              <a:rPr lang="en-US" dirty="0"/>
+              <a:t> </a:t>
+            </a:r>
+            <a:r>
+              <a:rPr lang="en-US" dirty="0" err="1"/>
+              <a:t>merupakan</a:t>
+            </a:r>
+            <a:r>
+              <a:rPr lang="en-US" dirty="0"/>
+              <a:t> </a:t>
+            </a:r>
+            <a:r>
+              <a:rPr lang="en-US" dirty="0" err="1"/>
+              <a:t>turunan</a:t>
+            </a:r>
+            <a:r>
+              <a:rPr lang="en-US" dirty="0"/>
+              <a:t> </a:t>
+            </a:r>
+            <a:r>
+              <a:rPr lang="en-US" dirty="0" err="1"/>
+              <a:t>dari</a:t>
+            </a:r>
+            <a:r>
+              <a:rPr lang="en-US" dirty="0"/>
+              <a:t> </a:t>
+            </a:r>
+            <a:r>
+              <a:rPr lang="en-US" dirty="0" err="1"/>
+              <a:t>kelas</a:t>
+            </a:r>
+            <a:r>
+              <a:rPr lang="en-US" dirty="0"/>
+              <a:t> </a:t>
+            </a:r>
+            <a:r>
+              <a:rPr lang="en-US" dirty="0" err="1"/>
+              <a:t>tertentu</a:t>
+            </a:r>
+            <a:r>
+              <a:rPr lang="en-US" dirty="0"/>
+              <a:t> </a:t>
+            </a:r>
+            <a:r>
+              <a:rPr lang="en-US" dirty="0" err="1"/>
+              <a:t>atau</a:t>
+            </a:r>
+            <a:r>
+              <a:rPr lang="en-US" dirty="0"/>
+              <a:t> </a:t>
+            </a:r>
+            <a:r>
+              <a:rPr lang="en-US" dirty="0" err="1"/>
+              <a:t>tidak</a:t>
+            </a:r>
+            <a:r>
+              <a:rPr lang="en-US" dirty="0"/>
+              <a:t>.</a:t>
+            </a:r>
+          </a:p>
+        </p:txBody>
+      </p:sp>
+    </p:spTree>
+    <p:extLst>
+      <p:ext uri="{BB962C8B-B14F-4D97-AF65-F5344CB8AC3E}">
+        <p14:creationId xmlns:p14="http://schemas.microsoft.com/office/powerpoint/2010/main" val="2141321395"/>
       </p:ext>
     </p:extLst>
   </p:cSld>
